--- a/presentations/Creational_Patterns_GER.pptx
+++ b/presentations/Creational_Patterns_GER.pptx
@@ -48,6 +48,7 @@
     <p:sldId id="293" r:id="rId45"/>
     <p:sldId id="294" r:id="rId46"/>
     <p:sldId id="295" r:id="rId47"/>
+    <p:sldId id="296" r:id="rId48"/>
   </p:sldIdLst>
   <p:sldSz cx="24384000" cy="13716000"/>
   <p:notesSz cx="6858000" cy="9144000"/>
@@ -4029,26 +4030,16 @@
           <a:chExt cx="0" cy="0"/>
         </a:xfrm>
       </p:grpSpPr>
-      <p:pic>
-        <p:nvPicPr>
-          <p:cNvPr id="188" name="02. Singleton.jpg" descr="02. Singleton.jpg"/>
-          <p:cNvPicPr>
-            <a:picLocks noChangeAspect="1"/>
-          </p:cNvPicPr>
+      <p:sp>
+        <p:nvSpPr>
+          <p:cNvPr id="186" name="Anwendbarkeit"/>
+          <p:cNvSpPr txBox="1"/>
           <p:nvPr/>
-        </p:nvPicPr>
-        <p:blipFill>
-          <a:blip r:embed="rId2">
-            <a:extLst/>
-          </a:blip>
-          <a:stretch>
-            <a:fillRect/>
-          </a:stretch>
-        </p:blipFill>
-        <p:spPr>
-          <a:xfrm>
-            <a:off x="8293713" y="4309769"/>
-            <a:ext cx="7796574" cy="5096462"/>
+        </p:nvSpPr>
+        <p:spPr>
+          <a:xfrm>
+            <a:off x="1206500" y="707915"/>
+            <a:ext cx="21971000" cy="934779"/>
           </a:xfrm>
           <a:prstGeom prst="rect">
             <a:avLst/>
@@ -4056,8 +4047,252 @@
           <a:ln w="12700">
             <a:miter lim="400000"/>
           </a:ln>
-        </p:spPr>
-      </p:pic>
+          <a:extLst>
+            <a:ext uri="{C572A759-6A51-4108-AA02-DFA0A04FC94B}">
+              <ma14:wrappingTextBoxFlag xmlns:ma14="http://schemas.microsoft.com/office/mac/drawingml/2011/main" val="1"/>
+            </a:ext>
+          </a:extLst>
+        </p:spPr>
+        <p:txBody>
+          <a:bodyPr lIns="45719" rIns="45719">
+            <a:normAutofit fontScale="100000" lnSpcReduction="0"/>
+          </a:bodyPr>
+          <a:lstStyle>
+            <a:lvl1pPr algn="l" defTabSz="825500">
+              <a:defRPr b="1" sz="5500">
+                <a:solidFill>
+                  <a:srgbClr val="000000"/>
+                </a:solidFill>
+              </a:defRPr>
+            </a:lvl1pPr>
+          </a:lstStyle>
+          <a:p>
+            <a:pPr/>
+            <a:r>
+              <a:t>Anwendbarkeit</a:t>
+            </a:r>
+          </a:p>
+        </p:txBody>
+      </p:sp>
+      <p:sp>
+        <p:nvSpPr>
+          <p:cNvPr id="187" name="Existenz einer einzigen Instanz einer Klasse und Bereitstellung eines Zugangspunktes zum Client…"/>
+          <p:cNvSpPr txBox="1"/>
+          <p:nvPr/>
+        </p:nvSpPr>
+        <p:spPr>
+          <a:xfrm>
+            <a:off x="1198314" y="1894390"/>
+            <a:ext cx="21987372" cy="4564300"/>
+          </a:xfrm>
+          <a:prstGeom prst="rect">
+            <a:avLst/>
+          </a:prstGeom>
+          <a:ln w="12700">
+            <a:miter lim="400000"/>
+          </a:ln>
+          <a:extLst>
+            <a:ext uri="{C572A759-6A51-4108-AA02-DFA0A04FC94B}">
+              <ma14:wrappingTextBoxFlag xmlns:ma14="http://schemas.microsoft.com/office/mac/drawingml/2011/main" val="1"/>
+            </a:ext>
+          </a:extLst>
+        </p:spPr>
+        <p:txBody>
+          <a:bodyPr lIns="50800" tIns="50800" rIns="50800" bIns="50800" anchor="ctr">
+            <a:spAutoFit/>
+          </a:bodyPr>
+          <a:lstStyle/>
+          <a:p>
+            <a:pPr marL="609600" indent="-609600" algn="l">
+              <a:lnSpc>
+                <a:spcPct val="90000"/>
+              </a:lnSpc>
+              <a:spcBef>
+                <a:spcPts val="4500"/>
+              </a:spcBef>
+              <a:buSzPct val="123000"/>
+              <a:buChar char="•"/>
+              <a:defRPr sz="4800">
+                <a:solidFill>
+                  <a:srgbClr val="000000"/>
+                </a:solidFill>
+              </a:defRPr>
+            </a:pPr>
+            <a:r>
+              <a:t>Existenz einer einzigen Instanz einer Klasse und Bereitstellung eines Zugangspunktes zum Client</a:t>
+            </a:r>
+          </a:p>
+          <a:p>
+            <a:pPr marL="609600" indent="-609600" algn="l">
+              <a:lnSpc>
+                <a:spcPct val="90000"/>
+              </a:lnSpc>
+              <a:spcBef>
+                <a:spcPts val="4500"/>
+              </a:spcBef>
+              <a:buSzPct val="123000"/>
+              <a:buChar char="•"/>
+              <a:defRPr sz="4800">
+                <a:solidFill>
+                  <a:srgbClr val="000000"/>
+                </a:solidFill>
+              </a:defRPr>
+            </a:pPr>
+            <a:r>
+              <a:t>Instanz ist durch Unterklassenbildung erweiterbar und Clients können erweiterte Instanz nutzen, ohne bestehenden Code zu ändern</a:t>
+            </a:r>
+          </a:p>
+        </p:txBody>
+      </p:sp>
+      <p:sp>
+        <p:nvSpPr>
+          <p:cNvPr id="188" name="Konsequenzen"/>
+          <p:cNvSpPr txBox="1"/>
+          <p:nvPr/>
+        </p:nvSpPr>
+        <p:spPr>
+          <a:xfrm>
+            <a:off x="1206499" y="6528120"/>
+            <a:ext cx="21971001" cy="934780"/>
+          </a:xfrm>
+          <a:prstGeom prst="rect">
+            <a:avLst/>
+          </a:prstGeom>
+          <a:ln w="12700">
+            <a:miter lim="400000"/>
+          </a:ln>
+          <a:extLst>
+            <a:ext uri="{C572A759-6A51-4108-AA02-DFA0A04FC94B}">
+              <ma14:wrappingTextBoxFlag xmlns:ma14="http://schemas.microsoft.com/office/mac/drawingml/2011/main" val="1"/>
+            </a:ext>
+          </a:extLst>
+        </p:spPr>
+        <p:txBody>
+          <a:bodyPr lIns="45719" rIns="45719">
+            <a:normAutofit fontScale="100000" lnSpcReduction="0"/>
+          </a:bodyPr>
+          <a:lstStyle>
+            <a:lvl1pPr algn="l" defTabSz="825500">
+              <a:defRPr b="1" sz="5500">
+                <a:solidFill>
+                  <a:srgbClr val="000000"/>
+                </a:solidFill>
+              </a:defRPr>
+            </a:lvl1pPr>
+          </a:lstStyle>
+          <a:p>
+            <a:pPr/>
+            <a:r>
+              <a:t>Konsequenzen</a:t>
+            </a:r>
+          </a:p>
+        </p:txBody>
+      </p:sp>
+      <p:sp>
+        <p:nvSpPr>
+          <p:cNvPr id="189" name="Kontrollierter Zugriff auf einzige Instanz…"/>
+          <p:cNvSpPr txBox="1"/>
+          <p:nvPr/>
+        </p:nvSpPr>
+        <p:spPr>
+          <a:xfrm>
+            <a:off x="1198314" y="7770765"/>
+            <a:ext cx="21987372" cy="5707300"/>
+          </a:xfrm>
+          <a:prstGeom prst="rect">
+            <a:avLst/>
+          </a:prstGeom>
+          <a:ln w="12700">
+            <a:miter lim="400000"/>
+          </a:ln>
+          <a:extLst>
+            <a:ext uri="{C572A759-6A51-4108-AA02-DFA0A04FC94B}">
+              <ma14:wrappingTextBoxFlag xmlns:ma14="http://schemas.microsoft.com/office/mac/drawingml/2011/main" val="1"/>
+            </a:ext>
+          </a:extLst>
+        </p:spPr>
+        <p:txBody>
+          <a:bodyPr lIns="50800" tIns="50800" rIns="50800" bIns="50800" anchor="ctr">
+            <a:spAutoFit/>
+          </a:bodyPr>
+          <a:lstStyle/>
+          <a:p>
+            <a:pPr marL="609600" indent="-609600" algn="l">
+              <a:lnSpc>
+                <a:spcPct val="90000"/>
+              </a:lnSpc>
+              <a:spcBef>
+                <a:spcPts val="4500"/>
+              </a:spcBef>
+              <a:buSzPct val="123000"/>
+              <a:buChar char="•"/>
+              <a:defRPr sz="4800">
+                <a:solidFill>
+                  <a:srgbClr val="000000"/>
+                </a:solidFill>
+              </a:defRPr>
+            </a:pPr>
+            <a:r>
+              <a:t>Kontrollierter Zugriff auf einzige Instanz</a:t>
+            </a:r>
+          </a:p>
+          <a:p>
+            <a:pPr marL="609600" indent="-609600" algn="l">
+              <a:lnSpc>
+                <a:spcPct val="90000"/>
+              </a:lnSpc>
+              <a:spcBef>
+                <a:spcPts val="4500"/>
+              </a:spcBef>
+              <a:buSzPct val="123000"/>
+              <a:buChar char="•"/>
+              <a:defRPr sz="4800">
+                <a:solidFill>
+                  <a:srgbClr val="000000"/>
+                </a:solidFill>
+              </a:defRPr>
+            </a:pPr>
+            <a:r>
+              <a:t>Eingeschränkter Namensraum</a:t>
+            </a:r>
+          </a:p>
+          <a:p>
+            <a:pPr marL="609600" indent="-609600" algn="l">
+              <a:lnSpc>
+                <a:spcPct val="90000"/>
+              </a:lnSpc>
+              <a:spcBef>
+                <a:spcPts val="4500"/>
+              </a:spcBef>
+              <a:buSzPct val="123000"/>
+              <a:buChar char="•"/>
+              <a:defRPr sz="4800">
+                <a:solidFill>
+                  <a:srgbClr val="000000"/>
+                </a:solidFill>
+              </a:defRPr>
+            </a:pPr>
+            <a:r>
+              <a:t>Verbesserte Operationen und Darstellung (durch Spezialisierung/Vererbung)</a:t>
+            </a:r>
+          </a:p>
+          <a:p>
+            <a:pPr algn="l">
+              <a:lnSpc>
+                <a:spcPct val="90000"/>
+              </a:lnSpc>
+              <a:spcBef>
+                <a:spcPts val="4500"/>
+              </a:spcBef>
+              <a:defRPr sz="4800">
+                <a:solidFill>
+                  <a:srgbClr val="000000"/>
+                </a:solidFill>
+              </a:defRPr>
+            </a:pPr>
+          </a:p>
+        </p:txBody>
+      </p:sp>
     </p:spTree>
   </p:cSld>
   <p:clrMapOvr>
@@ -4084,30 +4319,35 @@
           <a:chExt cx="0" cy="0"/>
         </a:xfrm>
       </p:grpSpPr>
-      <p:sp>
-        <p:nvSpPr>
-          <p:cNvPr id="190" name="Beispiel"/>
-          <p:cNvSpPr txBox="1"/>
-          <p:nvPr>
-            <p:ph type="body" sz="half" idx="1"/>
-          </p:nvPr>
-        </p:nvSpPr>
-        <p:spPr>
-          <a:prstGeom prst="rect">
-            <a:avLst/>
-          </a:prstGeom>
-        </p:spPr>
-        <p:txBody>
-          <a:bodyPr/>
-          <a:lstStyle/>
-          <a:p>
-            <a:pPr/>
-            <a:r>
-              <a:t>Beispiel</a:t>
-            </a:r>
-          </a:p>
-        </p:txBody>
-      </p:sp>
+      <p:pic>
+        <p:nvPicPr>
+          <p:cNvPr id="191" name="02. Singleton.jpg" descr="02. Singleton.jpg"/>
+          <p:cNvPicPr>
+            <a:picLocks noChangeAspect="1"/>
+          </p:cNvPicPr>
+          <p:nvPr/>
+        </p:nvPicPr>
+        <p:blipFill>
+          <a:blip r:embed="rId2">
+            <a:extLst/>
+          </a:blip>
+          <a:stretch>
+            <a:fillRect/>
+          </a:stretch>
+        </p:blipFill>
+        <p:spPr>
+          <a:xfrm>
+            <a:off x="8293713" y="4309769"/>
+            <a:ext cx="7796574" cy="5096462"/>
+          </a:xfrm>
+          <a:prstGeom prst="rect">
+            <a:avLst/>
+          </a:prstGeom>
+          <a:ln w="12700">
+            <a:miter lim="400000"/>
+          </a:ln>
+        </p:spPr>
+      </p:pic>
     </p:spTree>
   </p:cSld>
   <p:clrMapOvr>
@@ -4136,10 +4376,10 @@
       </p:grpSpPr>
       <p:sp>
         <p:nvSpPr>
-          <p:cNvPr id="192" name="Prototype"/>
+          <p:cNvPr id="193" name="Beispiel"/>
           <p:cNvSpPr txBox="1"/>
           <p:nvPr>
-            <p:ph type="title"/>
+            <p:ph type="body" sz="half" idx="1"/>
           </p:nvPr>
         </p:nvSpPr>
         <p:spPr>
@@ -4153,100 +4393,11 @@
           <a:p>
             <a:pPr/>
             <a:r>
-              <a:t>Prototype</a:t>
-            </a:r>
-          </a:p>
-        </p:txBody>
-      </p:sp>
-      <p:sp>
-        <p:nvSpPr>
-          <p:cNvPr id="193" name="Prototyp"/>
-          <p:cNvSpPr txBox="1"/>
-          <p:nvPr>
-            <p:ph type="body" sz="quarter" idx="1"/>
-          </p:nvPr>
-        </p:nvSpPr>
-        <p:spPr>
-          <a:prstGeom prst="rect">
-            <a:avLst/>
-          </a:prstGeom>
-        </p:spPr>
-        <p:txBody>
-          <a:bodyPr/>
-          <a:lstStyle/>
-          <a:p>
-            <a:pPr/>
-            <a:r>
-              <a:t>Prototyp</a:t>
-            </a:r>
-          </a:p>
-        </p:txBody>
-      </p:sp>
-      <p:sp>
-        <p:nvSpPr>
-          <p:cNvPr id="194" name="Quelle: https://refactoring.guru/design-patterns/prototype"/>
-          <p:cNvSpPr txBox="1"/>
-          <p:nvPr/>
-        </p:nvSpPr>
-        <p:spPr>
-          <a:xfrm>
-            <a:off x="11832614" y="10678636"/>
-            <a:ext cx="7966863" cy="461367"/>
-          </a:xfrm>
-          <a:prstGeom prst="rect">
-            <a:avLst/>
-          </a:prstGeom>
-          <a:ln w="12700">
-            <a:miter lim="400000"/>
-          </a:ln>
-          <a:extLst>
-            <a:ext uri="{C572A759-6A51-4108-AA02-DFA0A04FC94B}">
-              <ma14:wrappingTextBoxFlag xmlns:ma14="http://schemas.microsoft.com/office/mac/drawingml/2011/main" val="1"/>
-            </a:ext>
-          </a:extLst>
-        </p:spPr>
-        <p:txBody>
-          <a:bodyPr wrap="none" lIns="50800" tIns="50800" rIns="50800" bIns="50800" anchor="ctr">
-            <a:spAutoFit/>
-          </a:bodyPr>
-          <a:lstStyle/>
-          <a:p>
-            <a:pPr/>
-            <a:r>
-              <a:t>Quelle: https://refactoring.guru/design-patterns/prototype</a:t>
-            </a:r>
-          </a:p>
-        </p:txBody>
-      </p:sp>
-      <p:pic>
-        <p:nvPicPr>
-          <p:cNvPr id="195" name="Image" descr="Image"/>
-          <p:cNvPicPr>
-            <a:picLocks noChangeAspect="1"/>
-          </p:cNvPicPr>
-          <p:nvPr/>
-        </p:nvPicPr>
-        <p:blipFill>
-          <a:blip r:embed="rId2">
-            <a:extLst/>
-          </a:blip>
-          <a:stretch>
-            <a:fillRect/>
-          </a:stretch>
-        </p:blipFill>
-        <p:spPr>
-          <a:xfrm>
-            <a:off x="8306885" y="846006"/>
-            <a:ext cx="15018320" cy="9386450"/>
-          </a:xfrm>
-          <a:prstGeom prst="rect">
-            <a:avLst/>
-          </a:prstGeom>
-          <a:ln w="12700">
-            <a:miter lim="400000"/>
-          </a:ln>
-        </p:spPr>
-      </p:pic>
+              <a:t>Beispiel</a:t>
+            </a:r>
+          </a:p>
+        </p:txBody>
+      </p:sp>
     </p:spTree>
   </p:cSld>
   <p:clrMapOvr>
@@ -4273,9 +4424,93 @@
           <a:chExt cx="0" cy="0"/>
         </a:xfrm>
       </p:grpSpPr>
+      <p:sp>
+        <p:nvSpPr>
+          <p:cNvPr id="195" name="Prototype"/>
+          <p:cNvSpPr txBox="1"/>
+          <p:nvPr>
+            <p:ph type="title"/>
+          </p:nvPr>
+        </p:nvSpPr>
+        <p:spPr>
+          <a:prstGeom prst="rect">
+            <a:avLst/>
+          </a:prstGeom>
+        </p:spPr>
+        <p:txBody>
+          <a:bodyPr/>
+          <a:lstStyle/>
+          <a:p>
+            <a:pPr/>
+            <a:r>
+              <a:t>Prototype</a:t>
+            </a:r>
+          </a:p>
+        </p:txBody>
+      </p:sp>
+      <p:sp>
+        <p:nvSpPr>
+          <p:cNvPr id="196" name="Prototyp"/>
+          <p:cNvSpPr txBox="1"/>
+          <p:nvPr>
+            <p:ph type="body" sz="quarter" idx="1"/>
+          </p:nvPr>
+        </p:nvSpPr>
+        <p:spPr>
+          <a:prstGeom prst="rect">
+            <a:avLst/>
+          </a:prstGeom>
+        </p:spPr>
+        <p:txBody>
+          <a:bodyPr/>
+          <a:lstStyle/>
+          <a:p>
+            <a:pPr/>
+            <a:r>
+              <a:t>Prototyp</a:t>
+            </a:r>
+          </a:p>
+        </p:txBody>
+      </p:sp>
+      <p:sp>
+        <p:nvSpPr>
+          <p:cNvPr id="197" name="Quelle: https://refactoring.guru/design-patterns/prototype"/>
+          <p:cNvSpPr txBox="1"/>
+          <p:nvPr/>
+        </p:nvSpPr>
+        <p:spPr>
+          <a:xfrm>
+            <a:off x="11832614" y="10678636"/>
+            <a:ext cx="7966863" cy="461367"/>
+          </a:xfrm>
+          <a:prstGeom prst="rect">
+            <a:avLst/>
+          </a:prstGeom>
+          <a:ln w="12700">
+            <a:miter lim="400000"/>
+          </a:ln>
+          <a:extLst>
+            <a:ext uri="{C572A759-6A51-4108-AA02-DFA0A04FC94B}">
+              <ma14:wrappingTextBoxFlag xmlns:ma14="http://schemas.microsoft.com/office/mac/drawingml/2011/main" val="1"/>
+            </a:ext>
+          </a:extLst>
+        </p:spPr>
+        <p:txBody>
+          <a:bodyPr wrap="none" lIns="50800" tIns="50800" rIns="50800" bIns="50800" anchor="ctr">
+            <a:spAutoFit/>
+          </a:bodyPr>
+          <a:lstStyle/>
+          <a:p>
+            <a:pPr/>
+            <a:r>
+              <a:t>Quelle: https://refactoring.guru/design-patterns/prototype</a:t>
+            </a:r>
+          </a:p>
+        </p:txBody>
+      </p:sp>
       <p:pic>
         <p:nvPicPr>
-          <p:cNvPr id="197" name="03. Prototype example.jpg" descr="03. Prototype example.jpg"/>
+          <p:cNvPr id="198" name="Image" descr="Image"/>
           <p:cNvPicPr>
             <a:picLocks noChangeAspect="1"/>
           </p:cNvPicPr>
@@ -4291,8 +4526,8 @@
         </p:blipFill>
         <p:spPr>
           <a:xfrm>
-            <a:off x="2936101" y="1300110"/>
-            <a:ext cx="18511798" cy="11115780"/>
+            <a:off x="8306885" y="846006"/>
+            <a:ext cx="15018320" cy="9386450"/>
           </a:xfrm>
           <a:prstGeom prst="rect">
             <a:avLst/>
@@ -4328,161 +4563,16 @@
           <a:chExt cx="0" cy="0"/>
         </a:xfrm>
       </p:grpSpPr>
-      <p:sp>
-        <p:nvSpPr>
-          <p:cNvPr id="199" name="Zweck"/>
-          <p:cNvSpPr txBox="1"/>
-          <p:nvPr>
-            <p:ph type="body" idx="21"/>
-          </p:nvPr>
-        </p:nvSpPr>
-        <p:spPr>
-          <a:xfrm>
-            <a:off x="1206500" y="642117"/>
-            <a:ext cx="21971000" cy="934779"/>
-          </a:xfrm>
-          <a:prstGeom prst="rect">
-            <a:avLst/>
-          </a:prstGeom>
-          <a:extLst>
-            <a:ext uri="{C572A759-6A51-4108-AA02-DFA0A04FC94B}">
-              <ma14:wrappingTextBoxFlag xmlns:ma14="http://schemas.microsoft.com/office/mac/drawingml/2011/main" val="1"/>
-            </a:ext>
-          </a:extLst>
-        </p:spPr>
-        <p:txBody>
-          <a:bodyPr/>
-          <a:lstStyle/>
-          <a:p>
-            <a:pPr/>
-            <a:r>
-              <a:t>Zweck</a:t>
-            </a:r>
-          </a:p>
-        </p:txBody>
-      </p:sp>
-      <p:sp>
-        <p:nvSpPr>
-          <p:cNvPr id="200" name="Spezifikation einer prototypischen Instanz…"/>
-          <p:cNvSpPr txBox="1"/>
-          <p:nvPr/>
-        </p:nvSpPr>
-        <p:spPr>
-          <a:xfrm>
-            <a:off x="1198314" y="2204842"/>
-            <a:ext cx="21987372" cy="3257866"/>
-          </a:xfrm>
-          <a:prstGeom prst="rect">
-            <a:avLst/>
-          </a:prstGeom>
-          <a:ln w="12700">
-            <a:miter lim="400000"/>
-          </a:ln>
-          <a:extLst>
-            <a:ext uri="{C572A759-6A51-4108-AA02-DFA0A04FC94B}">
-              <ma14:wrappingTextBoxFlag xmlns:ma14="http://schemas.microsoft.com/office/mac/drawingml/2011/main" val="1"/>
-            </a:ext>
-          </a:extLst>
-        </p:spPr>
-        <p:txBody>
-          <a:bodyPr lIns="50800" tIns="50800" rIns="50800" bIns="50800" anchor="ctr">
-            <a:spAutoFit/>
-          </a:bodyPr>
-          <a:lstStyle/>
-          <a:p>
-            <a:pPr marL="609600" indent="-609600" algn="l">
-              <a:lnSpc>
-                <a:spcPct val="90000"/>
-              </a:lnSpc>
-              <a:spcBef>
-                <a:spcPts val="4500"/>
-              </a:spcBef>
-              <a:buSzPct val="123000"/>
-              <a:buChar char="•"/>
-              <a:defRPr sz="4800">
-                <a:solidFill>
-                  <a:srgbClr val="000000"/>
-                </a:solidFill>
-              </a:defRPr>
-            </a:pPr>
-            <a:r>
-              <a:t>Spezifikation einer prototypischen Instanz</a:t>
-            </a:r>
-          </a:p>
-          <a:p>
-            <a:pPr marL="609600" indent="-609600" algn="l">
-              <a:lnSpc>
-                <a:spcPct val="90000"/>
-              </a:lnSpc>
-              <a:spcBef>
-                <a:spcPts val="4500"/>
-              </a:spcBef>
-              <a:buSzPct val="123000"/>
-              <a:buChar char="•"/>
-              <a:defRPr sz="4800">
-                <a:solidFill>
-                  <a:srgbClr val="000000"/>
-                </a:solidFill>
-              </a:defRPr>
-            </a:pPr>
-            <a:r>
-              <a:t>Erzeugung neuer Objekte durch Kopieren des Prototyps</a:t>
-            </a:r>
-          </a:p>
-        </p:txBody>
-      </p:sp>
-      <p:sp>
-        <p:nvSpPr>
-          <p:cNvPr id="201" name="Quelle: https://refactoring.guru/images/patterns/content/prototype/prototype-comic-3-en-2x.png"/>
-          <p:cNvSpPr txBox="1"/>
-          <p:nvPr/>
-        </p:nvSpPr>
-        <p:spPr>
-          <a:xfrm>
-            <a:off x="5532424" y="12162218"/>
-            <a:ext cx="13319152" cy="461367"/>
-          </a:xfrm>
-          <a:prstGeom prst="rect">
-            <a:avLst/>
-          </a:prstGeom>
-          <a:ln w="12700">
-            <a:miter lim="400000"/>
-          </a:ln>
-          <a:extLst>
-            <a:ext uri="{C572A759-6A51-4108-AA02-DFA0A04FC94B}">
-              <ma14:wrappingTextBoxFlag xmlns:ma14="http://schemas.microsoft.com/office/mac/drawingml/2011/main" val="1"/>
-            </a:ext>
-          </a:extLst>
-        </p:spPr>
-        <p:txBody>
-          <a:bodyPr wrap="none" lIns="50800" tIns="50800" rIns="50800" bIns="50800" anchor="ctr">
-            <a:spAutoFit/>
-          </a:bodyPr>
-          <a:lstStyle/>
-          <a:p>
-            <a:pPr/>
-            <a:r>
-              <a:t>Quelle: </a:t>
-            </a:r>
-            <a:r>
-              <a:rPr u="sng">
-                <a:hlinkClick r:id="rId2" invalidUrl="" action="" tgtFrame="" tooltip="" history="1" highlightClick="0" endSnd="0"/>
-              </a:rPr>
-              <a:t>https://refactoring.guru/images/patterns/content/prototype/prototype-comic-3-en-2x.png</a:t>
-            </a:r>
-          </a:p>
-        </p:txBody>
-      </p:sp>
       <p:pic>
         <p:nvPicPr>
-          <p:cNvPr id="202" name="Image" descr="Image"/>
+          <p:cNvPr id="200" name="03. Prototype example.jpg" descr="03. Prototype example.jpg"/>
           <p:cNvPicPr>
             <a:picLocks noChangeAspect="1"/>
           </p:cNvPicPr>
           <p:nvPr/>
         </p:nvPicPr>
         <p:blipFill>
-          <a:blip r:embed="rId3">
+          <a:blip r:embed="rId2">
             <a:extLst/>
           </a:blip>
           <a:stretch>
@@ -4491,8 +4581,8 @@
         </p:blipFill>
         <p:spPr>
           <a:xfrm>
-            <a:off x="6601182" y="6180358"/>
-            <a:ext cx="11181636" cy="5590819"/>
+            <a:off x="2936101" y="1300110"/>
+            <a:ext cx="18511798" cy="11115780"/>
           </a:xfrm>
           <a:prstGeom prst="rect">
             <a:avLst/>
@@ -4530,21 +4620,20 @@
       </p:grpSpPr>
       <p:sp>
         <p:nvSpPr>
-          <p:cNvPr id="204" name="Anwendbarkeit"/>
-          <p:cNvSpPr txBox="1"/>
-          <p:nvPr/>
-        </p:nvSpPr>
-        <p:spPr>
-          <a:xfrm>
-            <a:off x="1206500" y="707915"/>
+          <p:cNvPr id="202" name="Zweck"/>
+          <p:cNvSpPr txBox="1"/>
+          <p:nvPr>
+            <p:ph type="body" idx="21"/>
+          </p:nvPr>
+        </p:nvSpPr>
+        <p:spPr>
+          <a:xfrm>
+            <a:off x="1206500" y="642117"/>
             <a:ext cx="21971000" cy="934779"/>
           </a:xfrm>
           <a:prstGeom prst="rect">
             <a:avLst/>
           </a:prstGeom>
-          <a:ln w="12700">
-            <a:miter lim="400000"/>
-          </a:ln>
           <a:extLst>
             <a:ext uri="{C572A759-6A51-4108-AA02-DFA0A04FC94B}">
               <ma14:wrappingTextBoxFlag xmlns:ma14="http://schemas.microsoft.com/office/mac/drawingml/2011/main" val="1"/>
@@ -4552,36 +4641,26 @@
           </a:extLst>
         </p:spPr>
         <p:txBody>
-          <a:bodyPr lIns="45719" rIns="45719">
-            <a:normAutofit fontScale="100000" lnSpcReduction="0"/>
-          </a:bodyPr>
-          <a:lstStyle>
-            <a:lvl1pPr algn="l" defTabSz="825500">
-              <a:defRPr b="1" sz="5500">
-                <a:solidFill>
-                  <a:srgbClr val="000000"/>
-                </a:solidFill>
-              </a:defRPr>
-            </a:lvl1pPr>
-          </a:lstStyle>
+          <a:bodyPr/>
+          <a:lstStyle/>
           <a:p>
             <a:pPr/>
             <a:r>
-              <a:t>Anwendbarkeit</a:t>
-            </a:r>
-          </a:p>
-        </p:txBody>
-      </p:sp>
-      <p:sp>
-        <p:nvSpPr>
-          <p:cNvPr id="205" name="wenn zu instanziierende Klassen zur Laufzeit spezifiziert werden (dyn. Laden)…"/>
+              <a:t>Zweck</a:t>
+            </a:r>
+          </a:p>
+        </p:txBody>
+      </p:sp>
+      <p:sp>
+        <p:nvSpPr>
+          <p:cNvPr id="203" name="Spezifikation einer prototypischen Instanz…"/>
           <p:cNvSpPr txBox="1"/>
           <p:nvPr/>
         </p:nvSpPr>
         <p:spPr>
           <a:xfrm>
-            <a:off x="1198314" y="1935249"/>
-            <a:ext cx="21987372" cy="4482582"/>
+            <a:off x="1198314" y="2204842"/>
+            <a:ext cx="21987372" cy="3257866"/>
           </a:xfrm>
           <a:prstGeom prst="rect">
             <a:avLst/>
@@ -4617,7 +4696,7 @@
               </a:defRPr>
             </a:pPr>
             <a:r>
-              <a:t>wenn zu instanziierende Klassen zur Laufzeit spezifiziert werden (dyn. Laden)</a:t>
+              <a:t>Spezifikation einer prototypischen Instanz</a:t>
             </a:r>
           </a:p>
           <a:p>
@@ -4637,69 +4716,20 @@
               </a:defRPr>
             </a:pPr>
             <a:r>
-              <a:t>Vermeidung von Fabriken, da sonst zu viele konkrete Klassen existieren</a:t>
-            </a:r>
-          </a:p>
-          <a:p>
-            <a:pPr marL="609600" indent="-609600" algn="l">
-              <a:lnSpc>
-                <a:spcPct val="90000"/>
-              </a:lnSpc>
-              <a:spcBef>
-                <a:spcPts val="4500"/>
-              </a:spcBef>
-              <a:buSzPct val="123000"/>
-              <a:buChar char="•"/>
-              <a:defRPr sz="4800">
-                <a:solidFill>
-                  <a:srgbClr val="000000"/>
-                </a:solidFill>
-              </a:defRPr>
-            </a:pPr>
-            <a:r>
-              <a:t>Instanzen weisen wenige Zustandskombinationen auf</a:t>
-            </a:r>
-          </a:p>
-        </p:txBody>
-      </p:sp>
-      <p:pic>
-        <p:nvPicPr>
-          <p:cNvPr id="206" name="Image" descr="Image"/>
-          <p:cNvPicPr>
-            <a:picLocks noChangeAspect="1"/>
-          </p:cNvPicPr>
+              <a:t>Erzeugung neuer Objekte durch Kopieren des Prototyps</a:t>
+            </a:r>
+          </a:p>
+        </p:txBody>
+      </p:sp>
+      <p:sp>
+        <p:nvSpPr>
+          <p:cNvPr id="204" name="Quelle: https://refactoring.guru/images/patterns/content/prototype/prototype-comic-3-en-2x.png"/>
+          <p:cNvSpPr txBox="1"/>
           <p:nvPr/>
-        </p:nvPicPr>
-        <p:blipFill>
-          <a:blip r:embed="rId2">
-            <a:extLst/>
-          </a:blip>
-          <a:stretch>
-            <a:fillRect/>
-          </a:stretch>
-        </p:blipFill>
-        <p:spPr>
-          <a:xfrm>
-            <a:off x="8480500" y="6113934"/>
-            <a:ext cx="7423000" cy="6482970"/>
-          </a:xfrm>
-          <a:prstGeom prst="rect">
-            <a:avLst/>
-          </a:prstGeom>
-          <a:ln w="12700">
-            <a:miter lim="400000"/>
-          </a:ln>
-        </p:spPr>
-      </p:pic>
-      <p:sp>
-        <p:nvSpPr>
-          <p:cNvPr id="207" name="Quelle: https://refactoring.guru/images/patterns/content/prototype/prototype-comic-2-en-2x.png"/>
-          <p:cNvSpPr txBox="1"/>
-          <p:nvPr/>
-        </p:nvSpPr>
-        <p:spPr>
-          <a:xfrm>
-            <a:off x="5532424" y="12618705"/>
+        </p:nvSpPr>
+        <p:spPr>
+          <a:xfrm>
+            <a:off x="5532424" y="12162218"/>
             <a:ext cx="13319152" cy="461367"/>
           </a:xfrm>
           <a:prstGeom prst="rect">
@@ -4726,13 +4756,42 @@
             </a:r>
             <a:r>
               <a:rPr u="sng">
-                <a:hlinkClick r:id="rId3" invalidUrl="" action="" tgtFrame="" tooltip="" history="1" highlightClick="0" endSnd="0"/>
+                <a:hlinkClick r:id="rId2" invalidUrl="" action="" tgtFrame="" tooltip="" history="1" highlightClick="0" endSnd="0"/>
               </a:rPr>
-              <a:t>https://refactoring.guru/images/patterns/content/prototype/prototype-comic-2-en-2x.png</a:t>
-            </a:r>
-          </a:p>
-        </p:txBody>
-      </p:sp>
+              <a:t>https://refactoring.guru/images/patterns/content/prototype/prototype-comic-3-en-2x.png</a:t>
+            </a:r>
+          </a:p>
+        </p:txBody>
+      </p:sp>
+      <p:pic>
+        <p:nvPicPr>
+          <p:cNvPr id="205" name="Image" descr="Image"/>
+          <p:cNvPicPr>
+            <a:picLocks noChangeAspect="1"/>
+          </p:cNvPicPr>
+          <p:nvPr/>
+        </p:nvPicPr>
+        <p:blipFill>
+          <a:blip r:embed="rId3">
+            <a:extLst/>
+          </a:blip>
+          <a:stretch>
+            <a:fillRect/>
+          </a:stretch>
+        </p:blipFill>
+        <p:spPr>
+          <a:xfrm>
+            <a:off x="6601182" y="6180358"/>
+            <a:ext cx="11181636" cy="5590819"/>
+          </a:xfrm>
+          <a:prstGeom prst="rect">
+            <a:avLst/>
+          </a:prstGeom>
+          <a:ln w="12700">
+            <a:miter lim="400000"/>
+          </a:ln>
+        </p:spPr>
+      </p:pic>
     </p:spTree>
   </p:cSld>
   <p:clrMapOvr>
@@ -4761,7 +4820,7 @@
       </p:grpSpPr>
       <p:sp>
         <p:nvSpPr>
-          <p:cNvPr id="209" name="Konsequenzen"/>
+          <p:cNvPr id="207" name="Anwendbarkeit"/>
           <p:cNvSpPr txBox="1"/>
           <p:nvPr/>
         </p:nvSpPr>
@@ -4798,21 +4857,21 @@
           <a:p>
             <a:pPr/>
             <a:r>
-              <a:t>Konsequenzen</a:t>
-            </a:r>
-          </a:p>
-        </p:txBody>
-      </p:sp>
-      <p:sp>
-        <p:nvSpPr>
-          <p:cNvPr id="210" name="Produktergänzung und -entfernung zur Laufzeit (mehr Flexibilität als and. EM)…"/>
+              <a:t>Anwendbarkeit</a:t>
+            </a:r>
+          </a:p>
+        </p:txBody>
+      </p:sp>
+      <p:sp>
+        <p:nvSpPr>
+          <p:cNvPr id="208" name="wenn zu instanziierende Klassen zur Laufzeit spezifiziert werden (dyn. Laden)…"/>
           <p:cNvSpPr txBox="1"/>
           <p:nvPr/>
         </p:nvSpPr>
         <p:spPr>
           <a:xfrm>
-            <a:off x="1198314" y="2825938"/>
-            <a:ext cx="21987372" cy="5135800"/>
+            <a:off x="1198314" y="1935249"/>
+            <a:ext cx="21987372" cy="4482582"/>
           </a:xfrm>
           <a:prstGeom prst="rect">
             <a:avLst/>
@@ -4848,7 +4907,7 @@
               </a:defRPr>
             </a:pPr>
             <a:r>
-              <a:t>Produktergänzung und -entfernung zur Laufzeit (mehr Flexibilität als and. EM)</a:t>
+              <a:t>wenn zu instanziierende Klassen zur Laufzeit spezifiziert werden (dyn. Laden)</a:t>
             </a:r>
           </a:p>
           <a:p>
@@ -4868,7 +4927,7 @@
               </a:defRPr>
             </a:pPr>
             <a:r>
-              <a:t>Spezifikation neuer Objekte mittels Wertevariation (und dadurch Minderung konkreter Klassen)</a:t>
+              <a:t>Vermeidung von Fabriken, da sonst zu viele konkrete Klassen existieren</a:t>
             </a:r>
           </a:p>
           <a:p>
@@ -4888,7 +4947,78 @@
               </a:defRPr>
             </a:pPr>
             <a:r>
-              <a:t>Reduzierte Unterklassenbildung</a:t>
+              <a:t>Instanzen weisen wenige Zustandskombinationen auf</a:t>
+            </a:r>
+          </a:p>
+        </p:txBody>
+      </p:sp>
+      <p:pic>
+        <p:nvPicPr>
+          <p:cNvPr id="209" name="Image" descr="Image"/>
+          <p:cNvPicPr>
+            <a:picLocks noChangeAspect="1"/>
+          </p:cNvPicPr>
+          <p:nvPr/>
+        </p:nvPicPr>
+        <p:blipFill>
+          <a:blip r:embed="rId2">
+            <a:extLst/>
+          </a:blip>
+          <a:stretch>
+            <a:fillRect/>
+          </a:stretch>
+        </p:blipFill>
+        <p:spPr>
+          <a:xfrm>
+            <a:off x="8480500" y="6113934"/>
+            <a:ext cx="7423000" cy="6482970"/>
+          </a:xfrm>
+          <a:prstGeom prst="rect">
+            <a:avLst/>
+          </a:prstGeom>
+          <a:ln w="12700">
+            <a:miter lim="400000"/>
+          </a:ln>
+        </p:spPr>
+      </p:pic>
+      <p:sp>
+        <p:nvSpPr>
+          <p:cNvPr id="210" name="Quelle: https://refactoring.guru/images/patterns/content/prototype/prototype-comic-2-en-2x.png"/>
+          <p:cNvSpPr txBox="1"/>
+          <p:nvPr/>
+        </p:nvSpPr>
+        <p:spPr>
+          <a:xfrm>
+            <a:off x="5532424" y="12618705"/>
+            <a:ext cx="13319152" cy="461367"/>
+          </a:xfrm>
+          <a:prstGeom prst="rect">
+            <a:avLst/>
+          </a:prstGeom>
+          <a:ln w="12700">
+            <a:miter lim="400000"/>
+          </a:ln>
+          <a:extLst>
+            <a:ext uri="{C572A759-6A51-4108-AA02-DFA0A04FC94B}">
+              <ma14:wrappingTextBoxFlag xmlns:ma14="http://schemas.microsoft.com/office/mac/drawingml/2011/main" val="1"/>
+            </a:ext>
+          </a:extLst>
+        </p:spPr>
+        <p:txBody>
+          <a:bodyPr wrap="none" lIns="50800" tIns="50800" rIns="50800" bIns="50800" anchor="ctr">
+            <a:spAutoFit/>
+          </a:bodyPr>
+          <a:lstStyle/>
+          <a:p>
+            <a:pPr/>
+            <a:r>
+              <a:t>Quelle: </a:t>
+            </a:r>
+            <a:r>
+              <a:rPr u="sng">
+                <a:hlinkClick r:id="rId3" invalidUrl="" action="" tgtFrame="" tooltip="" history="1" highlightClick="0" endSnd="0"/>
+              </a:rPr>
+              <a:t>https://refactoring.guru/images/patterns/content/prototype/prototype-comic-2-en-2x.png</a:t>
             </a:r>
           </a:p>
         </p:txBody>
@@ -4919,26 +5049,16 @@
           <a:chExt cx="0" cy="0"/>
         </a:xfrm>
       </p:grpSpPr>
-      <p:pic>
-        <p:nvPicPr>
-          <p:cNvPr id="212" name="03. Prototype.jpg" descr="03. Prototype.jpg"/>
-          <p:cNvPicPr>
-            <a:picLocks noChangeAspect="1"/>
-          </p:cNvPicPr>
+      <p:sp>
+        <p:nvSpPr>
+          <p:cNvPr id="212" name="Konsequenzen"/>
+          <p:cNvSpPr txBox="1"/>
           <p:nvPr/>
-        </p:nvPicPr>
-        <p:blipFill>
-          <a:blip r:embed="rId2">
-            <a:extLst/>
-          </a:blip>
-          <a:stretch>
-            <a:fillRect/>
-          </a:stretch>
-        </p:blipFill>
-        <p:spPr>
-          <a:xfrm>
-            <a:off x="4859119" y="4161549"/>
-            <a:ext cx="14665762" cy="5392902"/>
+        </p:nvSpPr>
+        <p:spPr>
+          <a:xfrm>
+            <a:off x="1206500" y="707915"/>
+            <a:ext cx="21971000" cy="934779"/>
           </a:xfrm>
           <a:prstGeom prst="rect">
             <a:avLst/>
@@ -4946,8 +5066,123 @@
           <a:ln w="12700">
             <a:miter lim="400000"/>
           </a:ln>
-        </p:spPr>
-      </p:pic>
+          <a:extLst>
+            <a:ext uri="{C572A759-6A51-4108-AA02-DFA0A04FC94B}">
+              <ma14:wrappingTextBoxFlag xmlns:ma14="http://schemas.microsoft.com/office/mac/drawingml/2011/main" val="1"/>
+            </a:ext>
+          </a:extLst>
+        </p:spPr>
+        <p:txBody>
+          <a:bodyPr lIns="45719" rIns="45719">
+            <a:normAutofit fontScale="100000" lnSpcReduction="0"/>
+          </a:bodyPr>
+          <a:lstStyle>
+            <a:lvl1pPr algn="l" defTabSz="825500">
+              <a:defRPr b="1" sz="5500">
+                <a:solidFill>
+                  <a:srgbClr val="000000"/>
+                </a:solidFill>
+              </a:defRPr>
+            </a:lvl1pPr>
+          </a:lstStyle>
+          <a:p>
+            <a:pPr/>
+            <a:r>
+              <a:t>Konsequenzen</a:t>
+            </a:r>
+          </a:p>
+        </p:txBody>
+      </p:sp>
+      <p:sp>
+        <p:nvSpPr>
+          <p:cNvPr id="213" name="Produktergänzung und -entfernung zur Laufzeit (mehr Flexibilität als and. EM)…"/>
+          <p:cNvSpPr txBox="1"/>
+          <p:nvPr/>
+        </p:nvSpPr>
+        <p:spPr>
+          <a:xfrm>
+            <a:off x="1198314" y="2825938"/>
+            <a:ext cx="21987372" cy="5135800"/>
+          </a:xfrm>
+          <a:prstGeom prst="rect">
+            <a:avLst/>
+          </a:prstGeom>
+          <a:ln w="12700">
+            <a:miter lim="400000"/>
+          </a:ln>
+          <a:extLst>
+            <a:ext uri="{C572A759-6A51-4108-AA02-DFA0A04FC94B}">
+              <ma14:wrappingTextBoxFlag xmlns:ma14="http://schemas.microsoft.com/office/mac/drawingml/2011/main" val="1"/>
+            </a:ext>
+          </a:extLst>
+        </p:spPr>
+        <p:txBody>
+          <a:bodyPr lIns="50800" tIns="50800" rIns="50800" bIns="50800" anchor="ctr">
+            <a:spAutoFit/>
+          </a:bodyPr>
+          <a:lstStyle/>
+          <a:p>
+            <a:pPr marL="609600" indent="-609600" algn="l">
+              <a:lnSpc>
+                <a:spcPct val="90000"/>
+              </a:lnSpc>
+              <a:spcBef>
+                <a:spcPts val="4500"/>
+              </a:spcBef>
+              <a:buSzPct val="123000"/>
+              <a:buChar char="•"/>
+              <a:defRPr sz="4800">
+                <a:solidFill>
+                  <a:srgbClr val="000000"/>
+                </a:solidFill>
+              </a:defRPr>
+            </a:pPr>
+            <a:r>
+              <a:t>Produktergänzung und -entfernung zur Laufzeit (mehr Flexibilität als and. EM)</a:t>
+            </a:r>
+          </a:p>
+          <a:p>
+            <a:pPr marL="609600" indent="-609600" algn="l">
+              <a:lnSpc>
+                <a:spcPct val="90000"/>
+              </a:lnSpc>
+              <a:spcBef>
+                <a:spcPts val="4500"/>
+              </a:spcBef>
+              <a:buSzPct val="123000"/>
+              <a:buChar char="•"/>
+              <a:defRPr sz="4800">
+                <a:solidFill>
+                  <a:srgbClr val="000000"/>
+                </a:solidFill>
+              </a:defRPr>
+            </a:pPr>
+            <a:r>
+              <a:t>Spezifikation neuer Objekte mittels Wertevariation (und dadurch Minderung konkreter Klassen)</a:t>
+            </a:r>
+          </a:p>
+          <a:p>
+            <a:pPr marL="609600" indent="-609600" algn="l">
+              <a:lnSpc>
+                <a:spcPct val="90000"/>
+              </a:lnSpc>
+              <a:spcBef>
+                <a:spcPts val="4500"/>
+              </a:spcBef>
+              <a:buSzPct val="123000"/>
+              <a:buChar char="•"/>
+              <a:defRPr sz="4800">
+                <a:solidFill>
+                  <a:srgbClr val="000000"/>
+                </a:solidFill>
+              </a:defRPr>
+            </a:pPr>
+            <a:r>
+              <a:t>Reduzierte Unterklassenbildung</a:t>
+            </a:r>
+          </a:p>
+        </p:txBody>
+      </p:sp>
     </p:spTree>
   </p:cSld>
   <p:clrMapOvr>
@@ -4974,30 +5209,35 @@
           <a:chExt cx="0" cy="0"/>
         </a:xfrm>
       </p:grpSpPr>
-      <p:sp>
-        <p:nvSpPr>
-          <p:cNvPr id="214" name="Beispiel"/>
-          <p:cNvSpPr txBox="1"/>
-          <p:nvPr>
-            <p:ph type="body" sz="half" idx="1"/>
-          </p:nvPr>
-        </p:nvSpPr>
-        <p:spPr>
-          <a:prstGeom prst="rect">
-            <a:avLst/>
-          </a:prstGeom>
-        </p:spPr>
-        <p:txBody>
-          <a:bodyPr/>
-          <a:lstStyle/>
-          <a:p>
-            <a:pPr/>
-            <a:r>
-              <a:t>Beispiel</a:t>
-            </a:r>
-          </a:p>
-        </p:txBody>
-      </p:sp>
+      <p:pic>
+        <p:nvPicPr>
+          <p:cNvPr id="215" name="03. Prototype.jpg" descr="03. Prototype.jpg"/>
+          <p:cNvPicPr>
+            <a:picLocks noChangeAspect="1"/>
+          </p:cNvPicPr>
+          <p:nvPr/>
+        </p:nvPicPr>
+        <p:blipFill>
+          <a:blip r:embed="rId2">
+            <a:extLst/>
+          </a:blip>
+          <a:stretch>
+            <a:fillRect/>
+          </a:stretch>
+        </p:blipFill>
+        <p:spPr>
+          <a:xfrm>
+            <a:off x="4859119" y="4161549"/>
+            <a:ext cx="14665762" cy="5392902"/>
+          </a:xfrm>
+          <a:prstGeom prst="rect">
+            <a:avLst/>
+          </a:prstGeom>
+          <a:ln w="12700">
+            <a:miter lim="400000"/>
+          </a:ln>
+        </p:spPr>
+      </p:pic>
     </p:spTree>
   </p:cSld>
   <p:clrMapOvr>
@@ -5026,10 +5266,10 @@
       </p:grpSpPr>
       <p:sp>
         <p:nvSpPr>
-          <p:cNvPr id="216" name="Builder"/>
+          <p:cNvPr id="217" name="Beispiel"/>
           <p:cNvSpPr txBox="1"/>
           <p:nvPr>
-            <p:ph type="title"/>
+            <p:ph type="body" sz="half" idx="1"/>
           </p:nvPr>
         </p:nvSpPr>
         <p:spPr>
@@ -5043,106 +5283,11 @@
           <a:p>
             <a:pPr/>
             <a:r>
-              <a:t>Builder</a:t>
-            </a:r>
-          </a:p>
-        </p:txBody>
-      </p:sp>
-      <p:sp>
-        <p:nvSpPr>
-          <p:cNvPr id="217" name="Erbauer"/>
-          <p:cNvSpPr txBox="1"/>
-          <p:nvPr>
-            <p:ph type="body" sz="quarter" idx="1"/>
-          </p:nvPr>
-        </p:nvSpPr>
-        <p:spPr>
-          <a:prstGeom prst="rect">
-            <a:avLst/>
-          </a:prstGeom>
-        </p:spPr>
-        <p:txBody>
-          <a:bodyPr/>
-          <a:lstStyle/>
-          <a:p>
-            <a:pPr/>
-            <a:r>
-              <a:t>Erbauer</a:t>
-            </a:r>
-          </a:p>
-        </p:txBody>
-      </p:sp>
-      <p:sp>
-        <p:nvSpPr>
-          <p:cNvPr id="218" name="Quelle: https://refactoring.guru/design-patterns/builder"/>
-          <p:cNvSpPr txBox="1"/>
-          <p:nvPr/>
-        </p:nvSpPr>
-        <p:spPr>
-          <a:xfrm>
-            <a:off x="12857886" y="11001981"/>
-            <a:ext cx="7582816" cy="461367"/>
-          </a:xfrm>
-          <a:prstGeom prst="rect">
-            <a:avLst/>
-          </a:prstGeom>
-          <a:ln w="12700">
-            <a:miter lim="400000"/>
-          </a:ln>
-          <a:extLst>
-            <a:ext uri="{C572A759-6A51-4108-AA02-DFA0A04FC94B}">
-              <ma14:wrappingTextBoxFlag xmlns:ma14="http://schemas.microsoft.com/office/mac/drawingml/2011/main" val="1"/>
-            </a:ext>
-          </a:extLst>
-        </p:spPr>
-        <p:txBody>
-          <a:bodyPr wrap="none" lIns="50800" tIns="50800" rIns="50800" bIns="50800" anchor="ctr">
-            <a:spAutoFit/>
-          </a:bodyPr>
-          <a:lstStyle/>
-          <a:p>
-            <a:pPr/>
-            <a:r>
-              <a:t>Quelle: </a:t>
-            </a:r>
-            <a:r>
-              <a:rPr u="sng">
-                <a:hlinkClick r:id="rId2" invalidUrl="" action="" tgtFrame="" tooltip="" history="1" highlightClick="0" endSnd="0"/>
-              </a:rPr>
-              <a:t>https://refactoring.guru/design-patterns/builder</a:t>
-            </a:r>
-          </a:p>
-        </p:txBody>
-      </p:sp>
-      <p:pic>
-        <p:nvPicPr>
-          <p:cNvPr id="219" name="Image" descr="Image"/>
-          <p:cNvPicPr>
-            <a:picLocks noChangeAspect="1"/>
-          </p:cNvPicPr>
-          <p:nvPr/>
-        </p:nvPicPr>
-        <p:blipFill>
-          <a:blip r:embed="rId3">
-            <a:extLst/>
-          </a:blip>
-          <a:stretch>
-            <a:fillRect/>
-          </a:stretch>
-        </p:blipFill>
-        <p:spPr>
-          <a:xfrm>
-            <a:off x="9726119" y="1778000"/>
-            <a:ext cx="13846350" cy="8653968"/>
-          </a:xfrm>
-          <a:prstGeom prst="rect">
-            <a:avLst/>
-          </a:prstGeom>
-          <a:ln w="12700">
-            <a:miter lim="400000"/>
-          </a:ln>
-        </p:spPr>
-      </p:pic>
+              <a:t>Beispiel</a:t>
+            </a:r>
+          </a:p>
+        </p:txBody>
+      </p:sp>
     </p:spTree>
   </p:cSld>
   <p:clrMapOvr>
@@ -5369,16 +5514,106 @@
           <a:chExt cx="0" cy="0"/>
         </a:xfrm>
       </p:grpSpPr>
+      <p:sp>
+        <p:nvSpPr>
+          <p:cNvPr id="219" name="Builder"/>
+          <p:cNvSpPr txBox="1"/>
+          <p:nvPr>
+            <p:ph type="title"/>
+          </p:nvPr>
+        </p:nvSpPr>
+        <p:spPr>
+          <a:prstGeom prst="rect">
+            <a:avLst/>
+          </a:prstGeom>
+        </p:spPr>
+        <p:txBody>
+          <a:bodyPr/>
+          <a:lstStyle/>
+          <a:p>
+            <a:pPr/>
+            <a:r>
+              <a:t>Builder</a:t>
+            </a:r>
+          </a:p>
+        </p:txBody>
+      </p:sp>
+      <p:sp>
+        <p:nvSpPr>
+          <p:cNvPr id="220" name="Erbauer"/>
+          <p:cNvSpPr txBox="1"/>
+          <p:nvPr>
+            <p:ph type="body" sz="quarter" idx="1"/>
+          </p:nvPr>
+        </p:nvSpPr>
+        <p:spPr>
+          <a:prstGeom prst="rect">
+            <a:avLst/>
+          </a:prstGeom>
+        </p:spPr>
+        <p:txBody>
+          <a:bodyPr/>
+          <a:lstStyle/>
+          <a:p>
+            <a:pPr/>
+            <a:r>
+              <a:t>Erbauer</a:t>
+            </a:r>
+          </a:p>
+        </p:txBody>
+      </p:sp>
+      <p:sp>
+        <p:nvSpPr>
+          <p:cNvPr id="221" name="Quelle: https://refactoring.guru/design-patterns/builder"/>
+          <p:cNvSpPr txBox="1"/>
+          <p:nvPr/>
+        </p:nvSpPr>
+        <p:spPr>
+          <a:xfrm>
+            <a:off x="12857886" y="11001981"/>
+            <a:ext cx="7582816" cy="461367"/>
+          </a:xfrm>
+          <a:prstGeom prst="rect">
+            <a:avLst/>
+          </a:prstGeom>
+          <a:ln w="12700">
+            <a:miter lim="400000"/>
+          </a:ln>
+          <a:extLst>
+            <a:ext uri="{C572A759-6A51-4108-AA02-DFA0A04FC94B}">
+              <ma14:wrappingTextBoxFlag xmlns:ma14="http://schemas.microsoft.com/office/mac/drawingml/2011/main" val="1"/>
+            </a:ext>
+          </a:extLst>
+        </p:spPr>
+        <p:txBody>
+          <a:bodyPr wrap="none" lIns="50800" tIns="50800" rIns="50800" bIns="50800" anchor="ctr">
+            <a:spAutoFit/>
+          </a:bodyPr>
+          <a:lstStyle/>
+          <a:p>
+            <a:pPr/>
+            <a:r>
+              <a:t>Quelle: </a:t>
+            </a:r>
+            <a:r>
+              <a:rPr u="sng">
+                <a:hlinkClick r:id="rId2" invalidUrl="" action="" tgtFrame="" tooltip="" history="1" highlightClick="0" endSnd="0"/>
+              </a:rPr>
+              <a:t>https://refactoring.guru/design-patterns/builder</a:t>
+            </a:r>
+          </a:p>
+        </p:txBody>
+      </p:sp>
       <p:pic>
         <p:nvPicPr>
-          <p:cNvPr id="221" name="04. Builder example.jpg" descr="04. Builder example.jpg"/>
+          <p:cNvPr id="222" name="Image" descr="Image"/>
           <p:cNvPicPr>
             <a:picLocks noChangeAspect="1"/>
           </p:cNvPicPr>
           <p:nvPr/>
         </p:nvPicPr>
         <p:blipFill>
-          <a:blip r:embed="rId2">
+          <a:blip r:embed="rId3">
             <a:extLst/>
           </a:blip>
           <a:stretch>
@@ -5387,8 +5622,8 @@
         </p:blipFill>
         <p:spPr>
           <a:xfrm>
-            <a:off x="5280159" y="325514"/>
-            <a:ext cx="13823682" cy="13064972"/>
+            <a:off x="9726119" y="1778000"/>
+            <a:ext cx="13846350" cy="8653968"/>
           </a:xfrm>
           <a:prstGeom prst="rect">
             <a:avLst/>
@@ -5424,112 +5659,9 @@
           <a:chExt cx="0" cy="0"/>
         </a:xfrm>
       </p:grpSpPr>
-      <p:sp>
-        <p:nvSpPr>
-          <p:cNvPr id="223" name="Zweck"/>
-          <p:cNvSpPr txBox="1"/>
-          <p:nvPr>
-            <p:ph type="body" idx="21"/>
-          </p:nvPr>
-        </p:nvSpPr>
-        <p:spPr>
-          <a:xfrm>
-            <a:off x="1206500" y="642117"/>
-            <a:ext cx="21971000" cy="934779"/>
-          </a:xfrm>
-          <a:prstGeom prst="rect">
-            <a:avLst/>
-          </a:prstGeom>
-          <a:extLst>
-            <a:ext uri="{C572A759-6A51-4108-AA02-DFA0A04FC94B}">
-              <ma14:wrappingTextBoxFlag xmlns:ma14="http://schemas.microsoft.com/office/mac/drawingml/2011/main" val="1"/>
-            </a:ext>
-          </a:extLst>
-        </p:spPr>
-        <p:txBody>
-          <a:bodyPr/>
-          <a:lstStyle/>
-          <a:p>
-            <a:pPr/>
-            <a:r>
-              <a:t>Zweck</a:t>
-            </a:r>
-          </a:p>
-        </p:txBody>
-      </p:sp>
-      <p:sp>
-        <p:nvSpPr>
-          <p:cNvPr id="224" name="Erstellung komplexer Objekte nach Bauplan…"/>
-          <p:cNvSpPr txBox="1"/>
-          <p:nvPr/>
-        </p:nvSpPr>
-        <p:spPr>
-          <a:xfrm>
-            <a:off x="1198314" y="1897254"/>
-            <a:ext cx="21987372" cy="3911083"/>
-          </a:xfrm>
-          <a:prstGeom prst="rect">
-            <a:avLst/>
-          </a:prstGeom>
-          <a:ln w="12700">
-            <a:miter lim="400000"/>
-          </a:ln>
-          <a:extLst>
-            <a:ext uri="{C572A759-6A51-4108-AA02-DFA0A04FC94B}">
-              <ma14:wrappingTextBoxFlag xmlns:ma14="http://schemas.microsoft.com/office/mac/drawingml/2011/main" val="1"/>
-            </a:ext>
-          </a:extLst>
-        </p:spPr>
-        <p:txBody>
-          <a:bodyPr lIns="50800" tIns="50800" rIns="50800" bIns="50800" anchor="ctr">
-            <a:spAutoFit/>
-          </a:bodyPr>
-          <a:lstStyle/>
-          <a:p>
-            <a:pPr marL="609600" indent="-609600" algn="l">
-              <a:lnSpc>
-                <a:spcPct val="90000"/>
-              </a:lnSpc>
-              <a:spcBef>
-                <a:spcPts val="4500"/>
-              </a:spcBef>
-              <a:buSzPct val="123000"/>
-              <a:buChar char="•"/>
-              <a:defRPr sz="4800">
-                <a:solidFill>
-                  <a:srgbClr val="000000"/>
-                </a:solidFill>
-              </a:defRPr>
-            </a:pPr>
-            <a:r>
-              <a:t>Erstellung komplexer Objekte nach Bauplan</a:t>
-            </a:r>
-          </a:p>
-          <a:p>
-            <a:pPr marL="609600" indent="-609600" algn="l">
-              <a:lnSpc>
-                <a:spcPct val="90000"/>
-              </a:lnSpc>
-              <a:spcBef>
-                <a:spcPts val="4500"/>
-              </a:spcBef>
-              <a:buSzPct val="123000"/>
-              <a:buChar char="•"/>
-              <a:defRPr sz="4800">
-                <a:solidFill>
-                  <a:srgbClr val="000000"/>
-                </a:solidFill>
-              </a:defRPr>
-            </a:pPr>
-            <a:r>
-              <a:t>Getrennte Handhabung von Erzeugung- und Darstellungsmechanismen in einem einzigen Erzeugungsprozess</a:t>
-            </a:r>
-          </a:p>
-        </p:txBody>
-      </p:sp>
       <p:pic>
         <p:nvPicPr>
-          <p:cNvPr id="225" name="Image" descr="Image"/>
+          <p:cNvPr id="224" name="04. Builder example.jpg" descr="04. Builder example.jpg"/>
           <p:cNvPicPr>
             <a:picLocks noChangeAspect="1"/>
           </p:cNvPicPr>
@@ -5545,8 +5677,8 @@
         </p:blipFill>
         <p:spPr>
           <a:xfrm>
-            <a:off x="9642846" y="4450095"/>
-            <a:ext cx="13345541" cy="7784899"/>
+            <a:off x="5280159" y="325514"/>
+            <a:ext cx="13823682" cy="13064972"/>
           </a:xfrm>
           <a:prstGeom prst="rect">
             <a:avLst/>
@@ -5556,48 +5688,6 @@
           </a:ln>
         </p:spPr>
       </p:pic>
-      <p:sp>
-        <p:nvSpPr>
-          <p:cNvPr id="226" name="Quelle: https://refactoring.guru/design-patterns/builder"/>
-          <p:cNvSpPr txBox="1"/>
-          <p:nvPr/>
-        </p:nvSpPr>
-        <p:spPr>
-          <a:xfrm>
-            <a:off x="12524209" y="12542624"/>
-            <a:ext cx="7582815" cy="461366"/>
-          </a:xfrm>
-          <a:prstGeom prst="rect">
-            <a:avLst/>
-          </a:prstGeom>
-          <a:ln w="12700">
-            <a:miter lim="400000"/>
-          </a:ln>
-          <a:extLst>
-            <a:ext uri="{C572A759-6A51-4108-AA02-DFA0A04FC94B}">
-              <ma14:wrappingTextBoxFlag xmlns:ma14="http://schemas.microsoft.com/office/mac/drawingml/2011/main" val="1"/>
-            </a:ext>
-          </a:extLst>
-        </p:spPr>
-        <p:txBody>
-          <a:bodyPr wrap="none" lIns="50800" tIns="50800" rIns="50800" bIns="50800" anchor="ctr">
-            <a:spAutoFit/>
-          </a:bodyPr>
-          <a:lstStyle/>
-          <a:p>
-            <a:pPr/>
-            <a:r>
-              <a:t>Quelle: </a:t>
-            </a:r>
-            <a:r>
-              <a:rPr u="sng">
-                <a:hlinkClick r:id="rId3" invalidUrl="" action="" tgtFrame="" tooltip="" history="1" highlightClick="0" endSnd="0"/>
-              </a:rPr>
-              <a:t>https://refactoring.guru/design-patterns/builder</a:t>
-            </a:r>
-          </a:p>
-        </p:txBody>
-      </p:sp>
     </p:spTree>
   </p:cSld>
   <p:clrMapOvr>
@@ -5626,21 +5716,20 @@
       </p:grpSpPr>
       <p:sp>
         <p:nvSpPr>
-          <p:cNvPr id="228" name="Anwendbarkeit"/>
-          <p:cNvSpPr txBox="1"/>
-          <p:nvPr/>
-        </p:nvSpPr>
-        <p:spPr>
-          <a:xfrm>
-            <a:off x="1206500" y="707915"/>
+          <p:cNvPr id="226" name="Zweck"/>
+          <p:cNvSpPr txBox="1"/>
+          <p:nvPr>
+            <p:ph type="body" idx="21"/>
+          </p:nvPr>
+        </p:nvSpPr>
+        <p:spPr>
+          <a:xfrm>
+            <a:off x="1206500" y="642117"/>
             <a:ext cx="21971000" cy="934779"/>
           </a:xfrm>
           <a:prstGeom prst="rect">
             <a:avLst/>
           </a:prstGeom>
-          <a:ln w="12700">
-            <a:miter lim="400000"/>
-          </a:ln>
           <a:extLst>
             <a:ext uri="{C572A759-6A51-4108-AA02-DFA0A04FC94B}">
               <ma14:wrappingTextBoxFlag xmlns:ma14="http://schemas.microsoft.com/office/mac/drawingml/2011/main" val="1"/>
@@ -5648,36 +5737,26 @@
           </a:extLst>
         </p:spPr>
         <p:txBody>
-          <a:bodyPr lIns="45719" rIns="45719">
-            <a:normAutofit fontScale="100000" lnSpcReduction="0"/>
-          </a:bodyPr>
-          <a:lstStyle>
-            <a:lvl1pPr algn="l" defTabSz="825500">
-              <a:defRPr b="1" sz="5500">
-                <a:solidFill>
-                  <a:srgbClr val="000000"/>
-                </a:solidFill>
-              </a:defRPr>
-            </a:lvl1pPr>
-          </a:lstStyle>
+          <a:bodyPr/>
+          <a:lstStyle/>
           <a:p>
             <a:pPr/>
             <a:r>
-              <a:t>Anwendbarkeit</a:t>
-            </a:r>
-          </a:p>
-        </p:txBody>
-      </p:sp>
-      <p:sp>
-        <p:nvSpPr>
-          <p:cNvPr id="229" name="Gewährleistung der Unabhängigkeit zur Erzeugung komplexer Objekte von deren Bestandteilen und Komposition…"/>
+              <a:t>Zweck</a:t>
+            </a:r>
+          </a:p>
+        </p:txBody>
+      </p:sp>
+      <p:sp>
+        <p:nvSpPr>
+          <p:cNvPr id="227" name="Erstellung komplexer Objekte nach Bauplan…"/>
           <p:cNvSpPr txBox="1"/>
           <p:nvPr/>
         </p:nvSpPr>
         <p:spPr>
           <a:xfrm>
-            <a:off x="1198314" y="2220999"/>
-            <a:ext cx="21987372" cy="3911082"/>
+            <a:off x="1198314" y="1897254"/>
+            <a:ext cx="21987372" cy="3911083"/>
           </a:xfrm>
           <a:prstGeom prst="rect">
             <a:avLst/>
@@ -5713,7 +5792,7 @@
               </a:defRPr>
             </a:pPr>
             <a:r>
-              <a:t>Gewährleistung der Unabhängigkeit zur Erzeugung komplexer Objekte von deren Bestandteilen und Komposition</a:t>
+              <a:t>Erstellung komplexer Objekte nach Bauplan</a:t>
             </a:r>
           </a:p>
           <a:p>
@@ -5733,21 +5812,50 @@
               </a:defRPr>
             </a:pPr>
             <a:r>
-              <a:t>Zulassen von verschiedenen Darstellungsformen des zu genierenden Objekts</a:t>
-            </a:r>
-          </a:p>
-        </p:txBody>
-      </p:sp>
-      <p:sp>
-        <p:nvSpPr>
-          <p:cNvPr id="230" name="Konsequenzen"/>
-          <p:cNvSpPr txBox="1"/>
+              <a:t>Getrennte Handhabung von Erzeugung- und Darstellungsmechanismen in einem einzigen Erzeugungsprozess</a:t>
+            </a:r>
+          </a:p>
+        </p:txBody>
+      </p:sp>
+      <p:pic>
+        <p:nvPicPr>
+          <p:cNvPr id="228" name="Image" descr="Image"/>
+          <p:cNvPicPr>
+            <a:picLocks noChangeAspect="1"/>
+          </p:cNvPicPr>
           <p:nvPr/>
-        </p:nvSpPr>
-        <p:spPr>
-          <a:xfrm>
-            <a:off x="1206500" y="5970391"/>
-            <a:ext cx="21971000" cy="934779"/>
+        </p:nvPicPr>
+        <p:blipFill>
+          <a:blip r:embed="rId2">
+            <a:extLst/>
+          </a:blip>
+          <a:stretch>
+            <a:fillRect/>
+          </a:stretch>
+        </p:blipFill>
+        <p:spPr>
+          <a:xfrm>
+            <a:off x="9642846" y="4450095"/>
+            <a:ext cx="13345541" cy="7784899"/>
+          </a:xfrm>
+          <a:prstGeom prst="rect">
+            <a:avLst/>
+          </a:prstGeom>
+          <a:ln w="12700">
+            <a:miter lim="400000"/>
+          </a:ln>
+        </p:spPr>
+      </p:pic>
+      <p:sp>
+        <p:nvSpPr>
+          <p:cNvPr id="229" name="Quelle: https://refactoring.guru/design-patterns/builder"/>
+          <p:cNvSpPr txBox="1"/>
+          <p:nvPr/>
+        </p:nvSpPr>
+        <p:spPr>
+          <a:xfrm>
+            <a:off x="12524209" y="12542624"/>
+            <a:ext cx="7582815" cy="461366"/>
           </a:xfrm>
           <a:prstGeom prst="rect">
             <a:avLst/>
@@ -5762,112 +5870,20 @@
           </a:extLst>
         </p:spPr>
         <p:txBody>
-          <a:bodyPr lIns="45719" rIns="45719">
-            <a:normAutofit fontScale="100000" lnSpcReduction="0"/>
-          </a:bodyPr>
-          <a:lstStyle>
-            <a:lvl1pPr algn="l" defTabSz="825500">
-              <a:defRPr b="1" sz="5500">
-                <a:solidFill>
-                  <a:srgbClr val="000000"/>
-                </a:solidFill>
-              </a:defRPr>
-            </a:lvl1pPr>
-          </a:lstStyle>
-          <a:p>
-            <a:pPr/>
-            <a:r>
-              <a:t>Konsequenzen</a:t>
-            </a:r>
-          </a:p>
-        </p:txBody>
-      </p:sp>
-      <p:sp>
-        <p:nvSpPr>
-          <p:cNvPr id="231" name="Variable interne Darstellung eines Produktes…"/>
-          <p:cNvSpPr txBox="1"/>
-          <p:nvPr/>
-        </p:nvSpPr>
-        <p:spPr>
-          <a:xfrm>
-            <a:off x="1198314" y="7441724"/>
-            <a:ext cx="21987372" cy="5135800"/>
-          </a:xfrm>
-          <a:prstGeom prst="rect">
-            <a:avLst/>
-          </a:prstGeom>
-          <a:ln w="12700">
-            <a:miter lim="400000"/>
-          </a:ln>
-          <a:extLst>
-            <a:ext uri="{C572A759-6A51-4108-AA02-DFA0A04FC94B}">
-              <ma14:wrappingTextBoxFlag xmlns:ma14="http://schemas.microsoft.com/office/mac/drawingml/2011/main" val="1"/>
-            </a:ext>
-          </a:extLst>
-        </p:spPr>
-        <p:txBody>
-          <a:bodyPr lIns="50800" tIns="50800" rIns="50800" bIns="50800" anchor="ctr">
+          <a:bodyPr wrap="none" lIns="50800" tIns="50800" rIns="50800" bIns="50800" anchor="ctr">
             <a:spAutoFit/>
           </a:bodyPr>
           <a:lstStyle/>
           <a:p>
-            <a:pPr marL="609600" indent="-609600" algn="l">
-              <a:lnSpc>
-                <a:spcPct val="90000"/>
-              </a:lnSpc>
-              <a:spcBef>
-                <a:spcPts val="4500"/>
-              </a:spcBef>
-              <a:buSzPct val="123000"/>
-              <a:buChar char="•"/>
-              <a:defRPr sz="4800">
-                <a:solidFill>
-                  <a:srgbClr val="000000"/>
-                </a:solidFill>
-              </a:defRPr>
-            </a:pPr>
-            <a:r>
-              <a:t>Variable interne Darstellung eines Produktes</a:t>
-            </a:r>
-          </a:p>
-          <a:p>
-            <a:pPr marL="609600" indent="-609600" algn="l">
-              <a:lnSpc>
-                <a:spcPct val="90000"/>
-              </a:lnSpc>
-              <a:spcBef>
-                <a:spcPts val="4500"/>
-              </a:spcBef>
-              <a:buSzPct val="123000"/>
-              <a:buChar char="•"/>
-              <a:defRPr sz="4800">
-                <a:solidFill>
-                  <a:srgbClr val="000000"/>
-                </a:solidFill>
-              </a:defRPr>
-            </a:pPr>
-            <a:r>
-              <a:t>Isolierung des Code in Bezug auf Erzeugung und Darstellung</a:t>
-            </a:r>
-          </a:p>
-          <a:p>
-            <a:pPr marL="609600" indent="-609600" algn="l">
-              <a:lnSpc>
-                <a:spcPct val="90000"/>
-              </a:lnSpc>
-              <a:spcBef>
-                <a:spcPts val="4500"/>
-              </a:spcBef>
-              <a:buSzPct val="123000"/>
-              <a:buChar char="•"/>
-              <a:defRPr sz="4800">
-                <a:solidFill>
-                  <a:srgbClr val="000000"/>
-                </a:solidFill>
-              </a:defRPr>
-            </a:pPr>
-            <a:r>
-              <a:t>Überwachung des Erzeugungsprozesses (Kontrolle durch Director - Abruf erst wenn Objekt erzeugt wurde</a:t>
+            <a:pPr/>
+            <a:r>
+              <a:t>Quelle: </a:t>
+            </a:r>
+            <a:r>
+              <a:rPr u="sng">
+                <a:hlinkClick r:id="rId3" invalidUrl="" action="" tgtFrame="" tooltip="" history="1" highlightClick="0" endSnd="0"/>
+              </a:rPr>
+              <a:t>https://refactoring.guru/design-patterns/builder</a:t>
             </a:r>
           </a:p>
         </p:txBody>
@@ -5900,7 +5916,7 @@
       </p:grpSpPr>
       <p:sp>
         <p:nvSpPr>
-          <p:cNvPr id="233" name="Erweiterbarkeit"/>
+          <p:cNvPr id="231" name="Anwendbarkeit"/>
           <p:cNvSpPr txBox="1"/>
           <p:nvPr/>
         </p:nvSpPr>
@@ -5937,21 +5953,21 @@
           <a:p>
             <a:pPr/>
             <a:r>
-              <a:t>Erweiterbarkeit</a:t>
-            </a:r>
-          </a:p>
-        </p:txBody>
-      </p:sp>
-      <p:sp>
-        <p:nvSpPr>
-          <p:cNvPr id="234" name="Produkte benötigen keine abstrakte Klasse, da erzeugten Klassen die starke Varianz aufweisen"/>
+              <a:t>Anwendbarkeit</a:t>
+            </a:r>
+          </a:p>
+        </p:txBody>
+      </p:sp>
+      <p:sp>
+        <p:nvSpPr>
+          <p:cNvPr id="232" name="Gewährleistung der Unabhängigkeit zur Erzeugung komplexer Objekte von deren Bestandteilen und Komposition…"/>
           <p:cNvSpPr txBox="1"/>
           <p:nvPr/>
         </p:nvSpPr>
         <p:spPr>
           <a:xfrm>
-            <a:off x="1198314" y="2338830"/>
-            <a:ext cx="21987372" cy="2686366"/>
+            <a:off x="1198314" y="2220999"/>
+            <a:ext cx="21987372" cy="3911082"/>
           </a:xfrm>
           <a:prstGeom prst="rect">
             <a:avLst/>
@@ -5969,8 +5985,9 @@
           <a:bodyPr lIns="50800" tIns="50800" rIns="50800" bIns="50800" anchor="ctr">
             <a:spAutoFit/>
           </a:bodyPr>
-          <a:lstStyle>
-            <a:lvl1pPr marL="609600" indent="-609600" algn="l">
+          <a:lstStyle/>
+          <a:p>
+            <a:pPr marL="609600" indent="-609600" algn="l">
               <a:lnSpc>
                 <a:spcPct val="90000"/>
               </a:lnSpc>
@@ -5984,55 +6001,43 @@
                   <a:srgbClr val="000000"/>
                 </a:solidFill>
               </a:defRPr>
-            </a:lvl1pPr>
-          </a:lstStyle>
-          <a:p>
-            <a:pPr/>
-            <a:r>
-              <a:t>Produkte benötigen keine abstrakte Klasse, da erzeugten Klassen die starke Varianz aufweisen</a:t>
-            </a:r>
-          </a:p>
-        </p:txBody>
-      </p:sp>
-      <p:pic>
-        <p:nvPicPr>
-          <p:cNvPr id="235" name="Image" descr="Image"/>
-          <p:cNvPicPr>
-            <a:picLocks noChangeAspect="1"/>
-          </p:cNvPicPr>
+            </a:pPr>
+            <a:r>
+              <a:t>Gewährleistung der Unabhängigkeit zur Erzeugung komplexer Objekte von deren Bestandteilen und Komposition</a:t>
+            </a:r>
+          </a:p>
+          <a:p>
+            <a:pPr marL="609600" indent="-609600" algn="l">
+              <a:lnSpc>
+                <a:spcPct val="90000"/>
+              </a:lnSpc>
+              <a:spcBef>
+                <a:spcPts val="4500"/>
+              </a:spcBef>
+              <a:buSzPct val="123000"/>
+              <a:buChar char="•"/>
+              <a:defRPr sz="4800">
+                <a:solidFill>
+                  <a:srgbClr val="000000"/>
+                </a:solidFill>
+              </a:defRPr>
+            </a:pPr>
+            <a:r>
+              <a:t>Zulassen von verschiedenen Darstellungsformen des zu genierenden Objekts</a:t>
+            </a:r>
+          </a:p>
+        </p:txBody>
+      </p:sp>
+      <p:sp>
+        <p:nvSpPr>
+          <p:cNvPr id="233" name="Konsequenzen"/>
+          <p:cNvSpPr txBox="1"/>
           <p:nvPr/>
-        </p:nvPicPr>
-        <p:blipFill>
-          <a:blip r:embed="rId2">
-            <a:extLst/>
-          </a:blip>
-          <a:stretch>
-            <a:fillRect/>
-          </a:stretch>
-        </p:blipFill>
-        <p:spPr>
-          <a:xfrm>
-            <a:off x="3506864" y="4645703"/>
-            <a:ext cx="15240001" cy="7620001"/>
-          </a:xfrm>
-          <a:prstGeom prst="rect">
-            <a:avLst/>
-          </a:prstGeom>
-          <a:ln w="12700">
-            <a:miter lim="400000"/>
-          </a:ln>
-        </p:spPr>
-      </p:pic>
-      <p:sp>
-        <p:nvSpPr>
-          <p:cNvPr id="236" name="Quelle: https://refactoring.guru/images/patterns/content/builder/builder-comic-1-en-2x.png"/>
-          <p:cNvSpPr txBox="1"/>
-          <p:nvPr/>
-        </p:nvSpPr>
-        <p:spPr>
-          <a:xfrm>
-            <a:off x="4859718" y="12352421"/>
-            <a:ext cx="12534292" cy="461367"/>
+        </p:nvSpPr>
+        <p:spPr>
+          <a:xfrm>
+            <a:off x="1206500" y="5970391"/>
+            <a:ext cx="21971000" cy="934779"/>
           </a:xfrm>
           <a:prstGeom prst="rect">
             <a:avLst/>
@@ -6047,20 +6052,112 @@
           </a:extLst>
         </p:spPr>
         <p:txBody>
-          <a:bodyPr wrap="none" lIns="50800" tIns="50800" rIns="50800" bIns="50800" anchor="ctr">
+          <a:bodyPr lIns="45719" rIns="45719">
+            <a:normAutofit fontScale="100000" lnSpcReduction="0"/>
+          </a:bodyPr>
+          <a:lstStyle>
+            <a:lvl1pPr algn="l" defTabSz="825500">
+              <a:defRPr b="1" sz="5500">
+                <a:solidFill>
+                  <a:srgbClr val="000000"/>
+                </a:solidFill>
+              </a:defRPr>
+            </a:lvl1pPr>
+          </a:lstStyle>
+          <a:p>
+            <a:pPr/>
+            <a:r>
+              <a:t>Konsequenzen</a:t>
+            </a:r>
+          </a:p>
+        </p:txBody>
+      </p:sp>
+      <p:sp>
+        <p:nvSpPr>
+          <p:cNvPr id="234" name="Variable interne Darstellung eines Produktes…"/>
+          <p:cNvSpPr txBox="1"/>
+          <p:nvPr/>
+        </p:nvSpPr>
+        <p:spPr>
+          <a:xfrm>
+            <a:off x="1198314" y="7441724"/>
+            <a:ext cx="21987372" cy="5135800"/>
+          </a:xfrm>
+          <a:prstGeom prst="rect">
+            <a:avLst/>
+          </a:prstGeom>
+          <a:ln w="12700">
+            <a:miter lim="400000"/>
+          </a:ln>
+          <a:extLst>
+            <a:ext uri="{C572A759-6A51-4108-AA02-DFA0A04FC94B}">
+              <ma14:wrappingTextBoxFlag xmlns:ma14="http://schemas.microsoft.com/office/mac/drawingml/2011/main" val="1"/>
+            </a:ext>
+          </a:extLst>
+        </p:spPr>
+        <p:txBody>
+          <a:bodyPr lIns="50800" tIns="50800" rIns="50800" bIns="50800" anchor="ctr">
             <a:spAutoFit/>
           </a:bodyPr>
           <a:lstStyle/>
           <a:p>
-            <a:pPr/>
-            <a:r>
-              <a:t>Quelle: </a:t>
-            </a:r>
-            <a:r>
-              <a:rPr u="sng">
-                <a:hlinkClick r:id="rId3" invalidUrl="" action="" tgtFrame="" tooltip="" history="1" highlightClick="0" endSnd="0"/>
-              </a:rPr>
-              <a:t>https://refactoring.guru/images/patterns/content/builder/builder-comic-1-en-2x.png</a:t>
+            <a:pPr marL="609600" indent="-609600" algn="l">
+              <a:lnSpc>
+                <a:spcPct val="90000"/>
+              </a:lnSpc>
+              <a:spcBef>
+                <a:spcPts val="4500"/>
+              </a:spcBef>
+              <a:buSzPct val="123000"/>
+              <a:buChar char="•"/>
+              <a:defRPr sz="4800">
+                <a:solidFill>
+                  <a:srgbClr val="000000"/>
+                </a:solidFill>
+              </a:defRPr>
+            </a:pPr>
+            <a:r>
+              <a:t>Variable interne Darstellung eines Produktes</a:t>
+            </a:r>
+          </a:p>
+          <a:p>
+            <a:pPr marL="609600" indent="-609600" algn="l">
+              <a:lnSpc>
+                <a:spcPct val="90000"/>
+              </a:lnSpc>
+              <a:spcBef>
+                <a:spcPts val="4500"/>
+              </a:spcBef>
+              <a:buSzPct val="123000"/>
+              <a:buChar char="•"/>
+              <a:defRPr sz="4800">
+                <a:solidFill>
+                  <a:srgbClr val="000000"/>
+                </a:solidFill>
+              </a:defRPr>
+            </a:pPr>
+            <a:r>
+              <a:t>Isolierung des Code in Bezug auf Erzeugung und Darstellung</a:t>
+            </a:r>
+          </a:p>
+          <a:p>
+            <a:pPr marL="609600" indent="-609600" algn="l">
+              <a:lnSpc>
+                <a:spcPct val="90000"/>
+              </a:lnSpc>
+              <a:spcBef>
+                <a:spcPts val="4500"/>
+              </a:spcBef>
+              <a:buSzPct val="123000"/>
+              <a:buChar char="•"/>
+              <a:defRPr sz="4800">
+                <a:solidFill>
+                  <a:srgbClr val="000000"/>
+                </a:solidFill>
+              </a:defRPr>
+            </a:pPr>
+            <a:r>
+              <a:t>Überwachung des Erzeugungsprozesses (Kontrolle durch Director - Abruf erst wenn Objekt erzeugt wurde</a:t>
             </a:r>
           </a:p>
         </p:txBody>
@@ -6091,9 +6188,105 @@
           <a:chExt cx="0" cy="0"/>
         </a:xfrm>
       </p:grpSpPr>
+      <p:sp>
+        <p:nvSpPr>
+          <p:cNvPr id="236" name="Erweiterbarkeit"/>
+          <p:cNvSpPr txBox="1"/>
+          <p:nvPr/>
+        </p:nvSpPr>
+        <p:spPr>
+          <a:xfrm>
+            <a:off x="1206500" y="707915"/>
+            <a:ext cx="21971000" cy="934779"/>
+          </a:xfrm>
+          <a:prstGeom prst="rect">
+            <a:avLst/>
+          </a:prstGeom>
+          <a:ln w="12700">
+            <a:miter lim="400000"/>
+          </a:ln>
+          <a:extLst>
+            <a:ext uri="{C572A759-6A51-4108-AA02-DFA0A04FC94B}">
+              <ma14:wrappingTextBoxFlag xmlns:ma14="http://schemas.microsoft.com/office/mac/drawingml/2011/main" val="1"/>
+            </a:ext>
+          </a:extLst>
+        </p:spPr>
+        <p:txBody>
+          <a:bodyPr lIns="45719" rIns="45719">
+            <a:normAutofit fontScale="100000" lnSpcReduction="0"/>
+          </a:bodyPr>
+          <a:lstStyle>
+            <a:lvl1pPr algn="l" defTabSz="825500">
+              <a:defRPr b="1" sz="5500">
+                <a:solidFill>
+                  <a:srgbClr val="000000"/>
+                </a:solidFill>
+              </a:defRPr>
+            </a:lvl1pPr>
+          </a:lstStyle>
+          <a:p>
+            <a:pPr/>
+            <a:r>
+              <a:t>Erweiterbarkeit</a:t>
+            </a:r>
+          </a:p>
+        </p:txBody>
+      </p:sp>
+      <p:sp>
+        <p:nvSpPr>
+          <p:cNvPr id="237" name="Produkte benötigen keine abstrakte Klasse, da erzeugten Klassen die starke Varianz aufweisen"/>
+          <p:cNvSpPr txBox="1"/>
+          <p:nvPr/>
+        </p:nvSpPr>
+        <p:spPr>
+          <a:xfrm>
+            <a:off x="1198314" y="2338830"/>
+            <a:ext cx="21987372" cy="2686366"/>
+          </a:xfrm>
+          <a:prstGeom prst="rect">
+            <a:avLst/>
+          </a:prstGeom>
+          <a:ln w="12700">
+            <a:miter lim="400000"/>
+          </a:ln>
+          <a:extLst>
+            <a:ext uri="{C572A759-6A51-4108-AA02-DFA0A04FC94B}">
+              <ma14:wrappingTextBoxFlag xmlns:ma14="http://schemas.microsoft.com/office/mac/drawingml/2011/main" val="1"/>
+            </a:ext>
+          </a:extLst>
+        </p:spPr>
+        <p:txBody>
+          <a:bodyPr lIns="50800" tIns="50800" rIns="50800" bIns="50800" anchor="ctr">
+            <a:spAutoFit/>
+          </a:bodyPr>
+          <a:lstStyle>
+            <a:lvl1pPr marL="609600" indent="-609600" algn="l">
+              <a:lnSpc>
+                <a:spcPct val="90000"/>
+              </a:lnSpc>
+              <a:spcBef>
+                <a:spcPts val="4500"/>
+              </a:spcBef>
+              <a:buSzPct val="123000"/>
+              <a:buChar char="•"/>
+              <a:defRPr sz="4800">
+                <a:solidFill>
+                  <a:srgbClr val="000000"/>
+                </a:solidFill>
+              </a:defRPr>
+            </a:lvl1pPr>
+          </a:lstStyle>
+          <a:p>
+            <a:pPr/>
+            <a:r>
+              <a:t>Produkte benötigen keine abstrakte Klasse, da erzeugten Klassen die starke Varianz aufweisen</a:t>
+            </a:r>
+          </a:p>
+        </p:txBody>
+      </p:sp>
       <p:pic>
         <p:nvPicPr>
-          <p:cNvPr id="238" name="04. Builder.jpg" descr="04. Builder.jpg"/>
+          <p:cNvPr id="238" name="Image" descr="Image"/>
           <p:cNvPicPr>
             <a:picLocks noChangeAspect="1"/>
           </p:cNvPicPr>
@@ -6109,8 +6302,8 @@
         </p:blipFill>
         <p:spPr>
           <a:xfrm>
-            <a:off x="3871504" y="1810317"/>
-            <a:ext cx="16640992" cy="10095366"/>
+            <a:off x="3506864" y="4645703"/>
+            <a:ext cx="15240001" cy="7620001"/>
           </a:xfrm>
           <a:prstGeom prst="rect">
             <a:avLst/>
@@ -6120,6 +6313,48 @@
           </a:ln>
         </p:spPr>
       </p:pic>
+      <p:sp>
+        <p:nvSpPr>
+          <p:cNvPr id="239" name="Quelle: https://refactoring.guru/images/patterns/content/builder/builder-comic-1-en-2x.png"/>
+          <p:cNvSpPr txBox="1"/>
+          <p:nvPr/>
+        </p:nvSpPr>
+        <p:spPr>
+          <a:xfrm>
+            <a:off x="4859718" y="12352421"/>
+            <a:ext cx="12534292" cy="461367"/>
+          </a:xfrm>
+          <a:prstGeom prst="rect">
+            <a:avLst/>
+          </a:prstGeom>
+          <a:ln w="12700">
+            <a:miter lim="400000"/>
+          </a:ln>
+          <a:extLst>
+            <a:ext uri="{C572A759-6A51-4108-AA02-DFA0A04FC94B}">
+              <ma14:wrappingTextBoxFlag xmlns:ma14="http://schemas.microsoft.com/office/mac/drawingml/2011/main" val="1"/>
+            </a:ext>
+          </a:extLst>
+        </p:spPr>
+        <p:txBody>
+          <a:bodyPr wrap="none" lIns="50800" tIns="50800" rIns="50800" bIns="50800" anchor="ctr">
+            <a:spAutoFit/>
+          </a:bodyPr>
+          <a:lstStyle/>
+          <a:p>
+            <a:pPr/>
+            <a:r>
+              <a:t>Quelle: </a:t>
+            </a:r>
+            <a:r>
+              <a:rPr u="sng">
+                <a:hlinkClick r:id="rId3" invalidUrl="" action="" tgtFrame="" tooltip="" history="1" highlightClick="0" endSnd="0"/>
+              </a:rPr>
+              <a:t>https://refactoring.guru/images/patterns/content/builder/builder-comic-1-en-2x.png</a:t>
+            </a:r>
+          </a:p>
+        </p:txBody>
+      </p:sp>
     </p:spTree>
   </p:cSld>
   <p:clrMapOvr>
@@ -6146,30 +6381,35 @@
           <a:chExt cx="0" cy="0"/>
         </a:xfrm>
       </p:grpSpPr>
-      <p:sp>
-        <p:nvSpPr>
-          <p:cNvPr id="240" name="Beispiel"/>
-          <p:cNvSpPr txBox="1"/>
-          <p:nvPr>
-            <p:ph type="body" sz="half" idx="1"/>
-          </p:nvPr>
-        </p:nvSpPr>
-        <p:spPr>
-          <a:prstGeom prst="rect">
-            <a:avLst/>
-          </a:prstGeom>
-        </p:spPr>
-        <p:txBody>
-          <a:bodyPr/>
-          <a:lstStyle/>
-          <a:p>
-            <a:pPr/>
-            <a:r>
-              <a:t>Beispiel</a:t>
-            </a:r>
-          </a:p>
-        </p:txBody>
-      </p:sp>
+      <p:pic>
+        <p:nvPicPr>
+          <p:cNvPr id="241" name="04. Builder.jpg" descr="04. Builder.jpg"/>
+          <p:cNvPicPr>
+            <a:picLocks noChangeAspect="1"/>
+          </p:cNvPicPr>
+          <p:nvPr/>
+        </p:nvPicPr>
+        <p:blipFill>
+          <a:blip r:embed="rId2">
+            <a:extLst/>
+          </a:blip>
+          <a:stretch>
+            <a:fillRect/>
+          </a:stretch>
+        </p:blipFill>
+        <p:spPr>
+          <a:xfrm>
+            <a:off x="3871504" y="1810317"/>
+            <a:ext cx="16640992" cy="10095366"/>
+          </a:xfrm>
+          <a:prstGeom prst="rect">
+            <a:avLst/>
+          </a:prstGeom>
+          <a:ln w="12700">
+            <a:miter lim="400000"/>
+          </a:ln>
+        </p:spPr>
+      </p:pic>
     </p:spTree>
   </p:cSld>
   <p:clrMapOvr>
@@ -6198,10 +6438,10 @@
       </p:grpSpPr>
       <p:sp>
         <p:nvSpPr>
-          <p:cNvPr id="242" name="Factory Method"/>
+          <p:cNvPr id="243" name="Beispiel"/>
           <p:cNvSpPr txBox="1"/>
           <p:nvPr>
-            <p:ph type="title"/>
+            <p:ph type="body" sz="half" idx="1"/>
           </p:nvPr>
         </p:nvSpPr>
         <p:spPr>
@@ -6215,106 +6455,11 @@
           <a:p>
             <a:pPr/>
             <a:r>
-              <a:t>Factory Method</a:t>
-            </a:r>
-          </a:p>
-        </p:txBody>
-      </p:sp>
-      <p:sp>
-        <p:nvSpPr>
-          <p:cNvPr id="243" name="Fabrikmethode"/>
-          <p:cNvSpPr txBox="1"/>
-          <p:nvPr>
-            <p:ph type="body" sz="quarter" idx="1"/>
-          </p:nvPr>
-        </p:nvSpPr>
-        <p:spPr>
-          <a:prstGeom prst="rect">
-            <a:avLst/>
-          </a:prstGeom>
-        </p:spPr>
-        <p:txBody>
-          <a:bodyPr/>
-          <a:lstStyle/>
-          <a:p>
-            <a:pPr/>
-            <a:r>
-              <a:t>Fabrikmethode</a:t>
-            </a:r>
-          </a:p>
-        </p:txBody>
-      </p:sp>
-      <p:sp>
-        <p:nvSpPr>
-          <p:cNvPr id="244" name="Quelle: https://refactoring.guru/design-patterns/factory-method"/>
-          <p:cNvSpPr txBox="1"/>
-          <p:nvPr/>
-        </p:nvSpPr>
-        <p:spPr>
-          <a:xfrm>
-            <a:off x="12623917" y="10811778"/>
-            <a:ext cx="8757210" cy="461367"/>
-          </a:xfrm>
-          <a:prstGeom prst="rect">
-            <a:avLst/>
-          </a:prstGeom>
-          <a:ln w="12700">
-            <a:miter lim="400000"/>
-          </a:ln>
-          <a:extLst>
-            <a:ext uri="{C572A759-6A51-4108-AA02-DFA0A04FC94B}">
-              <ma14:wrappingTextBoxFlag xmlns:ma14="http://schemas.microsoft.com/office/mac/drawingml/2011/main" val="1"/>
-            </a:ext>
-          </a:extLst>
-        </p:spPr>
-        <p:txBody>
-          <a:bodyPr wrap="none" lIns="50800" tIns="50800" rIns="50800" bIns="50800" anchor="ctr">
-            <a:spAutoFit/>
-          </a:bodyPr>
-          <a:lstStyle/>
-          <a:p>
-            <a:pPr/>
-            <a:r>
-              <a:t>Quelle: </a:t>
-            </a:r>
-            <a:r>
-              <a:rPr u="sng">
-                <a:hlinkClick r:id="rId2" invalidUrl="" action="" tgtFrame="" tooltip="" history="1" highlightClick="0" endSnd="0"/>
-              </a:rPr>
-              <a:t>https://refactoring.guru/design-patterns/factory-method</a:t>
-            </a:r>
-          </a:p>
-        </p:txBody>
-      </p:sp>
-      <p:pic>
-        <p:nvPicPr>
-          <p:cNvPr id="245" name="Image" descr="Image"/>
-          <p:cNvPicPr>
-            <a:picLocks noChangeAspect="1"/>
-          </p:cNvPicPr>
-          <p:nvPr/>
-        </p:nvPicPr>
-        <p:blipFill>
-          <a:blip r:embed="rId3">
-            <a:extLst/>
-          </a:blip>
-          <a:stretch>
-            <a:fillRect/>
-          </a:stretch>
-        </p:blipFill>
-        <p:spPr>
-          <a:xfrm>
-            <a:off x="10280412" y="2101344"/>
-            <a:ext cx="13444219" cy="8402637"/>
-          </a:xfrm>
-          <a:prstGeom prst="rect">
-            <a:avLst/>
-          </a:prstGeom>
-          <a:ln w="12700">
-            <a:miter lim="400000"/>
-          </a:ln>
-        </p:spPr>
-      </p:pic>
+              <a:t>Beispiel</a:t>
+            </a:r>
+          </a:p>
+        </p:txBody>
+      </p:sp>
     </p:spTree>
   </p:cSld>
   <p:clrMapOvr>
@@ -6341,16 +6486,106 @@
           <a:chExt cx="0" cy="0"/>
         </a:xfrm>
       </p:grpSpPr>
+      <p:sp>
+        <p:nvSpPr>
+          <p:cNvPr id="245" name="Factory Method"/>
+          <p:cNvSpPr txBox="1"/>
+          <p:nvPr>
+            <p:ph type="title"/>
+          </p:nvPr>
+        </p:nvSpPr>
+        <p:spPr>
+          <a:prstGeom prst="rect">
+            <a:avLst/>
+          </a:prstGeom>
+        </p:spPr>
+        <p:txBody>
+          <a:bodyPr/>
+          <a:lstStyle/>
+          <a:p>
+            <a:pPr/>
+            <a:r>
+              <a:t>Factory Method</a:t>
+            </a:r>
+          </a:p>
+        </p:txBody>
+      </p:sp>
+      <p:sp>
+        <p:nvSpPr>
+          <p:cNvPr id="246" name="Fabrikmethode"/>
+          <p:cNvSpPr txBox="1"/>
+          <p:nvPr>
+            <p:ph type="body" sz="quarter" idx="1"/>
+          </p:nvPr>
+        </p:nvSpPr>
+        <p:spPr>
+          <a:prstGeom prst="rect">
+            <a:avLst/>
+          </a:prstGeom>
+        </p:spPr>
+        <p:txBody>
+          <a:bodyPr/>
+          <a:lstStyle/>
+          <a:p>
+            <a:pPr/>
+            <a:r>
+              <a:t>Fabrikmethode</a:t>
+            </a:r>
+          </a:p>
+        </p:txBody>
+      </p:sp>
+      <p:sp>
+        <p:nvSpPr>
+          <p:cNvPr id="247" name="Quelle: https://refactoring.guru/design-patterns/factory-method"/>
+          <p:cNvSpPr txBox="1"/>
+          <p:nvPr/>
+        </p:nvSpPr>
+        <p:spPr>
+          <a:xfrm>
+            <a:off x="12623917" y="10811778"/>
+            <a:ext cx="8757210" cy="461367"/>
+          </a:xfrm>
+          <a:prstGeom prst="rect">
+            <a:avLst/>
+          </a:prstGeom>
+          <a:ln w="12700">
+            <a:miter lim="400000"/>
+          </a:ln>
+          <a:extLst>
+            <a:ext uri="{C572A759-6A51-4108-AA02-DFA0A04FC94B}">
+              <ma14:wrappingTextBoxFlag xmlns:ma14="http://schemas.microsoft.com/office/mac/drawingml/2011/main" val="1"/>
+            </a:ext>
+          </a:extLst>
+        </p:spPr>
+        <p:txBody>
+          <a:bodyPr wrap="none" lIns="50800" tIns="50800" rIns="50800" bIns="50800" anchor="ctr">
+            <a:spAutoFit/>
+          </a:bodyPr>
+          <a:lstStyle/>
+          <a:p>
+            <a:pPr/>
+            <a:r>
+              <a:t>Quelle: </a:t>
+            </a:r>
+            <a:r>
+              <a:rPr u="sng">
+                <a:hlinkClick r:id="rId2" invalidUrl="" action="" tgtFrame="" tooltip="" history="1" highlightClick="0" endSnd="0"/>
+              </a:rPr>
+              <a:t>https://refactoring.guru/design-patterns/factory-method</a:t>
+            </a:r>
+          </a:p>
+        </p:txBody>
+      </p:sp>
       <p:pic>
         <p:nvPicPr>
-          <p:cNvPr id="247" name="05. Factory Method example.jpg" descr="05. Factory Method example.jpg"/>
+          <p:cNvPr id="248" name="Image" descr="Image"/>
           <p:cNvPicPr>
             <a:picLocks noChangeAspect="1"/>
           </p:cNvPicPr>
           <p:nvPr/>
         </p:nvPicPr>
         <p:blipFill>
-          <a:blip r:embed="rId2">
+          <a:blip r:embed="rId3">
             <a:extLst/>
           </a:blip>
           <a:stretch>
@@ -6359,8 +6594,8 @@
         </p:blipFill>
         <p:spPr>
           <a:xfrm>
-            <a:off x="5193030" y="676030"/>
-            <a:ext cx="13997940" cy="12363940"/>
+            <a:off x="10280412" y="2101344"/>
+            <a:ext cx="13444219" cy="8402637"/>
           </a:xfrm>
           <a:prstGeom prst="rect">
             <a:avLst/>
@@ -6396,112 +6631,9 @@
           <a:chExt cx="0" cy="0"/>
         </a:xfrm>
       </p:grpSpPr>
-      <p:sp>
-        <p:nvSpPr>
-          <p:cNvPr id="249" name="Zweck"/>
-          <p:cNvSpPr txBox="1"/>
-          <p:nvPr>
-            <p:ph type="body" idx="21"/>
-          </p:nvPr>
-        </p:nvSpPr>
-        <p:spPr>
-          <a:xfrm>
-            <a:off x="1206500" y="642117"/>
-            <a:ext cx="21971000" cy="934779"/>
-          </a:xfrm>
-          <a:prstGeom prst="rect">
-            <a:avLst/>
-          </a:prstGeom>
-          <a:extLst>
-            <a:ext uri="{C572A759-6A51-4108-AA02-DFA0A04FC94B}">
-              <ma14:wrappingTextBoxFlag xmlns:ma14="http://schemas.microsoft.com/office/mac/drawingml/2011/main" val="1"/>
-            </a:ext>
-          </a:extLst>
-        </p:spPr>
-        <p:txBody>
-          <a:bodyPr/>
-          <a:lstStyle/>
-          <a:p>
-            <a:pPr/>
-            <a:r>
-              <a:t>Zweck</a:t>
-            </a:r>
-          </a:p>
-        </p:txBody>
-      </p:sp>
-      <p:sp>
-        <p:nvSpPr>
-          <p:cNvPr id="250" name="Schnittstelle zur Objekterzeugung, bei der die Bestimmung der instanziierenden Klasse der Unterklasse überlassen wird…"/>
-          <p:cNvSpPr txBox="1"/>
-          <p:nvPr/>
-        </p:nvSpPr>
-        <p:spPr>
-          <a:xfrm>
-            <a:off x="1198314" y="1878234"/>
-            <a:ext cx="21987372" cy="3911083"/>
-          </a:xfrm>
-          <a:prstGeom prst="rect">
-            <a:avLst/>
-          </a:prstGeom>
-          <a:ln w="12700">
-            <a:miter lim="400000"/>
-          </a:ln>
-          <a:extLst>
-            <a:ext uri="{C572A759-6A51-4108-AA02-DFA0A04FC94B}">
-              <ma14:wrappingTextBoxFlag xmlns:ma14="http://schemas.microsoft.com/office/mac/drawingml/2011/main" val="1"/>
-            </a:ext>
-          </a:extLst>
-        </p:spPr>
-        <p:txBody>
-          <a:bodyPr lIns="50800" tIns="50800" rIns="50800" bIns="50800" anchor="ctr">
-            <a:spAutoFit/>
-          </a:bodyPr>
-          <a:lstStyle/>
-          <a:p>
-            <a:pPr marL="609600" indent="-609600" algn="l">
-              <a:lnSpc>
-                <a:spcPct val="90000"/>
-              </a:lnSpc>
-              <a:spcBef>
-                <a:spcPts val="4500"/>
-              </a:spcBef>
-              <a:buSzPct val="123000"/>
-              <a:buChar char="•"/>
-              <a:defRPr sz="4800">
-                <a:solidFill>
-                  <a:srgbClr val="000000"/>
-                </a:solidFill>
-              </a:defRPr>
-            </a:pPr>
-            <a:r>
-              <a:t>Schnittstelle zur Objekterzeugung, bei der die Bestimmung der instanziierenden Klasse der Unterklasse überlassen wird</a:t>
-            </a:r>
-          </a:p>
-          <a:p>
-            <a:pPr marL="609600" indent="-609600" algn="l">
-              <a:lnSpc>
-                <a:spcPct val="90000"/>
-              </a:lnSpc>
-              <a:spcBef>
-                <a:spcPts val="4500"/>
-              </a:spcBef>
-              <a:buSzPct val="123000"/>
-              <a:buChar char="•"/>
-              <a:defRPr sz="4800">
-                <a:solidFill>
-                  <a:srgbClr val="000000"/>
-                </a:solidFill>
-              </a:defRPr>
-            </a:pPr>
-            <a:r>
-              <a:t>Delegierung der Instanziierung an eine Unterklasse</a:t>
-            </a:r>
-          </a:p>
-        </p:txBody>
-      </p:sp>
       <p:pic>
         <p:nvPicPr>
-          <p:cNvPr id="251" name="Image" descr="Image"/>
+          <p:cNvPr id="250" name="05. Factory Method example.jpg" descr="05. Factory Method example.jpg"/>
           <p:cNvPicPr>
             <a:picLocks noChangeAspect="1"/>
           </p:cNvPicPr>
@@ -6517,8 +6649,8 @@
         </p:blipFill>
         <p:spPr>
           <a:xfrm>
-            <a:off x="5265903" y="5673393"/>
-            <a:ext cx="13852194" cy="6032408"/>
+            <a:off x="5193030" y="676030"/>
+            <a:ext cx="13997940" cy="12363940"/>
           </a:xfrm>
           <a:prstGeom prst="rect">
             <a:avLst/>
@@ -6528,48 +6660,6 @@
           </a:ln>
         </p:spPr>
       </p:pic>
-      <p:sp>
-        <p:nvSpPr>
-          <p:cNvPr id="252" name="Quelle: https://refactoring.guru/design-patterns/factory-method"/>
-          <p:cNvSpPr txBox="1"/>
-          <p:nvPr/>
-        </p:nvSpPr>
-        <p:spPr>
-          <a:xfrm>
-            <a:off x="7813395" y="12162218"/>
-            <a:ext cx="8757210" cy="461367"/>
-          </a:xfrm>
-          <a:prstGeom prst="rect">
-            <a:avLst/>
-          </a:prstGeom>
-          <a:ln w="12700">
-            <a:miter lim="400000"/>
-          </a:ln>
-          <a:extLst>
-            <a:ext uri="{C572A759-6A51-4108-AA02-DFA0A04FC94B}">
-              <ma14:wrappingTextBoxFlag xmlns:ma14="http://schemas.microsoft.com/office/mac/drawingml/2011/main" val="1"/>
-            </a:ext>
-          </a:extLst>
-        </p:spPr>
-        <p:txBody>
-          <a:bodyPr wrap="none" lIns="50800" tIns="50800" rIns="50800" bIns="50800" anchor="ctr">
-            <a:spAutoFit/>
-          </a:bodyPr>
-          <a:lstStyle/>
-          <a:p>
-            <a:pPr/>
-            <a:r>
-              <a:t>Quelle: </a:t>
-            </a:r>
-            <a:r>
-              <a:rPr u="sng">
-                <a:hlinkClick r:id="rId3" invalidUrl="" action="" tgtFrame="" tooltip="" history="1" highlightClick="0" endSnd="0"/>
-              </a:rPr>
-              <a:t>https://refactoring.guru/design-patterns/factory-method</a:t>
-            </a:r>
-          </a:p>
-        </p:txBody>
-      </p:sp>
     </p:spTree>
   </p:cSld>
   <p:clrMapOvr>
@@ -6598,21 +6688,20 @@
       </p:grpSpPr>
       <p:sp>
         <p:nvSpPr>
-          <p:cNvPr id="254" name="Anwendbarkeit"/>
-          <p:cNvSpPr txBox="1"/>
-          <p:nvPr/>
-        </p:nvSpPr>
-        <p:spPr>
-          <a:xfrm>
-            <a:off x="1206500" y="707915"/>
+          <p:cNvPr id="252" name="Zweck"/>
+          <p:cNvSpPr txBox="1"/>
+          <p:nvPr>
+            <p:ph type="body" idx="21"/>
+          </p:nvPr>
+        </p:nvSpPr>
+        <p:spPr>
+          <a:xfrm>
+            <a:off x="1206500" y="642117"/>
             <a:ext cx="21971000" cy="934779"/>
           </a:xfrm>
           <a:prstGeom prst="rect">
             <a:avLst/>
           </a:prstGeom>
-          <a:ln w="12700">
-            <a:miter lim="400000"/>
-          </a:ln>
           <a:extLst>
             <a:ext uri="{C572A759-6A51-4108-AA02-DFA0A04FC94B}">
               <ma14:wrappingTextBoxFlag xmlns:ma14="http://schemas.microsoft.com/office/mac/drawingml/2011/main" val="1"/>
@@ -6620,36 +6709,26 @@
           </a:extLst>
         </p:spPr>
         <p:txBody>
-          <a:bodyPr lIns="45719" rIns="45719">
-            <a:normAutofit fontScale="100000" lnSpcReduction="0"/>
-          </a:bodyPr>
-          <a:lstStyle>
-            <a:lvl1pPr algn="l" defTabSz="825500">
-              <a:defRPr b="1" sz="5500">
-                <a:solidFill>
-                  <a:srgbClr val="000000"/>
-                </a:solidFill>
-              </a:defRPr>
-            </a:lvl1pPr>
-          </a:lstStyle>
+          <a:bodyPr/>
+          <a:lstStyle/>
           <a:p>
             <a:pPr/>
             <a:r>
-              <a:t>Anwendbarkeit</a:t>
-            </a:r>
-          </a:p>
-        </p:txBody>
-      </p:sp>
-      <p:sp>
-        <p:nvSpPr>
-          <p:cNvPr id="255" name="zu erzeugende Klassen können nicht von Vorhinein bestimmt werden (deswegen abstrakt &amp; Funktion ist bekannt)…"/>
+              <a:t>Zweck</a:t>
+            </a:r>
+          </a:p>
+        </p:txBody>
+      </p:sp>
+      <p:sp>
+        <p:nvSpPr>
+          <p:cNvPr id="253" name="Schnittstelle zur Objekterzeugung, bei der die Bestimmung der instanziierenden Klasse der Unterklasse überlassen wird…"/>
           <p:cNvSpPr txBox="1"/>
           <p:nvPr/>
         </p:nvSpPr>
         <p:spPr>
           <a:xfrm>
-            <a:off x="1198314" y="1894390"/>
-            <a:ext cx="21987372" cy="4564300"/>
+            <a:off x="1198314" y="1878234"/>
+            <a:ext cx="21987372" cy="3911083"/>
           </a:xfrm>
           <a:prstGeom prst="rect">
             <a:avLst/>
@@ -6685,7 +6764,7 @@
               </a:defRPr>
             </a:pPr>
             <a:r>
-              <a:t>zu erzeugende Klassen können nicht von Vorhinein bestimmt werden (deswegen abstrakt &amp; Funktion ist bekannt)</a:t>
+              <a:t>Schnittstelle zur Objekterzeugung, bei der die Bestimmung der instanziierenden Klasse der Unterklasse überlassen wird</a:t>
             </a:r>
           </a:p>
           <a:p>
@@ -6705,21 +6784,50 @@
               </a:defRPr>
             </a:pPr>
             <a:r>
-              <a:t>eine Klasse erwartet von ihren Unterklassen eine Spezifizierung der zu erzeugenden Produkte</a:t>
-            </a:r>
-          </a:p>
-        </p:txBody>
-      </p:sp>
-      <p:sp>
-        <p:nvSpPr>
-          <p:cNvPr id="256" name="Konsequenzen"/>
-          <p:cNvSpPr txBox="1"/>
+              <a:t>Delegierung der Instanziierung an eine Unterklasse</a:t>
+            </a:r>
+          </a:p>
+        </p:txBody>
+      </p:sp>
+      <p:pic>
+        <p:nvPicPr>
+          <p:cNvPr id="254" name="Image" descr="Image"/>
+          <p:cNvPicPr>
+            <a:picLocks noChangeAspect="1"/>
+          </p:cNvPicPr>
           <p:nvPr/>
-        </p:nvSpPr>
-        <p:spPr>
-          <a:xfrm>
-            <a:off x="1206500" y="6521979"/>
-            <a:ext cx="21971000" cy="934780"/>
+        </p:nvPicPr>
+        <p:blipFill>
+          <a:blip r:embed="rId2">
+            <a:extLst/>
+          </a:blip>
+          <a:stretch>
+            <a:fillRect/>
+          </a:stretch>
+        </p:blipFill>
+        <p:spPr>
+          <a:xfrm>
+            <a:off x="5265903" y="5673393"/>
+            <a:ext cx="13852194" cy="6032408"/>
+          </a:xfrm>
+          <a:prstGeom prst="rect">
+            <a:avLst/>
+          </a:prstGeom>
+          <a:ln w="12700">
+            <a:miter lim="400000"/>
+          </a:ln>
+        </p:spPr>
+      </p:pic>
+      <p:sp>
+        <p:nvSpPr>
+          <p:cNvPr id="255" name="Quelle: https://refactoring.guru/design-patterns/factory-method"/>
+          <p:cNvSpPr txBox="1"/>
+          <p:nvPr/>
+        </p:nvSpPr>
+        <p:spPr>
+          <a:xfrm>
+            <a:off x="7813395" y="12162218"/>
+            <a:ext cx="8757210" cy="461367"/>
           </a:xfrm>
           <a:prstGeom prst="rect">
             <a:avLst/>
@@ -6734,74 +6842,20 @@
           </a:extLst>
         </p:spPr>
         <p:txBody>
-          <a:bodyPr lIns="45719" rIns="45719">
-            <a:normAutofit fontScale="100000" lnSpcReduction="0"/>
-          </a:bodyPr>
-          <a:lstStyle>
-            <a:lvl1pPr algn="l" defTabSz="825500">
-              <a:defRPr b="1" sz="5500">
-                <a:solidFill>
-                  <a:srgbClr val="000000"/>
-                </a:solidFill>
-              </a:defRPr>
-            </a:lvl1pPr>
-          </a:lstStyle>
-          <a:p>
-            <a:pPr/>
-            <a:r>
-              <a:t>Konsequenzen</a:t>
-            </a:r>
-          </a:p>
-        </p:txBody>
-      </p:sp>
-      <p:sp>
-        <p:nvSpPr>
-          <p:cNvPr id="257" name="Spezialisierungsoptionen für Unterklassen, da durch Pattern gegenüber der direkten Erzeugung des Objekte eine erweiterte Version des Objektes bereitgestellt wird"/>
-          <p:cNvSpPr txBox="1"/>
-          <p:nvPr/>
-        </p:nvSpPr>
-        <p:spPr>
-          <a:xfrm>
-            <a:off x="1198314" y="7997467"/>
-            <a:ext cx="21987372" cy="3339583"/>
-          </a:xfrm>
-          <a:prstGeom prst="rect">
-            <a:avLst/>
-          </a:prstGeom>
-          <a:ln w="12700">
-            <a:miter lim="400000"/>
-          </a:ln>
-          <a:extLst>
-            <a:ext uri="{C572A759-6A51-4108-AA02-DFA0A04FC94B}">
-              <ma14:wrappingTextBoxFlag xmlns:ma14="http://schemas.microsoft.com/office/mac/drawingml/2011/main" val="1"/>
-            </a:ext>
-          </a:extLst>
-        </p:spPr>
-        <p:txBody>
-          <a:bodyPr lIns="50800" tIns="50800" rIns="50800" bIns="50800" anchor="ctr">
+          <a:bodyPr wrap="none" lIns="50800" tIns="50800" rIns="50800" bIns="50800" anchor="ctr">
             <a:spAutoFit/>
           </a:bodyPr>
-          <a:lstStyle>
-            <a:lvl1pPr marL="609600" indent="-609600" algn="l">
-              <a:lnSpc>
-                <a:spcPct val="90000"/>
-              </a:lnSpc>
-              <a:spcBef>
-                <a:spcPts val="4500"/>
-              </a:spcBef>
-              <a:buSzPct val="123000"/>
-              <a:buChar char="•"/>
-              <a:defRPr sz="4800">
-                <a:solidFill>
-                  <a:srgbClr val="000000"/>
-                </a:solidFill>
-              </a:defRPr>
-            </a:lvl1pPr>
-          </a:lstStyle>
+          <a:lstStyle/>
           <a:p>
             <a:pPr/>
             <a:r>
-              <a:t>Spezialisierungsoptionen für Unterklassen, da durch Pattern gegenüber der direkten Erzeugung des Objekte eine erweiterte Version des Objektes bereitgestellt wird</a:t>
+              <a:t>Quelle: </a:t>
+            </a:r>
+            <a:r>
+              <a:rPr u="sng">
+                <a:hlinkClick r:id="rId3" invalidUrl="" action="" tgtFrame="" tooltip="" history="1" highlightClick="0" endSnd="0"/>
+              </a:rPr>
+              <a:t>https://refactoring.guru/design-patterns/factory-method</a:t>
             </a:r>
           </a:p>
         </p:txBody>
@@ -6832,16 +6886,45 @@
           <a:chExt cx="0" cy="0"/>
         </a:xfrm>
       </p:grpSpPr>
-      <p:sp>
-        <p:nvSpPr>
-          <p:cNvPr id="163" name="Abstrahieren des Instanziierungsprozesses…"/>
-          <p:cNvSpPr txBox="1"/>
+      <p:pic>
+        <p:nvPicPr>
+          <p:cNvPr id="163" name="Screen Shot 2020-10-29 at 18.28.52.png" descr="Screen Shot 2020-10-29 at 18.28.52.png"/>
+          <p:cNvPicPr>
+            <a:picLocks noChangeAspect="1"/>
+          </p:cNvPicPr>
           <p:nvPr/>
-        </p:nvSpPr>
-        <p:spPr>
-          <a:xfrm>
-            <a:off x="1049951" y="2278133"/>
-            <a:ext cx="22634339" cy="10034667"/>
+        </p:nvPicPr>
+        <p:blipFill>
+          <a:blip r:embed="rId2">
+            <a:extLst/>
+          </a:blip>
+          <a:stretch>
+            <a:fillRect/>
+          </a:stretch>
+        </p:blipFill>
+        <p:spPr>
+          <a:xfrm>
+            <a:off x="354786" y="1305694"/>
+            <a:ext cx="23674428" cy="9664985"/>
+          </a:xfrm>
+          <a:prstGeom prst="rect">
+            <a:avLst/>
+          </a:prstGeom>
+          <a:ln w="12700">
+            <a:miter lim="400000"/>
+          </a:ln>
+        </p:spPr>
+      </p:pic>
+      <p:sp>
+        <p:nvSpPr>
+          <p:cNvPr id="164" name="Quelle: https://refactoring.guru/design-patterns/creational-patterns"/>
+          <p:cNvSpPr txBox="1"/>
+          <p:nvPr/>
+        </p:nvSpPr>
+        <p:spPr>
+          <a:xfrm>
+            <a:off x="7579309" y="12393473"/>
+            <a:ext cx="9225382" cy="461367"/>
           </a:xfrm>
           <a:prstGeom prst="rect">
             <a:avLst/>
@@ -6856,212 +6939,20 @@
           </a:extLst>
         </p:spPr>
         <p:txBody>
-          <a:bodyPr lIns="50800" tIns="50800" rIns="50800" bIns="50800" anchor="ctr">
+          <a:bodyPr wrap="none" lIns="50800" tIns="50800" rIns="50800" bIns="50800" anchor="ctr">
             <a:spAutoFit/>
           </a:bodyPr>
           <a:lstStyle/>
           <a:p>
-            <a:pPr marL="609600" indent="-609600" algn="l">
-              <a:lnSpc>
-                <a:spcPct val="90000"/>
-              </a:lnSpc>
-              <a:spcBef>
-                <a:spcPts val="4500"/>
-              </a:spcBef>
-              <a:buSzPct val="123000"/>
-              <a:buChar char="•"/>
-              <a:defRPr sz="4800">
-                <a:solidFill>
-                  <a:srgbClr val="000000"/>
-                </a:solidFill>
-              </a:defRPr>
-            </a:pPr>
-            <a:r>
-              <a:t>Abstrahieren des Instanziierungsprozesses</a:t>
-            </a:r>
-          </a:p>
-          <a:p>
-            <a:pPr marL="609600" indent="-609600" algn="l">
-              <a:lnSpc>
-                <a:spcPct val="90000"/>
-              </a:lnSpc>
-              <a:spcBef>
-                <a:spcPts val="4500"/>
-              </a:spcBef>
-              <a:buSzPct val="123000"/>
-              <a:buChar char="•"/>
-              <a:defRPr sz="4800">
-                <a:solidFill>
-                  <a:srgbClr val="000000"/>
-                </a:solidFill>
-              </a:defRPr>
-            </a:pPr>
-            <a:r>
-              <a:t>Garantie, dass das System unabhängig von Generierung, Komposition und Darstellung seiner Objekte funktioniert</a:t>
-            </a:r>
-          </a:p>
-          <a:p>
-            <a:pPr marL="609600" indent="-609600" algn="l">
-              <a:lnSpc>
-                <a:spcPct val="90000"/>
-              </a:lnSpc>
-              <a:spcBef>
-                <a:spcPts val="4500"/>
-              </a:spcBef>
-              <a:buSzPct val="123000"/>
-              <a:buChar char="•"/>
-              <a:defRPr sz="4800">
-                <a:solidFill>
-                  <a:srgbClr val="000000"/>
-                </a:solidFill>
-              </a:defRPr>
-            </a:pPr>
-            <a:r>
-              <a:t>Aufteilung in klassen- und objektbasierte Muster</a:t>
-            </a:r>
-          </a:p>
-          <a:p>
-            <a:pPr marL="609600" indent="-609600" algn="l">
-              <a:lnSpc>
-                <a:spcPct val="90000"/>
-              </a:lnSpc>
-              <a:spcBef>
-                <a:spcPts val="4500"/>
-              </a:spcBef>
-              <a:buSzPct val="123000"/>
-              <a:buChar char="•"/>
-              <a:defRPr sz="4800">
-                <a:solidFill>
-                  <a:srgbClr val="000000"/>
-                </a:solidFill>
-              </a:defRPr>
-            </a:pPr>
-            <a:r>
-              <a:t>Verwendung von Objektkomposition und Dependency Inversion</a:t>
-            </a:r>
-          </a:p>
-          <a:p>
-            <a:pPr marL="609600" indent="-609600" algn="l">
-              <a:lnSpc>
-                <a:spcPct val="90000"/>
-              </a:lnSpc>
-              <a:spcBef>
-                <a:spcPts val="4500"/>
-              </a:spcBef>
-              <a:buSzPct val="123000"/>
-              <a:buChar char="•"/>
-              <a:defRPr sz="4800">
-                <a:solidFill>
-                  <a:srgbClr val="000000"/>
-                </a:solidFill>
-              </a:defRPr>
-            </a:pPr>
-            <a:r>
-              <a:t>Kapselung der konkreten Klassen + Verbergung der Erzeugung</a:t>
-            </a:r>
-          </a:p>
-          <a:p>
-            <a:pPr marL="609600" indent="-609600" algn="l">
-              <a:lnSpc>
-                <a:spcPct val="90000"/>
-              </a:lnSpc>
-              <a:spcBef>
-                <a:spcPts val="4500"/>
-              </a:spcBef>
-              <a:buSzPct val="123000"/>
-              <a:buChar char="•"/>
-              <a:defRPr sz="4800">
-                <a:solidFill>
-                  <a:srgbClr val="000000"/>
-                </a:solidFill>
-              </a:defRPr>
-            </a:pPr>
-            <a:r>
-              <a:t>Implementierung gegen Schnittstellen</a:t>
-            </a:r>
-          </a:p>
-          <a:p>
-            <a:pPr marL="609600" indent="-609600" algn="l">
-              <a:lnSpc>
-                <a:spcPct val="90000"/>
-              </a:lnSpc>
-              <a:spcBef>
-                <a:spcPts val="4500"/>
-              </a:spcBef>
-              <a:buSzPct val="123000"/>
-              <a:buChar char="•"/>
-              <a:defRPr sz="4800">
-                <a:solidFill>
-                  <a:srgbClr val="000000"/>
-                </a:solidFill>
-              </a:defRPr>
-            </a:pPr>
-            <a:r>
-              <a:t>Bewahren des Open-Closed-Prinzips</a:t>
-            </a:r>
-          </a:p>
-          <a:p>
-            <a:pPr marL="609600" indent="-609600" algn="l">
-              <a:lnSpc>
-                <a:spcPct val="90000"/>
-              </a:lnSpc>
-              <a:spcBef>
-                <a:spcPts val="4500"/>
-              </a:spcBef>
-              <a:buSzPct val="123000"/>
-              <a:buChar char="•"/>
-              <a:defRPr sz="4800">
-                <a:solidFill>
-                  <a:srgbClr val="000000"/>
-                </a:solidFill>
-              </a:defRPr>
-            </a:pPr>
-            <a:r>
-              <a:t>flexibles Design, geringer Wartungsaufwand, hohe Wiederverwendbarkeit</a:t>
-            </a:r>
-          </a:p>
-        </p:txBody>
-      </p:sp>
-      <p:sp>
-        <p:nvSpPr>
-          <p:cNvPr id="164" name="Bedeutung"/>
-          <p:cNvSpPr txBox="1"/>
-          <p:nvPr/>
-        </p:nvSpPr>
-        <p:spPr>
-          <a:xfrm>
-            <a:off x="1073358" y="737218"/>
-            <a:ext cx="21971001" cy="934780"/>
-          </a:xfrm>
-          <a:prstGeom prst="rect">
-            <a:avLst/>
-          </a:prstGeom>
-          <a:ln w="12700">
-            <a:miter lim="400000"/>
-          </a:ln>
-          <a:extLst>
-            <a:ext uri="{C572A759-6A51-4108-AA02-DFA0A04FC94B}">
-              <ma14:wrappingTextBoxFlag xmlns:ma14="http://schemas.microsoft.com/office/mac/drawingml/2011/main" val="1"/>
-            </a:ext>
-          </a:extLst>
-        </p:spPr>
-        <p:txBody>
-          <a:bodyPr lIns="45719" rIns="45719">
-            <a:normAutofit fontScale="100000" lnSpcReduction="0"/>
-          </a:bodyPr>
-          <a:lstStyle>
-            <a:lvl1pPr algn="l" defTabSz="825500">
-              <a:defRPr b="1" sz="5500">
-                <a:solidFill>
-                  <a:srgbClr val="000000"/>
-                </a:solidFill>
-              </a:defRPr>
-            </a:lvl1pPr>
-          </a:lstStyle>
-          <a:p>
             <a:pPr/>
             <a:r>
-              <a:t>Bedeutung</a:t>
+              <a:t>Quelle: </a:t>
+            </a:r>
+            <a:r>
+              <a:rPr u="sng">
+                <a:hlinkClick r:id="rId3" invalidUrl="" action="" tgtFrame="" tooltip="" history="1" highlightClick="0" endSnd="0"/>
+              </a:rPr>
+              <a:t>https://refactoring.guru/design-patterns/creational-patterns</a:t>
             </a:r>
           </a:p>
         </p:txBody>
@@ -7094,7 +6985,7 @@
       </p:grpSpPr>
       <p:sp>
         <p:nvSpPr>
-          <p:cNvPr id="259" name="Best Practise"/>
+          <p:cNvPr id="257" name="Anwendbarkeit"/>
           <p:cNvSpPr txBox="1"/>
           <p:nvPr/>
         </p:nvSpPr>
@@ -7131,21 +7022,21 @@
           <a:p>
             <a:pPr/>
             <a:r>
-              <a:t>Best Practise</a:t>
-            </a:r>
-          </a:p>
-        </p:txBody>
-      </p:sp>
-      <p:sp>
-        <p:nvSpPr>
-          <p:cNvPr id="260" name="Wenn man ein Erzeugungsmuster verwenden möchte, sich aber unsicher ist, welches, beginnt man mit der Implementierung der Fabrikmethode…"/>
+              <a:t>Anwendbarkeit</a:t>
+            </a:r>
+          </a:p>
+        </p:txBody>
+      </p:sp>
+      <p:sp>
+        <p:nvSpPr>
+          <p:cNvPr id="258" name="zu erzeugende Klassen können nicht von Vorhinein bestimmt werden (deswegen abstrakt &amp; Funktion ist bekannt)…"/>
           <p:cNvSpPr txBox="1"/>
           <p:nvPr/>
         </p:nvSpPr>
         <p:spPr>
           <a:xfrm>
-            <a:off x="1198314" y="2213580"/>
-            <a:ext cx="21987372" cy="6360517"/>
+            <a:off x="1198314" y="1894390"/>
+            <a:ext cx="21987372" cy="4564300"/>
           </a:xfrm>
           <a:prstGeom prst="rect">
             <a:avLst/>
@@ -7181,7 +7072,7 @@
               </a:defRPr>
             </a:pPr>
             <a:r>
-              <a:t>Wenn man ein Erzeugungsmuster verwenden möchte, sich aber unsicher ist, welches, beginnt man mit der Implementierung der Fabrikmethode</a:t>
+              <a:t>zu erzeugende Klassen können nicht von Vorhinein bestimmt werden (deswegen abstrakt &amp; Funktion ist bekannt)</a:t>
             </a:r>
           </a:p>
           <a:p>
@@ -7201,11 +7092,84 @@
               </a:defRPr>
             </a:pPr>
             <a:r>
-              <a:t>im späteren Verlauf schwenkt man auf andere Erzeugungsmuster um</a:t>
-            </a:r>
-          </a:p>
-          <a:p>
-            <a:pPr marL="609600" indent="-609600" algn="l">
+              <a:t>eine Klasse erwartet von ihren Unterklassen eine Spezifizierung der zu erzeugenden Produkte</a:t>
+            </a:r>
+          </a:p>
+        </p:txBody>
+      </p:sp>
+      <p:sp>
+        <p:nvSpPr>
+          <p:cNvPr id="259" name="Konsequenzen"/>
+          <p:cNvSpPr txBox="1"/>
+          <p:nvPr/>
+        </p:nvSpPr>
+        <p:spPr>
+          <a:xfrm>
+            <a:off x="1206500" y="6521979"/>
+            <a:ext cx="21971000" cy="934780"/>
+          </a:xfrm>
+          <a:prstGeom prst="rect">
+            <a:avLst/>
+          </a:prstGeom>
+          <a:ln w="12700">
+            <a:miter lim="400000"/>
+          </a:ln>
+          <a:extLst>
+            <a:ext uri="{C572A759-6A51-4108-AA02-DFA0A04FC94B}">
+              <ma14:wrappingTextBoxFlag xmlns:ma14="http://schemas.microsoft.com/office/mac/drawingml/2011/main" val="1"/>
+            </a:ext>
+          </a:extLst>
+        </p:spPr>
+        <p:txBody>
+          <a:bodyPr lIns="45719" rIns="45719">
+            <a:normAutofit fontScale="100000" lnSpcReduction="0"/>
+          </a:bodyPr>
+          <a:lstStyle>
+            <a:lvl1pPr algn="l" defTabSz="825500">
+              <a:defRPr b="1" sz="5500">
+                <a:solidFill>
+                  <a:srgbClr val="000000"/>
+                </a:solidFill>
+              </a:defRPr>
+            </a:lvl1pPr>
+          </a:lstStyle>
+          <a:p>
+            <a:pPr/>
+            <a:r>
+              <a:t>Konsequenzen</a:t>
+            </a:r>
+          </a:p>
+        </p:txBody>
+      </p:sp>
+      <p:sp>
+        <p:nvSpPr>
+          <p:cNvPr id="260" name="Spezialisierungsoptionen für Unterklassen, da durch Pattern gegenüber der direkten Erzeugung des Objekte eine erweiterte Version des Objektes bereitgestellt wird"/>
+          <p:cNvSpPr txBox="1"/>
+          <p:nvPr/>
+        </p:nvSpPr>
+        <p:spPr>
+          <a:xfrm>
+            <a:off x="1198314" y="7997467"/>
+            <a:ext cx="21987372" cy="3339583"/>
+          </a:xfrm>
+          <a:prstGeom prst="rect">
+            <a:avLst/>
+          </a:prstGeom>
+          <a:ln w="12700">
+            <a:miter lim="400000"/>
+          </a:ln>
+          <a:extLst>
+            <a:ext uri="{C572A759-6A51-4108-AA02-DFA0A04FC94B}">
+              <ma14:wrappingTextBoxFlag xmlns:ma14="http://schemas.microsoft.com/office/mac/drawingml/2011/main" val="1"/>
+            </a:ext>
+          </a:extLst>
+        </p:spPr>
+        <p:txBody>
+          <a:bodyPr lIns="50800" tIns="50800" rIns="50800" bIns="50800" anchor="ctr">
+            <a:spAutoFit/>
+          </a:bodyPr>
+          <a:lstStyle>
+            <a:lvl1pPr marL="609600" indent="-609600" algn="l">
               <a:lnSpc>
                 <a:spcPct val="90000"/>
               </a:lnSpc>
@@ -7219,29 +7183,12 @@
                   <a:srgbClr val="000000"/>
                 </a:solidFill>
               </a:defRPr>
-            </a:pPr>
-            <a:r>
-              <a:t>Fabrikmethode am einfachsten ins System zu integrieren</a:t>
-            </a:r>
-          </a:p>
-          <a:p>
-            <a:pPr marL="609600" indent="-609600" algn="l">
-              <a:lnSpc>
-                <a:spcPct val="90000"/>
-              </a:lnSpc>
-              <a:spcBef>
-                <a:spcPts val="4500"/>
-              </a:spcBef>
-              <a:buSzPct val="123000"/>
-              <a:buChar char="•"/>
-              <a:defRPr sz="4800">
-                <a:solidFill>
-                  <a:srgbClr val="000000"/>
-                </a:solidFill>
-              </a:defRPr>
-            </a:pPr>
-            <a:r>
-              <a:t>hohe Flexibilität</a:t>
+            </a:lvl1pPr>
+          </a:lstStyle>
+          <a:p>
+            <a:pPr/>
+            <a:r>
+              <a:t>Spezialisierungsoptionen für Unterklassen, da durch Pattern gegenüber der direkten Erzeugung des Objekte eine erweiterte Version des Objektes bereitgestellt wird</a:t>
             </a:r>
           </a:p>
         </p:txBody>
@@ -7272,26 +7219,16 @@
           <a:chExt cx="0" cy="0"/>
         </a:xfrm>
       </p:grpSpPr>
-      <p:pic>
-        <p:nvPicPr>
-          <p:cNvPr id="262" name="05. Factory Method.jpg" descr="05. Factory Method.jpg"/>
-          <p:cNvPicPr>
-            <a:picLocks noChangeAspect="1"/>
-          </p:cNvPicPr>
+      <p:sp>
+        <p:nvSpPr>
+          <p:cNvPr id="262" name="Best Practise"/>
+          <p:cNvSpPr txBox="1"/>
           <p:nvPr/>
-        </p:nvPicPr>
-        <p:blipFill>
-          <a:blip r:embed="rId2">
-            <a:extLst/>
-          </a:blip>
-          <a:stretch>
-            <a:fillRect/>
-          </a:stretch>
-        </p:blipFill>
-        <p:spPr>
-          <a:xfrm>
-            <a:off x="5783587" y="1041862"/>
-            <a:ext cx="12816826" cy="11632276"/>
+        </p:nvSpPr>
+        <p:spPr>
+          <a:xfrm>
+            <a:off x="1206500" y="707915"/>
+            <a:ext cx="21971000" cy="934779"/>
           </a:xfrm>
           <a:prstGeom prst="rect">
             <a:avLst/>
@@ -7299,8 +7236,143 @@
           <a:ln w="12700">
             <a:miter lim="400000"/>
           </a:ln>
-        </p:spPr>
-      </p:pic>
+          <a:extLst>
+            <a:ext uri="{C572A759-6A51-4108-AA02-DFA0A04FC94B}">
+              <ma14:wrappingTextBoxFlag xmlns:ma14="http://schemas.microsoft.com/office/mac/drawingml/2011/main" val="1"/>
+            </a:ext>
+          </a:extLst>
+        </p:spPr>
+        <p:txBody>
+          <a:bodyPr lIns="45719" rIns="45719">
+            <a:normAutofit fontScale="100000" lnSpcReduction="0"/>
+          </a:bodyPr>
+          <a:lstStyle>
+            <a:lvl1pPr algn="l" defTabSz="825500">
+              <a:defRPr b="1" sz="5500">
+                <a:solidFill>
+                  <a:srgbClr val="000000"/>
+                </a:solidFill>
+              </a:defRPr>
+            </a:lvl1pPr>
+          </a:lstStyle>
+          <a:p>
+            <a:pPr/>
+            <a:r>
+              <a:t>Best Practise</a:t>
+            </a:r>
+          </a:p>
+        </p:txBody>
+      </p:sp>
+      <p:sp>
+        <p:nvSpPr>
+          <p:cNvPr id="263" name="Wenn man ein Erzeugungsmuster verwenden möchte, sich aber unsicher ist, welches, beginnt man mit der Implementierung der Fabrikmethode…"/>
+          <p:cNvSpPr txBox="1"/>
+          <p:nvPr/>
+        </p:nvSpPr>
+        <p:spPr>
+          <a:xfrm>
+            <a:off x="1198314" y="2213580"/>
+            <a:ext cx="21987372" cy="6360517"/>
+          </a:xfrm>
+          <a:prstGeom prst="rect">
+            <a:avLst/>
+          </a:prstGeom>
+          <a:ln w="12700">
+            <a:miter lim="400000"/>
+          </a:ln>
+          <a:extLst>
+            <a:ext uri="{C572A759-6A51-4108-AA02-DFA0A04FC94B}">
+              <ma14:wrappingTextBoxFlag xmlns:ma14="http://schemas.microsoft.com/office/mac/drawingml/2011/main" val="1"/>
+            </a:ext>
+          </a:extLst>
+        </p:spPr>
+        <p:txBody>
+          <a:bodyPr lIns="50800" tIns="50800" rIns="50800" bIns="50800" anchor="ctr">
+            <a:spAutoFit/>
+          </a:bodyPr>
+          <a:lstStyle/>
+          <a:p>
+            <a:pPr marL="609600" indent="-609600" algn="l">
+              <a:lnSpc>
+                <a:spcPct val="90000"/>
+              </a:lnSpc>
+              <a:spcBef>
+                <a:spcPts val="4500"/>
+              </a:spcBef>
+              <a:buSzPct val="123000"/>
+              <a:buChar char="•"/>
+              <a:defRPr sz="4800">
+                <a:solidFill>
+                  <a:srgbClr val="000000"/>
+                </a:solidFill>
+              </a:defRPr>
+            </a:pPr>
+            <a:r>
+              <a:t>Wenn man ein Erzeugungsmuster verwenden möchte, sich aber unsicher ist, welches, beginnt man mit der Implementierung der Fabrikmethode</a:t>
+            </a:r>
+          </a:p>
+          <a:p>
+            <a:pPr marL="609600" indent="-609600" algn="l">
+              <a:lnSpc>
+                <a:spcPct val="90000"/>
+              </a:lnSpc>
+              <a:spcBef>
+                <a:spcPts val="4500"/>
+              </a:spcBef>
+              <a:buSzPct val="123000"/>
+              <a:buChar char="•"/>
+              <a:defRPr sz="4800">
+                <a:solidFill>
+                  <a:srgbClr val="000000"/>
+                </a:solidFill>
+              </a:defRPr>
+            </a:pPr>
+            <a:r>
+              <a:t>im späteren Verlauf schwenkt man auf andere Erzeugungsmuster um</a:t>
+            </a:r>
+          </a:p>
+          <a:p>
+            <a:pPr marL="609600" indent="-609600" algn="l">
+              <a:lnSpc>
+                <a:spcPct val="90000"/>
+              </a:lnSpc>
+              <a:spcBef>
+                <a:spcPts val="4500"/>
+              </a:spcBef>
+              <a:buSzPct val="123000"/>
+              <a:buChar char="•"/>
+              <a:defRPr sz="4800">
+                <a:solidFill>
+                  <a:srgbClr val="000000"/>
+                </a:solidFill>
+              </a:defRPr>
+            </a:pPr>
+            <a:r>
+              <a:t>Fabrikmethode am einfachsten ins System zu integrieren</a:t>
+            </a:r>
+          </a:p>
+          <a:p>
+            <a:pPr marL="609600" indent="-609600" algn="l">
+              <a:lnSpc>
+                <a:spcPct val="90000"/>
+              </a:lnSpc>
+              <a:spcBef>
+                <a:spcPts val="4500"/>
+              </a:spcBef>
+              <a:buSzPct val="123000"/>
+              <a:buChar char="•"/>
+              <a:defRPr sz="4800">
+                <a:solidFill>
+                  <a:srgbClr val="000000"/>
+                </a:solidFill>
+              </a:defRPr>
+            </a:pPr>
+            <a:r>
+              <a:t>hohe Flexibilität</a:t>
+            </a:r>
+          </a:p>
+        </p:txBody>
+      </p:sp>
     </p:spTree>
   </p:cSld>
   <p:clrMapOvr>
@@ -7327,30 +7399,35 @@
           <a:chExt cx="0" cy="0"/>
         </a:xfrm>
       </p:grpSpPr>
-      <p:sp>
-        <p:nvSpPr>
-          <p:cNvPr id="264" name="Beispiel"/>
-          <p:cNvSpPr txBox="1"/>
-          <p:nvPr>
-            <p:ph type="body" sz="half" idx="1"/>
-          </p:nvPr>
-        </p:nvSpPr>
-        <p:spPr>
-          <a:prstGeom prst="rect">
-            <a:avLst/>
-          </a:prstGeom>
-        </p:spPr>
-        <p:txBody>
-          <a:bodyPr/>
-          <a:lstStyle/>
-          <a:p>
-            <a:pPr/>
-            <a:r>
-              <a:t>Beispiel</a:t>
-            </a:r>
-          </a:p>
-        </p:txBody>
-      </p:sp>
+      <p:pic>
+        <p:nvPicPr>
+          <p:cNvPr id="265" name="05. Factory Method.jpg" descr="05. Factory Method.jpg"/>
+          <p:cNvPicPr>
+            <a:picLocks noChangeAspect="1"/>
+          </p:cNvPicPr>
+          <p:nvPr/>
+        </p:nvPicPr>
+        <p:blipFill>
+          <a:blip r:embed="rId2">
+            <a:extLst/>
+          </a:blip>
+          <a:stretch>
+            <a:fillRect/>
+          </a:stretch>
+        </p:blipFill>
+        <p:spPr>
+          <a:xfrm>
+            <a:off x="5783587" y="1041862"/>
+            <a:ext cx="12816826" cy="11632276"/>
+          </a:xfrm>
+          <a:prstGeom prst="rect">
+            <a:avLst/>
+          </a:prstGeom>
+          <a:ln w="12700">
+            <a:miter lim="400000"/>
+          </a:ln>
+        </p:spPr>
+      </p:pic>
     </p:spTree>
   </p:cSld>
   <p:clrMapOvr>
@@ -7379,10 +7456,10 @@
       </p:grpSpPr>
       <p:sp>
         <p:nvSpPr>
-          <p:cNvPr id="266" name="Abstract Factory"/>
+          <p:cNvPr id="267" name="Beispiel"/>
           <p:cNvSpPr txBox="1"/>
           <p:nvPr>
-            <p:ph type="title"/>
+            <p:ph type="body" sz="half" idx="1"/>
           </p:nvPr>
         </p:nvSpPr>
         <p:spPr>
@@ -7396,102 +7473,7 @@
           <a:p>
             <a:pPr/>
             <a:r>
-              <a:t>Abstract Factory</a:t>
-            </a:r>
-          </a:p>
-        </p:txBody>
-      </p:sp>
-      <p:sp>
-        <p:nvSpPr>
-          <p:cNvPr id="267" name="Abstrakte Fabrik"/>
-          <p:cNvSpPr txBox="1"/>
-          <p:nvPr>
-            <p:ph type="body" sz="quarter" idx="1"/>
-          </p:nvPr>
-        </p:nvSpPr>
-        <p:spPr>
-          <a:prstGeom prst="rect">
-            <a:avLst/>
-          </a:prstGeom>
-        </p:spPr>
-        <p:txBody>
-          <a:bodyPr/>
-          <a:lstStyle/>
-          <a:p>
-            <a:pPr/>
-            <a:r>
-              <a:t>Abstrakte Fabrik</a:t>
-            </a:r>
-          </a:p>
-        </p:txBody>
-      </p:sp>
-      <p:pic>
-        <p:nvPicPr>
-          <p:cNvPr id="268" name="Image" descr="Image"/>
-          <p:cNvPicPr>
-            <a:picLocks noChangeAspect="1"/>
-          </p:cNvPicPr>
-          <p:nvPr/>
-        </p:nvPicPr>
-        <p:blipFill>
-          <a:blip r:embed="rId2">
-            <a:extLst/>
-          </a:blip>
-          <a:stretch>
-            <a:fillRect/>
-          </a:stretch>
-        </p:blipFill>
-        <p:spPr>
-          <a:xfrm>
-            <a:off x="10770699" y="2353456"/>
-            <a:ext cx="12991972" cy="8119983"/>
-          </a:xfrm>
-          <a:prstGeom prst="rect">
-            <a:avLst/>
-          </a:prstGeom>
-          <a:ln w="12700">
-            <a:miter lim="400000"/>
-          </a:ln>
-        </p:spPr>
-      </p:pic>
-      <p:sp>
-        <p:nvSpPr>
-          <p:cNvPr id="269" name="Quelle: https://refactoring.guru/design-patterns/abstract-factory"/>
-          <p:cNvSpPr txBox="1"/>
-          <p:nvPr/>
-        </p:nvSpPr>
-        <p:spPr>
-          <a:xfrm>
-            <a:off x="12988528" y="11001981"/>
-            <a:ext cx="8830057" cy="461367"/>
-          </a:xfrm>
-          <a:prstGeom prst="rect">
-            <a:avLst/>
-          </a:prstGeom>
-          <a:ln w="12700">
-            <a:miter lim="400000"/>
-          </a:ln>
-          <a:extLst>
-            <a:ext uri="{C572A759-6A51-4108-AA02-DFA0A04FC94B}">
-              <ma14:wrappingTextBoxFlag xmlns:ma14="http://schemas.microsoft.com/office/mac/drawingml/2011/main" val="1"/>
-            </a:ext>
-          </a:extLst>
-        </p:spPr>
-        <p:txBody>
-          <a:bodyPr wrap="none" lIns="50800" tIns="50800" rIns="50800" bIns="50800" anchor="ctr">
-            <a:spAutoFit/>
-          </a:bodyPr>
-          <a:lstStyle/>
-          <a:p>
-            <a:pPr/>
-            <a:r>
-              <a:t>Quelle: </a:t>
-            </a:r>
-            <a:r>
-              <a:rPr u="sng">
-                <a:hlinkClick r:id="rId3" invalidUrl="" action="" tgtFrame="" tooltip="" history="1" highlightClick="0" endSnd="0"/>
-              </a:rPr>
-              <a:t>https://refactoring.guru/design-patterns/abstract-factory</a:t>
+              <a:t>Beispiel</a:t>
             </a:r>
           </a:p>
         </p:txBody>
@@ -7522,9 +7504,57 @@
           <a:chExt cx="0" cy="0"/>
         </a:xfrm>
       </p:grpSpPr>
+      <p:sp>
+        <p:nvSpPr>
+          <p:cNvPr id="269" name="Abstract Factory"/>
+          <p:cNvSpPr txBox="1"/>
+          <p:nvPr>
+            <p:ph type="title"/>
+          </p:nvPr>
+        </p:nvSpPr>
+        <p:spPr>
+          <a:prstGeom prst="rect">
+            <a:avLst/>
+          </a:prstGeom>
+        </p:spPr>
+        <p:txBody>
+          <a:bodyPr/>
+          <a:lstStyle/>
+          <a:p>
+            <a:pPr/>
+            <a:r>
+              <a:t>Abstract Factory</a:t>
+            </a:r>
+          </a:p>
+        </p:txBody>
+      </p:sp>
+      <p:sp>
+        <p:nvSpPr>
+          <p:cNvPr id="270" name="Abstrakte Fabrik"/>
+          <p:cNvSpPr txBox="1"/>
+          <p:nvPr>
+            <p:ph type="body" sz="quarter" idx="1"/>
+          </p:nvPr>
+        </p:nvSpPr>
+        <p:spPr>
+          <a:prstGeom prst="rect">
+            <a:avLst/>
+          </a:prstGeom>
+        </p:spPr>
+        <p:txBody>
+          <a:bodyPr/>
+          <a:lstStyle/>
+          <a:p>
+            <a:pPr/>
+            <a:r>
+              <a:t>Abstrakte Fabrik</a:t>
+            </a:r>
+          </a:p>
+        </p:txBody>
+      </p:sp>
       <p:pic>
         <p:nvPicPr>
-          <p:cNvPr id="271" name="01. Abstract Factory example.jpg" descr="01. Abstract Factory example.jpg"/>
+          <p:cNvPr id="271" name="Image" descr="Image"/>
           <p:cNvPicPr>
             <a:picLocks noChangeAspect="1"/>
           </p:cNvPicPr>
@@ -7540,8 +7570,8 @@
         </p:blipFill>
         <p:spPr>
           <a:xfrm>
-            <a:off x="4008389" y="118556"/>
-            <a:ext cx="16367224" cy="13478888"/>
+            <a:off x="10770699" y="2353456"/>
+            <a:ext cx="12991972" cy="8119983"/>
           </a:xfrm>
           <a:prstGeom prst="rect">
             <a:avLst/>
@@ -7551,6 +7581,48 @@
           </a:ln>
         </p:spPr>
       </p:pic>
+      <p:sp>
+        <p:nvSpPr>
+          <p:cNvPr id="272" name="Quelle: https://refactoring.guru/design-patterns/abstract-factory"/>
+          <p:cNvSpPr txBox="1"/>
+          <p:nvPr/>
+        </p:nvSpPr>
+        <p:spPr>
+          <a:xfrm>
+            <a:off x="12988528" y="11001981"/>
+            <a:ext cx="8830057" cy="461367"/>
+          </a:xfrm>
+          <a:prstGeom prst="rect">
+            <a:avLst/>
+          </a:prstGeom>
+          <a:ln w="12700">
+            <a:miter lim="400000"/>
+          </a:ln>
+          <a:extLst>
+            <a:ext uri="{C572A759-6A51-4108-AA02-DFA0A04FC94B}">
+              <ma14:wrappingTextBoxFlag xmlns:ma14="http://schemas.microsoft.com/office/mac/drawingml/2011/main" val="1"/>
+            </a:ext>
+          </a:extLst>
+        </p:spPr>
+        <p:txBody>
+          <a:bodyPr wrap="none" lIns="50800" tIns="50800" rIns="50800" bIns="50800" anchor="ctr">
+            <a:spAutoFit/>
+          </a:bodyPr>
+          <a:lstStyle/>
+          <a:p>
+            <a:pPr/>
+            <a:r>
+              <a:t>Quelle: </a:t>
+            </a:r>
+            <a:r>
+              <a:rPr u="sng">
+                <a:hlinkClick r:id="rId3" invalidUrl="" action="" tgtFrame="" tooltip="" history="1" highlightClick="0" endSnd="0"/>
+              </a:rPr>
+              <a:t>https://refactoring.guru/design-patterns/abstract-factory</a:t>
+            </a:r>
+          </a:p>
+        </p:txBody>
+      </p:sp>
     </p:spTree>
   </p:cSld>
   <p:clrMapOvr>
@@ -7577,49 +7649,26 @@
           <a:chExt cx="0" cy="0"/>
         </a:xfrm>
       </p:grpSpPr>
-      <p:sp>
-        <p:nvSpPr>
-          <p:cNvPr id="273" name="Zweck"/>
-          <p:cNvSpPr txBox="1"/>
-          <p:nvPr>
-            <p:ph type="body" idx="21"/>
-          </p:nvPr>
-        </p:nvSpPr>
-        <p:spPr>
-          <a:xfrm>
-            <a:off x="1206500" y="642117"/>
-            <a:ext cx="21971000" cy="934779"/>
-          </a:xfrm>
-          <a:prstGeom prst="rect">
-            <a:avLst/>
-          </a:prstGeom>
-          <a:extLst>
-            <a:ext uri="{C572A759-6A51-4108-AA02-DFA0A04FC94B}">
-              <ma14:wrappingTextBoxFlag xmlns:ma14="http://schemas.microsoft.com/office/mac/drawingml/2011/main" val="1"/>
-            </a:ext>
-          </a:extLst>
-        </p:spPr>
-        <p:txBody>
-          <a:bodyPr/>
-          <a:lstStyle/>
-          <a:p>
-            <a:pPr/>
-            <a:r>
-              <a:t>Zweck</a:t>
-            </a:r>
-          </a:p>
-        </p:txBody>
-      </p:sp>
-      <p:sp>
-        <p:nvSpPr>
-          <p:cNvPr id="274" name="Schnittstelle zum Erzeugen verwandter Objektfamilien…"/>
-          <p:cNvSpPr txBox="1"/>
+      <p:pic>
+        <p:nvPicPr>
+          <p:cNvPr id="274" name="01. Abstract Factory example.jpg" descr="01. Abstract Factory example.jpg"/>
+          <p:cNvPicPr>
+            <a:picLocks noChangeAspect="1"/>
+          </p:cNvPicPr>
           <p:nvPr/>
-        </p:nvSpPr>
-        <p:spPr>
-          <a:xfrm>
-            <a:off x="1198314" y="1900518"/>
-            <a:ext cx="21987372" cy="3257866"/>
+        </p:nvPicPr>
+        <p:blipFill>
+          <a:blip r:embed="rId2">
+            <a:extLst/>
+          </a:blip>
+          <a:stretch>
+            <a:fillRect/>
+          </a:stretch>
+        </p:blipFill>
+        <p:spPr>
+          <a:xfrm>
+            <a:off x="4008389" y="118556"/>
+            <a:ext cx="16367224" cy="13478888"/>
           </a:xfrm>
           <a:prstGeom prst="rect">
             <a:avLst/>
@@ -7627,213 +7676,8 @@
           <a:ln w="12700">
             <a:miter lim="400000"/>
           </a:ln>
-          <a:extLst>
-            <a:ext uri="{C572A759-6A51-4108-AA02-DFA0A04FC94B}">
-              <ma14:wrappingTextBoxFlag xmlns:ma14="http://schemas.microsoft.com/office/mac/drawingml/2011/main" val="1"/>
-            </a:ext>
-          </a:extLst>
-        </p:spPr>
-        <p:txBody>
-          <a:bodyPr lIns="50800" tIns="50800" rIns="50800" bIns="50800" anchor="ctr">
-            <a:spAutoFit/>
-          </a:bodyPr>
-          <a:lstStyle/>
-          <a:p>
-            <a:pPr marL="609600" indent="-609600" algn="l">
-              <a:lnSpc>
-                <a:spcPct val="90000"/>
-              </a:lnSpc>
-              <a:spcBef>
-                <a:spcPts val="4500"/>
-              </a:spcBef>
-              <a:buSzPct val="123000"/>
-              <a:buChar char="•"/>
-              <a:defRPr sz="4800">
-                <a:solidFill>
-                  <a:srgbClr val="000000"/>
-                </a:solidFill>
-              </a:defRPr>
-            </a:pPr>
-            <a:r>
-              <a:t>Schnittstelle zum Erzeugen verwandter Objektfamilien</a:t>
-            </a:r>
-          </a:p>
-          <a:p>
-            <a:pPr marL="609600" indent="-609600" algn="l">
-              <a:lnSpc>
-                <a:spcPct val="90000"/>
-              </a:lnSpc>
-              <a:spcBef>
-                <a:spcPts val="4500"/>
-              </a:spcBef>
-              <a:buSzPct val="123000"/>
-              <a:buChar char="•"/>
-              <a:defRPr sz="4800">
-                <a:solidFill>
-                  <a:srgbClr val="000000"/>
-                </a:solidFill>
-              </a:defRPr>
-            </a:pPr>
-            <a:r>
-              <a:t>Verbergung der konkreten Klassen</a:t>
-            </a:r>
-          </a:p>
-        </p:txBody>
-      </p:sp>
-      <p:sp>
-        <p:nvSpPr>
-          <p:cNvPr id="275" name="Anwendbarkeit"/>
-          <p:cNvSpPr txBox="1"/>
-          <p:nvPr/>
-        </p:nvSpPr>
-        <p:spPr>
-          <a:xfrm>
-            <a:off x="1206500" y="5482005"/>
-            <a:ext cx="21971000" cy="934780"/>
-          </a:xfrm>
-          <a:prstGeom prst="rect">
-            <a:avLst/>
-          </a:prstGeom>
-          <a:ln w="12700">
-            <a:miter lim="400000"/>
-          </a:ln>
-          <a:extLst>
-            <a:ext uri="{C572A759-6A51-4108-AA02-DFA0A04FC94B}">
-              <ma14:wrappingTextBoxFlag xmlns:ma14="http://schemas.microsoft.com/office/mac/drawingml/2011/main" val="1"/>
-            </a:ext>
-          </a:extLst>
-        </p:spPr>
-        <p:txBody>
-          <a:bodyPr lIns="45719" rIns="45719">
-            <a:normAutofit fontScale="100000" lnSpcReduction="0"/>
-          </a:bodyPr>
-          <a:lstStyle>
-            <a:lvl1pPr algn="l" defTabSz="825500">
-              <a:defRPr b="1" sz="5500">
-                <a:solidFill>
-                  <a:srgbClr val="000000"/>
-                </a:solidFill>
-              </a:defRPr>
-            </a:lvl1pPr>
-          </a:lstStyle>
-          <a:p>
-            <a:pPr/>
-            <a:r>
-              <a:t>Anwendbarkeit</a:t>
-            </a:r>
-          </a:p>
-        </p:txBody>
-      </p:sp>
-      <p:sp>
-        <p:nvSpPr>
-          <p:cNvPr id="276" name="System soll unabhängig von Generierung, Komposition und Darstellung seiner Objekte arbeiten…"/>
-          <p:cNvSpPr txBox="1"/>
-          <p:nvPr/>
-        </p:nvSpPr>
-        <p:spPr>
-          <a:xfrm>
-            <a:off x="1198314" y="6740407"/>
-            <a:ext cx="21987372" cy="6360516"/>
-          </a:xfrm>
-          <a:prstGeom prst="rect">
-            <a:avLst/>
-          </a:prstGeom>
-          <a:ln w="12700">
-            <a:miter lim="400000"/>
-          </a:ln>
-          <a:extLst>
-            <a:ext uri="{C572A759-6A51-4108-AA02-DFA0A04FC94B}">
-              <ma14:wrappingTextBoxFlag xmlns:ma14="http://schemas.microsoft.com/office/mac/drawingml/2011/main" val="1"/>
-            </a:ext>
-          </a:extLst>
-        </p:spPr>
-        <p:txBody>
-          <a:bodyPr lIns="50800" tIns="50800" rIns="50800" bIns="50800" anchor="ctr">
-            <a:spAutoFit/>
-          </a:bodyPr>
-          <a:lstStyle/>
-          <a:p>
-            <a:pPr marL="609600" indent="-609600" algn="l">
-              <a:lnSpc>
-                <a:spcPct val="90000"/>
-              </a:lnSpc>
-              <a:spcBef>
-                <a:spcPts val="4500"/>
-              </a:spcBef>
-              <a:buSzPct val="123000"/>
-              <a:buChar char="•"/>
-              <a:defRPr sz="4800">
-                <a:solidFill>
-                  <a:srgbClr val="000000"/>
-                </a:solidFill>
-              </a:defRPr>
-            </a:pPr>
-            <a:r>
-              <a:t>System soll unabhängig von Generierung, Komposition und Darstellung seiner Objekte arbeiten</a:t>
-            </a:r>
-          </a:p>
-          <a:p>
-            <a:pPr marL="609600" indent="-609600" algn="l">
-              <a:lnSpc>
-                <a:spcPct val="90000"/>
-              </a:lnSpc>
-              <a:spcBef>
-                <a:spcPts val="4500"/>
-              </a:spcBef>
-              <a:buSzPct val="123000"/>
-              <a:buChar char="•"/>
-              <a:defRPr sz="4800">
-                <a:solidFill>
-                  <a:srgbClr val="000000"/>
-                </a:solidFill>
-              </a:defRPr>
-            </a:pPr>
-            <a:r>
-              <a:t>System soll von mehreren Produktfamilien konfiguriert werden</a:t>
-            </a:r>
-          </a:p>
-          <a:p>
-            <a:pPr marL="609600" indent="-609600" algn="l">
-              <a:lnSpc>
-                <a:spcPct val="90000"/>
-              </a:lnSpc>
-              <a:spcBef>
-                <a:spcPts val="4500"/>
-              </a:spcBef>
-              <a:buSzPct val="123000"/>
-              <a:buChar char="•"/>
-              <a:defRPr sz="4800">
-                <a:solidFill>
-                  <a:srgbClr val="000000"/>
-                </a:solidFill>
-              </a:defRPr>
-            </a:pPr>
-            <a:r>
-              <a:t>Familien sollen gemeinsam verwendet werden (Zwang)</a:t>
-            </a:r>
-          </a:p>
-          <a:p>
-            <a:pPr marL="609600" indent="-609600" algn="l">
-              <a:lnSpc>
-                <a:spcPct val="90000"/>
-              </a:lnSpc>
-              <a:spcBef>
-                <a:spcPts val="4500"/>
-              </a:spcBef>
-              <a:buSzPct val="123000"/>
-              <a:buChar char="•"/>
-              <a:defRPr sz="4800">
-                <a:solidFill>
-                  <a:srgbClr val="000000"/>
-                </a:solidFill>
-              </a:defRPr>
-            </a:pPr>
-            <a:r>
-              <a:t>nur Schnittstellen sollen verwendet werden dürfen</a:t>
-            </a:r>
-          </a:p>
-        </p:txBody>
-      </p:sp>
+        </p:spPr>
+      </p:pic>
     </p:spTree>
   </p:cSld>
   <p:clrMapOvr>
@@ -7862,7 +7706,7 @@
       </p:grpSpPr>
       <p:sp>
         <p:nvSpPr>
-          <p:cNvPr id="278" name="Konsequenzen"/>
+          <p:cNvPr id="276" name="Zweck"/>
           <p:cNvSpPr txBox="1"/>
           <p:nvPr>
             <p:ph type="body" idx="21"/>
@@ -7888,21 +7732,21 @@
           <a:p>
             <a:pPr/>
             <a:r>
-              <a:t>Konsequenzen</a:t>
-            </a:r>
-          </a:p>
-        </p:txBody>
-      </p:sp>
-      <p:sp>
-        <p:nvSpPr>
-          <p:cNvPr id="279" name="Isolierung konkreter Klassen…"/>
+              <a:t>Zweck</a:t>
+            </a:r>
+          </a:p>
+        </p:txBody>
+      </p:sp>
+      <p:sp>
+        <p:nvSpPr>
+          <p:cNvPr id="277" name="Schnittstelle zum Erzeugen verwandter Objektfamilien…"/>
           <p:cNvSpPr txBox="1"/>
           <p:nvPr/>
         </p:nvSpPr>
         <p:spPr>
           <a:xfrm>
-            <a:off x="1198314" y="1991910"/>
-            <a:ext cx="21987372" cy="4482583"/>
+            <a:off x="1198314" y="1900518"/>
+            <a:ext cx="21987372" cy="3257866"/>
           </a:xfrm>
           <a:prstGeom prst="rect">
             <a:avLst/>
@@ -7938,7 +7782,7 @@
               </a:defRPr>
             </a:pPr>
             <a:r>
-              <a:t>Isolierung konkreter Klassen</a:t>
+              <a:t>Schnittstelle zum Erzeugen verwandter Objektfamilien</a:t>
             </a:r>
           </a:p>
           <a:p>
@@ -7958,9 +7802,83 @@
               </a:defRPr>
             </a:pPr>
             <a:r>
-              <a:t>Einfacher Austausch von Produktfamilien</a:t>
-            </a:r>
-          </a:p>
+              <a:t>Verbergung der konkreten Klassen</a:t>
+            </a:r>
+          </a:p>
+        </p:txBody>
+      </p:sp>
+      <p:sp>
+        <p:nvSpPr>
+          <p:cNvPr id="278" name="Anwendbarkeit"/>
+          <p:cNvSpPr txBox="1"/>
+          <p:nvPr/>
+        </p:nvSpPr>
+        <p:spPr>
+          <a:xfrm>
+            <a:off x="1206500" y="5482005"/>
+            <a:ext cx="21971000" cy="934780"/>
+          </a:xfrm>
+          <a:prstGeom prst="rect">
+            <a:avLst/>
+          </a:prstGeom>
+          <a:ln w="12700">
+            <a:miter lim="400000"/>
+          </a:ln>
+          <a:extLst>
+            <a:ext uri="{C572A759-6A51-4108-AA02-DFA0A04FC94B}">
+              <ma14:wrappingTextBoxFlag xmlns:ma14="http://schemas.microsoft.com/office/mac/drawingml/2011/main" val="1"/>
+            </a:ext>
+          </a:extLst>
+        </p:spPr>
+        <p:txBody>
+          <a:bodyPr lIns="45719" rIns="45719">
+            <a:normAutofit fontScale="100000" lnSpcReduction="0"/>
+          </a:bodyPr>
+          <a:lstStyle>
+            <a:lvl1pPr algn="l" defTabSz="825500">
+              <a:defRPr b="1" sz="5500">
+                <a:solidFill>
+                  <a:srgbClr val="000000"/>
+                </a:solidFill>
+              </a:defRPr>
+            </a:lvl1pPr>
+          </a:lstStyle>
+          <a:p>
+            <a:pPr/>
+            <a:r>
+              <a:t>Anwendbarkeit</a:t>
+            </a:r>
+          </a:p>
+        </p:txBody>
+      </p:sp>
+      <p:sp>
+        <p:nvSpPr>
+          <p:cNvPr id="279" name="System soll unabhängig von Generierung, Komposition und Darstellung seiner Objekte arbeiten…"/>
+          <p:cNvSpPr txBox="1"/>
+          <p:nvPr/>
+        </p:nvSpPr>
+        <p:spPr>
+          <a:xfrm>
+            <a:off x="1198314" y="6740407"/>
+            <a:ext cx="21987372" cy="6360516"/>
+          </a:xfrm>
+          <a:prstGeom prst="rect">
+            <a:avLst/>
+          </a:prstGeom>
+          <a:ln w="12700">
+            <a:miter lim="400000"/>
+          </a:ln>
+          <a:extLst>
+            <a:ext uri="{C572A759-6A51-4108-AA02-DFA0A04FC94B}">
+              <ma14:wrappingTextBoxFlag xmlns:ma14="http://schemas.microsoft.com/office/mac/drawingml/2011/main" val="1"/>
+            </a:ext>
+          </a:extLst>
+        </p:spPr>
+        <p:txBody>
+          <a:bodyPr lIns="50800" tIns="50800" rIns="50800" bIns="50800" anchor="ctr">
+            <a:spAutoFit/>
+          </a:bodyPr>
+          <a:lstStyle/>
           <a:p>
             <a:pPr marL="609600" indent="-609600" algn="l">
               <a:lnSpc>
@@ -7978,7 +7896,7 @@
               </a:defRPr>
             </a:pPr>
             <a:r>
-              <a:t>Produktkonsistenz (Einhaltung der Zusammenarbeit der Produkte)</a:t>
+              <a:t>System soll unabhängig von Generierung, Komposition und Darstellung seiner Objekte arbeiten</a:t>
             </a:r>
           </a:p>
           <a:p>
@@ -7998,83 +7916,9 @@
               </a:defRPr>
             </a:pPr>
             <a:r>
-              <a:t>Unterstützung neuer Produktarten (Bewahren des OCP)</a:t>
-            </a:r>
-          </a:p>
-        </p:txBody>
-      </p:sp>
-      <p:sp>
-        <p:nvSpPr>
-          <p:cNvPr id="280" name="Erweiterbarkeit"/>
-          <p:cNvSpPr txBox="1"/>
-          <p:nvPr/>
-        </p:nvSpPr>
-        <p:spPr>
-          <a:xfrm>
-            <a:off x="1206500" y="7413337"/>
-            <a:ext cx="21971000" cy="934780"/>
-          </a:xfrm>
-          <a:prstGeom prst="rect">
-            <a:avLst/>
-          </a:prstGeom>
-          <a:ln w="12700">
-            <a:miter lim="400000"/>
-          </a:ln>
-          <a:extLst>
-            <a:ext uri="{C572A759-6A51-4108-AA02-DFA0A04FC94B}">
-              <ma14:wrappingTextBoxFlag xmlns:ma14="http://schemas.microsoft.com/office/mac/drawingml/2011/main" val="1"/>
-            </a:ext>
-          </a:extLst>
-        </p:spPr>
-        <p:txBody>
-          <a:bodyPr lIns="45719" rIns="45719">
-            <a:normAutofit fontScale="100000" lnSpcReduction="0"/>
-          </a:bodyPr>
-          <a:lstStyle>
-            <a:lvl1pPr algn="l" defTabSz="825500">
-              <a:defRPr b="1" sz="5500">
-                <a:solidFill>
-                  <a:srgbClr val="000000"/>
-                </a:solidFill>
-              </a:defRPr>
-            </a:lvl1pPr>
-          </a:lstStyle>
-          <a:p>
-            <a:pPr/>
-            <a:r>
-              <a:t>Erweiterbarkeit</a:t>
-            </a:r>
-          </a:p>
-        </p:txBody>
-      </p:sp>
-      <p:sp>
-        <p:nvSpPr>
-          <p:cNvPr id="281" name="Fabriken als Singletons…"/>
-          <p:cNvSpPr txBox="1"/>
-          <p:nvPr/>
-        </p:nvSpPr>
-        <p:spPr>
-          <a:xfrm>
-            <a:off x="1198314" y="8919447"/>
-            <a:ext cx="21987372" cy="2686366"/>
-          </a:xfrm>
-          <a:prstGeom prst="rect">
-            <a:avLst/>
-          </a:prstGeom>
-          <a:ln w="12700">
-            <a:miter lim="400000"/>
-          </a:ln>
-          <a:extLst>
-            <a:ext uri="{C572A759-6A51-4108-AA02-DFA0A04FC94B}">
-              <ma14:wrappingTextBoxFlag xmlns:ma14="http://schemas.microsoft.com/office/mac/drawingml/2011/main" val="1"/>
-            </a:ext>
-          </a:extLst>
-        </p:spPr>
-        <p:txBody>
-          <a:bodyPr lIns="50800" tIns="50800" rIns="50800" bIns="50800" anchor="ctr">
-            <a:spAutoFit/>
-          </a:bodyPr>
-          <a:lstStyle/>
+              <a:t>System soll von mehreren Produktfamilien konfiguriert werden</a:t>
+            </a:r>
+          </a:p>
           <a:p>
             <a:pPr marL="609600" indent="-609600" algn="l">
               <a:lnSpc>
@@ -8092,7 +7936,7 @@
               </a:defRPr>
             </a:pPr>
             <a:r>
-              <a:t>Fabriken als Singletons</a:t>
+              <a:t>Familien sollen gemeinsam verwendet werden (Zwang)</a:t>
             </a:r>
           </a:p>
           <a:p>
@@ -8112,7 +7956,7 @@
               </a:defRPr>
             </a:pPr>
             <a:r>
-              <a:t>Variierung der Erzeugung der Produkte in den Fabriken (z.B. durch Fabrikmethode oder Prototype, etc)</a:t>
+              <a:t>nur Schnittstellen sollen verwendet werden dürfen</a:t>
             </a:r>
           </a:p>
         </p:txBody>
@@ -8143,26 +7987,49 @@
           <a:chExt cx="0" cy="0"/>
         </a:xfrm>
       </p:grpSpPr>
-      <p:pic>
-        <p:nvPicPr>
-          <p:cNvPr id="283" name="01. Abstract Factory.jpg" descr="01. Abstract Factory.jpg"/>
-          <p:cNvPicPr>
-            <a:picLocks noChangeAspect="1"/>
-          </p:cNvPicPr>
+      <p:sp>
+        <p:nvSpPr>
+          <p:cNvPr id="281" name="Konsequenzen"/>
+          <p:cNvSpPr txBox="1"/>
+          <p:nvPr>
+            <p:ph type="body" idx="21"/>
+          </p:nvPr>
+        </p:nvSpPr>
+        <p:spPr>
+          <a:xfrm>
+            <a:off x="1206500" y="642117"/>
+            <a:ext cx="21971000" cy="934779"/>
+          </a:xfrm>
+          <a:prstGeom prst="rect">
+            <a:avLst/>
+          </a:prstGeom>
+          <a:extLst>
+            <a:ext uri="{C572A759-6A51-4108-AA02-DFA0A04FC94B}">
+              <ma14:wrappingTextBoxFlag xmlns:ma14="http://schemas.microsoft.com/office/mac/drawingml/2011/main" val="1"/>
+            </a:ext>
+          </a:extLst>
+        </p:spPr>
+        <p:txBody>
+          <a:bodyPr/>
+          <a:lstStyle/>
+          <a:p>
+            <a:pPr/>
+            <a:r>
+              <a:t>Konsequenzen</a:t>
+            </a:r>
+          </a:p>
+        </p:txBody>
+      </p:sp>
+      <p:sp>
+        <p:nvSpPr>
+          <p:cNvPr id="282" name="Isolierung konkreter Klassen…"/>
+          <p:cNvSpPr txBox="1"/>
           <p:nvPr/>
-        </p:nvPicPr>
-        <p:blipFill>
-          <a:blip r:embed="rId2">
-            <a:extLst/>
-          </a:blip>
-          <a:stretch>
-            <a:fillRect/>
-          </a:stretch>
-        </p:blipFill>
-        <p:spPr>
-          <a:xfrm>
-            <a:off x="1285804" y="1219341"/>
-            <a:ext cx="21812392" cy="11277318"/>
+        </p:nvSpPr>
+        <p:spPr>
+          <a:xfrm>
+            <a:off x="1198314" y="1991910"/>
+            <a:ext cx="21987372" cy="4482583"/>
           </a:xfrm>
           <a:prstGeom prst="rect">
             <a:avLst/>
@@ -8170,8 +8037,213 @@
           <a:ln w="12700">
             <a:miter lim="400000"/>
           </a:ln>
-        </p:spPr>
-      </p:pic>
+          <a:extLst>
+            <a:ext uri="{C572A759-6A51-4108-AA02-DFA0A04FC94B}">
+              <ma14:wrappingTextBoxFlag xmlns:ma14="http://schemas.microsoft.com/office/mac/drawingml/2011/main" val="1"/>
+            </a:ext>
+          </a:extLst>
+        </p:spPr>
+        <p:txBody>
+          <a:bodyPr lIns="50800" tIns="50800" rIns="50800" bIns="50800" anchor="ctr">
+            <a:spAutoFit/>
+          </a:bodyPr>
+          <a:lstStyle/>
+          <a:p>
+            <a:pPr marL="609600" indent="-609600" algn="l">
+              <a:lnSpc>
+                <a:spcPct val="90000"/>
+              </a:lnSpc>
+              <a:spcBef>
+                <a:spcPts val="4500"/>
+              </a:spcBef>
+              <a:buSzPct val="123000"/>
+              <a:buChar char="•"/>
+              <a:defRPr sz="4800">
+                <a:solidFill>
+                  <a:srgbClr val="000000"/>
+                </a:solidFill>
+              </a:defRPr>
+            </a:pPr>
+            <a:r>
+              <a:t>Isolierung konkreter Klassen</a:t>
+            </a:r>
+          </a:p>
+          <a:p>
+            <a:pPr marL="609600" indent="-609600" algn="l">
+              <a:lnSpc>
+                <a:spcPct val="90000"/>
+              </a:lnSpc>
+              <a:spcBef>
+                <a:spcPts val="4500"/>
+              </a:spcBef>
+              <a:buSzPct val="123000"/>
+              <a:buChar char="•"/>
+              <a:defRPr sz="4800">
+                <a:solidFill>
+                  <a:srgbClr val="000000"/>
+                </a:solidFill>
+              </a:defRPr>
+            </a:pPr>
+            <a:r>
+              <a:t>Einfacher Austausch von Produktfamilien</a:t>
+            </a:r>
+          </a:p>
+          <a:p>
+            <a:pPr marL="609600" indent="-609600" algn="l">
+              <a:lnSpc>
+                <a:spcPct val="90000"/>
+              </a:lnSpc>
+              <a:spcBef>
+                <a:spcPts val="4500"/>
+              </a:spcBef>
+              <a:buSzPct val="123000"/>
+              <a:buChar char="•"/>
+              <a:defRPr sz="4800">
+                <a:solidFill>
+                  <a:srgbClr val="000000"/>
+                </a:solidFill>
+              </a:defRPr>
+            </a:pPr>
+            <a:r>
+              <a:t>Produktkonsistenz (Einhaltung der Zusammenarbeit der Produkte)</a:t>
+            </a:r>
+          </a:p>
+          <a:p>
+            <a:pPr marL="609600" indent="-609600" algn="l">
+              <a:lnSpc>
+                <a:spcPct val="90000"/>
+              </a:lnSpc>
+              <a:spcBef>
+                <a:spcPts val="4500"/>
+              </a:spcBef>
+              <a:buSzPct val="123000"/>
+              <a:buChar char="•"/>
+              <a:defRPr sz="4800">
+                <a:solidFill>
+                  <a:srgbClr val="000000"/>
+                </a:solidFill>
+              </a:defRPr>
+            </a:pPr>
+            <a:r>
+              <a:t>Unterstützung neuer Produktarten (Bewahren des OCP)</a:t>
+            </a:r>
+          </a:p>
+        </p:txBody>
+      </p:sp>
+      <p:sp>
+        <p:nvSpPr>
+          <p:cNvPr id="283" name="Erweiterbarkeit"/>
+          <p:cNvSpPr txBox="1"/>
+          <p:nvPr/>
+        </p:nvSpPr>
+        <p:spPr>
+          <a:xfrm>
+            <a:off x="1206500" y="7413337"/>
+            <a:ext cx="21971000" cy="934780"/>
+          </a:xfrm>
+          <a:prstGeom prst="rect">
+            <a:avLst/>
+          </a:prstGeom>
+          <a:ln w="12700">
+            <a:miter lim="400000"/>
+          </a:ln>
+          <a:extLst>
+            <a:ext uri="{C572A759-6A51-4108-AA02-DFA0A04FC94B}">
+              <ma14:wrappingTextBoxFlag xmlns:ma14="http://schemas.microsoft.com/office/mac/drawingml/2011/main" val="1"/>
+            </a:ext>
+          </a:extLst>
+        </p:spPr>
+        <p:txBody>
+          <a:bodyPr lIns="45719" rIns="45719">
+            <a:normAutofit fontScale="100000" lnSpcReduction="0"/>
+          </a:bodyPr>
+          <a:lstStyle>
+            <a:lvl1pPr algn="l" defTabSz="825500">
+              <a:defRPr b="1" sz="5500">
+                <a:solidFill>
+                  <a:srgbClr val="000000"/>
+                </a:solidFill>
+              </a:defRPr>
+            </a:lvl1pPr>
+          </a:lstStyle>
+          <a:p>
+            <a:pPr/>
+            <a:r>
+              <a:t>Erweiterbarkeit</a:t>
+            </a:r>
+          </a:p>
+        </p:txBody>
+      </p:sp>
+      <p:sp>
+        <p:nvSpPr>
+          <p:cNvPr id="284" name="Fabriken als Singletons…"/>
+          <p:cNvSpPr txBox="1"/>
+          <p:nvPr/>
+        </p:nvSpPr>
+        <p:spPr>
+          <a:xfrm>
+            <a:off x="1198314" y="8919447"/>
+            <a:ext cx="21987372" cy="2686366"/>
+          </a:xfrm>
+          <a:prstGeom prst="rect">
+            <a:avLst/>
+          </a:prstGeom>
+          <a:ln w="12700">
+            <a:miter lim="400000"/>
+          </a:ln>
+          <a:extLst>
+            <a:ext uri="{C572A759-6A51-4108-AA02-DFA0A04FC94B}">
+              <ma14:wrappingTextBoxFlag xmlns:ma14="http://schemas.microsoft.com/office/mac/drawingml/2011/main" val="1"/>
+            </a:ext>
+          </a:extLst>
+        </p:spPr>
+        <p:txBody>
+          <a:bodyPr lIns="50800" tIns="50800" rIns="50800" bIns="50800" anchor="ctr">
+            <a:spAutoFit/>
+          </a:bodyPr>
+          <a:lstStyle/>
+          <a:p>
+            <a:pPr marL="609600" indent="-609600" algn="l">
+              <a:lnSpc>
+                <a:spcPct val="90000"/>
+              </a:lnSpc>
+              <a:spcBef>
+                <a:spcPts val="4500"/>
+              </a:spcBef>
+              <a:buSzPct val="123000"/>
+              <a:buChar char="•"/>
+              <a:defRPr sz="4800">
+                <a:solidFill>
+                  <a:srgbClr val="000000"/>
+                </a:solidFill>
+              </a:defRPr>
+            </a:pPr>
+            <a:r>
+              <a:t>Fabriken als Singletons</a:t>
+            </a:r>
+          </a:p>
+          <a:p>
+            <a:pPr marL="609600" indent="-609600" algn="l">
+              <a:lnSpc>
+                <a:spcPct val="90000"/>
+              </a:lnSpc>
+              <a:spcBef>
+                <a:spcPts val="4500"/>
+              </a:spcBef>
+              <a:buSzPct val="123000"/>
+              <a:buChar char="•"/>
+              <a:defRPr sz="4800">
+                <a:solidFill>
+                  <a:srgbClr val="000000"/>
+                </a:solidFill>
+              </a:defRPr>
+            </a:pPr>
+            <a:r>
+              <a:t>Variierung der Erzeugung der Produkte in den Fabriken (z.B. durch Fabrikmethode oder Prototype, etc)</a:t>
+            </a:r>
+          </a:p>
+        </p:txBody>
+      </p:sp>
     </p:spTree>
   </p:cSld>
   <p:clrMapOvr>
@@ -8198,30 +8270,35 @@
           <a:chExt cx="0" cy="0"/>
         </a:xfrm>
       </p:grpSpPr>
-      <p:sp>
-        <p:nvSpPr>
-          <p:cNvPr id="285" name="Beispiel"/>
-          <p:cNvSpPr txBox="1"/>
-          <p:nvPr>
-            <p:ph type="body" sz="half" idx="1"/>
-          </p:nvPr>
-        </p:nvSpPr>
-        <p:spPr>
-          <a:prstGeom prst="rect">
-            <a:avLst/>
-          </a:prstGeom>
-        </p:spPr>
-        <p:txBody>
-          <a:bodyPr/>
-          <a:lstStyle/>
-          <a:p>
-            <a:pPr/>
-            <a:r>
-              <a:t>Beispiel</a:t>
-            </a:r>
-          </a:p>
-        </p:txBody>
-      </p:sp>
+      <p:pic>
+        <p:nvPicPr>
+          <p:cNvPr id="286" name="01. Abstract Factory.jpg" descr="01. Abstract Factory.jpg"/>
+          <p:cNvPicPr>
+            <a:picLocks noChangeAspect="1"/>
+          </p:cNvPicPr>
+          <p:nvPr/>
+        </p:nvPicPr>
+        <p:blipFill>
+          <a:blip r:embed="rId2">
+            <a:extLst/>
+          </a:blip>
+          <a:stretch>
+            <a:fillRect/>
+          </a:stretch>
+        </p:blipFill>
+        <p:spPr>
+          <a:xfrm>
+            <a:off x="1285804" y="1219341"/>
+            <a:ext cx="21812392" cy="11277318"/>
+          </a:xfrm>
+          <a:prstGeom prst="rect">
+            <a:avLst/>
+          </a:prstGeom>
+          <a:ln w="12700">
+            <a:miter lim="400000"/>
+          </a:ln>
+        </p:spPr>
+      </p:pic>
     </p:spTree>
   </p:cSld>
   <p:clrMapOvr>
@@ -8250,10 +8327,10 @@
       </p:grpSpPr>
       <p:sp>
         <p:nvSpPr>
-          <p:cNvPr id="287" name="Bonus"/>
+          <p:cNvPr id="288" name="Beispiel"/>
           <p:cNvSpPr txBox="1"/>
           <p:nvPr>
-            <p:ph type="body" idx="1"/>
+            <p:ph type="body" sz="half" idx="1"/>
           </p:nvPr>
         </p:nvSpPr>
         <p:spPr>
@@ -8267,36 +8344,7 @@
           <a:p>
             <a:pPr/>
             <a:r>
-              <a:t>Bonus</a:t>
-            </a:r>
-          </a:p>
-        </p:txBody>
-      </p:sp>
-      <p:sp>
-        <p:nvSpPr>
-          <p:cNvPr id="288" name="Beispiel zur Vermeidung von Switch Statements"/>
-          <p:cNvSpPr txBox="1"/>
-          <p:nvPr>
-            <p:ph type="body" idx="21"/>
-          </p:nvPr>
-        </p:nvSpPr>
-        <p:spPr>
-          <a:prstGeom prst="rect">
-            <a:avLst/>
-          </a:prstGeom>
-          <a:extLst>
-            <a:ext uri="{C572A759-6A51-4108-AA02-DFA0A04FC94B}">
-              <ma14:wrappingTextBoxFlag xmlns:ma14="http://schemas.microsoft.com/office/mac/drawingml/2011/main" val="1"/>
-            </a:ext>
-          </a:extLst>
-        </p:spPr>
-        <p:txBody>
-          <a:bodyPr/>
-          <a:lstStyle/>
-          <a:p>
-            <a:pPr/>
-            <a:r>
-              <a:t>Beispiel zur Vermeidung von Switch Statements</a:t>
+              <a:t>Beispiel</a:t>
             </a:r>
           </a:p>
         </p:txBody>
@@ -8329,38 +8377,235 @@
       </p:grpSpPr>
       <p:sp>
         <p:nvSpPr>
-          <p:cNvPr id="166" name="„Software entities … should be open for extension, but closed for modification.“"/>
-          <p:cNvSpPr txBox="1"/>
-          <p:nvPr>
-            <p:ph type="body" sz="half" idx="1"/>
-          </p:nvPr>
-        </p:nvSpPr>
-        <p:spPr>
-          <a:prstGeom prst="rect">
-            <a:avLst/>
-          </a:prstGeom>
-        </p:spPr>
-        <p:txBody>
-          <a:bodyPr/>
+          <p:cNvPr id="166" name="Abstrahieren des Instanziierungsprozesses…"/>
+          <p:cNvSpPr txBox="1"/>
+          <p:nvPr/>
+        </p:nvSpPr>
+        <p:spPr>
+          <a:xfrm>
+            <a:off x="1049951" y="2278133"/>
+            <a:ext cx="22634339" cy="10034667"/>
+          </a:xfrm>
+          <a:prstGeom prst="rect">
+            <a:avLst/>
+          </a:prstGeom>
+          <a:ln w="12700">
+            <a:miter lim="400000"/>
+          </a:ln>
+          <a:extLst>
+            <a:ext uri="{C572A759-6A51-4108-AA02-DFA0A04FC94B}">
+              <ma14:wrappingTextBoxFlag xmlns:ma14="http://schemas.microsoft.com/office/mac/drawingml/2011/main" val="1"/>
+            </a:ext>
+          </a:extLst>
+        </p:spPr>
+        <p:txBody>
+          <a:bodyPr lIns="50800" tIns="50800" rIns="50800" bIns="50800" anchor="ctr">
+            <a:spAutoFit/>
+          </a:bodyPr>
+          <a:lstStyle/>
+          <a:p>
+            <a:pPr marL="609600" indent="-609600" algn="l">
+              <a:lnSpc>
+                <a:spcPct val="90000"/>
+              </a:lnSpc>
+              <a:spcBef>
+                <a:spcPts val="4500"/>
+              </a:spcBef>
+              <a:buSzPct val="123000"/>
+              <a:buChar char="•"/>
+              <a:defRPr sz="4800">
+                <a:solidFill>
+                  <a:srgbClr val="000000"/>
+                </a:solidFill>
+              </a:defRPr>
+            </a:pPr>
+            <a:r>
+              <a:t>Abstrahieren des Instanziierungsprozesses</a:t>
+            </a:r>
+          </a:p>
+          <a:p>
+            <a:pPr marL="609600" indent="-609600" algn="l">
+              <a:lnSpc>
+                <a:spcPct val="90000"/>
+              </a:lnSpc>
+              <a:spcBef>
+                <a:spcPts val="4500"/>
+              </a:spcBef>
+              <a:buSzPct val="123000"/>
+              <a:buChar char="•"/>
+              <a:defRPr sz="4800">
+                <a:solidFill>
+                  <a:srgbClr val="000000"/>
+                </a:solidFill>
+              </a:defRPr>
+            </a:pPr>
+            <a:r>
+              <a:t>Garantie, dass das System unabhängig von Generierung, Komposition und Darstellung seiner Objekte funktioniert</a:t>
+            </a:r>
+          </a:p>
+          <a:p>
+            <a:pPr marL="609600" indent="-609600" algn="l">
+              <a:lnSpc>
+                <a:spcPct val="90000"/>
+              </a:lnSpc>
+              <a:spcBef>
+                <a:spcPts val="4500"/>
+              </a:spcBef>
+              <a:buSzPct val="123000"/>
+              <a:buChar char="•"/>
+              <a:defRPr sz="4800">
+                <a:solidFill>
+                  <a:srgbClr val="000000"/>
+                </a:solidFill>
+              </a:defRPr>
+            </a:pPr>
+            <a:r>
+              <a:t>Aufteilung in klassen- und objektbasierte Muster</a:t>
+            </a:r>
+          </a:p>
+          <a:p>
+            <a:pPr marL="609600" indent="-609600" algn="l">
+              <a:lnSpc>
+                <a:spcPct val="90000"/>
+              </a:lnSpc>
+              <a:spcBef>
+                <a:spcPts val="4500"/>
+              </a:spcBef>
+              <a:buSzPct val="123000"/>
+              <a:buChar char="•"/>
+              <a:defRPr sz="4800">
+                <a:solidFill>
+                  <a:srgbClr val="000000"/>
+                </a:solidFill>
+              </a:defRPr>
+            </a:pPr>
+            <a:r>
+              <a:t>Verwendung von Objektkomposition und Dependency Inversion</a:t>
+            </a:r>
+          </a:p>
+          <a:p>
+            <a:pPr marL="609600" indent="-609600" algn="l">
+              <a:lnSpc>
+                <a:spcPct val="90000"/>
+              </a:lnSpc>
+              <a:spcBef>
+                <a:spcPts val="4500"/>
+              </a:spcBef>
+              <a:buSzPct val="123000"/>
+              <a:buChar char="•"/>
+              <a:defRPr sz="4800">
+                <a:solidFill>
+                  <a:srgbClr val="000000"/>
+                </a:solidFill>
+              </a:defRPr>
+            </a:pPr>
+            <a:r>
+              <a:t>Kapselung der konkreten Klassen + Verbergung der Erzeugung</a:t>
+            </a:r>
+          </a:p>
+          <a:p>
+            <a:pPr marL="609600" indent="-609600" algn="l">
+              <a:lnSpc>
+                <a:spcPct val="90000"/>
+              </a:lnSpc>
+              <a:spcBef>
+                <a:spcPts val="4500"/>
+              </a:spcBef>
+              <a:buSzPct val="123000"/>
+              <a:buChar char="•"/>
+              <a:defRPr sz="4800">
+                <a:solidFill>
+                  <a:srgbClr val="000000"/>
+                </a:solidFill>
+              </a:defRPr>
+            </a:pPr>
+            <a:r>
+              <a:t>Implementierung gegen Schnittstellen</a:t>
+            </a:r>
+          </a:p>
+          <a:p>
+            <a:pPr marL="609600" indent="-609600" algn="l">
+              <a:lnSpc>
+                <a:spcPct val="90000"/>
+              </a:lnSpc>
+              <a:spcBef>
+                <a:spcPts val="4500"/>
+              </a:spcBef>
+              <a:buSzPct val="123000"/>
+              <a:buChar char="•"/>
+              <a:defRPr sz="4800">
+                <a:solidFill>
+                  <a:srgbClr val="000000"/>
+                </a:solidFill>
+              </a:defRPr>
+            </a:pPr>
+            <a:r>
+              <a:t>Bewahren des Open-Closed-Prinzips</a:t>
+            </a:r>
+          </a:p>
+          <a:p>
+            <a:pPr marL="609600" indent="-609600" algn="l">
+              <a:lnSpc>
+                <a:spcPct val="90000"/>
+              </a:lnSpc>
+              <a:spcBef>
+                <a:spcPts val="4500"/>
+              </a:spcBef>
+              <a:buSzPct val="123000"/>
+              <a:buChar char="•"/>
+              <a:defRPr sz="4800">
+                <a:solidFill>
+                  <a:srgbClr val="000000"/>
+                </a:solidFill>
+              </a:defRPr>
+            </a:pPr>
+            <a:r>
+              <a:t>flexibles Design, geringer Wartungsaufwand, hohe Wiederverwendbarkeit</a:t>
+            </a:r>
+          </a:p>
+        </p:txBody>
+      </p:sp>
+      <p:sp>
+        <p:nvSpPr>
+          <p:cNvPr id="167" name="Bedeutung"/>
+          <p:cNvSpPr txBox="1"/>
+          <p:nvPr/>
+        </p:nvSpPr>
+        <p:spPr>
+          <a:xfrm>
+            <a:off x="1073358" y="737218"/>
+            <a:ext cx="21971001" cy="934780"/>
+          </a:xfrm>
+          <a:prstGeom prst="rect">
+            <a:avLst/>
+          </a:prstGeom>
+          <a:ln w="12700">
+            <a:miter lim="400000"/>
+          </a:ln>
+          <a:extLst>
+            <a:ext uri="{C572A759-6A51-4108-AA02-DFA0A04FC94B}">
+              <ma14:wrappingTextBoxFlag xmlns:ma14="http://schemas.microsoft.com/office/mac/drawingml/2011/main" val="1"/>
+            </a:ext>
+          </a:extLst>
+        </p:spPr>
+        <p:txBody>
+          <a:bodyPr lIns="45719" rIns="45719">
+            <a:normAutofit fontScale="100000" lnSpcReduction="0"/>
+          </a:bodyPr>
           <a:lstStyle>
-            <a:lvl1pPr algn="l" defTabSz="457200">
-              <a:lnSpc>
-                <a:spcPts val="7700"/>
-              </a:lnSpc>
-              <a:defRPr i="1" spc="0" sz="5300">
-                <a:latin typeface="Times Roman"/>
-                <a:ea typeface="Times Roman"/>
-                <a:cs typeface="Times Roman"/>
-                <a:sym typeface="Times Roman"/>
+            <a:lvl1pPr algn="l" defTabSz="825500">
+              <a:defRPr b="1" sz="5500">
+                <a:solidFill>
+                  <a:srgbClr val="000000"/>
+                </a:solidFill>
               </a:defRPr>
             </a:lvl1pPr>
           </a:lstStyle>
           <a:p>
             <a:pPr/>
             <a:r>
-              <a:t>„Software entities … should be open for extension, but closed for modification.“</a:t>
-            </a:r>
-            <a:endParaRPr i="0"/>
+              <a:t>Bedeutung</a:t>
+            </a:r>
           </a:p>
         </p:txBody>
       </p:sp>
@@ -8392,7 +8637,86 @@
       </p:grpSpPr>
       <p:sp>
         <p:nvSpPr>
-          <p:cNvPr id="290" name="Happy Coding! :)"/>
+          <p:cNvPr id="290" name="Bonus"/>
+          <p:cNvSpPr txBox="1"/>
+          <p:nvPr>
+            <p:ph type="body" idx="1"/>
+          </p:nvPr>
+        </p:nvSpPr>
+        <p:spPr>
+          <a:prstGeom prst="rect">
+            <a:avLst/>
+          </a:prstGeom>
+        </p:spPr>
+        <p:txBody>
+          <a:bodyPr/>
+          <a:lstStyle/>
+          <a:p>
+            <a:pPr/>
+            <a:r>
+              <a:t>Bonus</a:t>
+            </a:r>
+          </a:p>
+        </p:txBody>
+      </p:sp>
+      <p:sp>
+        <p:nvSpPr>
+          <p:cNvPr id="291" name="Beispiel zur Vermeidung von Switch Statements"/>
+          <p:cNvSpPr txBox="1"/>
+          <p:nvPr>
+            <p:ph type="body" idx="21"/>
+          </p:nvPr>
+        </p:nvSpPr>
+        <p:spPr>
+          <a:prstGeom prst="rect">
+            <a:avLst/>
+          </a:prstGeom>
+          <a:extLst>
+            <a:ext uri="{C572A759-6A51-4108-AA02-DFA0A04FC94B}">
+              <ma14:wrappingTextBoxFlag xmlns:ma14="http://schemas.microsoft.com/office/mac/drawingml/2011/main" val="1"/>
+            </a:ext>
+          </a:extLst>
+        </p:spPr>
+        <p:txBody>
+          <a:bodyPr/>
+          <a:lstStyle/>
+          <a:p>
+            <a:pPr/>
+            <a:r>
+              <a:t>Beispiel zur Vermeidung von Switch Statements</a:t>
+            </a:r>
+          </a:p>
+        </p:txBody>
+      </p:sp>
+    </p:spTree>
+  </p:cSld>
+  <p:clrMapOvr>
+    <a:masterClrMapping/>
+  </p:clrMapOvr>
+  <p:transition xmlns:p14="http://schemas.microsoft.com/office/powerpoint/2010/main" spd="med" advClick="1"/>
+</p:sld>
+</file>
+
+<file path=ppt/slides/slide41.xml><?xml version="1.0" encoding="utf-8"?>
+<p:sld xmlns:a="http://schemas.openxmlformats.org/drawingml/2006/main" xmlns:r="http://schemas.openxmlformats.org/officeDocument/2006/relationships" xmlns:p="http://schemas.openxmlformats.org/presentationml/2006/main" xmlns:m="http://schemas.openxmlformats.org/officeDocument/2006/math" xmlns:a14="http://schemas.microsoft.com/office/drawing/2010/main" showMasterSp="1" showMasterPhAnim="1">
+  <p:cSld>
+    <p:spTree>
+      <p:nvGrpSpPr>
+        <p:cNvPr id="1" name=""/>
+        <p:cNvGrpSpPr/>
+        <p:nvPr/>
+      </p:nvGrpSpPr>
+      <p:grpSpPr>
+        <a:xfrm>
+          <a:off x="0" y="0"/>
+          <a:ext cx="0" cy="0"/>
+          <a:chOff x="0" y="0"/>
+          <a:chExt cx="0" cy="0"/>
+        </a:xfrm>
+      </p:grpSpPr>
+      <p:sp>
+        <p:nvSpPr>
+          <p:cNvPr id="293" name="Happy Coding! :)"/>
           <p:cNvSpPr txBox="1"/>
           <p:nvPr>
             <p:ph type="body" sz="half" idx="1"/>
@@ -8440,76 +8764,40 @@
           <a:chExt cx="0" cy="0"/>
         </a:xfrm>
       </p:grpSpPr>
-      <p:pic>
-        <p:nvPicPr>
-          <p:cNvPr id="168" name="object composition with interfaces.jpg" descr="object composition with interfaces.jpg"/>
-          <p:cNvPicPr>
-            <a:picLocks noChangeAspect="1"/>
-          </p:cNvPicPr>
-          <p:nvPr/>
-        </p:nvPicPr>
-        <p:blipFill>
-          <a:blip r:embed="rId2">
-            <a:extLst/>
-          </a:blip>
-          <a:stretch>
-            <a:fillRect/>
-          </a:stretch>
-        </p:blipFill>
-        <p:spPr>
-          <a:xfrm>
-            <a:off x="4285437" y="2914931"/>
-            <a:ext cx="15813127" cy="8820162"/>
-          </a:xfrm>
-          <a:prstGeom prst="rect">
-            <a:avLst/>
-          </a:prstGeom>
-          <a:ln w="12700">
-            <a:miter lim="400000"/>
-          </a:ln>
-        </p:spPr>
-      </p:pic>
-      <p:sp>
-        <p:nvSpPr>
-          <p:cNvPr id="169" name="Object Composition &amp; Dependency Inversion"/>
-          <p:cNvSpPr txBox="1"/>
-          <p:nvPr/>
-        </p:nvSpPr>
-        <p:spPr>
-          <a:xfrm>
-            <a:off x="1206500" y="642117"/>
-            <a:ext cx="21971000" cy="934779"/>
-          </a:xfrm>
-          <a:prstGeom prst="rect">
-            <a:avLst/>
-          </a:prstGeom>
-          <a:ln w="12700">
-            <a:miter lim="400000"/>
-          </a:ln>
-          <a:extLst>
-            <a:ext uri="{C572A759-6A51-4108-AA02-DFA0A04FC94B}">
-              <ma14:wrappingTextBoxFlag xmlns:ma14="http://schemas.microsoft.com/office/mac/drawingml/2011/main" val="1"/>
-            </a:ext>
-          </a:extLst>
-        </p:spPr>
-        <p:txBody>
-          <a:bodyPr lIns="45719" rIns="45719">
-            <a:normAutofit fontScale="100000" lnSpcReduction="0"/>
-          </a:bodyPr>
+      <p:sp>
+        <p:nvSpPr>
+          <p:cNvPr id="169" name="„Software entities … should be open for extension, but closed for modification.“"/>
+          <p:cNvSpPr txBox="1"/>
+          <p:nvPr>
+            <p:ph type="body" sz="half" idx="1"/>
+          </p:nvPr>
+        </p:nvSpPr>
+        <p:spPr>
+          <a:prstGeom prst="rect">
+            <a:avLst/>
+          </a:prstGeom>
+        </p:spPr>
+        <p:txBody>
+          <a:bodyPr/>
           <a:lstStyle>
-            <a:lvl1pPr algn="l" defTabSz="825500">
-              <a:defRPr b="1" sz="5500">
-                <a:solidFill>
-                  <a:srgbClr val="000000"/>
-                </a:solidFill>
+            <a:lvl1pPr algn="l" defTabSz="457200">
+              <a:lnSpc>
+                <a:spcPts val="7700"/>
+              </a:lnSpc>
+              <a:defRPr i="1" spc="0" sz="5300">
+                <a:latin typeface="Times Roman"/>
+                <a:ea typeface="Times Roman"/>
+                <a:cs typeface="Times Roman"/>
+                <a:sym typeface="Times Roman"/>
               </a:defRPr>
             </a:lvl1pPr>
           </a:lstStyle>
           <a:p>
             <a:pPr/>
             <a:r>
-              <a:t>Object Composition &amp; Dependency Inversion</a:t>
-            </a:r>
+              <a:t>„Software entities … should be open for extension, but closed for modification.“</a:t>
+            </a:r>
+            <a:endParaRPr i="0"/>
           </a:p>
         </p:txBody>
       </p:sp>
@@ -8539,64 +8827,45 @@
           <a:chExt cx="0" cy="0"/>
         </a:xfrm>
       </p:grpSpPr>
-      <p:sp>
-        <p:nvSpPr>
-          <p:cNvPr id="171" name="Singleton"/>
-          <p:cNvSpPr txBox="1"/>
-          <p:nvPr>
-            <p:ph type="title"/>
-          </p:nvPr>
-        </p:nvSpPr>
-        <p:spPr>
-          <a:prstGeom prst="rect">
-            <a:avLst/>
-          </a:prstGeom>
-        </p:spPr>
-        <p:txBody>
-          <a:bodyPr/>
-          <a:lstStyle/>
-          <a:p>
-            <a:pPr/>
-            <a:r>
-              <a:t>Singleton</a:t>
-            </a:r>
-          </a:p>
-        </p:txBody>
-      </p:sp>
-      <p:sp>
-        <p:nvSpPr>
-          <p:cNvPr id="172" name="Singleton"/>
-          <p:cNvSpPr txBox="1"/>
-          <p:nvPr>
-            <p:ph type="body" sz="quarter" idx="1"/>
-          </p:nvPr>
-        </p:nvSpPr>
-        <p:spPr>
-          <a:prstGeom prst="rect">
-            <a:avLst/>
-          </a:prstGeom>
-        </p:spPr>
-        <p:txBody>
-          <a:bodyPr/>
-          <a:lstStyle/>
-          <a:p>
-            <a:pPr/>
-            <a:r>
-              <a:t>Singleton</a:t>
-            </a:r>
-          </a:p>
-        </p:txBody>
-      </p:sp>
-      <p:sp>
-        <p:nvSpPr>
-          <p:cNvPr id="173" name="Quelle: https://refactoring.guru/design-patterns/singleton"/>
-          <p:cNvSpPr txBox="1"/>
+      <p:pic>
+        <p:nvPicPr>
+          <p:cNvPr id="171" name="object composition with interfaces.jpg" descr="object composition with interfaces.jpg"/>
+          <p:cNvPicPr>
+            <a:picLocks noChangeAspect="1"/>
+          </p:cNvPicPr>
           <p:nvPr/>
-        </p:nvSpPr>
-        <p:spPr>
-          <a:xfrm>
-            <a:off x="11872238" y="10678636"/>
-            <a:ext cx="7887615" cy="461367"/>
+        </p:nvPicPr>
+        <p:blipFill>
+          <a:blip r:embed="rId2">
+            <a:extLst/>
+          </a:blip>
+          <a:stretch>
+            <a:fillRect/>
+          </a:stretch>
+        </p:blipFill>
+        <p:spPr>
+          <a:xfrm>
+            <a:off x="4285437" y="2914931"/>
+            <a:ext cx="15813127" cy="8820162"/>
+          </a:xfrm>
+          <a:prstGeom prst="rect">
+            <a:avLst/>
+          </a:prstGeom>
+          <a:ln w="12700">
+            <a:miter lim="400000"/>
+          </a:ln>
+        </p:spPr>
+      </p:pic>
+      <p:sp>
+        <p:nvSpPr>
+          <p:cNvPr id="172" name="Object Composition &amp; Dependency Inversion"/>
+          <p:cNvSpPr txBox="1"/>
+          <p:nvPr/>
+        </p:nvSpPr>
+        <p:spPr>
+          <a:xfrm>
+            <a:off x="1206500" y="642117"/>
+            <a:ext cx="21971000" cy="934779"/>
           </a:xfrm>
           <a:prstGeom prst="rect">
             <a:avLst/>
@@ -8611,53 +8880,26 @@
           </a:extLst>
         </p:spPr>
         <p:txBody>
-          <a:bodyPr wrap="none" lIns="50800" tIns="50800" rIns="50800" bIns="50800" anchor="ctr">
-            <a:spAutoFit/>
+          <a:bodyPr lIns="45719" rIns="45719">
+            <a:normAutofit fontScale="100000" lnSpcReduction="0"/>
           </a:bodyPr>
-          <a:lstStyle/>
+          <a:lstStyle>
+            <a:lvl1pPr algn="l" defTabSz="825500">
+              <a:defRPr b="1" sz="5500">
+                <a:solidFill>
+                  <a:srgbClr val="000000"/>
+                </a:solidFill>
+              </a:defRPr>
+            </a:lvl1pPr>
+          </a:lstStyle>
           <a:p>
             <a:pPr/>
             <a:r>
-              <a:t>Quelle: </a:t>
-            </a:r>
-            <a:r>
-              <a:rPr u="sng">
-                <a:hlinkClick r:id="rId2" invalidUrl="" action="" tgtFrame="" tooltip="" history="1" highlightClick="0" endSnd="0"/>
-              </a:rPr>
-              <a:t>https://refactoring.guru/design-patterns/singleton</a:t>
-            </a:r>
-          </a:p>
-        </p:txBody>
-      </p:sp>
-      <p:pic>
-        <p:nvPicPr>
-          <p:cNvPr id="174" name="Image" descr="Image"/>
-          <p:cNvPicPr>
-            <a:picLocks noChangeAspect="1"/>
-          </p:cNvPicPr>
-          <p:nvPr/>
-        </p:nvPicPr>
-        <p:blipFill>
-          <a:blip r:embed="rId3">
-            <a:extLst/>
-          </a:blip>
-          <a:stretch>
-            <a:fillRect/>
-          </a:stretch>
-        </p:blipFill>
-        <p:spPr>
-          <a:xfrm>
-            <a:off x="8837910" y="884046"/>
-            <a:ext cx="14639457" cy="9149661"/>
-          </a:xfrm>
-          <a:prstGeom prst="rect">
-            <a:avLst/>
-          </a:prstGeom>
-          <a:ln w="12700">
-            <a:miter lim="400000"/>
-          </a:ln>
-        </p:spPr>
-      </p:pic>
+              <a:t>Object Composition &amp; Dependency Inversion</a:t>
+            </a:r>
+          </a:p>
+        </p:txBody>
+      </p:sp>
     </p:spTree>
   </p:cSld>
   <p:clrMapOvr>
@@ -8684,16 +8926,106 @@
           <a:chExt cx="0" cy="0"/>
         </a:xfrm>
       </p:grpSpPr>
+      <p:sp>
+        <p:nvSpPr>
+          <p:cNvPr id="174" name="Singleton"/>
+          <p:cNvSpPr txBox="1"/>
+          <p:nvPr>
+            <p:ph type="title"/>
+          </p:nvPr>
+        </p:nvSpPr>
+        <p:spPr>
+          <a:prstGeom prst="rect">
+            <a:avLst/>
+          </a:prstGeom>
+        </p:spPr>
+        <p:txBody>
+          <a:bodyPr/>
+          <a:lstStyle/>
+          <a:p>
+            <a:pPr/>
+            <a:r>
+              <a:t>Singleton</a:t>
+            </a:r>
+          </a:p>
+        </p:txBody>
+      </p:sp>
+      <p:sp>
+        <p:nvSpPr>
+          <p:cNvPr id="175" name="Singleton"/>
+          <p:cNvSpPr txBox="1"/>
+          <p:nvPr>
+            <p:ph type="body" sz="quarter" idx="1"/>
+          </p:nvPr>
+        </p:nvSpPr>
+        <p:spPr>
+          <a:prstGeom prst="rect">
+            <a:avLst/>
+          </a:prstGeom>
+        </p:spPr>
+        <p:txBody>
+          <a:bodyPr/>
+          <a:lstStyle/>
+          <a:p>
+            <a:pPr/>
+            <a:r>
+              <a:t>Singleton</a:t>
+            </a:r>
+          </a:p>
+        </p:txBody>
+      </p:sp>
+      <p:sp>
+        <p:nvSpPr>
+          <p:cNvPr id="176" name="Quelle: https://refactoring.guru/design-patterns/singleton"/>
+          <p:cNvSpPr txBox="1"/>
+          <p:nvPr/>
+        </p:nvSpPr>
+        <p:spPr>
+          <a:xfrm>
+            <a:off x="11872238" y="10678636"/>
+            <a:ext cx="7887615" cy="461367"/>
+          </a:xfrm>
+          <a:prstGeom prst="rect">
+            <a:avLst/>
+          </a:prstGeom>
+          <a:ln w="12700">
+            <a:miter lim="400000"/>
+          </a:ln>
+          <a:extLst>
+            <a:ext uri="{C572A759-6A51-4108-AA02-DFA0A04FC94B}">
+              <ma14:wrappingTextBoxFlag xmlns:ma14="http://schemas.microsoft.com/office/mac/drawingml/2011/main" val="1"/>
+            </a:ext>
+          </a:extLst>
+        </p:spPr>
+        <p:txBody>
+          <a:bodyPr wrap="none" lIns="50800" tIns="50800" rIns="50800" bIns="50800" anchor="ctr">
+            <a:spAutoFit/>
+          </a:bodyPr>
+          <a:lstStyle/>
+          <a:p>
+            <a:pPr/>
+            <a:r>
+              <a:t>Quelle: </a:t>
+            </a:r>
+            <a:r>
+              <a:rPr u="sng">
+                <a:hlinkClick r:id="rId2" invalidUrl="" action="" tgtFrame="" tooltip="" history="1" highlightClick="0" endSnd="0"/>
+              </a:rPr>
+              <a:t>https://refactoring.guru/design-patterns/singleton</a:t>
+            </a:r>
+          </a:p>
+        </p:txBody>
+      </p:sp>
       <p:pic>
         <p:nvPicPr>
-          <p:cNvPr id="176" name="02. Singleton example.jpg" descr="02. Singleton example.jpg"/>
+          <p:cNvPr id="177" name="Image" descr="Image"/>
           <p:cNvPicPr>
             <a:picLocks noChangeAspect="1"/>
           </p:cNvPicPr>
           <p:nvPr/>
         </p:nvPicPr>
         <p:blipFill>
-          <a:blip r:embed="rId2">
+          <a:blip r:embed="rId3">
             <a:extLst/>
           </a:blip>
           <a:stretch>
@@ -8702,8 +9034,8 @@
         </p:blipFill>
         <p:spPr>
           <a:xfrm>
-            <a:off x="8640143" y="2537343"/>
-            <a:ext cx="7103714" cy="8641314"/>
+            <a:off x="8837910" y="884046"/>
+            <a:ext cx="14639457" cy="9149661"/>
           </a:xfrm>
           <a:prstGeom prst="rect">
             <a:avLst/>
@@ -8739,161 +9071,16 @@
           <a:chExt cx="0" cy="0"/>
         </a:xfrm>
       </p:grpSpPr>
-      <p:sp>
-        <p:nvSpPr>
-          <p:cNvPr id="178" name="Zweck"/>
-          <p:cNvSpPr txBox="1"/>
-          <p:nvPr>
-            <p:ph type="body" idx="21"/>
-          </p:nvPr>
-        </p:nvSpPr>
-        <p:spPr>
-          <a:xfrm>
-            <a:off x="1206500" y="642117"/>
-            <a:ext cx="21971000" cy="934779"/>
-          </a:xfrm>
-          <a:prstGeom prst="rect">
-            <a:avLst/>
-          </a:prstGeom>
-          <a:extLst>
-            <a:ext uri="{C572A759-6A51-4108-AA02-DFA0A04FC94B}">
-              <ma14:wrappingTextBoxFlag xmlns:ma14="http://schemas.microsoft.com/office/mac/drawingml/2011/main" val="1"/>
-            </a:ext>
-          </a:extLst>
-        </p:spPr>
-        <p:txBody>
-          <a:bodyPr/>
-          <a:lstStyle/>
-          <a:p>
-            <a:pPr/>
-            <a:r>
-              <a:t>Zweck</a:t>
-            </a:r>
-          </a:p>
-        </p:txBody>
-      </p:sp>
-      <p:sp>
-        <p:nvSpPr>
-          <p:cNvPr id="179" name="Existenz nur einer einzigen Klasseninstanz…"/>
-          <p:cNvSpPr txBox="1"/>
-          <p:nvPr/>
-        </p:nvSpPr>
-        <p:spPr>
-          <a:xfrm>
-            <a:off x="1198314" y="2204842"/>
-            <a:ext cx="21987372" cy="3257866"/>
-          </a:xfrm>
-          <a:prstGeom prst="rect">
-            <a:avLst/>
-          </a:prstGeom>
-          <a:ln w="12700">
-            <a:miter lim="400000"/>
-          </a:ln>
-          <a:extLst>
-            <a:ext uri="{C572A759-6A51-4108-AA02-DFA0A04FC94B}">
-              <ma14:wrappingTextBoxFlag xmlns:ma14="http://schemas.microsoft.com/office/mac/drawingml/2011/main" val="1"/>
-            </a:ext>
-          </a:extLst>
-        </p:spPr>
-        <p:txBody>
-          <a:bodyPr lIns="50800" tIns="50800" rIns="50800" bIns="50800" anchor="ctr">
-            <a:spAutoFit/>
-          </a:bodyPr>
-          <a:lstStyle/>
-          <a:p>
-            <a:pPr marL="609600" indent="-609600" algn="l">
-              <a:lnSpc>
-                <a:spcPct val="90000"/>
-              </a:lnSpc>
-              <a:spcBef>
-                <a:spcPts val="4500"/>
-              </a:spcBef>
-              <a:buSzPct val="123000"/>
-              <a:buChar char="•"/>
-              <a:defRPr sz="4800">
-                <a:solidFill>
-                  <a:srgbClr val="000000"/>
-                </a:solidFill>
-              </a:defRPr>
-            </a:pPr>
-            <a:r>
-              <a:t>Existenz nur einer einzigen Klasseninstanz</a:t>
-            </a:r>
-          </a:p>
-          <a:p>
-            <a:pPr marL="609600" indent="-609600" algn="l">
-              <a:lnSpc>
-                <a:spcPct val="90000"/>
-              </a:lnSpc>
-              <a:spcBef>
-                <a:spcPts val="4500"/>
-              </a:spcBef>
-              <a:buSzPct val="123000"/>
-              <a:buChar char="•"/>
-              <a:defRPr sz="4800">
-                <a:solidFill>
-                  <a:srgbClr val="000000"/>
-                </a:solidFill>
-              </a:defRPr>
-            </a:pPr>
-            <a:r>
-              <a:t>Bereitstellung eines globalen Zugriffspunkts für diese Instanz</a:t>
-            </a:r>
-          </a:p>
-        </p:txBody>
-      </p:sp>
-      <p:sp>
-        <p:nvSpPr>
-          <p:cNvPr id="180" name="Quelle: https://refactoring.guru/images/patterns/content/singleton/singleton-comic-1-en-2x.png"/>
-          <p:cNvSpPr txBox="1"/>
-          <p:nvPr/>
-        </p:nvSpPr>
-        <p:spPr>
-          <a:xfrm>
-            <a:off x="5611673" y="12162218"/>
-            <a:ext cx="13160655" cy="461367"/>
-          </a:xfrm>
-          <a:prstGeom prst="rect">
-            <a:avLst/>
-          </a:prstGeom>
-          <a:ln w="12700">
-            <a:miter lim="400000"/>
-          </a:ln>
-          <a:extLst>
-            <a:ext uri="{C572A759-6A51-4108-AA02-DFA0A04FC94B}">
-              <ma14:wrappingTextBoxFlag xmlns:ma14="http://schemas.microsoft.com/office/mac/drawingml/2011/main" val="1"/>
-            </a:ext>
-          </a:extLst>
-        </p:spPr>
-        <p:txBody>
-          <a:bodyPr wrap="none" lIns="50800" tIns="50800" rIns="50800" bIns="50800" anchor="ctr">
-            <a:spAutoFit/>
-          </a:bodyPr>
-          <a:lstStyle/>
-          <a:p>
-            <a:pPr/>
-            <a:r>
-              <a:t>Quelle: </a:t>
-            </a:r>
-            <a:r>
-              <a:rPr u="sng">
-                <a:hlinkClick r:id="rId2" invalidUrl="" action="" tgtFrame="" tooltip="" history="1" highlightClick="0" endSnd="0"/>
-              </a:rPr>
-              <a:t>https://refactoring.guru/images/patterns/content/singleton/singleton-comic-1-en-2x.png</a:t>
-            </a:r>
-          </a:p>
-        </p:txBody>
-      </p:sp>
       <p:pic>
         <p:nvPicPr>
-          <p:cNvPr id="181" name="Image" descr="Image"/>
+          <p:cNvPr id="179" name="02. Singleton example.jpg" descr="02. Singleton example.jpg"/>
           <p:cNvPicPr>
             <a:picLocks noChangeAspect="1"/>
           </p:cNvPicPr>
           <p:nvPr/>
         </p:nvPicPr>
         <p:blipFill>
-          <a:blip r:embed="rId3">
+          <a:blip r:embed="rId2">
             <a:extLst/>
           </a:blip>
           <a:stretch>
@@ -8902,8 +9089,8 @@
         </p:blipFill>
         <p:spPr>
           <a:xfrm>
-            <a:off x="5532424" y="5301803"/>
-            <a:ext cx="13319152" cy="6659577"/>
+            <a:off x="8640143" y="2537343"/>
+            <a:ext cx="7103714" cy="8641314"/>
           </a:xfrm>
           <a:prstGeom prst="rect">
             <a:avLst/>
@@ -8941,21 +9128,20 @@
       </p:grpSpPr>
       <p:sp>
         <p:nvSpPr>
-          <p:cNvPr id="183" name="Anwendbarkeit"/>
-          <p:cNvSpPr txBox="1"/>
-          <p:nvPr/>
-        </p:nvSpPr>
-        <p:spPr>
-          <a:xfrm>
-            <a:off x="1206500" y="707915"/>
+          <p:cNvPr id="181" name="Zweck"/>
+          <p:cNvSpPr txBox="1"/>
+          <p:nvPr>
+            <p:ph type="body" idx="21"/>
+          </p:nvPr>
+        </p:nvSpPr>
+        <p:spPr>
+          <a:xfrm>
+            <a:off x="1206500" y="642117"/>
             <a:ext cx="21971000" cy="934779"/>
           </a:xfrm>
           <a:prstGeom prst="rect">
             <a:avLst/>
           </a:prstGeom>
-          <a:ln w="12700">
-            <a:miter lim="400000"/>
-          </a:ln>
           <a:extLst>
             <a:ext uri="{C572A759-6A51-4108-AA02-DFA0A04FC94B}">
               <ma14:wrappingTextBoxFlag xmlns:ma14="http://schemas.microsoft.com/office/mac/drawingml/2011/main" val="1"/>
@@ -8963,36 +9149,26 @@
           </a:extLst>
         </p:spPr>
         <p:txBody>
-          <a:bodyPr lIns="45719" rIns="45719">
-            <a:normAutofit fontScale="100000" lnSpcReduction="0"/>
-          </a:bodyPr>
-          <a:lstStyle>
-            <a:lvl1pPr algn="l" defTabSz="825500">
-              <a:defRPr b="1" sz="5500">
-                <a:solidFill>
-                  <a:srgbClr val="000000"/>
-                </a:solidFill>
-              </a:defRPr>
-            </a:lvl1pPr>
-          </a:lstStyle>
+          <a:bodyPr/>
+          <a:lstStyle/>
           <a:p>
             <a:pPr/>
             <a:r>
-              <a:t>Anwendbarkeit</a:t>
-            </a:r>
-          </a:p>
-        </p:txBody>
-      </p:sp>
-      <p:sp>
-        <p:nvSpPr>
-          <p:cNvPr id="184" name="Existenz einer einzigen Instanz einer Klasse und Bereitstellung eines Zugangspunktes zum Client…"/>
+              <a:t>Zweck</a:t>
+            </a:r>
+          </a:p>
+        </p:txBody>
+      </p:sp>
+      <p:sp>
+        <p:nvSpPr>
+          <p:cNvPr id="182" name="Existenz nur einer einzigen Klasseninstanz…"/>
           <p:cNvSpPr txBox="1"/>
           <p:nvPr/>
         </p:nvSpPr>
         <p:spPr>
           <a:xfrm>
-            <a:off x="1198314" y="1894390"/>
-            <a:ext cx="21987372" cy="4564300"/>
+            <a:off x="1198314" y="2204842"/>
+            <a:ext cx="21987372" cy="3257866"/>
           </a:xfrm>
           <a:prstGeom prst="rect">
             <a:avLst/>
@@ -9028,7 +9204,7 @@
               </a:defRPr>
             </a:pPr>
             <a:r>
-              <a:t>Existenz einer einzigen Instanz einer Klasse und Bereitstellung eines Zugangspunktes zum Client</a:t>
+              <a:t>Existenz nur einer einzigen Klasseninstanz</a:t>
             </a:r>
           </a:p>
           <a:p>
@@ -9048,21 +9224,21 @@
               </a:defRPr>
             </a:pPr>
             <a:r>
-              <a:t>Instanz ist durch Unterklassenbildung erweiterbar und Clients können erweiterte Instanz nutzen, ohne bestehenden Code zu ändern</a:t>
-            </a:r>
-          </a:p>
-        </p:txBody>
-      </p:sp>
-      <p:sp>
-        <p:nvSpPr>
-          <p:cNvPr id="185" name="Konsequenzen"/>
+              <a:t>Bereitstellung eines globalen Zugriffspunkts für diese Instanz</a:t>
+            </a:r>
+          </a:p>
+        </p:txBody>
+      </p:sp>
+      <p:sp>
+        <p:nvSpPr>
+          <p:cNvPr id="183" name="Quelle: https://refactoring.guru/images/patterns/content/singleton/singleton-comic-1-en-2x.png"/>
           <p:cNvSpPr txBox="1"/>
           <p:nvPr/>
         </p:nvSpPr>
         <p:spPr>
           <a:xfrm>
-            <a:off x="1206499" y="6528120"/>
-            <a:ext cx="21971001" cy="934780"/>
+            <a:off x="5611673" y="12162218"/>
+            <a:ext cx="13160655" cy="461367"/>
           </a:xfrm>
           <a:prstGeom prst="rect">
             <a:avLst/>
@@ -9077,36 +9253,44 @@
           </a:extLst>
         </p:spPr>
         <p:txBody>
-          <a:bodyPr lIns="45719" rIns="45719">
-            <a:normAutofit fontScale="100000" lnSpcReduction="0"/>
+          <a:bodyPr wrap="none" lIns="50800" tIns="50800" rIns="50800" bIns="50800" anchor="ctr">
+            <a:spAutoFit/>
           </a:bodyPr>
-          <a:lstStyle>
-            <a:lvl1pPr algn="l" defTabSz="825500">
-              <a:defRPr b="1" sz="5500">
-                <a:solidFill>
-                  <a:srgbClr val="000000"/>
-                </a:solidFill>
-              </a:defRPr>
-            </a:lvl1pPr>
-          </a:lstStyle>
+          <a:lstStyle/>
           <a:p>
             <a:pPr/>
             <a:r>
-              <a:t>Konsequenzen</a:t>
-            </a:r>
-          </a:p>
-        </p:txBody>
-      </p:sp>
-      <p:sp>
-        <p:nvSpPr>
-          <p:cNvPr id="186" name="Kontrollierter Zugriff auf einzige Instanz…"/>
-          <p:cNvSpPr txBox="1"/>
+              <a:t>Quelle: </a:t>
+            </a:r>
+            <a:r>
+              <a:rPr u="sng">
+                <a:hlinkClick r:id="rId2" invalidUrl="" action="" tgtFrame="" tooltip="" history="1" highlightClick="0" endSnd="0"/>
+              </a:rPr>
+              <a:t>https://refactoring.guru/images/patterns/content/singleton/singleton-comic-1-en-2x.png</a:t>
+            </a:r>
+          </a:p>
+        </p:txBody>
+      </p:sp>
+      <p:pic>
+        <p:nvPicPr>
+          <p:cNvPr id="184" name="Image" descr="Image"/>
+          <p:cNvPicPr>
+            <a:picLocks noChangeAspect="1"/>
+          </p:cNvPicPr>
           <p:nvPr/>
-        </p:nvSpPr>
-        <p:spPr>
-          <a:xfrm>
-            <a:off x="1198314" y="7770765"/>
-            <a:ext cx="21987372" cy="5707300"/>
+        </p:nvPicPr>
+        <p:blipFill>
+          <a:blip r:embed="rId3">
+            <a:extLst/>
+          </a:blip>
+          <a:stretch>
+            <a:fillRect/>
+          </a:stretch>
+        </p:blipFill>
+        <p:spPr>
+          <a:xfrm>
+            <a:off x="5532424" y="5301803"/>
+            <a:ext cx="13319152" cy="6659577"/>
           </a:xfrm>
           <a:prstGeom prst="rect">
             <a:avLst/>
@@ -9114,94 +9298,8 @@
           <a:ln w="12700">
             <a:miter lim="400000"/>
           </a:ln>
-          <a:extLst>
-            <a:ext uri="{C572A759-6A51-4108-AA02-DFA0A04FC94B}">
-              <ma14:wrappingTextBoxFlag xmlns:ma14="http://schemas.microsoft.com/office/mac/drawingml/2011/main" val="1"/>
-            </a:ext>
-          </a:extLst>
-        </p:spPr>
-        <p:txBody>
-          <a:bodyPr lIns="50800" tIns="50800" rIns="50800" bIns="50800" anchor="ctr">
-            <a:spAutoFit/>
-          </a:bodyPr>
-          <a:lstStyle/>
-          <a:p>
-            <a:pPr marL="609600" indent="-609600" algn="l">
-              <a:lnSpc>
-                <a:spcPct val="90000"/>
-              </a:lnSpc>
-              <a:spcBef>
-                <a:spcPts val="4500"/>
-              </a:spcBef>
-              <a:buSzPct val="123000"/>
-              <a:buChar char="•"/>
-              <a:defRPr sz="4800">
-                <a:solidFill>
-                  <a:srgbClr val="000000"/>
-                </a:solidFill>
-              </a:defRPr>
-            </a:pPr>
-            <a:r>
-              <a:t>Kontrollierter Zugriff auf einzige Instanz</a:t>
-            </a:r>
-          </a:p>
-          <a:p>
-            <a:pPr marL="609600" indent="-609600" algn="l">
-              <a:lnSpc>
-                <a:spcPct val="90000"/>
-              </a:lnSpc>
-              <a:spcBef>
-                <a:spcPts val="4500"/>
-              </a:spcBef>
-              <a:buSzPct val="123000"/>
-              <a:buChar char="•"/>
-              <a:defRPr sz="4800">
-                <a:solidFill>
-                  <a:srgbClr val="000000"/>
-                </a:solidFill>
-              </a:defRPr>
-            </a:pPr>
-            <a:r>
-              <a:t>Eingeschränkter Namensraum</a:t>
-            </a:r>
-          </a:p>
-          <a:p>
-            <a:pPr marL="609600" indent="-609600" algn="l">
-              <a:lnSpc>
-                <a:spcPct val="90000"/>
-              </a:lnSpc>
-              <a:spcBef>
-                <a:spcPts val="4500"/>
-              </a:spcBef>
-              <a:buSzPct val="123000"/>
-              <a:buChar char="•"/>
-              <a:defRPr sz="4800">
-                <a:solidFill>
-                  <a:srgbClr val="000000"/>
-                </a:solidFill>
-              </a:defRPr>
-            </a:pPr>
-            <a:r>
-              <a:t>Verbesserte Operationen und Darstellung (durch Spezialisierung/Vererbung)</a:t>
-            </a:r>
-          </a:p>
-          <a:p>
-            <a:pPr algn="l">
-              <a:lnSpc>
-                <a:spcPct val="90000"/>
-              </a:lnSpc>
-              <a:spcBef>
-                <a:spcPts val="4500"/>
-              </a:spcBef>
-              <a:defRPr sz="4800">
-                <a:solidFill>
-                  <a:srgbClr val="000000"/>
-                </a:solidFill>
-              </a:defRPr>
-            </a:pPr>
-          </a:p>
-        </p:txBody>
-      </p:sp>
+        </p:spPr>
+      </p:pic>
     </p:spTree>
   </p:cSld>
   <p:clrMapOvr>

--- a/presentations/Creational_Patterns_GER.pptx
+++ b/presentations/Creational_Patterns_GER.pptx
@@ -58,6 +58,7 @@
     <p:sldId id="303" r:id="rId55"/>
     <p:sldId id="304" r:id="rId56"/>
     <p:sldId id="305" r:id="rId57"/>
+    <p:sldId id="306" r:id="rId58"/>
   </p:sldIdLst>
   <p:sldSz cx="24384000" cy="13716000"/>
   <p:notesSz cx="6858000" cy="9144000"/>
@@ -4049,128 +4050,16 @@
           <a:chExt cx="0" cy="0"/>
         </a:xfrm>
       </p:grpSpPr>
-      <p:sp>
-        <p:nvSpPr>
-          <p:cNvPr id="183" name="Existenz nur einer einzigen Klasseninstanz…"/>
-          <p:cNvSpPr txBox="1"/>
-          <p:nvPr/>
-        </p:nvSpPr>
-        <p:spPr>
-          <a:xfrm>
-            <a:off x="1198314" y="2856973"/>
-            <a:ext cx="21987372" cy="3257866"/>
-          </a:xfrm>
-          <a:prstGeom prst="rect">
-            <a:avLst/>
-          </a:prstGeom>
-          <a:ln w="12700">
-            <a:miter lim="400000"/>
-          </a:ln>
-          <a:extLst>
-            <a:ext uri="{C572A759-6A51-4108-AA02-DFA0A04FC94B}">
-              <ma14:wrappingTextBoxFlag xmlns:ma14="http://schemas.microsoft.com/office/mac/drawingml/2011/main" val="1"/>
-            </a:ext>
-          </a:extLst>
-        </p:spPr>
-        <p:txBody>
-          <a:bodyPr lIns="50800" tIns="50800" rIns="50800" bIns="50800" anchor="ctr">
-            <a:spAutoFit/>
-          </a:bodyPr>
-          <a:lstStyle/>
-          <a:p>
-            <a:pPr marL="609600" indent="-609600" algn="l">
-              <a:lnSpc>
-                <a:spcPct val="90000"/>
-              </a:lnSpc>
-              <a:spcBef>
-                <a:spcPts val="4500"/>
-              </a:spcBef>
-              <a:buSzPct val="123000"/>
-              <a:buChar char="•"/>
-              <a:defRPr sz="4800">
-                <a:solidFill>
-                  <a:srgbClr val="000000"/>
-                </a:solidFill>
-              </a:defRPr>
-            </a:pPr>
-            <a:r>
-              <a:t>Existenz nur einer einzigen Klasseninstanz</a:t>
-            </a:r>
-          </a:p>
-          <a:p>
-            <a:pPr marL="609600" indent="-609600" algn="l">
-              <a:lnSpc>
-                <a:spcPct val="90000"/>
-              </a:lnSpc>
-              <a:spcBef>
-                <a:spcPts val="4500"/>
-              </a:spcBef>
-              <a:buSzPct val="123000"/>
-              <a:buChar char="•"/>
-              <a:defRPr sz="4800">
-                <a:solidFill>
-                  <a:srgbClr val="000000"/>
-                </a:solidFill>
-              </a:defRPr>
-            </a:pPr>
-            <a:r>
-              <a:t>Bereitstellung eines globalen Zugriffspunkts für diese Instanz</a:t>
-            </a:r>
-          </a:p>
-        </p:txBody>
-      </p:sp>
-      <p:sp>
-        <p:nvSpPr>
-          <p:cNvPr id="184" name="Quelle: https://refactoring.guru/images/patterns/content/singleton/singleton-comic-1-en-2x.png"/>
-          <p:cNvSpPr txBox="1"/>
-          <p:nvPr/>
-        </p:nvSpPr>
-        <p:spPr>
-          <a:xfrm>
-            <a:off x="5611673" y="12785995"/>
-            <a:ext cx="13160655" cy="461367"/>
-          </a:xfrm>
-          <a:prstGeom prst="rect">
-            <a:avLst/>
-          </a:prstGeom>
-          <a:ln w="12700">
-            <a:miter lim="400000"/>
-          </a:ln>
-          <a:extLst>
-            <a:ext uri="{C572A759-6A51-4108-AA02-DFA0A04FC94B}">
-              <ma14:wrappingTextBoxFlag xmlns:ma14="http://schemas.microsoft.com/office/mac/drawingml/2011/main" val="1"/>
-            </a:ext>
-          </a:extLst>
-        </p:spPr>
-        <p:txBody>
-          <a:bodyPr wrap="none" lIns="50800" tIns="50800" rIns="50800" bIns="50800" anchor="ctr">
-            <a:spAutoFit/>
-          </a:bodyPr>
-          <a:lstStyle/>
-          <a:p>
-            <a:pPr/>
-            <a:r>
-              <a:t>Quelle: </a:t>
-            </a:r>
-            <a:r>
-              <a:rPr u="sng">
-                <a:hlinkClick r:id="rId2" invalidUrl="" action="" tgtFrame="" tooltip="" history="1" highlightClick="0" endSnd="0"/>
-              </a:rPr>
-              <a:t>https://refactoring.guru/images/patterns/content/singleton/singleton-comic-1-en-2x.png</a:t>
-            </a:r>
-          </a:p>
-        </p:txBody>
-      </p:sp>
       <p:pic>
         <p:nvPicPr>
-          <p:cNvPr id="185" name="Image" descr="Image"/>
+          <p:cNvPr id="184" name="02. Singleton example.jpg" descr="02. Singleton example.jpg"/>
           <p:cNvPicPr>
             <a:picLocks noChangeAspect="1"/>
           </p:cNvPicPr>
           <p:nvPr/>
         </p:nvPicPr>
         <p:blipFill>
-          <a:blip r:embed="rId3">
+          <a:blip r:embed="rId2">
             <a:extLst/>
           </a:blip>
           <a:stretch>
@@ -4179,8 +4068,8 @@
         </p:blipFill>
         <p:spPr>
           <a:xfrm>
-            <a:off x="5532424" y="6067347"/>
-            <a:ext cx="13319152" cy="6659577"/>
+            <a:off x="8640143" y="2537343"/>
+            <a:ext cx="7103714" cy="8641314"/>
           </a:xfrm>
           <a:prstGeom prst="rect">
             <a:avLst/>
@@ -4190,34 +4079,6 @@
           </a:ln>
         </p:spPr>
       </p:pic>
-      <p:sp>
-        <p:nvSpPr>
-          <p:cNvPr id="186" name="Zweck"/>
-          <p:cNvSpPr txBox="1"/>
-          <p:nvPr>
-            <p:ph type="title"/>
-          </p:nvPr>
-        </p:nvSpPr>
-        <p:spPr>
-          <a:xfrm>
-            <a:off x="1206500" y="1079500"/>
-            <a:ext cx="21971000" cy="1433163"/>
-          </a:xfrm>
-          <a:prstGeom prst="rect">
-            <a:avLst/>
-          </a:prstGeom>
-        </p:spPr>
-        <p:txBody>
-          <a:bodyPr/>
-          <a:lstStyle/>
-          <a:p>
-            <a:pPr/>
-            <a:r>
-              <a:t>Zweck</a:t>
-            </a:r>
-          </a:p>
-        </p:txBody>
-      </p:sp>
     </p:spTree>
   </p:cSld>
   <p:clrMapOvr>
@@ -4246,14 +4107,14 @@
       </p:grpSpPr>
       <p:sp>
         <p:nvSpPr>
-          <p:cNvPr id="188" name="Existenz einer einzigen Instanz einer Klasse und Bereitstellung eines Zugangspunktes zum Client…"/>
+          <p:cNvPr id="186" name="Existenz nur einer einzigen Klasseninstanz…"/>
           <p:cNvSpPr txBox="1"/>
           <p:nvPr/>
         </p:nvSpPr>
         <p:spPr>
           <a:xfrm>
-            <a:off x="1198314" y="2876195"/>
-            <a:ext cx="21987372" cy="4564300"/>
+            <a:off x="1198314" y="2856973"/>
+            <a:ext cx="21987372" cy="3257866"/>
           </a:xfrm>
           <a:prstGeom prst="rect">
             <a:avLst/>
@@ -4289,7 +4150,7 @@
               </a:defRPr>
             </a:pPr>
             <a:r>
-              <a:t>Existenz einer einzigen Instanz einer Klasse und Bereitstellung eines Zugangspunktes zum Client</a:t>
+              <a:t>Existenz nur einer einzigen Klasseninstanz</a:t>
             </a:r>
           </a:p>
           <a:p>
@@ -4309,14 +4170,85 @@
               </a:defRPr>
             </a:pPr>
             <a:r>
-              <a:t>Instanz ist durch Unterklassenbildung erweiterbar und Clients können erweiterte Instanz nutzen, ohne bestehenden Code zu ändern</a:t>
-            </a:r>
-          </a:p>
-        </p:txBody>
-      </p:sp>
-      <p:sp>
-        <p:nvSpPr>
-          <p:cNvPr id="189" name="Anwendbarkeit"/>
+              <a:t>Bereitstellung eines globalen Zugriffspunkts für diese Instanz</a:t>
+            </a:r>
+          </a:p>
+        </p:txBody>
+      </p:sp>
+      <p:sp>
+        <p:nvSpPr>
+          <p:cNvPr id="187" name="Quelle: https://refactoring.guru/images/patterns/content/singleton/singleton-comic-1-en-2x.png"/>
+          <p:cNvSpPr txBox="1"/>
+          <p:nvPr/>
+        </p:nvSpPr>
+        <p:spPr>
+          <a:xfrm>
+            <a:off x="5611673" y="12785995"/>
+            <a:ext cx="13160655" cy="461367"/>
+          </a:xfrm>
+          <a:prstGeom prst="rect">
+            <a:avLst/>
+          </a:prstGeom>
+          <a:ln w="12700">
+            <a:miter lim="400000"/>
+          </a:ln>
+          <a:extLst>
+            <a:ext uri="{C572A759-6A51-4108-AA02-DFA0A04FC94B}">
+              <ma14:wrappingTextBoxFlag xmlns:ma14="http://schemas.microsoft.com/office/mac/drawingml/2011/main" val="1"/>
+            </a:ext>
+          </a:extLst>
+        </p:spPr>
+        <p:txBody>
+          <a:bodyPr wrap="none" lIns="50800" tIns="50800" rIns="50800" bIns="50800" anchor="ctr">
+            <a:spAutoFit/>
+          </a:bodyPr>
+          <a:lstStyle/>
+          <a:p>
+            <a:pPr/>
+            <a:r>
+              <a:t>Quelle: </a:t>
+            </a:r>
+            <a:r>
+              <a:rPr u="sng">
+                <a:hlinkClick r:id="rId2" invalidUrl="" action="" tgtFrame="" tooltip="" history="1" highlightClick="0" endSnd="0"/>
+              </a:rPr>
+              <a:t>https://refactoring.guru/images/patterns/content/singleton/singleton-comic-1-en-2x.png</a:t>
+            </a:r>
+          </a:p>
+        </p:txBody>
+      </p:sp>
+      <p:pic>
+        <p:nvPicPr>
+          <p:cNvPr id="188" name="Image" descr="Image"/>
+          <p:cNvPicPr>
+            <a:picLocks noChangeAspect="1"/>
+          </p:cNvPicPr>
+          <p:nvPr/>
+        </p:nvPicPr>
+        <p:blipFill>
+          <a:blip r:embed="rId3">
+            <a:extLst/>
+          </a:blip>
+          <a:stretch>
+            <a:fillRect/>
+          </a:stretch>
+        </p:blipFill>
+        <p:spPr>
+          <a:xfrm>
+            <a:off x="5532424" y="6067347"/>
+            <a:ext cx="13319152" cy="6659577"/>
+          </a:xfrm>
+          <a:prstGeom prst="rect">
+            <a:avLst/>
+          </a:prstGeom>
+          <a:ln w="12700">
+            <a:miter lim="400000"/>
+          </a:ln>
+        </p:spPr>
+      </p:pic>
+      <p:sp>
+        <p:nvSpPr>
+          <p:cNvPr id="189" name="Zweck"/>
           <p:cNvSpPr txBox="1"/>
           <p:nvPr>
             <p:ph type="title"/>
@@ -4337,7 +4269,7 @@
           <a:p>
             <a:pPr/>
             <a:r>
-              <a:t>Anwendbarkeit</a:t>
+              <a:t>Zweck</a:t>
             </a:r>
           </a:p>
         </p:txBody>
@@ -4370,38 +4302,14 @@
       </p:grpSpPr>
       <p:sp>
         <p:nvSpPr>
-          <p:cNvPr id="191" name="Konsequenzen (Vor- und Nachteile)"/>
-          <p:cNvSpPr txBox="1"/>
-          <p:nvPr>
-            <p:ph type="title" idx="4294967295"/>
-          </p:nvPr>
-        </p:nvSpPr>
-        <p:spPr>
-          <a:prstGeom prst="rect">
-            <a:avLst/>
-          </a:prstGeom>
-        </p:spPr>
-        <p:txBody>
-          <a:bodyPr/>
-          <a:lstStyle/>
-          <a:p>
-            <a:pPr/>
-            <a:r>
-              <a:t>Konsequenzen (Vor- und Nachteile)</a:t>
-            </a:r>
-          </a:p>
-        </p:txBody>
-      </p:sp>
-      <p:sp>
-        <p:nvSpPr>
-          <p:cNvPr id="192" name="Kontrollierter Zugriff auf einzige Instanz…"/>
+          <p:cNvPr id="191" name="Existenz einer einzigen Instanz einer Klasse und Bereitstellung eines Zugangspunktes zum Client…"/>
           <p:cNvSpPr txBox="1"/>
           <p:nvPr/>
         </p:nvSpPr>
         <p:spPr>
           <a:xfrm>
-            <a:off x="1198314" y="2871129"/>
-            <a:ext cx="21987372" cy="3257866"/>
+            <a:off x="1198314" y="2876195"/>
+            <a:ext cx="21987372" cy="4564300"/>
           </a:xfrm>
           <a:prstGeom prst="rect">
             <a:avLst/>
@@ -4437,7 +4345,7 @@
               </a:defRPr>
             </a:pPr>
             <a:r>
-              <a:t>Kontrollierter Zugriff auf einzige Instanz</a:t>
+              <a:t>Existenz einer einzigen Instanz einer Klasse und Bereitstellung eines Zugangspunktes zum Client</a:t>
             </a:r>
           </a:p>
           <a:p>
@@ -4457,27 +4365,35 @@
               </a:defRPr>
             </a:pPr>
             <a:r>
-              <a:t>Eingeschränkter Namensraum</a:t>
-            </a:r>
-          </a:p>
-          <a:p>
-            <a:pPr marL="609600" indent="-609600" algn="l">
-              <a:lnSpc>
-                <a:spcPct val="90000"/>
-              </a:lnSpc>
-              <a:spcBef>
-                <a:spcPts val="4500"/>
-              </a:spcBef>
-              <a:buSzPct val="123000"/>
-              <a:buChar char="•"/>
-              <a:defRPr sz="4800">
-                <a:solidFill>
-                  <a:srgbClr val="000000"/>
-                </a:solidFill>
-              </a:defRPr>
-            </a:pPr>
-            <a:r>
-              <a:t>Verbesserte Operationen und Darstellung (durch Spezialisierung/Vererbung)</a:t>
+              <a:t>Instanz ist durch Unterklassenbildung erweiterbar und Clients können erweiterte Instanz nutzen, ohne bestehenden Code zu ändern</a:t>
+            </a:r>
+          </a:p>
+        </p:txBody>
+      </p:sp>
+      <p:sp>
+        <p:nvSpPr>
+          <p:cNvPr id="192" name="Anwendbarkeit"/>
+          <p:cNvSpPr txBox="1"/>
+          <p:nvPr>
+            <p:ph type="title"/>
+          </p:nvPr>
+        </p:nvSpPr>
+        <p:spPr>
+          <a:xfrm>
+            <a:off x="1206500" y="1079500"/>
+            <a:ext cx="21971000" cy="1433163"/>
+          </a:xfrm>
+          <a:prstGeom prst="rect">
+            <a:avLst/>
+          </a:prstGeom>
+        </p:spPr>
+        <p:txBody>
+          <a:bodyPr/>
+          <a:lstStyle/>
+          <a:p>
+            <a:pPr/>
+            <a:r>
+              <a:t>Anwendbarkeit</a:t>
             </a:r>
           </a:p>
         </p:txBody>
@@ -4508,26 +4424,40 @@
           <a:chExt cx="0" cy="0"/>
         </a:xfrm>
       </p:grpSpPr>
-      <p:pic>
-        <p:nvPicPr>
-          <p:cNvPr id="194" name="02. Singleton.jpg" descr="02. Singleton.jpg"/>
-          <p:cNvPicPr>
-            <a:picLocks noChangeAspect="1"/>
-          </p:cNvPicPr>
+      <p:sp>
+        <p:nvSpPr>
+          <p:cNvPr id="194" name="Konsequenzen (Vor- und Nachteile)"/>
+          <p:cNvSpPr txBox="1"/>
+          <p:nvPr>
+            <p:ph type="title" idx="4294967295"/>
+          </p:nvPr>
+        </p:nvSpPr>
+        <p:spPr>
+          <a:prstGeom prst="rect">
+            <a:avLst/>
+          </a:prstGeom>
+        </p:spPr>
+        <p:txBody>
+          <a:bodyPr/>
+          <a:lstStyle/>
+          <a:p>
+            <a:pPr/>
+            <a:r>
+              <a:t>Konsequenzen (Vor- und Nachteile)</a:t>
+            </a:r>
+          </a:p>
+        </p:txBody>
+      </p:sp>
+      <p:sp>
+        <p:nvSpPr>
+          <p:cNvPr id="195" name="Kontrollierter Zugriff auf einzige Instanz…"/>
+          <p:cNvSpPr txBox="1"/>
           <p:nvPr/>
-        </p:nvPicPr>
-        <p:blipFill>
-          <a:blip r:embed="rId2">
-            <a:extLst/>
-          </a:blip>
-          <a:stretch>
-            <a:fillRect/>
-          </a:stretch>
-        </p:blipFill>
-        <p:spPr>
-          <a:xfrm>
-            <a:off x="8293713" y="4309769"/>
-            <a:ext cx="7796574" cy="5096462"/>
+        </p:nvSpPr>
+        <p:spPr>
+          <a:xfrm>
+            <a:off x="1198314" y="2548535"/>
+            <a:ext cx="21987372" cy="7596725"/>
           </a:xfrm>
           <a:prstGeom prst="rect">
             <a:avLst/>
@@ -4535,8 +4465,146 @@
           <a:ln w="12700">
             <a:miter lim="400000"/>
           </a:ln>
-        </p:spPr>
-      </p:pic>
+          <a:extLst>
+            <a:ext uri="{C572A759-6A51-4108-AA02-DFA0A04FC94B}">
+              <ma14:wrappingTextBoxFlag xmlns:ma14="http://schemas.microsoft.com/office/mac/drawingml/2011/main" val="1"/>
+            </a:ext>
+          </a:extLst>
+        </p:spPr>
+        <p:txBody>
+          <a:bodyPr lIns="50800" tIns="50800" rIns="50800" bIns="50800" anchor="ctr">
+            <a:spAutoFit/>
+          </a:bodyPr>
+          <a:lstStyle/>
+          <a:p>
+            <a:pPr marL="609600" indent="-609600" algn="l">
+              <a:lnSpc>
+                <a:spcPct val="90000"/>
+              </a:lnSpc>
+              <a:spcBef>
+                <a:spcPts val="4500"/>
+              </a:spcBef>
+              <a:buSzPct val="123000"/>
+              <a:buChar char="•"/>
+              <a:defRPr sz="4800">
+                <a:solidFill>
+                  <a:srgbClr val="000000"/>
+                </a:solidFill>
+              </a:defRPr>
+            </a:pPr>
+            <a:r>
+              <a:t>Kontrollierter Zugriff auf einzige Instanz</a:t>
+            </a:r>
+          </a:p>
+          <a:p>
+            <a:pPr marL="609600" indent="-609600" algn="l">
+              <a:lnSpc>
+                <a:spcPct val="90000"/>
+              </a:lnSpc>
+              <a:spcBef>
+                <a:spcPts val="4500"/>
+              </a:spcBef>
+              <a:buSzPct val="123000"/>
+              <a:buChar char="•"/>
+              <a:defRPr sz="4800">
+                <a:solidFill>
+                  <a:srgbClr val="000000"/>
+                </a:solidFill>
+              </a:defRPr>
+            </a:pPr>
+            <a:r>
+              <a:t>Eingeschränkter Namensraum</a:t>
+            </a:r>
+          </a:p>
+          <a:p>
+            <a:pPr marL="609600" indent="-609600" algn="l">
+              <a:lnSpc>
+                <a:spcPct val="90000"/>
+              </a:lnSpc>
+              <a:spcBef>
+                <a:spcPts val="4500"/>
+              </a:spcBef>
+              <a:buSzPct val="123000"/>
+              <a:buChar char="•"/>
+              <a:defRPr sz="4800">
+                <a:solidFill>
+                  <a:srgbClr val="000000"/>
+                </a:solidFill>
+              </a:defRPr>
+            </a:pPr>
+            <a:r>
+              <a:t>Verbesserte Operationen und Darstellung (durch Spezialisierung/Vererbung)</a:t>
+            </a:r>
+          </a:p>
+          <a:p>
+            <a:pPr marL="609600" indent="-609600" algn="l">
+              <a:lnSpc>
+                <a:spcPct val="90000"/>
+              </a:lnSpc>
+              <a:spcBef>
+                <a:spcPts val="4500"/>
+              </a:spcBef>
+              <a:buSzPct val="123000"/>
+              <a:buChar char="•"/>
+              <a:defRPr sz="4800">
+                <a:solidFill>
+                  <a:srgbClr val="000000"/>
+                </a:solidFill>
+              </a:defRPr>
+            </a:pPr>
+            <a:r>
+              <a:t>wird als “globale Variable” genutzt</a:t>
+            </a:r>
+          </a:p>
+          <a:p>
+            <a:pPr marL="609600" indent="-609600" algn="l">
+              <a:lnSpc>
+                <a:spcPct val="90000"/>
+              </a:lnSpc>
+              <a:spcBef>
+                <a:spcPts val="4500"/>
+              </a:spcBef>
+              <a:buSzPct val="123000"/>
+              <a:buChar char="•"/>
+              <a:defRPr sz="4800">
+                <a:solidFill>
+                  <a:srgbClr val="000000"/>
+                </a:solidFill>
+              </a:defRPr>
+            </a:pPr>
+            <a:r>
+              <a:t>schwer testbar, da man kein Fake-Objekt erstellen kann</a:t>
+            </a:r>
+          </a:p>
+          <a:p>
+            <a:pPr marL="609600" indent="-609600" algn="l">
+              <a:lnSpc>
+                <a:spcPct val="90000"/>
+              </a:lnSpc>
+              <a:spcBef>
+                <a:spcPts val="4500"/>
+              </a:spcBef>
+              <a:buSzPct val="123000"/>
+              <a:buChar char="•"/>
+              <a:defRPr sz="4800">
+                <a:solidFill>
+                  <a:srgbClr val="000000"/>
+                </a:solidFill>
+              </a:defRPr>
+            </a:pPr>
+            <a:r>
+              <a:t>für Test muss man die Klasse um einen statischen Setter für die </a:t>
+            </a:r>
+            <a:r>
+              <a:rPr b="1"/>
+              <a:t>Instance</a:t>
+            </a:r>
+            <a:r>
+              <a:t> erweitern</a:t>
+            </a:r>
+          </a:p>
+        </p:txBody>
+      </p:sp>
     </p:spTree>
   </p:cSld>
   <p:clrMapOvr>
@@ -4563,30 +4631,35 @@
           <a:chExt cx="0" cy="0"/>
         </a:xfrm>
       </p:grpSpPr>
-      <p:sp>
-        <p:nvSpPr>
-          <p:cNvPr id="196" name="Code-Beispiel"/>
-          <p:cNvSpPr txBox="1"/>
-          <p:nvPr>
-            <p:ph type="body" sz="half" idx="1"/>
-          </p:nvPr>
-        </p:nvSpPr>
-        <p:spPr>
-          <a:prstGeom prst="rect">
-            <a:avLst/>
-          </a:prstGeom>
-        </p:spPr>
-        <p:txBody>
-          <a:bodyPr/>
-          <a:lstStyle/>
-          <a:p>
-            <a:pPr/>
-            <a:r>
-              <a:t>Code-Beispiel</a:t>
-            </a:r>
-          </a:p>
-        </p:txBody>
-      </p:sp>
+      <p:pic>
+        <p:nvPicPr>
+          <p:cNvPr id="197" name="02. Singleton.jpg" descr="02. Singleton.jpg"/>
+          <p:cNvPicPr>
+            <a:picLocks noChangeAspect="1"/>
+          </p:cNvPicPr>
+          <p:nvPr/>
+        </p:nvPicPr>
+        <p:blipFill>
+          <a:blip r:embed="rId2">
+            <a:extLst/>
+          </a:blip>
+          <a:stretch>
+            <a:fillRect/>
+          </a:stretch>
+        </p:blipFill>
+        <p:spPr>
+          <a:xfrm>
+            <a:off x="8293713" y="4309769"/>
+            <a:ext cx="7796574" cy="5096462"/>
+          </a:xfrm>
+          <a:prstGeom prst="rect">
+            <a:avLst/>
+          </a:prstGeom>
+          <a:ln w="12700">
+            <a:miter lim="400000"/>
+          </a:ln>
+        </p:spPr>
+      </p:pic>
     </p:spTree>
   </p:cSld>
   <p:clrMapOvr>
@@ -4615,10 +4688,10 @@
       </p:grpSpPr>
       <p:sp>
         <p:nvSpPr>
-          <p:cNvPr id="198" name="Prototype"/>
+          <p:cNvPr id="199" name="Code-Beispiel"/>
           <p:cNvSpPr txBox="1"/>
           <p:nvPr>
-            <p:ph type="title"/>
+            <p:ph type="body" sz="half" idx="1"/>
           </p:nvPr>
         </p:nvSpPr>
         <p:spPr>
@@ -4632,100 +4705,11 @@
           <a:p>
             <a:pPr/>
             <a:r>
-              <a:t>Prototype</a:t>
-            </a:r>
-          </a:p>
-        </p:txBody>
-      </p:sp>
-      <p:sp>
-        <p:nvSpPr>
-          <p:cNvPr id="199" name="Prototyp"/>
-          <p:cNvSpPr txBox="1"/>
-          <p:nvPr>
-            <p:ph type="body" sz="quarter" idx="1"/>
-          </p:nvPr>
-        </p:nvSpPr>
-        <p:spPr>
-          <a:prstGeom prst="rect">
-            <a:avLst/>
-          </a:prstGeom>
-        </p:spPr>
-        <p:txBody>
-          <a:bodyPr/>
-          <a:lstStyle/>
-          <a:p>
-            <a:pPr/>
-            <a:r>
-              <a:t>Prototyp</a:t>
-            </a:r>
-          </a:p>
-        </p:txBody>
-      </p:sp>
-      <p:sp>
-        <p:nvSpPr>
-          <p:cNvPr id="200" name="Quelle: https://refactoring.guru/design-patterns/prototype"/>
-          <p:cNvSpPr txBox="1"/>
-          <p:nvPr/>
-        </p:nvSpPr>
-        <p:spPr>
-          <a:xfrm>
-            <a:off x="11460035" y="12067957"/>
-            <a:ext cx="7966863" cy="461366"/>
-          </a:xfrm>
-          <a:prstGeom prst="rect">
-            <a:avLst/>
-          </a:prstGeom>
-          <a:ln w="12700">
-            <a:miter lim="400000"/>
-          </a:ln>
-          <a:extLst>
-            <a:ext uri="{C572A759-6A51-4108-AA02-DFA0A04FC94B}">
-              <ma14:wrappingTextBoxFlag xmlns:ma14="http://schemas.microsoft.com/office/mac/drawingml/2011/main" val="1"/>
-            </a:ext>
-          </a:extLst>
-        </p:spPr>
-        <p:txBody>
-          <a:bodyPr wrap="none" lIns="50800" tIns="50800" rIns="50800" bIns="50800" anchor="ctr">
-            <a:spAutoFit/>
-          </a:bodyPr>
-          <a:lstStyle/>
-          <a:p>
-            <a:pPr/>
-            <a:r>
-              <a:t>Quelle: https://refactoring.guru/design-patterns/prototype</a:t>
-            </a:r>
-          </a:p>
-        </p:txBody>
-      </p:sp>
-      <p:pic>
-        <p:nvPicPr>
-          <p:cNvPr id="201" name="Image" descr="Image"/>
-          <p:cNvPicPr>
-            <a:picLocks noChangeAspect="1"/>
-          </p:cNvPicPr>
-          <p:nvPr/>
-        </p:nvPicPr>
-        <p:blipFill>
-          <a:blip r:embed="rId2">
-            <a:extLst/>
-          </a:blip>
-          <a:stretch>
-            <a:fillRect/>
-          </a:stretch>
-        </p:blipFill>
-        <p:spPr>
-          <a:xfrm>
-            <a:off x="7221488" y="1719262"/>
-            <a:ext cx="16443959" cy="10277476"/>
-          </a:xfrm>
-          <a:prstGeom prst="rect">
-            <a:avLst/>
-          </a:prstGeom>
-          <a:ln w="12700">
-            <a:miter lim="400000"/>
-          </a:ln>
-        </p:spPr>
-      </p:pic>
+              <a:t>Code-Beispiel</a:t>
+            </a:r>
+          </a:p>
+        </p:txBody>
+      </p:sp>
     </p:spTree>
   </p:cSld>
   <p:clrMapOvr>
@@ -4754,10 +4738,10 @@
       </p:grpSpPr>
       <p:sp>
         <p:nvSpPr>
-          <p:cNvPr id="203" name="Demo"/>
+          <p:cNvPr id="201" name="Prototype"/>
           <p:cNvSpPr txBox="1"/>
           <p:nvPr>
-            <p:ph type="body" sz="half" idx="1"/>
+            <p:ph type="title"/>
           </p:nvPr>
         </p:nvSpPr>
         <p:spPr>
@@ -4771,11 +4755,100 @@
           <a:p>
             <a:pPr/>
             <a:r>
-              <a:t>Demo</a:t>
-            </a:r>
-          </a:p>
-        </p:txBody>
-      </p:sp>
+              <a:t>Prototype</a:t>
+            </a:r>
+          </a:p>
+        </p:txBody>
+      </p:sp>
+      <p:sp>
+        <p:nvSpPr>
+          <p:cNvPr id="202" name="Prototyp"/>
+          <p:cNvSpPr txBox="1"/>
+          <p:nvPr>
+            <p:ph type="body" sz="quarter" idx="1"/>
+          </p:nvPr>
+        </p:nvSpPr>
+        <p:spPr>
+          <a:prstGeom prst="rect">
+            <a:avLst/>
+          </a:prstGeom>
+        </p:spPr>
+        <p:txBody>
+          <a:bodyPr/>
+          <a:lstStyle/>
+          <a:p>
+            <a:pPr/>
+            <a:r>
+              <a:t>Prototyp</a:t>
+            </a:r>
+          </a:p>
+        </p:txBody>
+      </p:sp>
+      <p:sp>
+        <p:nvSpPr>
+          <p:cNvPr id="203" name="Quelle: https://refactoring.guru/design-patterns/prototype"/>
+          <p:cNvSpPr txBox="1"/>
+          <p:nvPr/>
+        </p:nvSpPr>
+        <p:spPr>
+          <a:xfrm>
+            <a:off x="11460035" y="12067957"/>
+            <a:ext cx="7966863" cy="461366"/>
+          </a:xfrm>
+          <a:prstGeom prst="rect">
+            <a:avLst/>
+          </a:prstGeom>
+          <a:ln w="12700">
+            <a:miter lim="400000"/>
+          </a:ln>
+          <a:extLst>
+            <a:ext uri="{C572A759-6A51-4108-AA02-DFA0A04FC94B}">
+              <ma14:wrappingTextBoxFlag xmlns:ma14="http://schemas.microsoft.com/office/mac/drawingml/2011/main" val="1"/>
+            </a:ext>
+          </a:extLst>
+        </p:spPr>
+        <p:txBody>
+          <a:bodyPr wrap="none" lIns="50800" tIns="50800" rIns="50800" bIns="50800" anchor="ctr">
+            <a:spAutoFit/>
+          </a:bodyPr>
+          <a:lstStyle/>
+          <a:p>
+            <a:pPr/>
+            <a:r>
+              <a:t>Quelle: https://refactoring.guru/design-patterns/prototype</a:t>
+            </a:r>
+          </a:p>
+        </p:txBody>
+      </p:sp>
+      <p:pic>
+        <p:nvPicPr>
+          <p:cNvPr id="204" name="Image" descr="Image"/>
+          <p:cNvPicPr>
+            <a:picLocks noChangeAspect="1"/>
+          </p:cNvPicPr>
+          <p:nvPr/>
+        </p:nvPicPr>
+        <p:blipFill>
+          <a:blip r:embed="rId2">
+            <a:extLst/>
+          </a:blip>
+          <a:stretch>
+            <a:fillRect/>
+          </a:stretch>
+        </p:blipFill>
+        <p:spPr>
+          <a:xfrm>
+            <a:off x="7221488" y="1719262"/>
+            <a:ext cx="16443959" cy="10277476"/>
+          </a:xfrm>
+          <a:prstGeom prst="rect">
+            <a:avLst/>
+          </a:prstGeom>
+          <a:ln w="12700">
+            <a:miter lim="400000"/>
+          </a:ln>
+        </p:spPr>
+      </p:pic>
     </p:spTree>
   </p:cSld>
   <p:clrMapOvr>
@@ -4802,35 +4875,30 @@
           <a:chExt cx="0" cy="0"/>
         </a:xfrm>
       </p:grpSpPr>
-      <p:pic>
-        <p:nvPicPr>
-          <p:cNvPr id="205" name="03. Prototype example.jpg" descr="03. Prototype example.jpg"/>
-          <p:cNvPicPr>
-            <a:picLocks noChangeAspect="1"/>
-          </p:cNvPicPr>
-          <p:nvPr/>
-        </p:nvPicPr>
-        <p:blipFill>
-          <a:blip r:embed="rId2">
-            <a:extLst/>
-          </a:blip>
-          <a:stretch>
-            <a:fillRect/>
-          </a:stretch>
-        </p:blipFill>
-        <p:spPr>
-          <a:xfrm>
-            <a:off x="2469271" y="1019793"/>
-            <a:ext cx="19445458" cy="11676414"/>
-          </a:xfrm>
-          <a:prstGeom prst="rect">
-            <a:avLst/>
-          </a:prstGeom>
-          <a:ln w="12700">
-            <a:miter lim="400000"/>
-          </a:ln>
-        </p:spPr>
-      </p:pic>
+      <p:sp>
+        <p:nvSpPr>
+          <p:cNvPr id="206" name="Demo"/>
+          <p:cNvSpPr txBox="1"/>
+          <p:nvPr>
+            <p:ph type="body" sz="half" idx="1"/>
+          </p:nvPr>
+        </p:nvSpPr>
+        <p:spPr>
+          <a:prstGeom prst="rect">
+            <a:avLst/>
+          </a:prstGeom>
+        </p:spPr>
+        <p:txBody>
+          <a:bodyPr/>
+          <a:lstStyle/>
+          <a:p>
+            <a:pPr/>
+            <a:r>
+              <a:t>Demo</a:t>
+            </a:r>
+          </a:p>
+        </p:txBody>
+      </p:sp>
     </p:spTree>
   </p:cSld>
   <p:clrMapOvr>
@@ -4857,128 +4925,16 @@
           <a:chExt cx="0" cy="0"/>
         </a:xfrm>
       </p:grpSpPr>
-      <p:sp>
-        <p:nvSpPr>
-          <p:cNvPr id="207" name="Spezifikation einer prototypischen Instanz…"/>
-          <p:cNvSpPr txBox="1"/>
-          <p:nvPr/>
-        </p:nvSpPr>
-        <p:spPr>
-          <a:xfrm>
-            <a:off x="1198314" y="2820256"/>
-            <a:ext cx="21987372" cy="2033150"/>
-          </a:xfrm>
-          <a:prstGeom prst="rect">
-            <a:avLst/>
-          </a:prstGeom>
-          <a:ln w="12700">
-            <a:miter lim="400000"/>
-          </a:ln>
-          <a:extLst>
-            <a:ext uri="{C572A759-6A51-4108-AA02-DFA0A04FC94B}">
-              <ma14:wrappingTextBoxFlag xmlns:ma14="http://schemas.microsoft.com/office/mac/drawingml/2011/main" val="1"/>
-            </a:ext>
-          </a:extLst>
-        </p:spPr>
-        <p:txBody>
-          <a:bodyPr lIns="50800" tIns="50800" rIns="50800" bIns="50800" anchor="ctr">
-            <a:spAutoFit/>
-          </a:bodyPr>
-          <a:lstStyle/>
-          <a:p>
-            <a:pPr marL="609600" indent="-609600" algn="l">
-              <a:lnSpc>
-                <a:spcPct val="90000"/>
-              </a:lnSpc>
-              <a:spcBef>
-                <a:spcPts val="4500"/>
-              </a:spcBef>
-              <a:buSzPct val="123000"/>
-              <a:buChar char="•"/>
-              <a:defRPr sz="4800">
-                <a:solidFill>
-                  <a:srgbClr val="000000"/>
-                </a:solidFill>
-              </a:defRPr>
-            </a:pPr>
-            <a:r>
-              <a:t>Spezifikation einer prototypischen Instanz</a:t>
-            </a:r>
-          </a:p>
-          <a:p>
-            <a:pPr marL="609600" indent="-609600" algn="l">
-              <a:lnSpc>
-                <a:spcPct val="90000"/>
-              </a:lnSpc>
-              <a:spcBef>
-                <a:spcPts val="4500"/>
-              </a:spcBef>
-              <a:buSzPct val="123000"/>
-              <a:buChar char="•"/>
-              <a:defRPr sz="4800">
-                <a:solidFill>
-                  <a:srgbClr val="000000"/>
-                </a:solidFill>
-              </a:defRPr>
-            </a:pPr>
-            <a:r>
-              <a:t>Erzeugung neuer Objekte durch Kopieren des Prototyps</a:t>
-            </a:r>
-          </a:p>
-        </p:txBody>
-      </p:sp>
-      <p:sp>
-        <p:nvSpPr>
-          <p:cNvPr id="208" name="Quelle: https://refactoring.guru/images/patterns/content/prototype/prototype-comic-3-en-2x.png"/>
-          <p:cNvSpPr txBox="1"/>
-          <p:nvPr/>
-        </p:nvSpPr>
-        <p:spPr>
-          <a:xfrm>
-            <a:off x="5532424" y="12162218"/>
-            <a:ext cx="13319152" cy="461367"/>
-          </a:xfrm>
-          <a:prstGeom prst="rect">
-            <a:avLst/>
-          </a:prstGeom>
-          <a:ln w="12700">
-            <a:miter lim="400000"/>
-          </a:ln>
-          <a:extLst>
-            <a:ext uri="{C572A759-6A51-4108-AA02-DFA0A04FC94B}">
-              <ma14:wrappingTextBoxFlag xmlns:ma14="http://schemas.microsoft.com/office/mac/drawingml/2011/main" val="1"/>
-            </a:ext>
-          </a:extLst>
-        </p:spPr>
-        <p:txBody>
-          <a:bodyPr wrap="none" lIns="50800" tIns="50800" rIns="50800" bIns="50800" anchor="ctr">
-            <a:spAutoFit/>
-          </a:bodyPr>
-          <a:lstStyle/>
-          <a:p>
-            <a:pPr/>
-            <a:r>
-              <a:t>Quelle: </a:t>
-            </a:r>
-            <a:r>
-              <a:rPr u="sng">
-                <a:hlinkClick r:id="rId2" invalidUrl="" action="" tgtFrame="" tooltip="" history="1" highlightClick="0" endSnd="0"/>
-              </a:rPr>
-              <a:t>https://refactoring.guru/images/patterns/content/prototype/prototype-comic-3-en-2x.png</a:t>
-            </a:r>
-          </a:p>
-        </p:txBody>
-      </p:sp>
       <p:pic>
         <p:nvPicPr>
-          <p:cNvPr id="209" name="Image" descr="Image"/>
+          <p:cNvPr id="208" name="03. Prototype example.jpg" descr="03. Prototype example.jpg"/>
           <p:cNvPicPr>
             <a:picLocks noChangeAspect="1"/>
           </p:cNvPicPr>
           <p:nvPr/>
         </p:nvPicPr>
         <p:blipFill>
-          <a:blip r:embed="rId3">
+          <a:blip r:embed="rId2">
             <a:extLst/>
           </a:blip>
           <a:stretch>
@@ -4987,8 +4943,8 @@
         </p:blipFill>
         <p:spPr>
           <a:xfrm>
-            <a:off x="6601182" y="6577307"/>
-            <a:ext cx="11181636" cy="5590819"/>
+            <a:off x="2469271" y="1019793"/>
+            <a:ext cx="19445458" cy="11676414"/>
           </a:xfrm>
           <a:prstGeom prst="rect">
             <a:avLst/>
@@ -4998,34 +4954,6 @@
           </a:ln>
         </p:spPr>
       </p:pic>
-      <p:sp>
-        <p:nvSpPr>
-          <p:cNvPr id="210" name="Zweck"/>
-          <p:cNvSpPr txBox="1"/>
-          <p:nvPr>
-            <p:ph type="title"/>
-          </p:nvPr>
-        </p:nvSpPr>
-        <p:spPr>
-          <a:xfrm>
-            <a:off x="1206500" y="1080865"/>
-            <a:ext cx="21971000" cy="1433164"/>
-          </a:xfrm>
-          <a:prstGeom prst="rect">
-            <a:avLst/>
-          </a:prstGeom>
-        </p:spPr>
-        <p:txBody>
-          <a:bodyPr/>
-          <a:lstStyle/>
-          <a:p>
-            <a:pPr/>
-            <a:r>
-              <a:t>Zweck</a:t>
-            </a:r>
-          </a:p>
-        </p:txBody>
-      </p:sp>
     </p:spTree>
   </p:cSld>
   <p:clrMapOvr>
@@ -5054,14 +4982,14 @@
       </p:grpSpPr>
       <p:sp>
         <p:nvSpPr>
-          <p:cNvPr id="212" name="wenn zu instanziierende Klassen zur Laufzeit spezifiziert werden (dyn. Laden)…"/>
+          <p:cNvPr id="210" name="Spezifikation einer prototypischen Instanz…"/>
           <p:cNvSpPr txBox="1"/>
           <p:nvPr/>
         </p:nvSpPr>
         <p:spPr>
           <a:xfrm>
-            <a:off x="1198314" y="2899267"/>
-            <a:ext cx="21987372" cy="4482583"/>
+            <a:off x="1198314" y="2820256"/>
+            <a:ext cx="21987372" cy="2033150"/>
           </a:xfrm>
           <a:prstGeom prst="rect">
             <a:avLst/>
@@ -5097,7 +5025,7 @@
               </a:defRPr>
             </a:pPr>
             <a:r>
-              <a:t>wenn zu instanziierende Klassen zur Laufzeit spezifiziert werden (dyn. Laden)</a:t>
+              <a:t>Spezifikation einer prototypischen Instanz</a:t>
             </a:r>
           </a:p>
           <a:p>
@@ -5117,69 +5045,20 @@
               </a:defRPr>
             </a:pPr>
             <a:r>
-              <a:t>Vermeidung von Fabriken, da sonst zu viele konkrete Klassen existieren</a:t>
-            </a:r>
-          </a:p>
-          <a:p>
-            <a:pPr marL="609600" indent="-609600" algn="l">
-              <a:lnSpc>
-                <a:spcPct val="90000"/>
-              </a:lnSpc>
-              <a:spcBef>
-                <a:spcPts val="4500"/>
-              </a:spcBef>
-              <a:buSzPct val="123000"/>
-              <a:buChar char="•"/>
-              <a:defRPr sz="4800">
-                <a:solidFill>
-                  <a:srgbClr val="000000"/>
-                </a:solidFill>
-              </a:defRPr>
-            </a:pPr>
-            <a:r>
-              <a:t>Instanzen weisen wenige Zustandskombinationen auf</a:t>
-            </a:r>
-          </a:p>
-        </p:txBody>
-      </p:sp>
-      <p:pic>
-        <p:nvPicPr>
-          <p:cNvPr id="213" name="Image" descr="Image"/>
-          <p:cNvPicPr>
-            <a:picLocks noChangeAspect="1"/>
-          </p:cNvPicPr>
+              <a:t>Erzeugung neuer Objekte durch Kopieren des Prototyps</a:t>
+            </a:r>
+          </a:p>
+        </p:txBody>
+      </p:sp>
+      <p:sp>
+        <p:nvSpPr>
+          <p:cNvPr id="211" name="Quelle: https://refactoring.guru/images/patterns/content/prototype/prototype-comic-3-en-2x.png"/>
+          <p:cNvSpPr txBox="1"/>
           <p:nvPr/>
-        </p:nvPicPr>
-        <p:blipFill>
-          <a:blip r:embed="rId2">
-            <a:extLst/>
-          </a:blip>
-          <a:stretch>
-            <a:fillRect/>
-          </a:stretch>
-        </p:blipFill>
-        <p:spPr>
-          <a:xfrm>
-            <a:off x="8750344" y="6783752"/>
-            <a:ext cx="6883312" cy="6011626"/>
-          </a:xfrm>
-          <a:prstGeom prst="rect">
-            <a:avLst/>
-          </a:prstGeom>
-          <a:ln w="12700">
-            <a:miter lim="400000"/>
-          </a:ln>
-        </p:spPr>
-      </p:pic>
-      <p:sp>
-        <p:nvSpPr>
-          <p:cNvPr id="214" name="Quelle: https://refactoring.guru/images/patterns/content/prototype/prototype-comic-2-en-2x.png"/>
-          <p:cNvSpPr txBox="1"/>
-          <p:nvPr/>
-        </p:nvSpPr>
-        <p:spPr>
-          <a:xfrm>
-            <a:off x="5532424" y="12817179"/>
+        </p:nvSpPr>
+        <p:spPr>
+          <a:xfrm>
+            <a:off x="5532424" y="12162218"/>
             <a:ext cx="13319152" cy="461367"/>
           </a:xfrm>
           <a:prstGeom prst="rect">
@@ -5206,16 +5085,45 @@
             </a:r>
             <a:r>
               <a:rPr u="sng">
-                <a:hlinkClick r:id="rId3" invalidUrl="" action="" tgtFrame="" tooltip="" history="1" highlightClick="0" endSnd="0"/>
+                <a:hlinkClick r:id="rId2" invalidUrl="" action="" tgtFrame="" tooltip="" history="1" highlightClick="0" endSnd="0"/>
               </a:rPr>
-              <a:t>https://refactoring.guru/images/patterns/content/prototype/prototype-comic-2-en-2x.png</a:t>
-            </a:r>
-          </a:p>
-        </p:txBody>
-      </p:sp>
-      <p:sp>
-        <p:nvSpPr>
-          <p:cNvPr id="215" name="Anwendbarkeit"/>
+              <a:t>https://refactoring.guru/images/patterns/content/prototype/prototype-comic-3-en-2x.png</a:t>
+            </a:r>
+          </a:p>
+        </p:txBody>
+      </p:sp>
+      <p:pic>
+        <p:nvPicPr>
+          <p:cNvPr id="212" name="Image" descr="Image"/>
+          <p:cNvPicPr>
+            <a:picLocks noChangeAspect="1"/>
+          </p:cNvPicPr>
+          <p:nvPr/>
+        </p:nvPicPr>
+        <p:blipFill>
+          <a:blip r:embed="rId3">
+            <a:extLst/>
+          </a:blip>
+          <a:stretch>
+            <a:fillRect/>
+          </a:stretch>
+        </p:blipFill>
+        <p:spPr>
+          <a:xfrm>
+            <a:off x="6601182" y="6577307"/>
+            <a:ext cx="11181636" cy="5590819"/>
+          </a:xfrm>
+          <a:prstGeom prst="rect">
+            <a:avLst/>
+          </a:prstGeom>
+          <a:ln w="12700">
+            <a:miter lim="400000"/>
+          </a:ln>
+        </p:spPr>
+      </p:pic>
+      <p:sp>
+        <p:nvSpPr>
+          <p:cNvPr id="213" name="Zweck"/>
           <p:cNvSpPr txBox="1"/>
           <p:nvPr>
             <p:ph type="title"/>
@@ -5223,8 +5131,8 @@
         </p:nvSpPr>
         <p:spPr>
           <a:xfrm>
-            <a:off x="1206500" y="1079500"/>
-            <a:ext cx="21971000" cy="1433163"/>
+            <a:off x="1206500" y="1080865"/>
+            <a:ext cx="21971000" cy="1433164"/>
           </a:xfrm>
           <a:prstGeom prst="rect">
             <a:avLst/>
@@ -5236,7 +5144,7 @@
           <a:p>
             <a:pPr/>
             <a:r>
-              <a:t>Anwendbarkeit</a:t>
+              <a:t>Zweck</a:t>
             </a:r>
           </a:p>
         </p:txBody>
@@ -5469,14 +5377,14 @@
       </p:grpSpPr>
       <p:sp>
         <p:nvSpPr>
-          <p:cNvPr id="217" name="Produktergänzung und -entfernung zur Laufzeit (mehr Flexibilität als and. EM)…"/>
+          <p:cNvPr id="215" name="wenn zu instanziierende Klassen zur Laufzeit spezifiziert werden (dyn. Laden)…"/>
           <p:cNvSpPr txBox="1"/>
           <p:nvPr/>
         </p:nvSpPr>
         <p:spPr>
           <a:xfrm>
-            <a:off x="1198314" y="2882645"/>
-            <a:ext cx="21987372" cy="5135800"/>
+            <a:off x="1198314" y="2899267"/>
+            <a:ext cx="21987372" cy="4482583"/>
           </a:xfrm>
           <a:prstGeom prst="rect">
             <a:avLst/>
@@ -5512,7 +5420,7 @@
               </a:defRPr>
             </a:pPr>
             <a:r>
-              <a:t>Produktergänzung und -entfernung zur Laufzeit (mehr Flexibilität als and. EM)</a:t>
+              <a:t>wenn zu instanziierende Klassen zur Laufzeit spezifiziert werden (dyn. Laden)</a:t>
             </a:r>
           </a:p>
           <a:p>
@@ -5532,7 +5440,7 @@
               </a:defRPr>
             </a:pPr>
             <a:r>
-              <a:t>Spezifikation neuer Objekte mittels Wertevariation (und dadurch Minderung konkreter Klassen)</a:t>
+              <a:t>Vermeidung von Fabriken, da sonst zu viele konkrete Klassen existieren</a:t>
             </a:r>
           </a:p>
           <a:p>
@@ -5552,42 +5460,14 @@
               </a:defRPr>
             </a:pPr>
             <a:r>
-              <a:t>Reduzierte Unterklassenbildung</a:t>
-            </a:r>
-          </a:p>
-        </p:txBody>
-      </p:sp>
-      <p:sp>
-        <p:nvSpPr>
-          <p:cNvPr id="218" name="Konsequenzen (Vor- und Nachteile)"/>
-          <p:cNvSpPr txBox="1"/>
-          <p:nvPr>
-            <p:ph type="title"/>
-          </p:nvPr>
-        </p:nvSpPr>
-        <p:spPr>
-          <a:xfrm>
-            <a:off x="1206500" y="1079500"/>
-            <a:ext cx="21971000" cy="1433163"/>
-          </a:xfrm>
-          <a:prstGeom prst="rect">
-            <a:avLst/>
-          </a:prstGeom>
-        </p:spPr>
-        <p:txBody>
-          <a:bodyPr/>
-          <a:lstStyle/>
-          <a:p>
-            <a:pPr/>
-            <a:r>
-              <a:t>Konsequenzen (Vor- und Nachteile)</a:t>
+              <a:t>Instanzen weisen wenige Zustandskombinationen auf</a:t>
             </a:r>
           </a:p>
         </p:txBody>
       </p:sp>
       <p:pic>
         <p:nvPicPr>
-          <p:cNvPr id="219" name="Screen Shot 2020-12-10 at 10.46.49.png" descr="Screen Shot 2020-12-10 at 10.46.49.png"/>
+          <p:cNvPr id="216" name="Image" descr="Image"/>
           <p:cNvPicPr>
             <a:picLocks noChangeAspect="1"/>
           </p:cNvPicPr>
@@ -5603,8 +5483,8 @@
         </p:blipFill>
         <p:spPr>
           <a:xfrm>
-            <a:off x="6525275" y="7272435"/>
-            <a:ext cx="11333450" cy="5631383"/>
+            <a:off x="8750344" y="6783752"/>
+            <a:ext cx="6883312" cy="6011626"/>
           </a:xfrm>
           <a:prstGeom prst="rect">
             <a:avLst/>
@@ -5616,13 +5496,13 @@
       </p:pic>
       <p:sp>
         <p:nvSpPr>
-          <p:cNvPr id="220" name="Quelle: https://refactoring.guru/images/patterns/content/prototype/prototype-comic-1-en-2x.png"/>
+          <p:cNvPr id="217" name="Quelle: https://refactoring.guru/images/patterns/content/prototype/prototype-comic-2-en-2x.png"/>
           <p:cNvSpPr txBox="1"/>
           <p:nvPr/>
         </p:nvSpPr>
         <p:spPr>
           <a:xfrm>
-            <a:off x="5532424" y="12893438"/>
+            <a:off x="5532424" y="12817179"/>
             <a:ext cx="13319152" cy="461367"/>
           </a:xfrm>
           <a:prstGeom prst="rect">
@@ -5651,7 +5531,35 @@
               <a:rPr u="sng">
                 <a:hlinkClick r:id="rId3" invalidUrl="" action="" tgtFrame="" tooltip="" history="1" highlightClick="0" endSnd="0"/>
               </a:rPr>
-              <a:t>https://refactoring.guru/images/patterns/content/prototype/prototype-comic-1-en-2x.png</a:t>
+              <a:t>https://refactoring.guru/images/patterns/content/prototype/prototype-comic-2-en-2x.png</a:t>
+            </a:r>
+          </a:p>
+        </p:txBody>
+      </p:sp>
+      <p:sp>
+        <p:nvSpPr>
+          <p:cNvPr id="218" name="Anwendbarkeit"/>
+          <p:cNvSpPr txBox="1"/>
+          <p:nvPr>
+            <p:ph type="title"/>
+          </p:nvPr>
+        </p:nvSpPr>
+        <p:spPr>
+          <a:xfrm>
+            <a:off x="1206500" y="1079500"/>
+            <a:ext cx="21971000" cy="1433163"/>
+          </a:xfrm>
+          <a:prstGeom prst="rect">
+            <a:avLst/>
+          </a:prstGeom>
+        </p:spPr>
+        <p:txBody>
+          <a:bodyPr/>
+          <a:lstStyle/>
+          <a:p>
+            <a:pPr/>
+            <a:r>
+              <a:t>Anwendbarkeit</a:t>
             </a:r>
           </a:p>
         </p:txBody>
@@ -5682,9 +5590,127 @@
           <a:chExt cx="0" cy="0"/>
         </a:xfrm>
       </p:grpSpPr>
+      <p:sp>
+        <p:nvSpPr>
+          <p:cNvPr id="220" name="Produktergänzung und -entfernung zur Laufzeit (mehr Flexibilität als and. EM)…"/>
+          <p:cNvSpPr txBox="1"/>
+          <p:nvPr/>
+        </p:nvSpPr>
+        <p:spPr>
+          <a:xfrm>
+            <a:off x="1198314" y="2882645"/>
+            <a:ext cx="21987372" cy="5135800"/>
+          </a:xfrm>
+          <a:prstGeom prst="rect">
+            <a:avLst/>
+          </a:prstGeom>
+          <a:ln w="12700">
+            <a:miter lim="400000"/>
+          </a:ln>
+          <a:extLst>
+            <a:ext uri="{C572A759-6A51-4108-AA02-DFA0A04FC94B}">
+              <ma14:wrappingTextBoxFlag xmlns:ma14="http://schemas.microsoft.com/office/mac/drawingml/2011/main" val="1"/>
+            </a:ext>
+          </a:extLst>
+        </p:spPr>
+        <p:txBody>
+          <a:bodyPr lIns="50800" tIns="50800" rIns="50800" bIns="50800" anchor="ctr">
+            <a:spAutoFit/>
+          </a:bodyPr>
+          <a:lstStyle/>
+          <a:p>
+            <a:pPr marL="609600" indent="-609600" algn="l">
+              <a:lnSpc>
+                <a:spcPct val="90000"/>
+              </a:lnSpc>
+              <a:spcBef>
+                <a:spcPts val="4500"/>
+              </a:spcBef>
+              <a:buSzPct val="123000"/>
+              <a:buChar char="•"/>
+              <a:defRPr sz="4800">
+                <a:solidFill>
+                  <a:srgbClr val="000000"/>
+                </a:solidFill>
+              </a:defRPr>
+            </a:pPr>
+            <a:r>
+              <a:t>Produktergänzung und -entfernung zur Laufzeit (mehr Flexibilität als and. EM)</a:t>
+            </a:r>
+          </a:p>
+          <a:p>
+            <a:pPr marL="609600" indent="-609600" algn="l">
+              <a:lnSpc>
+                <a:spcPct val="90000"/>
+              </a:lnSpc>
+              <a:spcBef>
+                <a:spcPts val="4500"/>
+              </a:spcBef>
+              <a:buSzPct val="123000"/>
+              <a:buChar char="•"/>
+              <a:defRPr sz="4800">
+                <a:solidFill>
+                  <a:srgbClr val="000000"/>
+                </a:solidFill>
+              </a:defRPr>
+            </a:pPr>
+            <a:r>
+              <a:t>Spezifikation neuer Objekte mittels Wertevariation (und dadurch Minderung konkreter Klassen)</a:t>
+            </a:r>
+          </a:p>
+          <a:p>
+            <a:pPr marL="609600" indent="-609600" algn="l">
+              <a:lnSpc>
+                <a:spcPct val="90000"/>
+              </a:lnSpc>
+              <a:spcBef>
+                <a:spcPts val="4500"/>
+              </a:spcBef>
+              <a:buSzPct val="123000"/>
+              <a:buChar char="•"/>
+              <a:defRPr sz="4800">
+                <a:solidFill>
+                  <a:srgbClr val="000000"/>
+                </a:solidFill>
+              </a:defRPr>
+            </a:pPr>
+            <a:r>
+              <a:t>Reduzierte Unterklassenbildung</a:t>
+            </a:r>
+          </a:p>
+        </p:txBody>
+      </p:sp>
+      <p:sp>
+        <p:nvSpPr>
+          <p:cNvPr id="221" name="Konsequenzen (Vor- und Nachteile)"/>
+          <p:cNvSpPr txBox="1"/>
+          <p:nvPr>
+            <p:ph type="title"/>
+          </p:nvPr>
+        </p:nvSpPr>
+        <p:spPr>
+          <a:xfrm>
+            <a:off x="1206500" y="1079500"/>
+            <a:ext cx="21971000" cy="1433163"/>
+          </a:xfrm>
+          <a:prstGeom prst="rect">
+            <a:avLst/>
+          </a:prstGeom>
+        </p:spPr>
+        <p:txBody>
+          <a:bodyPr/>
+          <a:lstStyle/>
+          <a:p>
+            <a:pPr/>
+            <a:r>
+              <a:t>Konsequenzen (Vor- und Nachteile)</a:t>
+            </a:r>
+          </a:p>
+        </p:txBody>
+      </p:sp>
       <p:pic>
         <p:nvPicPr>
-          <p:cNvPr id="222" name="03. Prototype.jpg" descr="03. Prototype.jpg"/>
+          <p:cNvPr id="222" name="Screen Shot 2020-12-10 at 10.46.49.png" descr="Screen Shot 2020-12-10 at 10.46.49.png"/>
           <p:cNvPicPr>
             <a:picLocks noChangeAspect="1"/>
           </p:cNvPicPr>
@@ -5700,8 +5726,8 @@
         </p:blipFill>
         <p:spPr>
           <a:xfrm>
-            <a:off x="4859119" y="4161549"/>
-            <a:ext cx="14665762" cy="5392902"/>
+            <a:off x="6525275" y="7272435"/>
+            <a:ext cx="11333450" cy="5631383"/>
           </a:xfrm>
           <a:prstGeom prst="rect">
             <a:avLst/>
@@ -5711,6 +5737,48 @@
           </a:ln>
         </p:spPr>
       </p:pic>
+      <p:sp>
+        <p:nvSpPr>
+          <p:cNvPr id="223" name="Quelle: https://refactoring.guru/images/patterns/content/prototype/prototype-comic-1-en-2x.png"/>
+          <p:cNvSpPr txBox="1"/>
+          <p:nvPr/>
+        </p:nvSpPr>
+        <p:spPr>
+          <a:xfrm>
+            <a:off x="5532424" y="12893438"/>
+            <a:ext cx="13319152" cy="461367"/>
+          </a:xfrm>
+          <a:prstGeom prst="rect">
+            <a:avLst/>
+          </a:prstGeom>
+          <a:ln w="12700">
+            <a:miter lim="400000"/>
+          </a:ln>
+          <a:extLst>
+            <a:ext uri="{C572A759-6A51-4108-AA02-DFA0A04FC94B}">
+              <ma14:wrappingTextBoxFlag xmlns:ma14="http://schemas.microsoft.com/office/mac/drawingml/2011/main" val="1"/>
+            </a:ext>
+          </a:extLst>
+        </p:spPr>
+        <p:txBody>
+          <a:bodyPr wrap="none" lIns="50800" tIns="50800" rIns="50800" bIns="50800" anchor="ctr">
+            <a:spAutoFit/>
+          </a:bodyPr>
+          <a:lstStyle/>
+          <a:p>
+            <a:pPr/>
+            <a:r>
+              <a:t>Quelle: </a:t>
+            </a:r>
+            <a:r>
+              <a:rPr u="sng">
+                <a:hlinkClick r:id="rId3" invalidUrl="" action="" tgtFrame="" tooltip="" history="1" highlightClick="0" endSnd="0"/>
+              </a:rPr>
+              <a:t>https://refactoring.guru/images/patterns/content/prototype/prototype-comic-1-en-2x.png</a:t>
+            </a:r>
+          </a:p>
+        </p:txBody>
+      </p:sp>
     </p:spTree>
   </p:cSld>
   <p:clrMapOvr>
@@ -5737,30 +5805,35 @@
           <a:chExt cx="0" cy="0"/>
         </a:xfrm>
       </p:grpSpPr>
-      <p:sp>
-        <p:nvSpPr>
-          <p:cNvPr id="224" name="Code-Beispiel"/>
-          <p:cNvSpPr txBox="1"/>
-          <p:nvPr>
-            <p:ph type="body" sz="half" idx="1"/>
-          </p:nvPr>
-        </p:nvSpPr>
-        <p:spPr>
-          <a:prstGeom prst="rect">
-            <a:avLst/>
-          </a:prstGeom>
-        </p:spPr>
-        <p:txBody>
-          <a:bodyPr/>
-          <a:lstStyle/>
-          <a:p>
-            <a:pPr/>
-            <a:r>
-              <a:t>Code-Beispiel</a:t>
-            </a:r>
-          </a:p>
-        </p:txBody>
-      </p:sp>
+      <p:pic>
+        <p:nvPicPr>
+          <p:cNvPr id="225" name="03. Prototype.jpg" descr="03. Prototype.jpg"/>
+          <p:cNvPicPr>
+            <a:picLocks noChangeAspect="1"/>
+          </p:cNvPicPr>
+          <p:nvPr/>
+        </p:nvPicPr>
+        <p:blipFill>
+          <a:blip r:embed="rId2">
+            <a:extLst/>
+          </a:blip>
+          <a:stretch>
+            <a:fillRect/>
+          </a:stretch>
+        </p:blipFill>
+        <p:spPr>
+          <a:xfrm>
+            <a:off x="4859119" y="4161549"/>
+            <a:ext cx="14665762" cy="5392902"/>
+          </a:xfrm>
+          <a:prstGeom prst="rect">
+            <a:avLst/>
+          </a:prstGeom>
+          <a:ln w="12700">
+            <a:miter lim="400000"/>
+          </a:ln>
+        </p:spPr>
+      </p:pic>
     </p:spTree>
   </p:cSld>
   <p:clrMapOvr>
@@ -5789,10 +5862,10 @@
       </p:grpSpPr>
       <p:sp>
         <p:nvSpPr>
-          <p:cNvPr id="226" name="Builder"/>
+          <p:cNvPr id="227" name="Code-Beispiel"/>
           <p:cNvSpPr txBox="1"/>
           <p:nvPr>
-            <p:ph type="title"/>
+            <p:ph type="body" sz="half" idx="1"/>
           </p:nvPr>
         </p:nvSpPr>
         <p:spPr>
@@ -5806,106 +5879,11 @@
           <a:p>
             <a:pPr/>
             <a:r>
-              <a:t>Builder</a:t>
-            </a:r>
-          </a:p>
-        </p:txBody>
-      </p:sp>
-      <p:sp>
-        <p:nvSpPr>
-          <p:cNvPr id="227" name="Erbauer"/>
-          <p:cNvSpPr txBox="1"/>
-          <p:nvPr>
-            <p:ph type="body" sz="quarter" idx="1"/>
-          </p:nvPr>
-        </p:nvSpPr>
-        <p:spPr>
-          <a:prstGeom prst="rect">
-            <a:avLst/>
-          </a:prstGeom>
-        </p:spPr>
-        <p:txBody>
-          <a:bodyPr/>
-          <a:lstStyle/>
-          <a:p>
-            <a:pPr/>
-            <a:r>
-              <a:t>Erbauer</a:t>
-            </a:r>
-          </a:p>
-        </p:txBody>
-      </p:sp>
-      <p:sp>
-        <p:nvSpPr>
-          <p:cNvPr id="228" name="Quelle: https://refactoring.guru/design-patterns/builder"/>
-          <p:cNvSpPr txBox="1"/>
-          <p:nvPr/>
-        </p:nvSpPr>
-        <p:spPr>
-          <a:xfrm>
-            <a:off x="11214235" y="12589777"/>
-            <a:ext cx="7582815" cy="461366"/>
-          </a:xfrm>
-          <a:prstGeom prst="rect">
-            <a:avLst/>
-          </a:prstGeom>
-          <a:ln w="12700">
-            <a:miter lim="400000"/>
-          </a:ln>
-          <a:extLst>
-            <a:ext uri="{C572A759-6A51-4108-AA02-DFA0A04FC94B}">
-              <ma14:wrappingTextBoxFlag xmlns:ma14="http://schemas.microsoft.com/office/mac/drawingml/2011/main" val="1"/>
-            </a:ext>
-          </a:extLst>
-        </p:spPr>
-        <p:txBody>
-          <a:bodyPr wrap="none" lIns="50800" tIns="50800" rIns="50800" bIns="50800" anchor="ctr">
-            <a:spAutoFit/>
-          </a:bodyPr>
-          <a:lstStyle/>
-          <a:p>
-            <a:pPr/>
-            <a:r>
-              <a:t>Quelle: </a:t>
-            </a:r>
-            <a:r>
-              <a:rPr u="sng">
-                <a:hlinkClick r:id="rId2" invalidUrl="" action="" tgtFrame="" tooltip="" history="1" highlightClick="0" endSnd="0"/>
-              </a:rPr>
-              <a:t>https://refactoring.guru/design-patterns/builder</a:t>
-            </a:r>
-          </a:p>
-        </p:txBody>
-      </p:sp>
-      <p:pic>
-        <p:nvPicPr>
-          <p:cNvPr id="229" name="Image" descr="Image"/>
-          <p:cNvPicPr>
-            <a:picLocks noChangeAspect="1"/>
-          </p:cNvPicPr>
-          <p:nvPr/>
-        </p:nvPicPr>
-        <p:blipFill>
-          <a:blip r:embed="rId3">
-            <a:extLst/>
-          </a:blip>
-          <a:stretch>
-            <a:fillRect/>
-          </a:stretch>
-        </p:blipFill>
-        <p:spPr>
-          <a:xfrm>
-            <a:off x="6523875" y="1556896"/>
-            <a:ext cx="16963533" cy="10602208"/>
-          </a:xfrm>
-          <a:prstGeom prst="rect">
-            <a:avLst/>
-          </a:prstGeom>
-          <a:ln w="12700">
-            <a:miter lim="400000"/>
-          </a:ln>
-        </p:spPr>
-      </p:pic>
+              <a:t>Code-Beispiel</a:t>
+            </a:r>
+          </a:p>
+        </p:txBody>
+      </p:sp>
     </p:spTree>
   </p:cSld>
   <p:clrMapOvr>
@@ -5934,10 +5912,10 @@
       </p:grpSpPr>
       <p:sp>
         <p:nvSpPr>
-          <p:cNvPr id="231" name="Demo"/>
+          <p:cNvPr id="229" name="Builder"/>
           <p:cNvSpPr txBox="1"/>
           <p:nvPr>
-            <p:ph type="body" sz="half" idx="1"/>
+            <p:ph type="title"/>
           </p:nvPr>
         </p:nvSpPr>
         <p:spPr>
@@ -5951,11 +5929,106 @@
           <a:p>
             <a:pPr/>
             <a:r>
-              <a:t>Demo</a:t>
-            </a:r>
-          </a:p>
-        </p:txBody>
-      </p:sp>
+              <a:t>Builder</a:t>
+            </a:r>
+          </a:p>
+        </p:txBody>
+      </p:sp>
+      <p:sp>
+        <p:nvSpPr>
+          <p:cNvPr id="230" name="Erbauer"/>
+          <p:cNvSpPr txBox="1"/>
+          <p:nvPr>
+            <p:ph type="body" sz="quarter" idx="1"/>
+          </p:nvPr>
+        </p:nvSpPr>
+        <p:spPr>
+          <a:prstGeom prst="rect">
+            <a:avLst/>
+          </a:prstGeom>
+        </p:spPr>
+        <p:txBody>
+          <a:bodyPr/>
+          <a:lstStyle/>
+          <a:p>
+            <a:pPr/>
+            <a:r>
+              <a:t>Erbauer</a:t>
+            </a:r>
+          </a:p>
+        </p:txBody>
+      </p:sp>
+      <p:sp>
+        <p:nvSpPr>
+          <p:cNvPr id="231" name="Quelle: https://refactoring.guru/design-patterns/builder"/>
+          <p:cNvSpPr txBox="1"/>
+          <p:nvPr/>
+        </p:nvSpPr>
+        <p:spPr>
+          <a:xfrm>
+            <a:off x="11214235" y="12589777"/>
+            <a:ext cx="7582815" cy="461366"/>
+          </a:xfrm>
+          <a:prstGeom prst="rect">
+            <a:avLst/>
+          </a:prstGeom>
+          <a:ln w="12700">
+            <a:miter lim="400000"/>
+          </a:ln>
+          <a:extLst>
+            <a:ext uri="{C572A759-6A51-4108-AA02-DFA0A04FC94B}">
+              <ma14:wrappingTextBoxFlag xmlns:ma14="http://schemas.microsoft.com/office/mac/drawingml/2011/main" val="1"/>
+            </a:ext>
+          </a:extLst>
+        </p:spPr>
+        <p:txBody>
+          <a:bodyPr wrap="none" lIns="50800" tIns="50800" rIns="50800" bIns="50800" anchor="ctr">
+            <a:spAutoFit/>
+          </a:bodyPr>
+          <a:lstStyle/>
+          <a:p>
+            <a:pPr/>
+            <a:r>
+              <a:t>Quelle: </a:t>
+            </a:r>
+            <a:r>
+              <a:rPr u="sng">
+                <a:hlinkClick r:id="rId2" invalidUrl="" action="" tgtFrame="" tooltip="" history="1" highlightClick="0" endSnd="0"/>
+              </a:rPr>
+              <a:t>https://refactoring.guru/design-patterns/builder</a:t>
+            </a:r>
+          </a:p>
+        </p:txBody>
+      </p:sp>
+      <p:pic>
+        <p:nvPicPr>
+          <p:cNvPr id="232" name="Image" descr="Image"/>
+          <p:cNvPicPr>
+            <a:picLocks noChangeAspect="1"/>
+          </p:cNvPicPr>
+          <p:nvPr/>
+        </p:nvPicPr>
+        <p:blipFill>
+          <a:blip r:embed="rId3">
+            <a:extLst/>
+          </a:blip>
+          <a:stretch>
+            <a:fillRect/>
+          </a:stretch>
+        </p:blipFill>
+        <p:spPr>
+          <a:xfrm>
+            <a:off x="6523875" y="1556896"/>
+            <a:ext cx="16963533" cy="10602208"/>
+          </a:xfrm>
+          <a:prstGeom prst="rect">
+            <a:avLst/>
+          </a:prstGeom>
+          <a:ln w="12700">
+            <a:miter lim="400000"/>
+          </a:ln>
+        </p:spPr>
+      </p:pic>
     </p:spTree>
   </p:cSld>
   <p:clrMapOvr>
@@ -5982,35 +6055,30 @@
           <a:chExt cx="0" cy="0"/>
         </a:xfrm>
       </p:grpSpPr>
-      <p:pic>
-        <p:nvPicPr>
-          <p:cNvPr id="233" name="04. Builder example.jpg" descr="04. Builder example.jpg"/>
-          <p:cNvPicPr>
-            <a:picLocks noChangeAspect="1"/>
-          </p:cNvPicPr>
-          <p:nvPr/>
-        </p:nvPicPr>
-        <p:blipFill>
-          <a:blip r:embed="rId2">
-            <a:extLst/>
-          </a:blip>
-          <a:stretch>
-            <a:fillRect/>
-          </a:stretch>
-        </p:blipFill>
-        <p:spPr>
-          <a:xfrm>
-            <a:off x="5280159" y="325514"/>
-            <a:ext cx="13823682" cy="13064972"/>
-          </a:xfrm>
-          <a:prstGeom prst="rect">
-            <a:avLst/>
-          </a:prstGeom>
-          <a:ln w="12700">
-            <a:miter lim="400000"/>
-          </a:ln>
-        </p:spPr>
-      </p:pic>
+      <p:sp>
+        <p:nvSpPr>
+          <p:cNvPr id="234" name="Demo"/>
+          <p:cNvSpPr txBox="1"/>
+          <p:nvPr>
+            <p:ph type="body" sz="half" idx="1"/>
+          </p:nvPr>
+        </p:nvSpPr>
+        <p:spPr>
+          <a:prstGeom prst="rect">
+            <a:avLst/>
+          </a:prstGeom>
+        </p:spPr>
+        <p:txBody>
+          <a:bodyPr/>
+          <a:lstStyle/>
+          <a:p>
+            <a:pPr/>
+            <a:r>
+              <a:t>Demo</a:t>
+            </a:r>
+          </a:p>
+        </p:txBody>
+      </p:sp>
     </p:spTree>
   </p:cSld>
   <p:clrMapOvr>
@@ -6037,79 +6105,9 @@
           <a:chExt cx="0" cy="0"/>
         </a:xfrm>
       </p:grpSpPr>
-      <p:sp>
-        <p:nvSpPr>
-          <p:cNvPr id="235" name="Erstellung komplexer Objekte nach Bauplan…"/>
-          <p:cNvSpPr txBox="1"/>
-          <p:nvPr/>
-        </p:nvSpPr>
-        <p:spPr>
-          <a:xfrm>
-            <a:off x="1198314" y="2861273"/>
-            <a:ext cx="21987372" cy="3911083"/>
-          </a:xfrm>
-          <a:prstGeom prst="rect">
-            <a:avLst/>
-          </a:prstGeom>
-          <a:ln w="12700">
-            <a:miter lim="400000"/>
-          </a:ln>
-          <a:extLst>
-            <a:ext uri="{C572A759-6A51-4108-AA02-DFA0A04FC94B}">
-              <ma14:wrappingTextBoxFlag xmlns:ma14="http://schemas.microsoft.com/office/mac/drawingml/2011/main" val="1"/>
-            </a:ext>
-          </a:extLst>
-        </p:spPr>
-        <p:txBody>
-          <a:bodyPr lIns="50800" tIns="50800" rIns="50800" bIns="50800" anchor="ctr">
-            <a:spAutoFit/>
-          </a:bodyPr>
-          <a:lstStyle/>
-          <a:p>
-            <a:pPr marL="609600" indent="-609600" algn="l">
-              <a:lnSpc>
-                <a:spcPct val="90000"/>
-              </a:lnSpc>
-              <a:spcBef>
-                <a:spcPts val="4500"/>
-              </a:spcBef>
-              <a:buSzPct val="123000"/>
-              <a:buChar char="•"/>
-              <a:defRPr sz="4800">
-                <a:solidFill>
-                  <a:srgbClr val="000000"/>
-                </a:solidFill>
-              </a:defRPr>
-            </a:pPr>
-            <a:r>
-              <a:t>Erstellung komplexer Objekte nach Bauplan</a:t>
-            </a:r>
-          </a:p>
-          <a:p>
-            <a:pPr marL="609600" indent="-609600" algn="l">
-              <a:lnSpc>
-                <a:spcPct val="90000"/>
-              </a:lnSpc>
-              <a:spcBef>
-                <a:spcPts val="4500"/>
-              </a:spcBef>
-              <a:buSzPct val="123000"/>
-              <a:buChar char="•"/>
-              <a:defRPr sz="4800">
-                <a:solidFill>
-                  <a:srgbClr val="000000"/>
-                </a:solidFill>
-              </a:defRPr>
-            </a:pPr>
-            <a:r>
-              <a:t>Getrennte Handhabung von Erzeugung- und Darstellungsmechanismen in einem einzigen Erzeugungsprozess</a:t>
-            </a:r>
-          </a:p>
-        </p:txBody>
-      </p:sp>
       <p:pic>
         <p:nvPicPr>
-          <p:cNvPr id="236" name="Image" descr="Image"/>
+          <p:cNvPr id="236" name="04. Builder example.jpg" descr="04. Builder example.jpg"/>
           <p:cNvPicPr>
             <a:picLocks noChangeAspect="1"/>
           </p:cNvPicPr>
@@ -6125,8 +6123,8 @@
         </p:blipFill>
         <p:spPr>
           <a:xfrm>
-            <a:off x="10564386" y="5581933"/>
-            <a:ext cx="11502460" cy="6709768"/>
+            <a:off x="5280159" y="325514"/>
+            <a:ext cx="13823682" cy="13064972"/>
           </a:xfrm>
           <a:prstGeom prst="rect">
             <a:avLst/>
@@ -6136,76 +6134,6 @@
           </a:ln>
         </p:spPr>
       </p:pic>
-      <p:sp>
-        <p:nvSpPr>
-          <p:cNvPr id="237" name="Quelle: https://refactoring.guru/design-patterns/builder"/>
-          <p:cNvSpPr txBox="1"/>
-          <p:nvPr/>
-        </p:nvSpPr>
-        <p:spPr>
-          <a:xfrm>
-            <a:off x="12524209" y="12542624"/>
-            <a:ext cx="7582815" cy="461366"/>
-          </a:xfrm>
-          <a:prstGeom prst="rect">
-            <a:avLst/>
-          </a:prstGeom>
-          <a:ln w="12700">
-            <a:miter lim="400000"/>
-          </a:ln>
-          <a:extLst>
-            <a:ext uri="{C572A759-6A51-4108-AA02-DFA0A04FC94B}">
-              <ma14:wrappingTextBoxFlag xmlns:ma14="http://schemas.microsoft.com/office/mac/drawingml/2011/main" val="1"/>
-            </a:ext>
-          </a:extLst>
-        </p:spPr>
-        <p:txBody>
-          <a:bodyPr wrap="none" lIns="50800" tIns="50800" rIns="50800" bIns="50800" anchor="ctr">
-            <a:spAutoFit/>
-          </a:bodyPr>
-          <a:lstStyle/>
-          <a:p>
-            <a:pPr/>
-            <a:r>
-              <a:t>Quelle: </a:t>
-            </a:r>
-            <a:r>
-              <a:rPr u="sng">
-                <a:hlinkClick r:id="rId3" invalidUrl="" action="" tgtFrame="" tooltip="" history="1" highlightClick="0" endSnd="0"/>
-              </a:rPr>
-              <a:t>https://refactoring.guru/design-patterns/builder</a:t>
-            </a:r>
-          </a:p>
-        </p:txBody>
-      </p:sp>
-      <p:sp>
-        <p:nvSpPr>
-          <p:cNvPr id="238" name="Zweck"/>
-          <p:cNvSpPr txBox="1"/>
-          <p:nvPr>
-            <p:ph type="title"/>
-          </p:nvPr>
-        </p:nvSpPr>
-        <p:spPr>
-          <a:xfrm>
-            <a:off x="1206500" y="1079500"/>
-            <a:ext cx="21971000" cy="1433163"/>
-          </a:xfrm>
-          <a:prstGeom prst="rect">
-            <a:avLst/>
-          </a:prstGeom>
-        </p:spPr>
-        <p:txBody>
-          <a:bodyPr/>
-          <a:lstStyle/>
-          <a:p>
-            <a:pPr/>
-            <a:r>
-              <a:t>Zweck</a:t>
-            </a:r>
-          </a:p>
-        </p:txBody>
-      </p:sp>
     </p:spTree>
   </p:cSld>
   <p:clrMapOvr>
@@ -6234,13 +6162,13 @@
       </p:grpSpPr>
       <p:sp>
         <p:nvSpPr>
-          <p:cNvPr id="240" name="Gewährleistung der Unabhängigkeit zur Erzeugung komplexer Objekte von deren Bestandteilen und Komposition…"/>
+          <p:cNvPr id="238" name="Erstellung komplexer Objekte nach Bauplan…"/>
           <p:cNvSpPr txBox="1"/>
           <p:nvPr/>
         </p:nvSpPr>
         <p:spPr>
           <a:xfrm>
-            <a:off x="1198314" y="2879885"/>
+            <a:off x="1198314" y="2861273"/>
             <a:ext cx="21987372" cy="3911083"/>
           </a:xfrm>
           <a:prstGeom prst="rect">
@@ -6277,7 +6205,7 @@
               </a:defRPr>
             </a:pPr>
             <a:r>
-              <a:t>Gewährleistung der Unabhängigkeit zur Erzeugung komplexer Objekte von deren Bestandteilen und Komposition</a:t>
+              <a:t>Erstellung komplexer Objekte nach Bauplan</a:t>
             </a:r>
           </a:p>
           <a:p>
@@ -6297,62 +6225,14 @@
               </a:defRPr>
             </a:pPr>
             <a:r>
-              <a:t>Zulassen von verschiedenen Darstellungsformen des zu genierenden Objekts</a:t>
-            </a:r>
-          </a:p>
-          <a:p>
-            <a:pPr marL="609600" indent="-609600" algn="l">
-              <a:lnSpc>
-                <a:spcPct val="90000"/>
-              </a:lnSpc>
-              <a:spcBef>
-                <a:spcPts val="4500"/>
-              </a:spcBef>
-              <a:buSzPct val="123000"/>
-              <a:buChar char="•"/>
-              <a:defRPr sz="4800">
-                <a:solidFill>
-                  <a:srgbClr val="000000"/>
-                </a:solidFill>
-              </a:defRPr>
-            </a:pPr>
-            <a:r>
-              <a:t>SQL-Builder ist gängiges Beispiel</a:t>
-            </a:r>
-          </a:p>
-        </p:txBody>
-      </p:sp>
-      <p:sp>
-        <p:nvSpPr>
-          <p:cNvPr id="241" name="Anwendbarkeit"/>
-          <p:cNvSpPr txBox="1"/>
-          <p:nvPr>
-            <p:ph type="title"/>
-          </p:nvPr>
-        </p:nvSpPr>
-        <p:spPr>
-          <a:xfrm>
-            <a:off x="1206500" y="1079500"/>
-            <a:ext cx="21971000" cy="1433163"/>
-          </a:xfrm>
-          <a:prstGeom prst="rect">
-            <a:avLst/>
-          </a:prstGeom>
-        </p:spPr>
-        <p:txBody>
-          <a:bodyPr/>
-          <a:lstStyle/>
-          <a:p>
-            <a:pPr/>
-            <a:r>
-              <a:t>Anwendbarkeit</a:t>
+              <a:t>Getrennte Handhabung von Erzeugung- und Darstellungsmechanismen in einem einzigen Erzeugungsprozess</a:t>
             </a:r>
           </a:p>
         </p:txBody>
       </p:sp>
       <p:pic>
         <p:nvPicPr>
-          <p:cNvPr id="242" name="Screen Shot 2020-12-10 at 10.49.35.png" descr="Screen Shot 2020-12-10 at 10.49.35.png"/>
+          <p:cNvPr id="239" name="Image" descr="Image"/>
           <p:cNvPicPr>
             <a:picLocks noChangeAspect="1"/>
           </p:cNvPicPr>
@@ -6368,8 +6248,8 @@
         </p:blipFill>
         <p:spPr>
           <a:xfrm>
-            <a:off x="11807852" y="5971154"/>
-            <a:ext cx="11777461" cy="6661999"/>
+            <a:off x="10564386" y="5581933"/>
+            <a:ext cx="11502460" cy="6709768"/>
           </a:xfrm>
           <a:prstGeom prst="rect">
             <a:avLst/>
@@ -6381,14 +6261,14 @@
       </p:pic>
       <p:sp>
         <p:nvSpPr>
-          <p:cNvPr id="243" name="Quelle: https://refactoring.guru/images/patterns/diagrams/builder/problem2-2x.png"/>
+          <p:cNvPr id="240" name="Quelle: https://refactoring.guru/design-patterns/builder"/>
           <p:cNvSpPr txBox="1"/>
           <p:nvPr/>
         </p:nvSpPr>
         <p:spPr>
           <a:xfrm>
-            <a:off x="11968627" y="12780023"/>
-            <a:ext cx="11455909" cy="461367"/>
+            <a:off x="12524209" y="12542624"/>
+            <a:ext cx="7582815" cy="461366"/>
           </a:xfrm>
           <a:prstGeom prst="rect">
             <a:avLst/>
@@ -6416,7 +6296,35 @@
               <a:rPr u="sng">
                 <a:hlinkClick r:id="rId3" invalidUrl="" action="" tgtFrame="" tooltip="" history="1" highlightClick="0" endSnd="0"/>
               </a:rPr>
-              <a:t>https://refactoring.guru/images/patterns/diagrams/builder/problem2-2x.png</a:t>
+              <a:t>https://refactoring.guru/design-patterns/builder</a:t>
+            </a:r>
+          </a:p>
+        </p:txBody>
+      </p:sp>
+      <p:sp>
+        <p:nvSpPr>
+          <p:cNvPr id="241" name="Zweck"/>
+          <p:cNvSpPr txBox="1"/>
+          <p:nvPr>
+            <p:ph type="title"/>
+          </p:nvPr>
+        </p:nvSpPr>
+        <p:spPr>
+          <a:xfrm>
+            <a:off x="1206500" y="1079500"/>
+            <a:ext cx="21971000" cy="1433163"/>
+          </a:xfrm>
+          <a:prstGeom prst="rect">
+            <a:avLst/>
+          </a:prstGeom>
+        </p:spPr>
+        <p:txBody>
+          <a:bodyPr/>
+          <a:lstStyle/>
+          <a:p>
+            <a:pPr/>
+            <a:r>
+              <a:t>Zweck</a:t>
             </a:r>
           </a:p>
         </p:txBody>
@@ -6449,38 +6357,14 @@
       </p:grpSpPr>
       <p:sp>
         <p:nvSpPr>
-          <p:cNvPr id="245" name="Konsequenzen (Vor- und Nachteile)"/>
-          <p:cNvSpPr txBox="1"/>
-          <p:nvPr>
-            <p:ph type="title" idx="4294967295"/>
-          </p:nvPr>
-        </p:nvSpPr>
-        <p:spPr>
-          <a:prstGeom prst="rect">
-            <a:avLst/>
-          </a:prstGeom>
-        </p:spPr>
-        <p:txBody>
-          <a:bodyPr/>
-          <a:lstStyle/>
-          <a:p>
-            <a:pPr/>
-            <a:r>
-              <a:t>Konsequenzen (Vor- und Nachteile)</a:t>
-            </a:r>
-          </a:p>
-        </p:txBody>
-      </p:sp>
-      <p:sp>
-        <p:nvSpPr>
-          <p:cNvPr id="246" name="Variable interne Darstellung eines Produktes…"/>
+          <p:cNvPr id="243" name="Gewährleistung der Unabhängigkeit zur Erzeugung komplexer Objekte von deren Bestandteilen und Komposition…"/>
           <p:cNvSpPr txBox="1"/>
           <p:nvPr/>
         </p:nvSpPr>
         <p:spPr>
           <a:xfrm>
-            <a:off x="1198314" y="2876813"/>
-            <a:ext cx="21987372" cy="5135799"/>
+            <a:off x="1198314" y="2879885"/>
+            <a:ext cx="21987372" cy="3911083"/>
           </a:xfrm>
           <a:prstGeom prst="rect">
             <a:avLst/>
@@ -6516,7 +6400,7 @@
               </a:defRPr>
             </a:pPr>
             <a:r>
-              <a:t>Variable interne Darstellung eines Produktes</a:t>
+              <a:t>Gewährleistung der Unabhängigkeit zur Erzeugung komplexer Objekte von deren Bestandteilen und Komposition</a:t>
             </a:r>
           </a:p>
           <a:p>
@@ -6536,7 +6420,7 @@
               </a:defRPr>
             </a:pPr>
             <a:r>
-              <a:t>Isolierung des Code in Bezug auf Erzeugung und Darstellung</a:t>
+              <a:t>Zulassen von verschiedenen Darstellungsformen des zu genierenden Objekts</a:t>
             </a:r>
           </a:p>
           <a:p>
@@ -6556,14 +6440,42 @@
               </a:defRPr>
             </a:pPr>
             <a:r>
-              <a:t>Überwachung des Erzeugungsprozesses (Kontrolle durch Director - Abruf erst wenn Objekt erzeugt wurde)</a:t>
+              <a:t>SQL-Builder ist gängiges Beispiel</a:t>
+            </a:r>
+          </a:p>
+        </p:txBody>
+      </p:sp>
+      <p:sp>
+        <p:nvSpPr>
+          <p:cNvPr id="244" name="Anwendbarkeit"/>
+          <p:cNvSpPr txBox="1"/>
+          <p:nvPr>
+            <p:ph type="title"/>
+          </p:nvPr>
+        </p:nvSpPr>
+        <p:spPr>
+          <a:xfrm>
+            <a:off x="1206500" y="1079500"/>
+            <a:ext cx="21971000" cy="1433163"/>
+          </a:xfrm>
+          <a:prstGeom prst="rect">
+            <a:avLst/>
+          </a:prstGeom>
+        </p:spPr>
+        <p:txBody>
+          <a:bodyPr/>
+          <a:lstStyle/>
+          <a:p>
+            <a:pPr/>
+            <a:r>
+              <a:t>Anwendbarkeit</a:t>
             </a:r>
           </a:p>
         </p:txBody>
       </p:sp>
       <p:pic>
         <p:nvPicPr>
-          <p:cNvPr id="247" name="Screen Shot 2020-12-10 at 10.49.54.png" descr="Screen Shot 2020-12-10 at 10.49.54.png"/>
+          <p:cNvPr id="245" name="Screen Shot 2020-12-10 at 10.49.35.png" descr="Screen Shot 2020-12-10 at 10.49.35.png"/>
           <p:cNvPicPr>
             <a:picLocks noChangeAspect="1"/>
           </p:cNvPicPr>
@@ -6579,8 +6491,8 @@
         </p:blipFill>
         <p:spPr>
           <a:xfrm>
-            <a:off x="7462682" y="6868928"/>
-            <a:ext cx="9458635" cy="6438709"/>
+            <a:off x="11807852" y="5971154"/>
+            <a:ext cx="11777461" cy="6661999"/>
           </a:xfrm>
           <a:prstGeom prst="rect">
             <a:avLst/>
@@ -6592,14 +6504,14 @@
       </p:pic>
       <p:sp>
         <p:nvSpPr>
-          <p:cNvPr id="248" name="Quelle: https://refactoring.guru/images/patterns/diagrams/builder/solution1-2x.png"/>
+          <p:cNvPr id="246" name="Quelle: https://refactoring.guru/images/patterns/diagrams/builder/problem2-2x.png"/>
           <p:cNvSpPr txBox="1"/>
           <p:nvPr/>
         </p:nvSpPr>
         <p:spPr>
           <a:xfrm>
-            <a:off x="6489649" y="13006851"/>
-            <a:ext cx="11404703" cy="461367"/>
+            <a:off x="11968627" y="12780023"/>
+            <a:ext cx="11455909" cy="461367"/>
           </a:xfrm>
           <a:prstGeom prst="rect">
             <a:avLst/>
@@ -6627,7 +6539,7 @@
               <a:rPr u="sng">
                 <a:hlinkClick r:id="rId3" invalidUrl="" action="" tgtFrame="" tooltip="" history="1" highlightClick="0" endSnd="0"/>
               </a:rPr>
-              <a:t>https://refactoring.guru/images/patterns/diagrams/builder/solution1-2x.png</a:t>
+              <a:t>https://refactoring.guru/images/patterns/diagrams/builder/problem2-2x.png</a:t>
             </a:r>
           </a:p>
         </p:txBody>
@@ -6660,14 +6572,38 @@
       </p:grpSpPr>
       <p:sp>
         <p:nvSpPr>
-          <p:cNvPr id="250" name="Produkte benötigen keine abstrakte Klasse, da erzeugten Klassen die starke Varianz aufweisen"/>
+          <p:cNvPr id="248" name="Konsequenzen (Vor- und Nachteile)"/>
+          <p:cNvSpPr txBox="1"/>
+          <p:nvPr>
+            <p:ph type="title" idx="4294967295"/>
+          </p:nvPr>
+        </p:nvSpPr>
+        <p:spPr>
+          <a:prstGeom prst="rect">
+            <a:avLst/>
+          </a:prstGeom>
+        </p:spPr>
+        <p:txBody>
+          <a:bodyPr/>
+          <a:lstStyle/>
+          <a:p>
+            <a:pPr/>
+            <a:r>
+              <a:t>Konsequenzen (Vor- und Nachteile)</a:t>
+            </a:r>
+          </a:p>
+        </p:txBody>
+      </p:sp>
+      <p:sp>
+        <p:nvSpPr>
+          <p:cNvPr id="249" name="Variable interne Darstellung eines Produktes…"/>
           <p:cNvSpPr txBox="1"/>
           <p:nvPr/>
         </p:nvSpPr>
         <p:spPr>
           <a:xfrm>
-            <a:off x="1198314" y="2848359"/>
-            <a:ext cx="21987372" cy="1461649"/>
+            <a:off x="1198314" y="2876813"/>
+            <a:ext cx="21987372" cy="5135799"/>
           </a:xfrm>
           <a:prstGeom prst="rect">
             <a:avLst/>
@@ -6685,8 +6621,9 @@
           <a:bodyPr lIns="50800" tIns="50800" rIns="50800" bIns="50800" anchor="ctr">
             <a:spAutoFit/>
           </a:bodyPr>
-          <a:lstStyle>
-            <a:lvl1pPr marL="609600" indent="-609600" algn="l">
+          <a:lstStyle/>
+          <a:p>
+            <a:pPr marL="609600" indent="-609600" algn="l">
               <a:lnSpc>
                 <a:spcPct val="90000"/>
               </a:lnSpc>
@@ -6700,19 +6637,56 @@
                   <a:srgbClr val="000000"/>
                 </a:solidFill>
               </a:defRPr>
-            </a:lvl1pPr>
-          </a:lstStyle>
-          <a:p>
-            <a:pPr/>
-            <a:r>
-              <a:t>Produkte benötigen keine abstrakte Klasse, da erzeugten Klassen die starke Varianz aufweisen</a:t>
+            </a:pPr>
+            <a:r>
+              <a:t>Variable interne Darstellung eines Produktes</a:t>
+            </a:r>
+          </a:p>
+          <a:p>
+            <a:pPr marL="609600" indent="-609600" algn="l">
+              <a:lnSpc>
+                <a:spcPct val="90000"/>
+              </a:lnSpc>
+              <a:spcBef>
+                <a:spcPts val="4500"/>
+              </a:spcBef>
+              <a:buSzPct val="123000"/>
+              <a:buChar char="•"/>
+              <a:defRPr sz="4800">
+                <a:solidFill>
+                  <a:srgbClr val="000000"/>
+                </a:solidFill>
+              </a:defRPr>
+            </a:pPr>
+            <a:r>
+              <a:t>Isolierung des Code in Bezug auf Erzeugung und Darstellung</a:t>
+            </a:r>
+          </a:p>
+          <a:p>
+            <a:pPr marL="609600" indent="-609600" algn="l">
+              <a:lnSpc>
+                <a:spcPct val="90000"/>
+              </a:lnSpc>
+              <a:spcBef>
+                <a:spcPts val="4500"/>
+              </a:spcBef>
+              <a:buSzPct val="123000"/>
+              <a:buChar char="•"/>
+              <a:defRPr sz="4800">
+                <a:solidFill>
+                  <a:srgbClr val="000000"/>
+                </a:solidFill>
+              </a:defRPr>
+            </a:pPr>
+            <a:r>
+              <a:t>Überwachung des Erzeugungsprozesses (Kontrolle durch Director - Abruf erst wenn Objekt erzeugt wurde)</a:t>
             </a:r>
           </a:p>
         </p:txBody>
       </p:sp>
       <p:pic>
         <p:nvPicPr>
-          <p:cNvPr id="251" name="Image" descr="Image"/>
+          <p:cNvPr id="250" name="Screen Shot 2020-12-10 at 10.49.54.png" descr="Screen Shot 2020-12-10 at 10.49.54.png"/>
           <p:cNvPicPr>
             <a:picLocks noChangeAspect="1"/>
           </p:cNvPicPr>
@@ -6728,8 +6702,8 @@
         </p:blipFill>
         <p:spPr>
           <a:xfrm>
-            <a:off x="4572000" y="5127712"/>
-            <a:ext cx="15240000" cy="7620001"/>
+            <a:off x="7462682" y="6868928"/>
+            <a:ext cx="9458635" cy="6438709"/>
           </a:xfrm>
           <a:prstGeom prst="rect">
             <a:avLst/>
@@ -6741,14 +6715,14 @@
       </p:pic>
       <p:sp>
         <p:nvSpPr>
-          <p:cNvPr id="252" name="Quelle: https://refactoring.guru/images/patterns/content/builder/builder-comic-1-en-2x.png"/>
+          <p:cNvPr id="251" name="Quelle: https://refactoring.guru/images/patterns/diagrams/builder/solution1-2x.png"/>
           <p:cNvSpPr txBox="1"/>
           <p:nvPr/>
         </p:nvSpPr>
         <p:spPr>
           <a:xfrm>
-            <a:off x="5924854" y="12891137"/>
-            <a:ext cx="12534292" cy="461367"/>
+            <a:off x="6489649" y="13006851"/>
+            <a:ext cx="11404703" cy="461367"/>
           </a:xfrm>
           <a:prstGeom prst="rect">
             <a:avLst/>
@@ -6776,35 +6750,7 @@
               <a:rPr u="sng">
                 <a:hlinkClick r:id="rId3" invalidUrl="" action="" tgtFrame="" tooltip="" history="1" highlightClick="0" endSnd="0"/>
               </a:rPr>
-              <a:t>https://refactoring.guru/images/patterns/content/builder/builder-comic-1-en-2x.png</a:t>
-            </a:r>
-          </a:p>
-        </p:txBody>
-      </p:sp>
-      <p:sp>
-        <p:nvSpPr>
-          <p:cNvPr id="253" name="Erweiterbarkeit"/>
-          <p:cNvSpPr txBox="1"/>
-          <p:nvPr>
-            <p:ph type="title"/>
-          </p:nvPr>
-        </p:nvSpPr>
-        <p:spPr>
-          <a:xfrm>
-            <a:off x="1206500" y="1079500"/>
-            <a:ext cx="21971000" cy="1433163"/>
-          </a:xfrm>
-          <a:prstGeom prst="rect">
-            <a:avLst/>
-          </a:prstGeom>
-        </p:spPr>
-        <p:txBody>
-          <a:bodyPr/>
-          <a:lstStyle/>
-          <a:p>
-            <a:pPr/>
-            <a:r>
-              <a:t>Erweiterbarkeit</a:t>
+              <a:t>https://refactoring.guru/images/patterns/diagrams/builder/solution1-2x.png</a:t>
             </a:r>
           </a:p>
         </p:txBody>
@@ -6932,9 +6878,61 @@
           <a:chExt cx="0" cy="0"/>
         </a:xfrm>
       </p:grpSpPr>
+      <p:sp>
+        <p:nvSpPr>
+          <p:cNvPr id="253" name="Produkte benötigen keine abstrakte Klasse, da erzeugten Klassen die starke Varianz aufweisen"/>
+          <p:cNvSpPr txBox="1"/>
+          <p:nvPr/>
+        </p:nvSpPr>
+        <p:spPr>
+          <a:xfrm>
+            <a:off x="1198314" y="2848359"/>
+            <a:ext cx="21987372" cy="1461649"/>
+          </a:xfrm>
+          <a:prstGeom prst="rect">
+            <a:avLst/>
+          </a:prstGeom>
+          <a:ln w="12700">
+            <a:miter lim="400000"/>
+          </a:ln>
+          <a:extLst>
+            <a:ext uri="{C572A759-6A51-4108-AA02-DFA0A04FC94B}">
+              <ma14:wrappingTextBoxFlag xmlns:ma14="http://schemas.microsoft.com/office/mac/drawingml/2011/main" val="1"/>
+            </a:ext>
+          </a:extLst>
+        </p:spPr>
+        <p:txBody>
+          <a:bodyPr lIns="50800" tIns="50800" rIns="50800" bIns="50800" anchor="ctr">
+            <a:spAutoFit/>
+          </a:bodyPr>
+          <a:lstStyle>
+            <a:lvl1pPr marL="609600" indent="-609600" algn="l">
+              <a:lnSpc>
+                <a:spcPct val="90000"/>
+              </a:lnSpc>
+              <a:spcBef>
+                <a:spcPts val="4500"/>
+              </a:spcBef>
+              <a:buSzPct val="123000"/>
+              <a:buChar char="•"/>
+              <a:defRPr sz="4800">
+                <a:solidFill>
+                  <a:srgbClr val="000000"/>
+                </a:solidFill>
+              </a:defRPr>
+            </a:lvl1pPr>
+          </a:lstStyle>
+          <a:p>
+            <a:pPr/>
+            <a:r>
+              <a:t>Produkte benötigen keine abstrakte Klasse, da erzeugten Klassen die starke Varianz aufweisen</a:t>
+            </a:r>
+          </a:p>
+        </p:txBody>
+      </p:sp>
       <p:pic>
         <p:nvPicPr>
-          <p:cNvPr id="255" name="04. Builder.jpg" descr="04. Builder.jpg"/>
+          <p:cNvPr id="254" name="Image" descr="Image"/>
           <p:cNvPicPr>
             <a:picLocks noChangeAspect="1"/>
           </p:cNvPicPr>
@@ -6950,8 +6948,8 @@
         </p:blipFill>
         <p:spPr>
           <a:xfrm>
-            <a:off x="3871504" y="1810317"/>
-            <a:ext cx="16640992" cy="10095366"/>
+            <a:off x="4572000" y="5127712"/>
+            <a:ext cx="15240000" cy="7620001"/>
           </a:xfrm>
           <a:prstGeom prst="rect">
             <a:avLst/>
@@ -6961,6 +6959,76 @@
           </a:ln>
         </p:spPr>
       </p:pic>
+      <p:sp>
+        <p:nvSpPr>
+          <p:cNvPr id="255" name="Quelle: https://refactoring.guru/images/patterns/content/builder/builder-comic-1-en-2x.png"/>
+          <p:cNvSpPr txBox="1"/>
+          <p:nvPr/>
+        </p:nvSpPr>
+        <p:spPr>
+          <a:xfrm>
+            <a:off x="5924854" y="12891137"/>
+            <a:ext cx="12534292" cy="461367"/>
+          </a:xfrm>
+          <a:prstGeom prst="rect">
+            <a:avLst/>
+          </a:prstGeom>
+          <a:ln w="12700">
+            <a:miter lim="400000"/>
+          </a:ln>
+          <a:extLst>
+            <a:ext uri="{C572A759-6A51-4108-AA02-DFA0A04FC94B}">
+              <ma14:wrappingTextBoxFlag xmlns:ma14="http://schemas.microsoft.com/office/mac/drawingml/2011/main" val="1"/>
+            </a:ext>
+          </a:extLst>
+        </p:spPr>
+        <p:txBody>
+          <a:bodyPr wrap="none" lIns="50800" tIns="50800" rIns="50800" bIns="50800" anchor="ctr">
+            <a:spAutoFit/>
+          </a:bodyPr>
+          <a:lstStyle/>
+          <a:p>
+            <a:pPr/>
+            <a:r>
+              <a:t>Quelle: </a:t>
+            </a:r>
+            <a:r>
+              <a:rPr u="sng">
+                <a:hlinkClick r:id="rId3" invalidUrl="" action="" tgtFrame="" tooltip="" history="1" highlightClick="0" endSnd="0"/>
+              </a:rPr>
+              <a:t>https://refactoring.guru/images/patterns/content/builder/builder-comic-1-en-2x.png</a:t>
+            </a:r>
+          </a:p>
+        </p:txBody>
+      </p:sp>
+      <p:sp>
+        <p:nvSpPr>
+          <p:cNvPr id="256" name="Erweiterbarkeit"/>
+          <p:cNvSpPr txBox="1"/>
+          <p:nvPr>
+            <p:ph type="title"/>
+          </p:nvPr>
+        </p:nvSpPr>
+        <p:spPr>
+          <a:xfrm>
+            <a:off x="1206500" y="1079500"/>
+            <a:ext cx="21971000" cy="1433163"/>
+          </a:xfrm>
+          <a:prstGeom prst="rect">
+            <a:avLst/>
+          </a:prstGeom>
+        </p:spPr>
+        <p:txBody>
+          <a:bodyPr/>
+          <a:lstStyle/>
+          <a:p>
+            <a:pPr/>
+            <a:r>
+              <a:t>Erweiterbarkeit</a:t>
+            </a:r>
+          </a:p>
+        </p:txBody>
+      </p:sp>
     </p:spTree>
   </p:cSld>
   <p:clrMapOvr>
@@ -6987,30 +7055,35 @@
           <a:chExt cx="0" cy="0"/>
         </a:xfrm>
       </p:grpSpPr>
-      <p:sp>
-        <p:nvSpPr>
-          <p:cNvPr id="257" name="Code-Beispiel"/>
-          <p:cNvSpPr txBox="1"/>
-          <p:nvPr>
-            <p:ph type="body" sz="half" idx="1"/>
-          </p:nvPr>
-        </p:nvSpPr>
-        <p:spPr>
-          <a:prstGeom prst="rect">
-            <a:avLst/>
-          </a:prstGeom>
-        </p:spPr>
-        <p:txBody>
-          <a:bodyPr/>
-          <a:lstStyle/>
-          <a:p>
-            <a:pPr/>
-            <a:r>
-              <a:t>Code-Beispiel</a:t>
-            </a:r>
-          </a:p>
-        </p:txBody>
-      </p:sp>
+      <p:pic>
+        <p:nvPicPr>
+          <p:cNvPr id="258" name="04. Builder.jpg" descr="04. Builder.jpg"/>
+          <p:cNvPicPr>
+            <a:picLocks noChangeAspect="1"/>
+          </p:cNvPicPr>
+          <p:nvPr/>
+        </p:nvPicPr>
+        <p:blipFill>
+          <a:blip r:embed="rId2">
+            <a:extLst/>
+          </a:blip>
+          <a:stretch>
+            <a:fillRect/>
+          </a:stretch>
+        </p:blipFill>
+        <p:spPr>
+          <a:xfrm>
+            <a:off x="3871504" y="1810317"/>
+            <a:ext cx="16640992" cy="10095366"/>
+          </a:xfrm>
+          <a:prstGeom prst="rect">
+            <a:avLst/>
+          </a:prstGeom>
+          <a:ln w="12700">
+            <a:miter lim="400000"/>
+          </a:ln>
+        </p:spPr>
+      </p:pic>
     </p:spTree>
   </p:cSld>
   <p:clrMapOvr>
@@ -7039,10 +7112,10 @@
       </p:grpSpPr>
       <p:sp>
         <p:nvSpPr>
-          <p:cNvPr id="259" name="Factory Method"/>
+          <p:cNvPr id="260" name="Code-Beispiel"/>
           <p:cNvSpPr txBox="1"/>
           <p:nvPr>
-            <p:ph type="title"/>
+            <p:ph type="body" sz="half" idx="1"/>
           </p:nvPr>
         </p:nvSpPr>
         <p:spPr>
@@ -7056,106 +7129,11 @@
           <a:p>
             <a:pPr/>
             <a:r>
-              <a:t>Factory Method</a:t>
-            </a:r>
-          </a:p>
-        </p:txBody>
-      </p:sp>
-      <p:sp>
-        <p:nvSpPr>
-          <p:cNvPr id="260" name="Fabrikmethode"/>
-          <p:cNvSpPr txBox="1"/>
-          <p:nvPr>
-            <p:ph type="body" sz="quarter" idx="1"/>
-          </p:nvPr>
-        </p:nvSpPr>
-        <p:spPr>
-          <a:prstGeom prst="rect">
-            <a:avLst/>
-          </a:prstGeom>
-        </p:spPr>
-        <p:txBody>
-          <a:bodyPr/>
-          <a:lstStyle/>
-          <a:p>
-            <a:pPr/>
-            <a:r>
-              <a:t>Fabrikmethode</a:t>
-            </a:r>
-          </a:p>
-        </p:txBody>
-      </p:sp>
-      <p:sp>
-        <p:nvSpPr>
-          <p:cNvPr id="261" name="Quelle: https://refactoring.guru/design-patterns/factory-method"/>
-          <p:cNvSpPr txBox="1"/>
-          <p:nvPr/>
-        </p:nvSpPr>
-        <p:spPr>
-          <a:xfrm>
-            <a:off x="12178808" y="11463908"/>
-            <a:ext cx="8757209" cy="461367"/>
-          </a:xfrm>
-          <a:prstGeom prst="rect">
-            <a:avLst/>
-          </a:prstGeom>
-          <a:ln w="12700">
-            <a:miter lim="400000"/>
-          </a:ln>
-          <a:extLst>
-            <a:ext uri="{C572A759-6A51-4108-AA02-DFA0A04FC94B}">
-              <ma14:wrappingTextBoxFlag xmlns:ma14="http://schemas.microsoft.com/office/mac/drawingml/2011/main" val="1"/>
-            </a:ext>
-          </a:extLst>
-        </p:spPr>
-        <p:txBody>
-          <a:bodyPr wrap="none" lIns="50800" tIns="50800" rIns="50800" bIns="50800" anchor="ctr">
-            <a:spAutoFit/>
-          </a:bodyPr>
-          <a:lstStyle/>
-          <a:p>
-            <a:pPr/>
-            <a:r>
-              <a:t>Quelle: </a:t>
-            </a:r>
-            <a:r>
-              <a:rPr u="sng">
-                <a:hlinkClick r:id="rId2" invalidUrl="" action="" tgtFrame="" tooltip="" history="1" highlightClick="0" endSnd="0"/>
-              </a:rPr>
-              <a:t>https://refactoring.guru/design-patterns/factory-method</a:t>
-            </a:r>
-          </a:p>
-        </p:txBody>
-      </p:sp>
-      <p:pic>
-        <p:nvPicPr>
-          <p:cNvPr id="262" name="Image" descr="Image"/>
-          <p:cNvPicPr>
-            <a:picLocks noChangeAspect="1"/>
-          </p:cNvPicPr>
-          <p:nvPr/>
-        </p:nvPicPr>
-        <p:blipFill>
-          <a:blip r:embed="rId3">
-            <a:extLst/>
-          </a:blip>
-          <a:stretch>
-            <a:fillRect/>
-          </a:stretch>
-        </p:blipFill>
-        <p:spPr>
-          <a:xfrm>
-            <a:off x="9390193" y="2101344"/>
-            <a:ext cx="14334438" cy="8959023"/>
-          </a:xfrm>
-          <a:prstGeom prst="rect">
-            <a:avLst/>
-          </a:prstGeom>
-          <a:ln w="12700">
-            <a:miter lim="400000"/>
-          </a:ln>
-        </p:spPr>
-      </p:pic>
+              <a:t>Code-Beispiel</a:t>
+            </a:r>
+          </a:p>
+        </p:txBody>
+      </p:sp>
     </p:spTree>
   </p:cSld>
   <p:clrMapOvr>
@@ -7184,10 +7162,10 @@
       </p:grpSpPr>
       <p:sp>
         <p:nvSpPr>
-          <p:cNvPr id="264" name="Demo"/>
+          <p:cNvPr id="262" name="Factory Method"/>
           <p:cNvSpPr txBox="1"/>
           <p:nvPr>
-            <p:ph type="body" sz="half" idx="1"/>
+            <p:ph type="title"/>
           </p:nvPr>
         </p:nvSpPr>
         <p:spPr>
@@ -7201,11 +7179,106 @@
           <a:p>
             <a:pPr/>
             <a:r>
-              <a:t>Demo</a:t>
-            </a:r>
-          </a:p>
-        </p:txBody>
-      </p:sp>
+              <a:t>Factory Method</a:t>
+            </a:r>
+          </a:p>
+        </p:txBody>
+      </p:sp>
+      <p:sp>
+        <p:nvSpPr>
+          <p:cNvPr id="263" name="Fabrikmethode"/>
+          <p:cNvSpPr txBox="1"/>
+          <p:nvPr>
+            <p:ph type="body" sz="quarter" idx="1"/>
+          </p:nvPr>
+        </p:nvSpPr>
+        <p:spPr>
+          <a:prstGeom prst="rect">
+            <a:avLst/>
+          </a:prstGeom>
+        </p:spPr>
+        <p:txBody>
+          <a:bodyPr/>
+          <a:lstStyle/>
+          <a:p>
+            <a:pPr/>
+            <a:r>
+              <a:t>Fabrikmethode</a:t>
+            </a:r>
+          </a:p>
+        </p:txBody>
+      </p:sp>
+      <p:sp>
+        <p:nvSpPr>
+          <p:cNvPr id="264" name="Quelle: https://refactoring.guru/design-patterns/factory-method"/>
+          <p:cNvSpPr txBox="1"/>
+          <p:nvPr/>
+        </p:nvSpPr>
+        <p:spPr>
+          <a:xfrm>
+            <a:off x="12178808" y="11463908"/>
+            <a:ext cx="8757209" cy="461367"/>
+          </a:xfrm>
+          <a:prstGeom prst="rect">
+            <a:avLst/>
+          </a:prstGeom>
+          <a:ln w="12700">
+            <a:miter lim="400000"/>
+          </a:ln>
+          <a:extLst>
+            <a:ext uri="{C572A759-6A51-4108-AA02-DFA0A04FC94B}">
+              <ma14:wrappingTextBoxFlag xmlns:ma14="http://schemas.microsoft.com/office/mac/drawingml/2011/main" val="1"/>
+            </a:ext>
+          </a:extLst>
+        </p:spPr>
+        <p:txBody>
+          <a:bodyPr wrap="none" lIns="50800" tIns="50800" rIns="50800" bIns="50800" anchor="ctr">
+            <a:spAutoFit/>
+          </a:bodyPr>
+          <a:lstStyle/>
+          <a:p>
+            <a:pPr/>
+            <a:r>
+              <a:t>Quelle: </a:t>
+            </a:r>
+            <a:r>
+              <a:rPr u="sng">
+                <a:hlinkClick r:id="rId2" invalidUrl="" action="" tgtFrame="" tooltip="" history="1" highlightClick="0" endSnd="0"/>
+              </a:rPr>
+              <a:t>https://refactoring.guru/design-patterns/factory-method</a:t>
+            </a:r>
+          </a:p>
+        </p:txBody>
+      </p:sp>
+      <p:pic>
+        <p:nvPicPr>
+          <p:cNvPr id="265" name="Image" descr="Image"/>
+          <p:cNvPicPr>
+            <a:picLocks noChangeAspect="1"/>
+          </p:cNvPicPr>
+          <p:nvPr/>
+        </p:nvPicPr>
+        <p:blipFill>
+          <a:blip r:embed="rId3">
+            <a:extLst/>
+          </a:blip>
+          <a:stretch>
+            <a:fillRect/>
+          </a:stretch>
+        </p:blipFill>
+        <p:spPr>
+          <a:xfrm>
+            <a:off x="9390193" y="2101344"/>
+            <a:ext cx="14334438" cy="8959023"/>
+          </a:xfrm>
+          <a:prstGeom prst="rect">
+            <a:avLst/>
+          </a:prstGeom>
+          <a:ln w="12700">
+            <a:miter lim="400000"/>
+          </a:ln>
+        </p:spPr>
+      </p:pic>
     </p:spTree>
   </p:cSld>
   <p:clrMapOvr>
@@ -7232,35 +7305,30 @@
           <a:chExt cx="0" cy="0"/>
         </a:xfrm>
       </p:grpSpPr>
-      <p:pic>
-        <p:nvPicPr>
-          <p:cNvPr id="266" name="05. Factory Method example.jpg" descr="05. Factory Method example.jpg"/>
-          <p:cNvPicPr>
-            <a:picLocks noChangeAspect="1"/>
-          </p:cNvPicPr>
-          <p:nvPr/>
-        </p:nvPicPr>
-        <p:blipFill>
-          <a:blip r:embed="rId2">
-            <a:extLst/>
-          </a:blip>
-          <a:stretch>
-            <a:fillRect/>
-          </a:stretch>
-        </p:blipFill>
-        <p:spPr>
-          <a:xfrm>
-            <a:off x="5193030" y="676030"/>
-            <a:ext cx="13997940" cy="12363940"/>
-          </a:xfrm>
-          <a:prstGeom prst="rect">
-            <a:avLst/>
-          </a:prstGeom>
-          <a:ln w="12700">
-            <a:miter lim="400000"/>
-          </a:ln>
-        </p:spPr>
-      </p:pic>
+      <p:sp>
+        <p:nvSpPr>
+          <p:cNvPr id="267" name="Demo"/>
+          <p:cNvSpPr txBox="1"/>
+          <p:nvPr>
+            <p:ph type="body" sz="half" idx="1"/>
+          </p:nvPr>
+        </p:nvSpPr>
+        <p:spPr>
+          <a:prstGeom prst="rect">
+            <a:avLst/>
+          </a:prstGeom>
+        </p:spPr>
+        <p:txBody>
+          <a:bodyPr/>
+          <a:lstStyle/>
+          <a:p>
+            <a:pPr/>
+            <a:r>
+              <a:t>Demo</a:t>
+            </a:r>
+          </a:p>
+        </p:txBody>
+      </p:sp>
     </p:spTree>
   </p:cSld>
   <p:clrMapOvr>
@@ -7287,79 +7355,9 @@
           <a:chExt cx="0" cy="0"/>
         </a:xfrm>
       </p:grpSpPr>
-      <p:sp>
-        <p:nvSpPr>
-          <p:cNvPr id="268" name="Schnittstelle zur Objekterzeugung, bei der die Bestimmung der instanziierenden Klasse der Unterklasse überlassen wird…"/>
-          <p:cNvSpPr txBox="1"/>
-          <p:nvPr/>
-        </p:nvSpPr>
-        <p:spPr>
-          <a:xfrm>
-            <a:off x="1198314" y="2870606"/>
-            <a:ext cx="21987372" cy="3911083"/>
-          </a:xfrm>
-          <a:prstGeom prst="rect">
-            <a:avLst/>
-          </a:prstGeom>
-          <a:ln w="12700">
-            <a:miter lim="400000"/>
-          </a:ln>
-          <a:extLst>
-            <a:ext uri="{C572A759-6A51-4108-AA02-DFA0A04FC94B}">
-              <ma14:wrappingTextBoxFlag xmlns:ma14="http://schemas.microsoft.com/office/mac/drawingml/2011/main" val="1"/>
-            </a:ext>
-          </a:extLst>
-        </p:spPr>
-        <p:txBody>
-          <a:bodyPr lIns="50800" tIns="50800" rIns="50800" bIns="50800" anchor="ctr">
-            <a:spAutoFit/>
-          </a:bodyPr>
-          <a:lstStyle/>
-          <a:p>
-            <a:pPr marL="609600" indent="-609600" algn="l">
-              <a:lnSpc>
-                <a:spcPct val="90000"/>
-              </a:lnSpc>
-              <a:spcBef>
-                <a:spcPts val="4500"/>
-              </a:spcBef>
-              <a:buSzPct val="123000"/>
-              <a:buChar char="•"/>
-              <a:defRPr sz="4800">
-                <a:solidFill>
-                  <a:srgbClr val="000000"/>
-                </a:solidFill>
-              </a:defRPr>
-            </a:pPr>
-            <a:r>
-              <a:t>Schnittstelle zur Objekterzeugung, bei der die Bestimmung der instanziierenden Klasse der Unterklasse überlassen wird</a:t>
-            </a:r>
-          </a:p>
-          <a:p>
-            <a:pPr marL="609600" indent="-609600" algn="l">
-              <a:lnSpc>
-                <a:spcPct val="90000"/>
-              </a:lnSpc>
-              <a:spcBef>
-                <a:spcPts val="4500"/>
-              </a:spcBef>
-              <a:buSzPct val="123000"/>
-              <a:buChar char="•"/>
-              <a:defRPr sz="4800">
-                <a:solidFill>
-                  <a:srgbClr val="000000"/>
-                </a:solidFill>
-              </a:defRPr>
-            </a:pPr>
-            <a:r>
-              <a:t>Delegierung der Instanziierung an eine Unterklasse</a:t>
-            </a:r>
-          </a:p>
-        </p:txBody>
-      </p:sp>
       <p:pic>
         <p:nvPicPr>
-          <p:cNvPr id="269" name="Image" descr="Image"/>
+          <p:cNvPr id="269" name="05. Factory Method example.jpg" descr="05. Factory Method example.jpg"/>
           <p:cNvPicPr>
             <a:picLocks noChangeAspect="1"/>
           </p:cNvPicPr>
@@ -7375,8 +7373,8 @@
         </p:blipFill>
         <p:spPr>
           <a:xfrm>
-            <a:off x="5265903" y="6495644"/>
-            <a:ext cx="13852194" cy="6032408"/>
+            <a:off x="5193030" y="676030"/>
+            <a:ext cx="13997940" cy="12363940"/>
           </a:xfrm>
           <a:prstGeom prst="rect">
             <a:avLst/>
@@ -7386,76 +7384,6 @@
           </a:ln>
         </p:spPr>
       </p:pic>
-      <p:sp>
-        <p:nvSpPr>
-          <p:cNvPr id="270" name="Quelle: https://refactoring.guru/design-patterns/factory-method"/>
-          <p:cNvSpPr txBox="1"/>
-          <p:nvPr/>
-        </p:nvSpPr>
-        <p:spPr>
-          <a:xfrm>
-            <a:off x="7813395" y="12842702"/>
-            <a:ext cx="8757210" cy="461366"/>
-          </a:xfrm>
-          <a:prstGeom prst="rect">
-            <a:avLst/>
-          </a:prstGeom>
-          <a:ln w="12700">
-            <a:miter lim="400000"/>
-          </a:ln>
-          <a:extLst>
-            <a:ext uri="{C572A759-6A51-4108-AA02-DFA0A04FC94B}">
-              <ma14:wrappingTextBoxFlag xmlns:ma14="http://schemas.microsoft.com/office/mac/drawingml/2011/main" val="1"/>
-            </a:ext>
-          </a:extLst>
-        </p:spPr>
-        <p:txBody>
-          <a:bodyPr wrap="none" lIns="50800" tIns="50800" rIns="50800" bIns="50800" anchor="ctr">
-            <a:spAutoFit/>
-          </a:bodyPr>
-          <a:lstStyle/>
-          <a:p>
-            <a:pPr/>
-            <a:r>
-              <a:t>Quelle: </a:t>
-            </a:r>
-            <a:r>
-              <a:rPr u="sng">
-                <a:hlinkClick r:id="rId3" invalidUrl="" action="" tgtFrame="" tooltip="" history="1" highlightClick="0" endSnd="0"/>
-              </a:rPr>
-              <a:t>https://refactoring.guru/design-patterns/factory-method</a:t>
-            </a:r>
-          </a:p>
-        </p:txBody>
-      </p:sp>
-      <p:sp>
-        <p:nvSpPr>
-          <p:cNvPr id="271" name="Zweck"/>
-          <p:cNvSpPr txBox="1"/>
-          <p:nvPr>
-            <p:ph type="title"/>
-          </p:nvPr>
-        </p:nvSpPr>
-        <p:spPr>
-          <a:xfrm>
-            <a:off x="1206500" y="1079500"/>
-            <a:ext cx="21971000" cy="1433163"/>
-          </a:xfrm>
-          <a:prstGeom prst="rect">
-            <a:avLst/>
-          </a:prstGeom>
-        </p:spPr>
-        <p:txBody>
-          <a:bodyPr/>
-          <a:lstStyle/>
-          <a:p>
-            <a:pPr/>
-            <a:r>
-              <a:t>Zweck</a:t>
-            </a:r>
-          </a:p>
-        </p:txBody>
-      </p:sp>
     </p:spTree>
   </p:cSld>
   <p:clrMapOvr>
@@ -7484,14 +7412,14 @@
       </p:grpSpPr>
       <p:sp>
         <p:nvSpPr>
-          <p:cNvPr id="273" name="zu erzeugende Klassen können nicht von Vorhinein bestimmt werden (deswegen abstrakt &amp; Funktion ist bekannt)…"/>
+          <p:cNvPr id="271" name="Schnittstelle zur Objekterzeugung, bei der die Bestimmung der instanziierenden Klasse der Unterklasse überlassen wird…"/>
           <p:cNvSpPr txBox="1"/>
           <p:nvPr/>
         </p:nvSpPr>
         <p:spPr>
           <a:xfrm>
-            <a:off x="1198314" y="2887855"/>
-            <a:ext cx="21987372" cy="4564300"/>
+            <a:off x="1198314" y="2870606"/>
+            <a:ext cx="21987372" cy="3911083"/>
           </a:xfrm>
           <a:prstGeom prst="rect">
             <a:avLst/>
@@ -7527,7 +7455,7 @@
               </a:defRPr>
             </a:pPr>
             <a:r>
-              <a:t>zu erzeugende Klassen können nicht von Vorhinein bestimmt werden (deswegen abstrakt &amp; Funktion ist bekannt)</a:t>
+              <a:t>Schnittstelle zur Objekterzeugung, bei der die Bestimmung der instanziierenden Klasse der Unterklasse überlassen wird</a:t>
             </a:r>
           </a:p>
           <a:p>
@@ -7547,21 +7475,50 @@
               </a:defRPr>
             </a:pPr>
             <a:r>
-              <a:t>eine Klasse erwartet von ihren Unterklassen eine Spezifizierung der zu erzeugenden Produkte</a:t>
-            </a:r>
-          </a:p>
-        </p:txBody>
-      </p:sp>
-      <p:sp>
-        <p:nvSpPr>
-          <p:cNvPr id="274" name="Spezialisierungsoptionen für Unterklassen, da durch Pattern gegenüber der direkten Erzeugung des Objekte eine erweiterte Version des Objektes bereitgestellt wird"/>
-          <p:cNvSpPr txBox="1"/>
+              <a:t>Delegierung der Instanziierung an eine Unterklasse</a:t>
+            </a:r>
+          </a:p>
+        </p:txBody>
+      </p:sp>
+      <p:pic>
+        <p:nvPicPr>
+          <p:cNvPr id="272" name="Image" descr="Image"/>
+          <p:cNvPicPr>
+            <a:picLocks noChangeAspect="1"/>
+          </p:cNvPicPr>
           <p:nvPr/>
-        </p:nvSpPr>
-        <p:spPr>
-          <a:xfrm>
-            <a:off x="1198314" y="10033217"/>
-            <a:ext cx="21987372" cy="2114866"/>
+        </p:nvPicPr>
+        <p:blipFill>
+          <a:blip r:embed="rId2">
+            <a:extLst/>
+          </a:blip>
+          <a:stretch>
+            <a:fillRect/>
+          </a:stretch>
+        </p:blipFill>
+        <p:spPr>
+          <a:xfrm>
+            <a:off x="5265903" y="6495644"/>
+            <a:ext cx="13852194" cy="6032408"/>
+          </a:xfrm>
+          <a:prstGeom prst="rect">
+            <a:avLst/>
+          </a:prstGeom>
+          <a:ln w="12700">
+            <a:miter lim="400000"/>
+          </a:ln>
+        </p:spPr>
+      </p:pic>
+      <p:sp>
+        <p:nvSpPr>
+          <p:cNvPr id="273" name="Quelle: https://refactoring.guru/design-patterns/factory-method"/>
+          <p:cNvSpPr txBox="1"/>
+          <p:nvPr/>
+        </p:nvSpPr>
+        <p:spPr>
+          <a:xfrm>
+            <a:off x="7813395" y="12842702"/>
+            <a:ext cx="8757210" cy="461366"/>
           </a:xfrm>
           <a:prstGeom prst="rect">
             <a:avLst/>
@@ -7576,37 +7533,27 @@
           </a:extLst>
         </p:spPr>
         <p:txBody>
-          <a:bodyPr lIns="50800" tIns="50800" rIns="50800" bIns="50800" anchor="ctr">
+          <a:bodyPr wrap="none" lIns="50800" tIns="50800" rIns="50800" bIns="50800" anchor="ctr">
             <a:spAutoFit/>
           </a:bodyPr>
-          <a:lstStyle>
-            <a:lvl1pPr marL="609600" indent="-609600" algn="l">
-              <a:lnSpc>
-                <a:spcPct val="90000"/>
-              </a:lnSpc>
-              <a:spcBef>
-                <a:spcPts val="4500"/>
-              </a:spcBef>
-              <a:buSzPct val="123000"/>
-              <a:buChar char="•"/>
-              <a:defRPr sz="4800">
-                <a:solidFill>
-                  <a:srgbClr val="000000"/>
-                </a:solidFill>
-              </a:defRPr>
-            </a:lvl1pPr>
-          </a:lstStyle>
-          <a:p>
-            <a:pPr/>
-            <a:r>
-              <a:t>Spezialisierungsoptionen für Unterklassen, da durch Pattern gegenüber der direkten Erzeugung des Objekte eine erweiterte Version des Objektes bereitgestellt wird</a:t>
-            </a:r>
-          </a:p>
-        </p:txBody>
-      </p:sp>
-      <p:sp>
-        <p:nvSpPr>
-          <p:cNvPr id="275" name="Anwendbarkeit"/>
+          <a:lstStyle/>
+          <a:p>
+            <a:pPr/>
+            <a:r>
+              <a:t>Quelle: </a:t>
+            </a:r>
+            <a:r>
+              <a:rPr u="sng">
+                <a:hlinkClick r:id="rId3" invalidUrl="" action="" tgtFrame="" tooltip="" history="1" highlightClick="0" endSnd="0"/>
+              </a:rPr>
+              <a:t>https://refactoring.guru/design-patterns/factory-method</a:t>
+            </a:r>
+          </a:p>
+        </p:txBody>
+      </p:sp>
+      <p:sp>
+        <p:nvSpPr>
+          <p:cNvPr id="274" name="Zweck"/>
           <p:cNvSpPr txBox="1"/>
           <p:nvPr>
             <p:ph type="title"/>
@@ -7627,54 +7574,7 @@
           <a:p>
             <a:pPr/>
             <a:r>
-              <a:t>Anwendbarkeit</a:t>
-            </a:r>
-          </a:p>
-        </p:txBody>
-      </p:sp>
-      <p:sp>
-        <p:nvSpPr>
-          <p:cNvPr id="276" name="Konsequenzen (Vor- und Nachteile)"/>
-          <p:cNvSpPr txBox="1"/>
-          <p:nvPr/>
-        </p:nvSpPr>
-        <p:spPr>
-          <a:xfrm>
-            <a:off x="1206500" y="8026104"/>
-            <a:ext cx="21971000" cy="1433164"/>
-          </a:xfrm>
-          <a:prstGeom prst="rect">
-            <a:avLst/>
-          </a:prstGeom>
-          <a:ln w="12700">
-            <a:miter lim="400000"/>
-          </a:ln>
-          <a:extLst>
-            <a:ext uri="{C572A759-6A51-4108-AA02-DFA0A04FC94B}">
-              <ma14:wrappingTextBoxFlag xmlns:ma14="http://schemas.microsoft.com/office/mac/drawingml/2011/main" val="1"/>
-            </a:ext>
-          </a:extLst>
-        </p:spPr>
-        <p:txBody>
-          <a:bodyPr lIns="50800" tIns="50800" rIns="50800" bIns="50800">
-            <a:normAutofit fontScale="100000" lnSpcReduction="0"/>
-          </a:bodyPr>
-          <a:lstStyle>
-            <a:lvl1pPr algn="l">
-              <a:lnSpc>
-                <a:spcPct val="80000"/>
-              </a:lnSpc>
-              <a:defRPr b="1" spc="-170" sz="8500">
-                <a:solidFill>
-                  <a:srgbClr val="000000"/>
-                </a:solidFill>
-              </a:defRPr>
-            </a:lvl1pPr>
-          </a:lstStyle>
-          <a:p>
-            <a:pPr/>
-            <a:r>
-              <a:t>Konsequenzen (Vor- und Nachteile)</a:t>
+              <a:t>Zweck</a:t>
             </a:r>
           </a:p>
         </p:txBody>
@@ -7707,14 +7607,14 @@
       </p:grpSpPr>
       <p:sp>
         <p:nvSpPr>
-          <p:cNvPr id="278" name="Wenn man ein Erzeugungsmuster verwenden möchte, sich aber unsicher ist, welches, beginnt man mit der Implementierung der Fabrikmethode…"/>
+          <p:cNvPr id="276" name="zu erzeugende Klassen können nicht von Vorhinein bestimmt werden (deswegen abstrakt &amp; Funktion ist bekannt)…"/>
           <p:cNvSpPr txBox="1"/>
           <p:nvPr/>
         </p:nvSpPr>
         <p:spPr>
           <a:xfrm>
-            <a:off x="1198314" y="2882645"/>
-            <a:ext cx="21987372" cy="5135800"/>
+            <a:off x="1198314" y="2887855"/>
+            <a:ext cx="21987372" cy="4564300"/>
           </a:xfrm>
           <a:prstGeom prst="rect">
             <a:avLst/>
@@ -7750,7 +7650,7 @@
               </a:defRPr>
             </a:pPr>
             <a:r>
-              <a:t>Wenn man ein Erzeugungsmuster verwenden möchte, sich aber unsicher ist, welches, beginnt man mit der Implementierung der Fabrikmethode</a:t>
+              <a:t>zu erzeugende Klassen können nicht von Vorhinein bestimmt werden (deswegen abstrakt &amp; Funktion ist bekannt)</a:t>
             </a:r>
           </a:p>
           <a:p>
@@ -7770,11 +7670,40 @@
               </a:defRPr>
             </a:pPr>
             <a:r>
-              <a:t>im späteren Verlauf schwenkt man auf andere Erzeugungsmuster um</a:t>
-            </a:r>
-          </a:p>
-          <a:p>
-            <a:pPr marL="609600" indent="-609600" algn="l">
+              <a:t>eine Klasse erwartet von ihren Unterklassen eine Spezifizierung der zu erzeugenden Produkte</a:t>
+            </a:r>
+          </a:p>
+        </p:txBody>
+      </p:sp>
+      <p:sp>
+        <p:nvSpPr>
+          <p:cNvPr id="277" name="Spezialisierungsoptionen für Unterklassen, da durch Pattern gegenüber der direkten Erzeugung des Objekte eine erweiterte Version des Objektes bereitgestellt wird"/>
+          <p:cNvSpPr txBox="1"/>
+          <p:nvPr/>
+        </p:nvSpPr>
+        <p:spPr>
+          <a:xfrm>
+            <a:off x="1198314" y="10033217"/>
+            <a:ext cx="21987372" cy="2114866"/>
+          </a:xfrm>
+          <a:prstGeom prst="rect">
+            <a:avLst/>
+          </a:prstGeom>
+          <a:ln w="12700">
+            <a:miter lim="400000"/>
+          </a:ln>
+          <a:extLst>
+            <a:ext uri="{C572A759-6A51-4108-AA02-DFA0A04FC94B}">
+              <ma14:wrappingTextBoxFlag xmlns:ma14="http://schemas.microsoft.com/office/mac/drawingml/2011/main" val="1"/>
+            </a:ext>
+          </a:extLst>
+        </p:spPr>
+        <p:txBody>
+          <a:bodyPr lIns="50800" tIns="50800" rIns="50800" bIns="50800" anchor="ctr">
+            <a:spAutoFit/>
+          </a:bodyPr>
+          <a:lstStyle>
+            <a:lvl1pPr marL="609600" indent="-609600" algn="l">
               <a:lnSpc>
                 <a:spcPct val="90000"/>
               </a:lnSpc>
@@ -7788,36 +7717,19 @@
                   <a:srgbClr val="000000"/>
                 </a:solidFill>
               </a:defRPr>
-            </a:pPr>
-            <a:r>
-              <a:t>Fabrikmethode am einfachsten ins System zu integrieren</a:t>
-            </a:r>
-          </a:p>
-          <a:p>
-            <a:pPr marL="609600" indent="-609600" algn="l">
-              <a:lnSpc>
-                <a:spcPct val="90000"/>
-              </a:lnSpc>
-              <a:spcBef>
-                <a:spcPts val="4500"/>
-              </a:spcBef>
-              <a:buSzPct val="123000"/>
-              <a:buChar char="•"/>
-              <a:defRPr sz="4800">
-                <a:solidFill>
-                  <a:srgbClr val="000000"/>
-                </a:solidFill>
-              </a:defRPr>
-            </a:pPr>
-            <a:r>
-              <a:t>hohe Flexibilität</a:t>
-            </a:r>
-          </a:p>
-        </p:txBody>
-      </p:sp>
-      <p:sp>
-        <p:nvSpPr>
-          <p:cNvPr id="279" name="Best Practise"/>
+            </a:lvl1pPr>
+          </a:lstStyle>
+          <a:p>
+            <a:pPr/>
+            <a:r>
+              <a:t>Spezialisierungsoptionen für Unterklassen, da durch Pattern gegenüber der direkten Erzeugung des Objekte eine erweiterte Version des Objektes bereitgestellt wird</a:t>
+            </a:r>
+          </a:p>
+        </p:txBody>
+      </p:sp>
+      <p:sp>
+        <p:nvSpPr>
+          <p:cNvPr id="278" name="Anwendbarkeit"/>
           <p:cNvSpPr txBox="1"/>
           <p:nvPr>
             <p:ph type="title"/>
@@ -7838,50 +7750,21 @@
           <a:p>
             <a:pPr/>
             <a:r>
-              <a:t>Best Practise</a:t>
-            </a:r>
-          </a:p>
-        </p:txBody>
-      </p:sp>
-      <p:pic>
-        <p:nvPicPr>
-          <p:cNvPr id="280" name="Screen Shot 2020-12-10 at 10.52.55.png" descr="Screen Shot 2020-12-10 at 10.52.55.png"/>
-          <p:cNvPicPr>
-            <a:picLocks noChangeAspect="1"/>
-          </p:cNvPicPr>
+              <a:t>Anwendbarkeit</a:t>
+            </a:r>
+          </a:p>
+        </p:txBody>
+      </p:sp>
+      <p:sp>
+        <p:nvSpPr>
+          <p:cNvPr id="279" name="Konsequenzen (Vor- und Nachteile)"/>
+          <p:cNvSpPr txBox="1"/>
           <p:nvPr/>
-        </p:nvPicPr>
-        <p:blipFill>
-          <a:blip r:embed="rId2">
-            <a:extLst/>
-          </a:blip>
-          <a:stretch>
-            <a:fillRect/>
-          </a:stretch>
-        </p:blipFill>
-        <p:spPr>
-          <a:xfrm>
-            <a:off x="10984947" y="6828170"/>
-            <a:ext cx="11103602" cy="5924683"/>
-          </a:xfrm>
-          <a:prstGeom prst="rect">
-            <a:avLst/>
-          </a:prstGeom>
-          <a:ln w="12700">
-            <a:miter lim="400000"/>
-          </a:ln>
-        </p:spPr>
-      </p:pic>
-      <p:sp>
-        <p:nvSpPr>
-          <p:cNvPr id="281" name="Quelle: https://refactoring.guru/images/patterns/diagrams/factory-method/solution3-en-2x.png"/>
-          <p:cNvSpPr txBox="1"/>
-          <p:nvPr/>
-        </p:nvSpPr>
-        <p:spPr>
-          <a:xfrm>
-            <a:off x="10021344" y="12836730"/>
-            <a:ext cx="13030810" cy="461367"/>
+        </p:nvSpPr>
+        <p:spPr>
+          <a:xfrm>
+            <a:off x="1206500" y="8026104"/>
+            <a:ext cx="21971000" cy="1433164"/>
           </a:xfrm>
           <a:prstGeom prst="rect">
             <a:avLst/>
@@ -7896,20 +7779,25 @@
           </a:extLst>
         </p:spPr>
         <p:txBody>
-          <a:bodyPr wrap="none" lIns="50800" tIns="50800" rIns="50800" bIns="50800" anchor="ctr">
-            <a:spAutoFit/>
+          <a:bodyPr lIns="50800" tIns="50800" rIns="50800" bIns="50800">
+            <a:normAutofit fontScale="100000" lnSpcReduction="0"/>
           </a:bodyPr>
-          <a:lstStyle/>
-          <a:p>
-            <a:pPr/>
-            <a:r>
-              <a:t>Quelle: </a:t>
-            </a:r>
-            <a:r>
-              <a:rPr u="sng">
-                <a:hlinkClick r:id="rId3" invalidUrl="" action="" tgtFrame="" tooltip="" history="1" highlightClick="0" endSnd="0"/>
-              </a:rPr>
-              <a:t>https://refactoring.guru/images/patterns/diagrams/factory-method/solution3-en-2x.png</a:t>
+          <a:lstStyle>
+            <a:lvl1pPr algn="l">
+              <a:lnSpc>
+                <a:spcPct val="80000"/>
+              </a:lnSpc>
+              <a:defRPr b="1" spc="-170" sz="8500">
+                <a:solidFill>
+                  <a:srgbClr val="000000"/>
+                </a:solidFill>
+              </a:defRPr>
+            </a:lvl1pPr>
+          </a:lstStyle>
+          <a:p>
+            <a:pPr/>
+            <a:r>
+              <a:t>Konsequenzen (Vor- und Nachteile)</a:t>
             </a:r>
           </a:p>
         </p:txBody>
@@ -7940,9 +7828,147 @@
           <a:chExt cx="0" cy="0"/>
         </a:xfrm>
       </p:grpSpPr>
+      <p:sp>
+        <p:nvSpPr>
+          <p:cNvPr id="281" name="Wenn man ein Erzeugungsmuster verwenden möchte, sich aber unsicher ist, welches, beginnt man mit der Implementierung der Fabrikmethode…"/>
+          <p:cNvSpPr txBox="1"/>
+          <p:nvPr/>
+        </p:nvSpPr>
+        <p:spPr>
+          <a:xfrm>
+            <a:off x="1198314" y="2882645"/>
+            <a:ext cx="21987372" cy="5135800"/>
+          </a:xfrm>
+          <a:prstGeom prst="rect">
+            <a:avLst/>
+          </a:prstGeom>
+          <a:ln w="12700">
+            <a:miter lim="400000"/>
+          </a:ln>
+          <a:extLst>
+            <a:ext uri="{C572A759-6A51-4108-AA02-DFA0A04FC94B}">
+              <ma14:wrappingTextBoxFlag xmlns:ma14="http://schemas.microsoft.com/office/mac/drawingml/2011/main" val="1"/>
+            </a:ext>
+          </a:extLst>
+        </p:spPr>
+        <p:txBody>
+          <a:bodyPr lIns="50800" tIns="50800" rIns="50800" bIns="50800" anchor="ctr">
+            <a:spAutoFit/>
+          </a:bodyPr>
+          <a:lstStyle/>
+          <a:p>
+            <a:pPr marL="609600" indent="-609600" algn="l">
+              <a:lnSpc>
+                <a:spcPct val="90000"/>
+              </a:lnSpc>
+              <a:spcBef>
+                <a:spcPts val="4500"/>
+              </a:spcBef>
+              <a:buSzPct val="123000"/>
+              <a:buChar char="•"/>
+              <a:defRPr sz="4800">
+                <a:solidFill>
+                  <a:srgbClr val="000000"/>
+                </a:solidFill>
+              </a:defRPr>
+            </a:pPr>
+            <a:r>
+              <a:t>Wenn man ein Erzeugungsmuster verwenden möchte, sich aber unsicher ist, welches, beginnt man mit der Implementierung der Fabrikmethode</a:t>
+            </a:r>
+          </a:p>
+          <a:p>
+            <a:pPr marL="609600" indent="-609600" algn="l">
+              <a:lnSpc>
+                <a:spcPct val="90000"/>
+              </a:lnSpc>
+              <a:spcBef>
+                <a:spcPts val="4500"/>
+              </a:spcBef>
+              <a:buSzPct val="123000"/>
+              <a:buChar char="•"/>
+              <a:defRPr sz="4800">
+                <a:solidFill>
+                  <a:srgbClr val="000000"/>
+                </a:solidFill>
+              </a:defRPr>
+            </a:pPr>
+            <a:r>
+              <a:t>im späteren Verlauf schwenkt man auf andere Erzeugungsmuster um</a:t>
+            </a:r>
+          </a:p>
+          <a:p>
+            <a:pPr marL="609600" indent="-609600" algn="l">
+              <a:lnSpc>
+                <a:spcPct val="90000"/>
+              </a:lnSpc>
+              <a:spcBef>
+                <a:spcPts val="4500"/>
+              </a:spcBef>
+              <a:buSzPct val="123000"/>
+              <a:buChar char="•"/>
+              <a:defRPr sz="4800">
+                <a:solidFill>
+                  <a:srgbClr val="000000"/>
+                </a:solidFill>
+              </a:defRPr>
+            </a:pPr>
+            <a:r>
+              <a:t>Fabrikmethode am einfachsten ins System zu integrieren</a:t>
+            </a:r>
+          </a:p>
+          <a:p>
+            <a:pPr marL="609600" indent="-609600" algn="l">
+              <a:lnSpc>
+                <a:spcPct val="90000"/>
+              </a:lnSpc>
+              <a:spcBef>
+                <a:spcPts val="4500"/>
+              </a:spcBef>
+              <a:buSzPct val="123000"/>
+              <a:buChar char="•"/>
+              <a:defRPr sz="4800">
+                <a:solidFill>
+                  <a:srgbClr val="000000"/>
+                </a:solidFill>
+              </a:defRPr>
+            </a:pPr>
+            <a:r>
+              <a:t>hohe Flexibilität</a:t>
+            </a:r>
+          </a:p>
+        </p:txBody>
+      </p:sp>
+      <p:sp>
+        <p:nvSpPr>
+          <p:cNvPr id="282" name="Best Practise"/>
+          <p:cNvSpPr txBox="1"/>
+          <p:nvPr>
+            <p:ph type="title"/>
+          </p:nvPr>
+        </p:nvSpPr>
+        <p:spPr>
+          <a:xfrm>
+            <a:off x="1206500" y="1079500"/>
+            <a:ext cx="21971000" cy="1433163"/>
+          </a:xfrm>
+          <a:prstGeom prst="rect">
+            <a:avLst/>
+          </a:prstGeom>
+        </p:spPr>
+        <p:txBody>
+          <a:bodyPr/>
+          <a:lstStyle/>
+          <a:p>
+            <a:pPr/>
+            <a:r>
+              <a:t>Best Practise</a:t>
+            </a:r>
+          </a:p>
+        </p:txBody>
+      </p:sp>
       <p:pic>
         <p:nvPicPr>
-          <p:cNvPr id="283" name="05. Factory Method.jpg" descr="05. Factory Method.jpg"/>
+          <p:cNvPr id="283" name="Screen Shot 2020-12-10 at 10.52.55.png" descr="Screen Shot 2020-12-10 at 10.52.55.png"/>
           <p:cNvPicPr>
             <a:picLocks noChangeAspect="1"/>
           </p:cNvPicPr>
@@ -7958,8 +7984,8 @@
         </p:blipFill>
         <p:spPr>
           <a:xfrm>
-            <a:off x="5419951" y="711833"/>
-            <a:ext cx="13544098" cy="12292334"/>
+            <a:off x="10984947" y="6828170"/>
+            <a:ext cx="11103602" cy="5924683"/>
           </a:xfrm>
           <a:prstGeom prst="rect">
             <a:avLst/>
@@ -7969,6 +7995,48 @@
           </a:ln>
         </p:spPr>
       </p:pic>
+      <p:sp>
+        <p:nvSpPr>
+          <p:cNvPr id="284" name="Quelle: https://refactoring.guru/images/patterns/diagrams/factory-method/solution3-en-2x.png"/>
+          <p:cNvSpPr txBox="1"/>
+          <p:nvPr/>
+        </p:nvSpPr>
+        <p:spPr>
+          <a:xfrm>
+            <a:off x="10021344" y="12836730"/>
+            <a:ext cx="13030810" cy="461367"/>
+          </a:xfrm>
+          <a:prstGeom prst="rect">
+            <a:avLst/>
+          </a:prstGeom>
+          <a:ln w="12700">
+            <a:miter lim="400000"/>
+          </a:ln>
+          <a:extLst>
+            <a:ext uri="{C572A759-6A51-4108-AA02-DFA0A04FC94B}">
+              <ma14:wrappingTextBoxFlag xmlns:ma14="http://schemas.microsoft.com/office/mac/drawingml/2011/main" val="1"/>
+            </a:ext>
+          </a:extLst>
+        </p:spPr>
+        <p:txBody>
+          <a:bodyPr wrap="none" lIns="50800" tIns="50800" rIns="50800" bIns="50800" anchor="ctr">
+            <a:spAutoFit/>
+          </a:bodyPr>
+          <a:lstStyle/>
+          <a:p>
+            <a:pPr/>
+            <a:r>
+              <a:t>Quelle: </a:t>
+            </a:r>
+            <a:r>
+              <a:rPr u="sng">
+                <a:hlinkClick r:id="rId3" invalidUrl="" action="" tgtFrame="" tooltip="" history="1" highlightClick="0" endSnd="0"/>
+              </a:rPr>
+              <a:t>https://refactoring.guru/images/patterns/diagrams/factory-method/solution3-en-2x.png</a:t>
+            </a:r>
+          </a:p>
+        </p:txBody>
+      </p:sp>
     </p:spTree>
   </p:cSld>
   <p:clrMapOvr>
@@ -7995,30 +8063,35 @@
           <a:chExt cx="0" cy="0"/>
         </a:xfrm>
       </p:grpSpPr>
-      <p:sp>
-        <p:nvSpPr>
-          <p:cNvPr id="285" name="Code-Beispiel"/>
-          <p:cNvSpPr txBox="1"/>
-          <p:nvPr>
-            <p:ph type="body" sz="half" idx="1"/>
-          </p:nvPr>
-        </p:nvSpPr>
-        <p:spPr>
-          <a:prstGeom prst="rect">
-            <a:avLst/>
-          </a:prstGeom>
-        </p:spPr>
-        <p:txBody>
-          <a:bodyPr/>
-          <a:lstStyle/>
-          <a:p>
-            <a:pPr/>
-            <a:r>
-              <a:t>Code-Beispiel</a:t>
-            </a:r>
-          </a:p>
-        </p:txBody>
-      </p:sp>
+      <p:pic>
+        <p:nvPicPr>
+          <p:cNvPr id="286" name="05. Factory Method.jpg" descr="05. Factory Method.jpg"/>
+          <p:cNvPicPr>
+            <a:picLocks noChangeAspect="1"/>
+          </p:cNvPicPr>
+          <p:nvPr/>
+        </p:nvPicPr>
+        <p:blipFill>
+          <a:blip r:embed="rId2">
+            <a:extLst/>
+          </a:blip>
+          <a:stretch>
+            <a:fillRect/>
+          </a:stretch>
+        </p:blipFill>
+        <p:spPr>
+          <a:xfrm>
+            <a:off x="5419951" y="711833"/>
+            <a:ext cx="13544098" cy="12292334"/>
+          </a:xfrm>
+          <a:prstGeom prst="rect">
+            <a:avLst/>
+          </a:prstGeom>
+          <a:ln w="12700">
+            <a:miter lim="400000"/>
+          </a:ln>
+        </p:spPr>
+      </p:pic>
     </p:spTree>
   </p:cSld>
   <p:clrMapOvr>
@@ -8047,14 +8120,38 @@
       </p:grpSpPr>
       <p:sp>
         <p:nvSpPr>
-          <p:cNvPr id="166" name="Abstrahieren des Instanziierungsprozesses…"/>
+          <p:cNvPr id="166" name="Bedeutung der Entwurfsmuster"/>
+          <p:cNvSpPr txBox="1"/>
+          <p:nvPr>
+            <p:ph type="title" idx="4294967295"/>
+          </p:nvPr>
+        </p:nvSpPr>
+        <p:spPr>
+          <a:prstGeom prst="rect">
+            <a:avLst/>
+          </a:prstGeom>
+        </p:spPr>
+        <p:txBody>
+          <a:bodyPr/>
+          <a:lstStyle/>
+          <a:p>
+            <a:pPr/>
+            <a:r>
+              <a:t>Bedeutung der Entwurfsmuster</a:t>
+            </a:r>
+          </a:p>
+        </p:txBody>
+      </p:sp>
+      <p:sp>
+        <p:nvSpPr>
+          <p:cNvPr id="167" name="beschreibt eine “generische” Lösung für ein Entwurfsproblem - wiederverwendbare Vorlage zur Problemlösung…"/>
           <p:cNvSpPr txBox="1"/>
           <p:nvPr/>
         </p:nvSpPr>
         <p:spPr>
           <a:xfrm>
-            <a:off x="874831" y="2873556"/>
-            <a:ext cx="22634338" cy="10034667"/>
+            <a:off x="874831" y="2884148"/>
+            <a:ext cx="22634338" cy="9474659"/>
           </a:xfrm>
           <a:prstGeom prst="rect">
             <a:avLst/>
@@ -8090,7 +8187,27 @@
               </a:defRPr>
             </a:pPr>
             <a:r>
-              <a:t>Abstrahieren des Instanziierungsprozesses</a:t>
+              <a:t>beschreibt eine “generische” Lösung für ein Entwurfsproblem - wiederverwendbare Vorlage zur Problemlösung</a:t>
+            </a:r>
+          </a:p>
+          <a:p>
+            <a:pPr marL="609600" indent="-609600" algn="l">
+              <a:lnSpc>
+                <a:spcPct val="90000"/>
+              </a:lnSpc>
+              <a:spcBef>
+                <a:spcPts val="4500"/>
+              </a:spcBef>
+              <a:buSzPct val="123000"/>
+              <a:buChar char="•"/>
+              <a:defRPr b="1" sz="4800">
+                <a:solidFill>
+                  <a:srgbClr val="000000"/>
+                </a:solidFill>
+              </a:defRPr>
+            </a:pPr>
+            <a:r>
+              <a:t>Entwickler sollen einheitliche Sprache über Systemdesign sprechen</a:t>
             </a:r>
           </a:p>
           <a:p>
@@ -8130,7 +8247,7 @@
               </a:defRPr>
             </a:pPr>
             <a:r>
-              <a:t>Aufteilung in klassen- und objektbasierte Muster</a:t>
+              <a:t>Verwendung von Objektkomposition und Dependency Inversion</a:t>
             </a:r>
           </a:p>
           <a:p>
@@ -8150,7 +8267,7 @@
               </a:defRPr>
             </a:pPr>
             <a:r>
-              <a:t>Verwendung von Objektkomposition und Dependency Inversion</a:t>
+              <a:t>Implementierung gegen Schnittstellen (Interfaces od. abstrakte Klassen)</a:t>
             </a:r>
           </a:p>
           <a:p>
@@ -8170,7 +8287,7 @@
               </a:defRPr>
             </a:pPr>
             <a:r>
-              <a:t>Kapselung der konkreten Klassen + Verbergung der Erzeugung</a:t>
+              <a:t>Bewahren des Open-Closed-Prinzips</a:t>
             </a:r>
           </a:p>
           <a:p>
@@ -8190,71 +8307,7 @@
               </a:defRPr>
             </a:pPr>
             <a:r>
-              <a:t>Implementierung gegen Schnittstellen</a:t>
-            </a:r>
-          </a:p>
-          <a:p>
-            <a:pPr marL="609600" indent="-609600" algn="l">
-              <a:lnSpc>
-                <a:spcPct val="90000"/>
-              </a:lnSpc>
-              <a:spcBef>
-                <a:spcPts val="4500"/>
-              </a:spcBef>
-              <a:buSzPct val="123000"/>
-              <a:buChar char="•"/>
-              <a:defRPr sz="4800">
-                <a:solidFill>
-                  <a:srgbClr val="000000"/>
-                </a:solidFill>
-              </a:defRPr>
-            </a:pPr>
-            <a:r>
-              <a:t>Bewahren des Open-Closed-Prinzips</a:t>
-            </a:r>
-          </a:p>
-          <a:p>
-            <a:pPr marL="609600" indent="-609600" algn="l">
-              <a:lnSpc>
-                <a:spcPct val="90000"/>
-              </a:lnSpc>
-              <a:spcBef>
-                <a:spcPts val="4500"/>
-              </a:spcBef>
-              <a:buSzPct val="123000"/>
-              <a:buChar char="•"/>
-              <a:defRPr sz="4800">
-                <a:solidFill>
-                  <a:srgbClr val="000000"/>
-                </a:solidFill>
-              </a:defRPr>
-            </a:pPr>
-            <a:r>
               <a:t>flexibles Design, geringer Wartungsaufwand, hohe Wiederverwendbarkeit</a:t>
-            </a:r>
-          </a:p>
-        </p:txBody>
-      </p:sp>
-      <p:sp>
-        <p:nvSpPr>
-          <p:cNvPr id="167" name="Bedeutung"/>
-          <p:cNvSpPr txBox="1"/>
-          <p:nvPr>
-            <p:ph type="title" idx="4294967295"/>
-          </p:nvPr>
-        </p:nvSpPr>
-        <p:spPr>
-          <a:prstGeom prst="rect">
-            <a:avLst/>
-          </a:prstGeom>
-        </p:spPr>
-        <p:txBody>
-          <a:bodyPr/>
-          <a:lstStyle/>
-          <a:p>
-            <a:pPr/>
-            <a:r>
-              <a:t>Bedeutung</a:t>
             </a:r>
           </a:p>
         </p:txBody>
@@ -8287,10 +8340,10 @@
       </p:grpSpPr>
       <p:sp>
         <p:nvSpPr>
-          <p:cNvPr id="287" name="Abstract Factory"/>
+          <p:cNvPr id="288" name="Code-Beispiel"/>
           <p:cNvSpPr txBox="1"/>
           <p:nvPr>
-            <p:ph type="title"/>
+            <p:ph type="body" sz="half" idx="1"/>
           </p:nvPr>
         </p:nvSpPr>
         <p:spPr>
@@ -8304,102 +8357,7 @@
           <a:p>
             <a:pPr/>
             <a:r>
-              <a:t>Abstract Factory</a:t>
-            </a:r>
-          </a:p>
-        </p:txBody>
-      </p:sp>
-      <p:sp>
-        <p:nvSpPr>
-          <p:cNvPr id="288" name="Abstrakte Fabrik"/>
-          <p:cNvSpPr txBox="1"/>
-          <p:nvPr>
-            <p:ph type="body" sz="quarter" idx="1"/>
-          </p:nvPr>
-        </p:nvSpPr>
-        <p:spPr>
-          <a:prstGeom prst="rect">
-            <a:avLst/>
-          </a:prstGeom>
-        </p:spPr>
-        <p:txBody>
-          <a:bodyPr/>
-          <a:lstStyle/>
-          <a:p>
-            <a:pPr/>
-            <a:r>
-              <a:t>Abstrakte Fabrik</a:t>
-            </a:r>
-          </a:p>
-        </p:txBody>
-      </p:sp>
-      <p:pic>
-        <p:nvPicPr>
-          <p:cNvPr id="289" name="Image" descr="Image"/>
-          <p:cNvPicPr>
-            <a:picLocks noChangeAspect="1"/>
-          </p:cNvPicPr>
-          <p:nvPr/>
-        </p:nvPicPr>
-        <p:blipFill>
-          <a:blip r:embed="rId2">
-            <a:extLst/>
-          </a:blip>
-          <a:stretch>
-            <a:fillRect/>
-          </a:stretch>
-        </p:blipFill>
-        <p:spPr>
-          <a:xfrm>
-            <a:off x="9862661" y="1984861"/>
-            <a:ext cx="13871657" cy="8669785"/>
-          </a:xfrm>
-          <a:prstGeom prst="rect">
-            <a:avLst/>
-          </a:prstGeom>
-          <a:ln w="12700">
-            <a:miter lim="400000"/>
-          </a:ln>
-        </p:spPr>
-      </p:pic>
-      <p:sp>
-        <p:nvSpPr>
-          <p:cNvPr id="290" name="Quelle: https://refactoring.guru/design-patterns/abstract-factory"/>
-          <p:cNvSpPr txBox="1"/>
-          <p:nvPr/>
-        </p:nvSpPr>
-        <p:spPr>
-          <a:xfrm>
-            <a:off x="12383461" y="11228809"/>
-            <a:ext cx="8830057" cy="461367"/>
-          </a:xfrm>
-          <a:prstGeom prst="rect">
-            <a:avLst/>
-          </a:prstGeom>
-          <a:ln w="12700">
-            <a:miter lim="400000"/>
-          </a:ln>
-          <a:extLst>
-            <a:ext uri="{C572A759-6A51-4108-AA02-DFA0A04FC94B}">
-              <ma14:wrappingTextBoxFlag xmlns:ma14="http://schemas.microsoft.com/office/mac/drawingml/2011/main" val="1"/>
-            </a:ext>
-          </a:extLst>
-        </p:spPr>
-        <p:txBody>
-          <a:bodyPr wrap="none" lIns="50800" tIns="50800" rIns="50800" bIns="50800" anchor="ctr">
-            <a:spAutoFit/>
-          </a:bodyPr>
-          <a:lstStyle/>
-          <a:p>
-            <a:pPr/>
-            <a:r>
-              <a:t>Quelle: </a:t>
-            </a:r>
-            <a:r>
-              <a:rPr u="sng">
-                <a:hlinkClick r:id="rId3" invalidUrl="" action="" tgtFrame="" tooltip="" history="1" highlightClick="0" endSnd="0"/>
-              </a:rPr>
-              <a:t>https://refactoring.guru/design-patterns/abstract-factory</a:t>
+              <a:t>Code-Beispiel</a:t>
             </a:r>
           </a:p>
         </p:txBody>
@@ -8432,10 +8390,10 @@
       </p:grpSpPr>
       <p:sp>
         <p:nvSpPr>
-          <p:cNvPr id="292" name="Demo"/>
+          <p:cNvPr id="290" name="Abstract Factory"/>
           <p:cNvSpPr txBox="1"/>
           <p:nvPr>
-            <p:ph type="body" sz="half" idx="1"/>
+            <p:ph type="title"/>
           </p:nvPr>
         </p:nvSpPr>
         <p:spPr>
@@ -8449,7 +8407,102 @@
           <a:p>
             <a:pPr/>
             <a:r>
-              <a:t>Demo</a:t>
+              <a:t>Abstract Factory</a:t>
+            </a:r>
+          </a:p>
+        </p:txBody>
+      </p:sp>
+      <p:sp>
+        <p:nvSpPr>
+          <p:cNvPr id="291" name="Abstrakte Fabrik"/>
+          <p:cNvSpPr txBox="1"/>
+          <p:nvPr>
+            <p:ph type="body" sz="quarter" idx="1"/>
+          </p:nvPr>
+        </p:nvSpPr>
+        <p:spPr>
+          <a:prstGeom prst="rect">
+            <a:avLst/>
+          </a:prstGeom>
+        </p:spPr>
+        <p:txBody>
+          <a:bodyPr/>
+          <a:lstStyle/>
+          <a:p>
+            <a:pPr/>
+            <a:r>
+              <a:t>Abstrakte Fabrik</a:t>
+            </a:r>
+          </a:p>
+        </p:txBody>
+      </p:sp>
+      <p:pic>
+        <p:nvPicPr>
+          <p:cNvPr id="292" name="Image" descr="Image"/>
+          <p:cNvPicPr>
+            <a:picLocks noChangeAspect="1"/>
+          </p:cNvPicPr>
+          <p:nvPr/>
+        </p:nvPicPr>
+        <p:blipFill>
+          <a:blip r:embed="rId2">
+            <a:extLst/>
+          </a:blip>
+          <a:stretch>
+            <a:fillRect/>
+          </a:stretch>
+        </p:blipFill>
+        <p:spPr>
+          <a:xfrm>
+            <a:off x="9862661" y="1984861"/>
+            <a:ext cx="13871657" cy="8669785"/>
+          </a:xfrm>
+          <a:prstGeom prst="rect">
+            <a:avLst/>
+          </a:prstGeom>
+          <a:ln w="12700">
+            <a:miter lim="400000"/>
+          </a:ln>
+        </p:spPr>
+      </p:pic>
+      <p:sp>
+        <p:nvSpPr>
+          <p:cNvPr id="293" name="Quelle: https://refactoring.guru/design-patterns/abstract-factory"/>
+          <p:cNvSpPr txBox="1"/>
+          <p:nvPr/>
+        </p:nvSpPr>
+        <p:spPr>
+          <a:xfrm>
+            <a:off x="12383461" y="11228809"/>
+            <a:ext cx="8830057" cy="461367"/>
+          </a:xfrm>
+          <a:prstGeom prst="rect">
+            <a:avLst/>
+          </a:prstGeom>
+          <a:ln w="12700">
+            <a:miter lim="400000"/>
+          </a:ln>
+          <a:extLst>
+            <a:ext uri="{C572A759-6A51-4108-AA02-DFA0A04FC94B}">
+              <ma14:wrappingTextBoxFlag xmlns:ma14="http://schemas.microsoft.com/office/mac/drawingml/2011/main" val="1"/>
+            </a:ext>
+          </a:extLst>
+        </p:spPr>
+        <p:txBody>
+          <a:bodyPr wrap="none" lIns="50800" tIns="50800" rIns="50800" bIns="50800" anchor="ctr">
+            <a:spAutoFit/>
+          </a:bodyPr>
+          <a:lstStyle/>
+          <a:p>
+            <a:pPr/>
+            <a:r>
+              <a:t>Quelle: </a:t>
+            </a:r>
+            <a:r>
+              <a:rPr u="sng">
+                <a:hlinkClick r:id="rId3" invalidUrl="" action="" tgtFrame="" tooltip="" history="1" highlightClick="0" endSnd="0"/>
+              </a:rPr>
+              <a:t>https://refactoring.guru/design-patterns/abstract-factory</a:t>
             </a:r>
           </a:p>
         </p:txBody>
@@ -8480,35 +8533,30 @@
           <a:chExt cx="0" cy="0"/>
         </a:xfrm>
       </p:grpSpPr>
-      <p:pic>
-        <p:nvPicPr>
-          <p:cNvPr id="294" name="01. Abstract Factory example.jpg" descr="01. Abstract Factory example.jpg"/>
-          <p:cNvPicPr>
-            <a:picLocks noChangeAspect="1"/>
-          </p:cNvPicPr>
-          <p:nvPr/>
-        </p:nvPicPr>
-        <p:blipFill>
-          <a:blip r:embed="rId2">
-            <a:extLst/>
-          </a:blip>
-          <a:stretch>
-            <a:fillRect/>
-          </a:stretch>
-        </p:blipFill>
-        <p:spPr>
-          <a:xfrm>
-            <a:off x="4008389" y="118556"/>
-            <a:ext cx="16367224" cy="13478888"/>
-          </a:xfrm>
-          <a:prstGeom prst="rect">
-            <a:avLst/>
-          </a:prstGeom>
-          <a:ln w="12700">
-            <a:miter lim="400000"/>
-          </a:ln>
-        </p:spPr>
-      </p:pic>
+      <p:sp>
+        <p:nvSpPr>
+          <p:cNvPr id="295" name="Demo"/>
+          <p:cNvSpPr txBox="1"/>
+          <p:nvPr>
+            <p:ph type="body" sz="half" idx="1"/>
+          </p:nvPr>
+        </p:nvSpPr>
+        <p:spPr>
+          <a:prstGeom prst="rect">
+            <a:avLst/>
+          </a:prstGeom>
+        </p:spPr>
+        <p:txBody>
+          <a:bodyPr/>
+          <a:lstStyle/>
+          <a:p>
+            <a:pPr/>
+            <a:r>
+              <a:t>Demo</a:t>
+            </a:r>
+          </a:p>
+        </p:txBody>
+      </p:sp>
     </p:spTree>
   </p:cSld>
   <p:clrMapOvr>
@@ -8535,107 +8583,9 @@
           <a:chExt cx="0" cy="0"/>
         </a:xfrm>
       </p:grpSpPr>
-      <p:sp>
-        <p:nvSpPr>
-          <p:cNvPr id="296" name="Schnittstelle zum Erzeugen verwandter Objektfamilien…"/>
-          <p:cNvSpPr txBox="1"/>
-          <p:nvPr/>
-        </p:nvSpPr>
-        <p:spPr>
-          <a:xfrm>
-            <a:off x="1198314" y="3148071"/>
-            <a:ext cx="21987372" cy="3257866"/>
-          </a:xfrm>
-          <a:prstGeom prst="rect">
-            <a:avLst/>
-          </a:prstGeom>
-          <a:ln w="12700">
-            <a:miter lim="400000"/>
-          </a:ln>
-          <a:extLst>
-            <a:ext uri="{C572A759-6A51-4108-AA02-DFA0A04FC94B}">
-              <ma14:wrappingTextBoxFlag xmlns:ma14="http://schemas.microsoft.com/office/mac/drawingml/2011/main" val="1"/>
-            </a:ext>
-          </a:extLst>
-        </p:spPr>
-        <p:txBody>
-          <a:bodyPr lIns="50800" tIns="50800" rIns="50800" bIns="50800" anchor="ctr">
-            <a:spAutoFit/>
-          </a:bodyPr>
-          <a:lstStyle/>
-          <a:p>
-            <a:pPr marL="609600" indent="-609600" algn="l">
-              <a:lnSpc>
-                <a:spcPct val="90000"/>
-              </a:lnSpc>
-              <a:spcBef>
-                <a:spcPts val="4500"/>
-              </a:spcBef>
-              <a:buSzPct val="123000"/>
-              <a:buChar char="•"/>
-              <a:defRPr sz="4800">
-                <a:solidFill>
-                  <a:srgbClr val="000000"/>
-                </a:solidFill>
-              </a:defRPr>
-            </a:pPr>
-            <a:r>
-              <a:t>Schnittstelle zum Erzeugen verwandter Objektfamilien</a:t>
-            </a:r>
-          </a:p>
-          <a:p>
-            <a:pPr marL="609600" indent="-609600" algn="l">
-              <a:lnSpc>
-                <a:spcPct val="90000"/>
-              </a:lnSpc>
-              <a:spcBef>
-                <a:spcPts val="4500"/>
-              </a:spcBef>
-              <a:buSzPct val="123000"/>
-              <a:buChar char="•"/>
-              <a:defRPr sz="4800">
-                <a:solidFill>
-                  <a:srgbClr val="000000"/>
-                </a:solidFill>
-              </a:defRPr>
-            </a:pPr>
-            <a:r>
-              <a:t>Verbergung der konkreten Klassen</a:t>
-            </a:r>
-          </a:p>
-        </p:txBody>
-      </p:sp>
-      <p:sp>
-        <p:nvSpPr>
-          <p:cNvPr id="297" name="Zweck"/>
-          <p:cNvSpPr txBox="1"/>
-          <p:nvPr>
-            <p:ph type="title"/>
-          </p:nvPr>
-        </p:nvSpPr>
-        <p:spPr>
-          <a:xfrm>
-            <a:off x="1206500" y="1079500"/>
-            <a:ext cx="21971000" cy="1433163"/>
-          </a:xfrm>
-          <a:prstGeom prst="rect">
-            <a:avLst/>
-          </a:prstGeom>
-        </p:spPr>
-        <p:txBody>
-          <a:bodyPr/>
-          <a:lstStyle/>
-          <a:p>
-            <a:pPr/>
-            <a:r>
-              <a:t>Zweck</a:t>
-            </a:r>
-          </a:p>
-        </p:txBody>
-      </p:sp>
       <p:pic>
         <p:nvPicPr>
-          <p:cNvPr id="298" name="Screen Shot 2020-12-10 at 10.56.08.png" descr="Screen Shot 2020-12-10 at 10.56.08.png"/>
+          <p:cNvPr id="297" name="01. Abstract Factory example.jpg" descr="01. Abstract Factory example.jpg"/>
           <p:cNvPicPr>
             <a:picLocks noChangeAspect="1"/>
           </p:cNvPicPr>
@@ -8651,8 +8601,8 @@
         </p:blipFill>
         <p:spPr>
           <a:xfrm>
-            <a:off x="7386246" y="5468974"/>
-            <a:ext cx="9611508" cy="7325845"/>
+            <a:off x="4008389" y="118556"/>
+            <a:ext cx="16367224" cy="13478888"/>
           </a:xfrm>
           <a:prstGeom prst="rect">
             <a:avLst/>
@@ -8662,48 +8612,6 @@
           </a:ln>
         </p:spPr>
       </p:pic>
-      <p:sp>
-        <p:nvSpPr>
-          <p:cNvPr id="299" name="Quelle: https://refactoring.guru/images/patterns/diagrams/abstract-factory/problem-en-2x.png"/>
-          <p:cNvSpPr txBox="1"/>
-          <p:nvPr/>
-        </p:nvSpPr>
-        <p:spPr>
-          <a:xfrm>
-            <a:off x="5699302" y="12808377"/>
-            <a:ext cx="12985396" cy="461366"/>
-          </a:xfrm>
-          <a:prstGeom prst="rect">
-            <a:avLst/>
-          </a:prstGeom>
-          <a:ln w="12700">
-            <a:miter lim="400000"/>
-          </a:ln>
-          <a:extLst>
-            <a:ext uri="{C572A759-6A51-4108-AA02-DFA0A04FC94B}">
-              <ma14:wrappingTextBoxFlag xmlns:ma14="http://schemas.microsoft.com/office/mac/drawingml/2011/main" val="1"/>
-            </a:ext>
-          </a:extLst>
-        </p:spPr>
-        <p:txBody>
-          <a:bodyPr wrap="none" lIns="50800" tIns="50800" rIns="50800" bIns="50800" anchor="ctr">
-            <a:spAutoFit/>
-          </a:bodyPr>
-          <a:lstStyle/>
-          <a:p>
-            <a:pPr/>
-            <a:r>
-              <a:t>Quelle: </a:t>
-            </a:r>
-            <a:r>
-              <a:rPr u="sng">
-                <a:hlinkClick r:id="rId3" invalidUrl="" action="" tgtFrame="" tooltip="" history="1" highlightClick="0" endSnd="0"/>
-              </a:rPr>
-              <a:t>https://refactoring.guru/images/patterns/diagrams/abstract-factory/problem-en-2x.png</a:t>
-            </a:r>
-          </a:p>
-        </p:txBody>
-      </p:sp>
     </p:spTree>
   </p:cSld>
   <p:clrMapOvr>
@@ -8732,38 +8640,14 @@
       </p:grpSpPr>
       <p:sp>
         <p:nvSpPr>
-          <p:cNvPr id="301" name="Anwendbarkeit"/>
-          <p:cNvSpPr txBox="1"/>
-          <p:nvPr>
-            <p:ph type="title" idx="4294967295"/>
-          </p:nvPr>
-        </p:nvSpPr>
-        <p:spPr>
-          <a:prstGeom prst="rect">
-            <a:avLst/>
-          </a:prstGeom>
-        </p:spPr>
-        <p:txBody>
-          <a:bodyPr/>
-          <a:lstStyle/>
-          <a:p>
-            <a:pPr/>
-            <a:r>
-              <a:t>Anwendbarkeit</a:t>
-            </a:r>
-          </a:p>
-        </p:txBody>
-      </p:sp>
-      <p:sp>
-        <p:nvSpPr>
-          <p:cNvPr id="302" name="System soll unabhängig von Generierung, Komposition und Darstellung seiner Objekte arbeiten…"/>
+          <p:cNvPr id="299" name="Schnittstelle zum Erzeugen verwandter Objektfamilien…"/>
           <p:cNvSpPr txBox="1"/>
           <p:nvPr/>
         </p:nvSpPr>
         <p:spPr>
           <a:xfrm>
-            <a:off x="1198314" y="2884333"/>
-            <a:ext cx="21987372" cy="6360516"/>
+            <a:off x="1198314" y="3148071"/>
+            <a:ext cx="21987372" cy="3257866"/>
           </a:xfrm>
           <a:prstGeom prst="rect">
             <a:avLst/>
@@ -8799,7 +8683,7 @@
               </a:defRPr>
             </a:pPr>
             <a:r>
-              <a:t>System soll unabhängig von Generierung, Komposition und Darstellung seiner Objekte arbeiten</a:t>
+              <a:t>Schnittstelle zum Erzeugen verwandter Objektfamilien</a:t>
             </a:r>
           </a:p>
           <a:p>
@@ -8819,47 +8703,106 @@
               </a:defRPr>
             </a:pPr>
             <a:r>
-              <a:t>System soll von mehreren Produktfamilien konfiguriert werden</a:t>
-            </a:r>
-          </a:p>
-          <a:p>
-            <a:pPr marL="609600" indent="-609600" algn="l">
-              <a:lnSpc>
-                <a:spcPct val="90000"/>
-              </a:lnSpc>
-              <a:spcBef>
-                <a:spcPts val="4500"/>
-              </a:spcBef>
-              <a:buSzPct val="123000"/>
-              <a:buChar char="•"/>
-              <a:defRPr sz="4800">
-                <a:solidFill>
-                  <a:srgbClr val="000000"/>
-                </a:solidFill>
-              </a:defRPr>
-            </a:pPr>
-            <a:r>
-              <a:t>Familien sollen gemeinsam verwendet werden (Zwang)</a:t>
-            </a:r>
-          </a:p>
-          <a:p>
-            <a:pPr marL="609600" indent="-609600" algn="l">
-              <a:lnSpc>
-                <a:spcPct val="90000"/>
-              </a:lnSpc>
-              <a:spcBef>
-                <a:spcPts val="4500"/>
-              </a:spcBef>
-              <a:buSzPct val="123000"/>
-              <a:buChar char="•"/>
-              <a:defRPr sz="4800">
-                <a:solidFill>
-                  <a:srgbClr val="000000"/>
-                </a:solidFill>
-              </a:defRPr>
-            </a:pPr>
-            <a:r>
-              <a:t>nur Schnittstellen sollen verwendet werden dürfen</a:t>
+              <a:t>Verbergung der konkreten Klassen</a:t>
+            </a:r>
+          </a:p>
+        </p:txBody>
+      </p:sp>
+      <p:sp>
+        <p:nvSpPr>
+          <p:cNvPr id="300" name="Zweck"/>
+          <p:cNvSpPr txBox="1"/>
+          <p:nvPr>
+            <p:ph type="title"/>
+          </p:nvPr>
+        </p:nvSpPr>
+        <p:spPr>
+          <a:xfrm>
+            <a:off x="1206500" y="1079500"/>
+            <a:ext cx="21971000" cy="1433163"/>
+          </a:xfrm>
+          <a:prstGeom prst="rect">
+            <a:avLst/>
+          </a:prstGeom>
+        </p:spPr>
+        <p:txBody>
+          <a:bodyPr/>
+          <a:lstStyle/>
+          <a:p>
+            <a:pPr/>
+            <a:r>
+              <a:t>Zweck</a:t>
+            </a:r>
+          </a:p>
+        </p:txBody>
+      </p:sp>
+      <p:pic>
+        <p:nvPicPr>
+          <p:cNvPr id="301" name="Screen Shot 2020-12-10 at 10.56.08.png" descr="Screen Shot 2020-12-10 at 10.56.08.png"/>
+          <p:cNvPicPr>
+            <a:picLocks noChangeAspect="1"/>
+          </p:cNvPicPr>
+          <p:nvPr/>
+        </p:nvPicPr>
+        <p:blipFill>
+          <a:blip r:embed="rId2">
+            <a:extLst/>
+          </a:blip>
+          <a:stretch>
+            <a:fillRect/>
+          </a:stretch>
+        </p:blipFill>
+        <p:spPr>
+          <a:xfrm>
+            <a:off x="7386246" y="5468974"/>
+            <a:ext cx="9611508" cy="7325845"/>
+          </a:xfrm>
+          <a:prstGeom prst="rect">
+            <a:avLst/>
+          </a:prstGeom>
+          <a:ln w="12700">
+            <a:miter lim="400000"/>
+          </a:ln>
+        </p:spPr>
+      </p:pic>
+      <p:sp>
+        <p:nvSpPr>
+          <p:cNvPr id="302" name="Quelle: https://refactoring.guru/images/patterns/diagrams/abstract-factory/problem-en-2x.png"/>
+          <p:cNvSpPr txBox="1"/>
+          <p:nvPr/>
+        </p:nvSpPr>
+        <p:spPr>
+          <a:xfrm>
+            <a:off x="5699302" y="12808377"/>
+            <a:ext cx="12985396" cy="461366"/>
+          </a:xfrm>
+          <a:prstGeom prst="rect">
+            <a:avLst/>
+          </a:prstGeom>
+          <a:ln w="12700">
+            <a:miter lim="400000"/>
+          </a:ln>
+          <a:extLst>
+            <a:ext uri="{C572A759-6A51-4108-AA02-DFA0A04FC94B}">
+              <ma14:wrappingTextBoxFlag xmlns:ma14="http://schemas.microsoft.com/office/mac/drawingml/2011/main" val="1"/>
+            </a:ext>
+          </a:extLst>
+        </p:spPr>
+        <p:txBody>
+          <a:bodyPr wrap="none" lIns="50800" tIns="50800" rIns="50800" bIns="50800" anchor="ctr">
+            <a:spAutoFit/>
+          </a:bodyPr>
+          <a:lstStyle/>
+          <a:p>
+            <a:pPr/>
+            <a:r>
+              <a:t>Quelle: </a:t>
+            </a:r>
+            <a:r>
+              <a:rPr u="sng">
+                <a:hlinkClick r:id="rId3" invalidUrl="" action="" tgtFrame="" tooltip="" history="1" highlightClick="0" endSnd="0"/>
+              </a:rPr>
+              <a:t>https://refactoring.guru/images/patterns/diagrams/abstract-factory/problem-en-2x.png</a:t>
             </a:r>
           </a:p>
         </p:txBody>
@@ -8892,14 +8835,38 @@
       </p:grpSpPr>
       <p:sp>
         <p:nvSpPr>
-          <p:cNvPr id="304" name="Isolierung konkreter Klassen…"/>
+          <p:cNvPr id="304" name="Anwendbarkeit"/>
+          <p:cNvSpPr txBox="1"/>
+          <p:nvPr>
+            <p:ph type="title" idx="4294967295"/>
+          </p:nvPr>
+        </p:nvSpPr>
+        <p:spPr>
+          <a:prstGeom prst="rect">
+            <a:avLst/>
+          </a:prstGeom>
+        </p:spPr>
+        <p:txBody>
+          <a:bodyPr/>
+          <a:lstStyle/>
+          <a:p>
+            <a:pPr/>
+            <a:r>
+              <a:t>Anwendbarkeit</a:t>
+            </a:r>
+          </a:p>
+        </p:txBody>
+      </p:sp>
+      <p:sp>
+        <p:nvSpPr>
+          <p:cNvPr id="305" name="System soll unabhängig von Generierung, Komposition und Darstellung seiner Objekte arbeiten…"/>
           <p:cNvSpPr txBox="1"/>
           <p:nvPr/>
         </p:nvSpPr>
         <p:spPr>
           <a:xfrm>
-            <a:off x="1198314" y="2721709"/>
-            <a:ext cx="21987372" cy="4482583"/>
+            <a:off x="1198314" y="2884333"/>
+            <a:ext cx="21987372" cy="6360516"/>
           </a:xfrm>
           <a:prstGeom prst="rect">
             <a:avLst/>
@@ -8935,7 +8902,7 @@
               </a:defRPr>
             </a:pPr>
             <a:r>
-              <a:t>Isolierung konkreter Klassen</a:t>
+              <a:t>System soll unabhängig von Generierung, Komposition und Darstellung seiner Objekte arbeiten</a:t>
             </a:r>
           </a:p>
           <a:p>
@@ -8955,7 +8922,7 @@
               </a:defRPr>
             </a:pPr>
             <a:r>
-              <a:t>Einfacher Austausch von Produktfamilien</a:t>
+              <a:t>System soll von mehreren Produktfamilien konfiguriert werden</a:t>
             </a:r>
           </a:p>
           <a:p>
@@ -8975,7 +8942,7 @@
               </a:defRPr>
             </a:pPr>
             <a:r>
-              <a:t>Produktkonsistenz (Einhaltung der Zusammenarbeit der Produkte)</a:t>
+              <a:t>Familien sollen gemeinsam verwendet werden (Zwang)</a:t>
             </a:r>
           </a:p>
           <a:p>
@@ -8995,35 +8962,7 @@
               </a:defRPr>
             </a:pPr>
             <a:r>
-              <a:t>Unterstützung neuer Produktarten (Bewahren des OCP)</a:t>
-            </a:r>
-          </a:p>
-        </p:txBody>
-      </p:sp>
-      <p:sp>
-        <p:nvSpPr>
-          <p:cNvPr id="305" name="Konsequenzen (Vor- und Nachteile)"/>
-          <p:cNvSpPr txBox="1"/>
-          <p:nvPr>
-            <p:ph type="title"/>
-          </p:nvPr>
-        </p:nvSpPr>
-        <p:spPr>
-          <a:xfrm>
-            <a:off x="1206500" y="1079500"/>
-            <a:ext cx="21971000" cy="1433163"/>
-          </a:xfrm>
-          <a:prstGeom prst="rect">
-            <a:avLst/>
-          </a:prstGeom>
-        </p:spPr>
-        <p:txBody>
-          <a:bodyPr/>
-          <a:lstStyle/>
-          <a:p>
-            <a:pPr/>
-            <a:r>
-              <a:t>Konsequenzen (Vor- und Nachteile)</a:t>
+              <a:t>nur Schnittstellen sollen verwendet werden dürfen</a:t>
             </a:r>
           </a:p>
         </p:txBody>
@@ -9056,38 +8995,14 @@
       </p:grpSpPr>
       <p:sp>
         <p:nvSpPr>
-          <p:cNvPr id="307" name="Erweiterbarkeit"/>
-          <p:cNvSpPr txBox="1"/>
-          <p:nvPr>
-            <p:ph type="title" idx="4294967295"/>
-          </p:nvPr>
-        </p:nvSpPr>
-        <p:spPr>
-          <a:prstGeom prst="rect">
-            <a:avLst/>
-          </a:prstGeom>
-        </p:spPr>
-        <p:txBody>
-          <a:bodyPr/>
-          <a:lstStyle/>
-          <a:p>
-            <a:pPr/>
-            <a:r>
-              <a:t>Erweiterbarkeit</a:t>
-            </a:r>
-          </a:p>
-        </p:txBody>
-      </p:sp>
-      <p:sp>
-        <p:nvSpPr>
-          <p:cNvPr id="308" name="Fabriken als Singletons…"/>
+          <p:cNvPr id="307" name="Isolierung konkreter Klassen…"/>
           <p:cNvSpPr txBox="1"/>
           <p:nvPr/>
         </p:nvSpPr>
         <p:spPr>
           <a:xfrm>
-            <a:off x="1198314" y="2851801"/>
-            <a:ext cx="21987372" cy="2686366"/>
+            <a:off x="1198314" y="2721709"/>
+            <a:ext cx="21987372" cy="4482583"/>
           </a:xfrm>
           <a:prstGeom prst="rect">
             <a:avLst/>
@@ -9123,7 +9038,7 @@
               </a:defRPr>
             </a:pPr>
             <a:r>
-              <a:t>Fabriken als Singletons</a:t>
+              <a:t>Isolierung konkreter Klassen</a:t>
             </a:r>
           </a:p>
           <a:p>
@@ -9143,78 +9058,75 @@
               </a:defRPr>
             </a:pPr>
             <a:r>
-              <a:t>Variierung der Erzeugung der Produkte in den Fabriken (z.B. durch Fabrikmethode oder Prototype, etc)</a:t>
-            </a:r>
-          </a:p>
-        </p:txBody>
-      </p:sp>
-      <p:pic>
-        <p:nvPicPr>
-          <p:cNvPr id="309" name="Screen Shot 2020-12-10 at 10.57.28.png" descr="Screen Shot 2020-12-10 at 10.57.28.png"/>
-          <p:cNvPicPr>
-            <a:picLocks noChangeAspect="1"/>
-          </p:cNvPicPr>
-          <p:nvPr/>
-        </p:nvPicPr>
-        <p:blipFill>
-          <a:blip r:embed="rId2">
-            <a:extLst/>
-          </a:blip>
-          <a:stretch>
-            <a:fillRect/>
-          </a:stretch>
-        </p:blipFill>
-        <p:spPr>
-          <a:xfrm>
-            <a:off x="5543806" y="6367425"/>
-            <a:ext cx="13296388" cy="6606557"/>
-          </a:xfrm>
-          <a:prstGeom prst="rect">
-            <a:avLst/>
-          </a:prstGeom>
-          <a:ln w="12700">
-            <a:miter lim="400000"/>
-          </a:ln>
-        </p:spPr>
-      </p:pic>
-      <p:sp>
-        <p:nvSpPr>
-          <p:cNvPr id="310" name="Quelle: https://refactoring.guru/images/patterns/content/abstract-factory/abstract-factory-comic-1-en-2x.png"/>
-          <p:cNvSpPr txBox="1"/>
-          <p:nvPr/>
-        </p:nvSpPr>
-        <p:spPr>
-          <a:xfrm>
-            <a:off x="4669231" y="12921791"/>
-            <a:ext cx="15045538" cy="461367"/>
-          </a:xfrm>
-          <a:prstGeom prst="rect">
-            <a:avLst/>
-          </a:prstGeom>
-          <a:ln w="12700">
-            <a:miter lim="400000"/>
-          </a:ln>
-          <a:extLst>
-            <a:ext uri="{C572A759-6A51-4108-AA02-DFA0A04FC94B}">
-              <ma14:wrappingTextBoxFlag xmlns:ma14="http://schemas.microsoft.com/office/mac/drawingml/2011/main" val="1"/>
-            </a:ext>
-          </a:extLst>
-        </p:spPr>
-        <p:txBody>
-          <a:bodyPr wrap="none" lIns="50800" tIns="50800" rIns="50800" bIns="50800" anchor="ctr">
-            <a:spAutoFit/>
-          </a:bodyPr>
+              <a:t>Einfacher Austausch von Produktfamilien</a:t>
+            </a:r>
+          </a:p>
+          <a:p>
+            <a:pPr marL="609600" indent="-609600" algn="l">
+              <a:lnSpc>
+                <a:spcPct val="90000"/>
+              </a:lnSpc>
+              <a:spcBef>
+                <a:spcPts val="4500"/>
+              </a:spcBef>
+              <a:buSzPct val="123000"/>
+              <a:buChar char="•"/>
+              <a:defRPr sz="4800">
+                <a:solidFill>
+                  <a:srgbClr val="000000"/>
+                </a:solidFill>
+              </a:defRPr>
+            </a:pPr>
+            <a:r>
+              <a:t>Produktkonsistenz (Einhaltung der Zusammenarbeit der Produkte)</a:t>
+            </a:r>
+          </a:p>
+          <a:p>
+            <a:pPr marL="609600" indent="-609600" algn="l">
+              <a:lnSpc>
+                <a:spcPct val="90000"/>
+              </a:lnSpc>
+              <a:spcBef>
+                <a:spcPts val="4500"/>
+              </a:spcBef>
+              <a:buSzPct val="123000"/>
+              <a:buChar char="•"/>
+              <a:defRPr sz="4800">
+                <a:solidFill>
+                  <a:srgbClr val="000000"/>
+                </a:solidFill>
+              </a:defRPr>
+            </a:pPr>
+            <a:r>
+              <a:t>Unterstützung neuer Produktarten (Bewahren des OCP)</a:t>
+            </a:r>
+          </a:p>
+        </p:txBody>
+      </p:sp>
+      <p:sp>
+        <p:nvSpPr>
+          <p:cNvPr id="308" name="Konsequenzen (Vor- und Nachteile)"/>
+          <p:cNvSpPr txBox="1"/>
+          <p:nvPr>
+            <p:ph type="title"/>
+          </p:nvPr>
+        </p:nvSpPr>
+        <p:spPr>
+          <a:xfrm>
+            <a:off x="1206500" y="1079500"/>
+            <a:ext cx="21971000" cy="1433163"/>
+          </a:xfrm>
+          <a:prstGeom prst="rect">
+            <a:avLst/>
+          </a:prstGeom>
+        </p:spPr>
+        <p:txBody>
+          <a:bodyPr/>
           <a:lstStyle/>
           <a:p>
             <a:pPr/>
             <a:r>
-              <a:t>Quelle: </a:t>
-            </a:r>
-            <a:r>
-              <a:rPr u="sng">
-                <a:hlinkClick r:id="rId3" invalidUrl="" action="" tgtFrame="" tooltip="" history="1" highlightClick="0" endSnd="0"/>
-              </a:rPr>
-              <a:t>https://refactoring.guru/images/patterns/content/abstract-factory/abstract-factory-comic-1-en-2x.png</a:t>
+              <a:t>Konsequenzen (Vor- und Nachteile)</a:t>
             </a:r>
           </a:p>
         </p:txBody>
@@ -9245,9 +9157,103 @@
           <a:chExt cx="0" cy="0"/>
         </a:xfrm>
       </p:grpSpPr>
+      <p:sp>
+        <p:nvSpPr>
+          <p:cNvPr id="310" name="Erweiterbarkeit"/>
+          <p:cNvSpPr txBox="1"/>
+          <p:nvPr>
+            <p:ph type="title" idx="4294967295"/>
+          </p:nvPr>
+        </p:nvSpPr>
+        <p:spPr>
+          <a:prstGeom prst="rect">
+            <a:avLst/>
+          </a:prstGeom>
+        </p:spPr>
+        <p:txBody>
+          <a:bodyPr/>
+          <a:lstStyle/>
+          <a:p>
+            <a:pPr/>
+            <a:r>
+              <a:t>Erweiterbarkeit</a:t>
+            </a:r>
+          </a:p>
+        </p:txBody>
+      </p:sp>
+      <p:sp>
+        <p:nvSpPr>
+          <p:cNvPr id="311" name="Fabriken als Singletons…"/>
+          <p:cNvSpPr txBox="1"/>
+          <p:nvPr/>
+        </p:nvSpPr>
+        <p:spPr>
+          <a:xfrm>
+            <a:off x="1198314" y="2851801"/>
+            <a:ext cx="21987372" cy="2686366"/>
+          </a:xfrm>
+          <a:prstGeom prst="rect">
+            <a:avLst/>
+          </a:prstGeom>
+          <a:ln w="12700">
+            <a:miter lim="400000"/>
+          </a:ln>
+          <a:extLst>
+            <a:ext uri="{C572A759-6A51-4108-AA02-DFA0A04FC94B}">
+              <ma14:wrappingTextBoxFlag xmlns:ma14="http://schemas.microsoft.com/office/mac/drawingml/2011/main" val="1"/>
+            </a:ext>
+          </a:extLst>
+        </p:spPr>
+        <p:txBody>
+          <a:bodyPr lIns="50800" tIns="50800" rIns="50800" bIns="50800" anchor="ctr">
+            <a:spAutoFit/>
+          </a:bodyPr>
+          <a:lstStyle/>
+          <a:p>
+            <a:pPr marL="609600" indent="-609600" algn="l">
+              <a:lnSpc>
+                <a:spcPct val="90000"/>
+              </a:lnSpc>
+              <a:spcBef>
+                <a:spcPts val="4500"/>
+              </a:spcBef>
+              <a:buSzPct val="123000"/>
+              <a:buChar char="•"/>
+              <a:defRPr sz="4800">
+                <a:solidFill>
+                  <a:srgbClr val="000000"/>
+                </a:solidFill>
+              </a:defRPr>
+            </a:pPr>
+            <a:r>
+              <a:t>Fabriken als Singletons</a:t>
+            </a:r>
+          </a:p>
+          <a:p>
+            <a:pPr marL="609600" indent="-609600" algn="l">
+              <a:lnSpc>
+                <a:spcPct val="90000"/>
+              </a:lnSpc>
+              <a:spcBef>
+                <a:spcPts val="4500"/>
+              </a:spcBef>
+              <a:buSzPct val="123000"/>
+              <a:buChar char="•"/>
+              <a:defRPr sz="4800">
+                <a:solidFill>
+                  <a:srgbClr val="000000"/>
+                </a:solidFill>
+              </a:defRPr>
+            </a:pPr>
+            <a:r>
+              <a:t>Variierung der Erzeugung der Produkte in den Fabriken (z.B. durch Fabrikmethode oder Prototype, etc)</a:t>
+            </a:r>
+          </a:p>
+        </p:txBody>
+      </p:sp>
       <p:pic>
         <p:nvPicPr>
-          <p:cNvPr id="312" name="01. Abstract Factory.jpg" descr="01. Abstract Factory.jpg"/>
+          <p:cNvPr id="312" name="Screen Shot 2020-12-10 at 10.57.28.png" descr="Screen Shot 2020-12-10 at 10.57.28.png"/>
           <p:cNvPicPr>
             <a:picLocks noChangeAspect="1"/>
           </p:cNvPicPr>
@@ -9263,8 +9269,8 @@
         </p:blipFill>
         <p:spPr>
           <a:xfrm>
-            <a:off x="1285804" y="1219341"/>
-            <a:ext cx="21812392" cy="11277318"/>
+            <a:off x="5543806" y="6367425"/>
+            <a:ext cx="13296388" cy="6606557"/>
           </a:xfrm>
           <a:prstGeom prst="rect">
             <a:avLst/>
@@ -9274,6 +9280,48 @@
           </a:ln>
         </p:spPr>
       </p:pic>
+      <p:sp>
+        <p:nvSpPr>
+          <p:cNvPr id="313" name="Quelle: https://refactoring.guru/images/patterns/content/abstract-factory/abstract-factory-comic-1-en-2x.png"/>
+          <p:cNvSpPr txBox="1"/>
+          <p:nvPr/>
+        </p:nvSpPr>
+        <p:spPr>
+          <a:xfrm>
+            <a:off x="4669231" y="12921791"/>
+            <a:ext cx="15045538" cy="461367"/>
+          </a:xfrm>
+          <a:prstGeom prst="rect">
+            <a:avLst/>
+          </a:prstGeom>
+          <a:ln w="12700">
+            <a:miter lim="400000"/>
+          </a:ln>
+          <a:extLst>
+            <a:ext uri="{C572A759-6A51-4108-AA02-DFA0A04FC94B}">
+              <ma14:wrappingTextBoxFlag xmlns:ma14="http://schemas.microsoft.com/office/mac/drawingml/2011/main" val="1"/>
+            </a:ext>
+          </a:extLst>
+        </p:spPr>
+        <p:txBody>
+          <a:bodyPr wrap="none" lIns="50800" tIns="50800" rIns="50800" bIns="50800" anchor="ctr">
+            <a:spAutoFit/>
+          </a:bodyPr>
+          <a:lstStyle/>
+          <a:p>
+            <a:pPr/>
+            <a:r>
+              <a:t>Quelle: </a:t>
+            </a:r>
+            <a:r>
+              <a:rPr u="sng">
+                <a:hlinkClick r:id="rId3" invalidUrl="" action="" tgtFrame="" tooltip="" history="1" highlightClick="0" endSnd="0"/>
+              </a:rPr>
+              <a:t>https://refactoring.guru/images/patterns/content/abstract-factory/abstract-factory-comic-1-en-2x.png</a:t>
+            </a:r>
+          </a:p>
+        </p:txBody>
+      </p:sp>
     </p:spTree>
   </p:cSld>
   <p:clrMapOvr>
@@ -9300,30 +9348,35 @@
           <a:chExt cx="0" cy="0"/>
         </a:xfrm>
       </p:grpSpPr>
-      <p:sp>
-        <p:nvSpPr>
-          <p:cNvPr id="314" name="Code-Beispiel"/>
-          <p:cNvSpPr txBox="1"/>
-          <p:nvPr>
-            <p:ph type="body" sz="half" idx="1"/>
-          </p:nvPr>
-        </p:nvSpPr>
-        <p:spPr>
-          <a:prstGeom prst="rect">
-            <a:avLst/>
-          </a:prstGeom>
-        </p:spPr>
-        <p:txBody>
-          <a:bodyPr/>
-          <a:lstStyle/>
-          <a:p>
-            <a:pPr/>
-            <a:r>
-              <a:t>Code-Beispiel</a:t>
-            </a:r>
-          </a:p>
-        </p:txBody>
-      </p:sp>
+      <p:pic>
+        <p:nvPicPr>
+          <p:cNvPr id="315" name="01. Abstract Factory.jpg" descr="01. Abstract Factory.jpg"/>
+          <p:cNvPicPr>
+            <a:picLocks noChangeAspect="1"/>
+          </p:cNvPicPr>
+          <p:nvPr/>
+        </p:nvPicPr>
+        <p:blipFill>
+          <a:blip r:embed="rId2">
+            <a:extLst/>
+          </a:blip>
+          <a:stretch>
+            <a:fillRect/>
+          </a:stretch>
+        </p:blipFill>
+        <p:spPr>
+          <a:xfrm>
+            <a:off x="1285804" y="1219341"/>
+            <a:ext cx="21812392" cy="11277318"/>
+          </a:xfrm>
+          <a:prstGeom prst="rect">
+            <a:avLst/>
+          </a:prstGeom>
+          <a:ln w="12700">
+            <a:miter lim="400000"/>
+          </a:ln>
+        </p:spPr>
+      </p:pic>
     </p:spTree>
   </p:cSld>
   <p:clrMapOvr>
@@ -9352,7 +9405,7 @@
       </p:grpSpPr>
       <p:sp>
         <p:nvSpPr>
-          <p:cNvPr id="316" name="Fragen?"/>
+          <p:cNvPr id="317" name="Code-Beispiel"/>
           <p:cNvSpPr txBox="1"/>
           <p:nvPr>
             <p:ph type="body" sz="half" idx="1"/>
@@ -9369,7 +9422,7 @@
           <a:p>
             <a:pPr/>
             <a:r>
-              <a:t>Fragen?</a:t>
+              <a:t>Code-Beispiel</a:t>
             </a:r>
           </a:p>
         </p:txBody>
@@ -9402,10 +9455,120 @@
       </p:grpSpPr>
       <p:sp>
         <p:nvSpPr>
-          <p:cNvPr id="169" name="„Software entities … should be open for extension, but closed for modification.“"/>
+          <p:cNvPr id="169" name="Abstrahieren des Instanziierungsprozesses…"/>
+          <p:cNvSpPr txBox="1"/>
+          <p:nvPr/>
+        </p:nvSpPr>
+        <p:spPr>
+          <a:xfrm>
+            <a:off x="874831" y="2870956"/>
+            <a:ext cx="22634338" cy="4482583"/>
+          </a:xfrm>
+          <a:prstGeom prst="rect">
+            <a:avLst/>
+          </a:prstGeom>
+          <a:ln w="12700">
+            <a:miter lim="400000"/>
+          </a:ln>
+          <a:extLst>
+            <a:ext uri="{C572A759-6A51-4108-AA02-DFA0A04FC94B}">
+              <ma14:wrappingTextBoxFlag xmlns:ma14="http://schemas.microsoft.com/office/mac/drawingml/2011/main" val="1"/>
+            </a:ext>
+          </a:extLst>
+        </p:spPr>
+        <p:txBody>
+          <a:bodyPr lIns="50800" tIns="50800" rIns="50800" bIns="50800" anchor="ctr">
+            <a:spAutoFit/>
+          </a:bodyPr>
+          <a:lstStyle/>
+          <a:p>
+            <a:pPr marL="609600" indent="-609600" algn="l">
+              <a:lnSpc>
+                <a:spcPct val="90000"/>
+              </a:lnSpc>
+              <a:spcBef>
+                <a:spcPts val="4500"/>
+              </a:spcBef>
+              <a:buSzPct val="123000"/>
+              <a:buChar char="•"/>
+              <a:defRPr sz="4800">
+                <a:solidFill>
+                  <a:srgbClr val="000000"/>
+                </a:solidFill>
+              </a:defRPr>
+            </a:pPr>
+            <a:r>
+              <a:t>Abstrahieren des Instanziierungsprozesses</a:t>
+            </a:r>
+          </a:p>
+          <a:p>
+            <a:pPr marL="609600" indent="-609600" algn="l">
+              <a:lnSpc>
+                <a:spcPct val="90000"/>
+              </a:lnSpc>
+              <a:spcBef>
+                <a:spcPts val="4500"/>
+              </a:spcBef>
+              <a:buSzPct val="123000"/>
+              <a:buChar char="•"/>
+              <a:defRPr sz="4800">
+                <a:solidFill>
+                  <a:srgbClr val="000000"/>
+                </a:solidFill>
+              </a:defRPr>
+            </a:pPr>
+            <a:r>
+              <a:t>Aufteilung in klassen- und objektbasierte Muster</a:t>
+            </a:r>
+          </a:p>
+          <a:p>
+            <a:pPr marL="609600" indent="-609600" algn="l">
+              <a:lnSpc>
+                <a:spcPct val="90000"/>
+              </a:lnSpc>
+              <a:spcBef>
+                <a:spcPts val="4500"/>
+              </a:spcBef>
+              <a:buSzPct val="123000"/>
+              <a:buChar char="•"/>
+              <a:defRPr sz="4800">
+                <a:solidFill>
+                  <a:srgbClr val="000000"/>
+                </a:solidFill>
+              </a:defRPr>
+            </a:pPr>
+            <a:r>
+              <a:t>Verwendung von Objektkomposition und Dependency Inversion</a:t>
+            </a:r>
+          </a:p>
+          <a:p>
+            <a:pPr marL="609600" indent="-609600" algn="l">
+              <a:lnSpc>
+                <a:spcPct val="90000"/>
+              </a:lnSpc>
+              <a:spcBef>
+                <a:spcPts val="4500"/>
+              </a:spcBef>
+              <a:buSzPct val="123000"/>
+              <a:buChar char="•"/>
+              <a:defRPr sz="4800">
+                <a:solidFill>
+                  <a:srgbClr val="000000"/>
+                </a:solidFill>
+              </a:defRPr>
+            </a:pPr>
+            <a:r>
+              <a:t>Kapselung der konkreten Klassen + Verbergung der Erzeugung</a:t>
+            </a:r>
+          </a:p>
+        </p:txBody>
+      </p:sp>
+      <p:sp>
+        <p:nvSpPr>
+          <p:cNvPr id="170" name="Bedeutung der Erzeugungsmuster"/>
           <p:cNvSpPr txBox="1"/>
           <p:nvPr>
-            <p:ph type="body" sz="half" idx="1"/>
+            <p:ph type="title" idx="4294967295"/>
           </p:nvPr>
         </p:nvSpPr>
         <p:spPr>
@@ -9415,25 +9578,12 @@
         </p:spPr>
         <p:txBody>
           <a:bodyPr/>
-          <a:lstStyle>
-            <a:lvl1pPr algn="l" defTabSz="457200">
-              <a:lnSpc>
-                <a:spcPts val="7700"/>
-              </a:lnSpc>
-              <a:defRPr i="1" spc="0" sz="5300">
-                <a:latin typeface="Times Roman"/>
-                <a:ea typeface="Times Roman"/>
-                <a:cs typeface="Times Roman"/>
-                <a:sym typeface="Times Roman"/>
-              </a:defRPr>
-            </a:lvl1pPr>
-          </a:lstStyle>
-          <a:p>
-            <a:pPr/>
-            <a:r>
-              <a:t>„Software entities … should be open for extension, but closed for modification.“</a:t>
-            </a:r>
-            <a:endParaRPr i="0"/>
+          <a:lstStyle/>
+          <a:p>
+            <a:pPr/>
+            <a:r>
+              <a:t>Bedeutung der Erzeugungsmuster</a:t>
+            </a:r>
           </a:p>
         </p:txBody>
       </p:sp>
@@ -9465,7 +9615,57 @@
       </p:grpSpPr>
       <p:sp>
         <p:nvSpPr>
-          <p:cNvPr id="318" name="Happy Coding! :)"/>
+          <p:cNvPr id="319" name="Fragen?"/>
+          <p:cNvSpPr txBox="1"/>
+          <p:nvPr>
+            <p:ph type="body" sz="half" idx="1"/>
+          </p:nvPr>
+        </p:nvSpPr>
+        <p:spPr>
+          <a:prstGeom prst="rect">
+            <a:avLst/>
+          </a:prstGeom>
+        </p:spPr>
+        <p:txBody>
+          <a:bodyPr/>
+          <a:lstStyle/>
+          <a:p>
+            <a:pPr/>
+            <a:r>
+              <a:t>Fragen?</a:t>
+            </a:r>
+          </a:p>
+        </p:txBody>
+      </p:sp>
+    </p:spTree>
+  </p:cSld>
+  <p:clrMapOvr>
+    <a:masterClrMapping/>
+  </p:clrMapOvr>
+  <p:transition xmlns:p14="http://schemas.microsoft.com/office/powerpoint/2010/main" spd="med" advClick="1"/>
+</p:sld>
+</file>
+
+<file path=ppt/slides/slide51.xml><?xml version="1.0" encoding="utf-8"?>
+<p:sld xmlns:a="http://schemas.openxmlformats.org/drawingml/2006/main" xmlns:r="http://schemas.openxmlformats.org/officeDocument/2006/relationships" xmlns:p="http://schemas.openxmlformats.org/presentationml/2006/main" xmlns:m="http://schemas.openxmlformats.org/officeDocument/2006/math" xmlns:a14="http://schemas.microsoft.com/office/drawing/2010/main" showMasterSp="1" showMasterPhAnim="1">
+  <p:cSld>
+    <p:spTree>
+      <p:nvGrpSpPr>
+        <p:cNvPr id="1" name=""/>
+        <p:cNvGrpSpPr/>
+        <p:nvPr/>
+      </p:nvGrpSpPr>
+      <p:grpSpPr>
+        <a:xfrm>
+          <a:off x="0" y="0"/>
+          <a:ext cx="0" cy="0"/>
+          <a:chOff x="0" y="0"/>
+          <a:chExt cx="0" cy="0"/>
+        </a:xfrm>
+      </p:grpSpPr>
+      <p:sp>
+        <p:nvSpPr>
+          <p:cNvPr id="321" name="Happy Coding! :)"/>
           <p:cNvSpPr txBox="1"/>
           <p:nvPr>
             <p:ph type="body" sz="half" idx="1"/>
@@ -9513,41 +9713,12 @@
           <a:chExt cx="0" cy="0"/>
         </a:xfrm>
       </p:grpSpPr>
-      <p:pic>
-        <p:nvPicPr>
-          <p:cNvPr id="171" name="object composition with interfaces.jpg" descr="object composition with interfaces.jpg"/>
-          <p:cNvPicPr>
-            <a:picLocks noChangeAspect="1"/>
-          </p:cNvPicPr>
-          <p:nvPr/>
-        </p:nvPicPr>
-        <p:blipFill>
-          <a:blip r:embed="rId2">
-            <a:extLst/>
-          </a:blip>
-          <a:stretch>
-            <a:fillRect/>
-          </a:stretch>
-        </p:blipFill>
-        <p:spPr>
-          <a:xfrm>
-            <a:off x="4285437" y="3708829"/>
-            <a:ext cx="15813127" cy="8820162"/>
-          </a:xfrm>
-          <a:prstGeom prst="rect">
-            <a:avLst/>
-          </a:prstGeom>
-          <a:ln w="12700">
-            <a:miter lim="400000"/>
-          </a:ln>
-        </p:spPr>
-      </p:pic>
-      <p:sp>
-        <p:nvSpPr>
-          <p:cNvPr id="172" name="Object Composition &amp; Dependency Inversion"/>
+      <p:sp>
+        <p:nvSpPr>
+          <p:cNvPr id="172" name="„Software entities … should be open for extension, but closed for modification.“"/>
           <p:cNvSpPr txBox="1"/>
           <p:nvPr>
-            <p:ph type="title" idx="4294967295"/>
+            <p:ph type="body" sz="half" idx="1"/>
           </p:nvPr>
         </p:nvSpPr>
         <p:spPr>
@@ -9558,15 +9729,24 @@
         <p:txBody>
           <a:bodyPr/>
           <a:lstStyle>
-            <a:lvl1pPr defTabSz="2389572">
-              <a:defRPr spc="-166" sz="8330"/>
+            <a:lvl1pPr algn="l" defTabSz="457200">
+              <a:lnSpc>
+                <a:spcPts val="7700"/>
+              </a:lnSpc>
+              <a:defRPr i="1" spc="0" sz="5300">
+                <a:latin typeface="Times Roman"/>
+                <a:ea typeface="Times Roman"/>
+                <a:cs typeface="Times Roman"/>
+                <a:sym typeface="Times Roman"/>
+              </a:defRPr>
             </a:lvl1pPr>
           </a:lstStyle>
           <a:p>
             <a:pPr/>
             <a:r>
-              <a:t>Object Composition &amp; Dependency Inversion</a:t>
-            </a:r>
+              <a:t>„Software entities … should be open for extension, but closed for modification.“</a:t>
+            </a:r>
+            <a:endParaRPr i="0"/>
           </a:p>
         </p:txBody>
       </p:sp>
@@ -9596,106 +9776,16 @@
           <a:chExt cx="0" cy="0"/>
         </a:xfrm>
       </p:grpSpPr>
-      <p:sp>
-        <p:nvSpPr>
-          <p:cNvPr id="174" name="Singleton"/>
-          <p:cNvSpPr txBox="1"/>
-          <p:nvPr>
-            <p:ph type="title"/>
-          </p:nvPr>
-        </p:nvSpPr>
-        <p:spPr>
-          <a:prstGeom prst="rect">
-            <a:avLst/>
-          </a:prstGeom>
-        </p:spPr>
-        <p:txBody>
-          <a:bodyPr/>
-          <a:lstStyle/>
-          <a:p>
-            <a:pPr/>
-            <a:r>
-              <a:t>Singleton</a:t>
-            </a:r>
-          </a:p>
-        </p:txBody>
-      </p:sp>
-      <p:sp>
-        <p:nvSpPr>
-          <p:cNvPr id="175" name="Singleton"/>
-          <p:cNvSpPr txBox="1"/>
-          <p:nvPr>
-            <p:ph type="body" sz="quarter" idx="1"/>
-          </p:nvPr>
-        </p:nvSpPr>
-        <p:spPr>
-          <a:prstGeom prst="rect">
-            <a:avLst/>
-          </a:prstGeom>
-        </p:spPr>
-        <p:txBody>
-          <a:bodyPr/>
-          <a:lstStyle/>
-          <a:p>
-            <a:pPr/>
-            <a:r>
-              <a:t>Singleton</a:t>
-            </a:r>
-          </a:p>
-        </p:txBody>
-      </p:sp>
-      <p:sp>
-        <p:nvSpPr>
-          <p:cNvPr id="176" name="Quelle: https://refactoring.guru/design-patterns/singleton"/>
-          <p:cNvSpPr txBox="1"/>
-          <p:nvPr/>
-        </p:nvSpPr>
-        <p:spPr>
-          <a:xfrm>
-            <a:off x="11486830" y="12323138"/>
-            <a:ext cx="7887616" cy="461367"/>
-          </a:xfrm>
-          <a:prstGeom prst="rect">
-            <a:avLst/>
-          </a:prstGeom>
-          <a:ln w="12700">
-            <a:miter lim="400000"/>
-          </a:ln>
-          <a:extLst>
-            <a:ext uri="{C572A759-6A51-4108-AA02-DFA0A04FC94B}">
-              <ma14:wrappingTextBoxFlag xmlns:ma14="http://schemas.microsoft.com/office/mac/drawingml/2011/main" val="1"/>
-            </a:ext>
-          </a:extLst>
-        </p:spPr>
-        <p:txBody>
-          <a:bodyPr wrap="none" lIns="50800" tIns="50800" rIns="50800" bIns="50800" anchor="ctr">
-            <a:spAutoFit/>
-          </a:bodyPr>
-          <a:lstStyle/>
-          <a:p>
-            <a:pPr/>
-            <a:r>
-              <a:t>Quelle: </a:t>
-            </a:r>
-            <a:r>
-              <a:rPr u="sng">
-                <a:hlinkClick r:id="rId2" invalidUrl="" action="" tgtFrame="" tooltip="" history="1" highlightClick="0" endSnd="0"/>
-              </a:rPr>
-              <a:t>https://refactoring.guru/design-patterns/singleton</a:t>
-            </a:r>
-          </a:p>
-        </p:txBody>
-      </p:sp>
       <p:pic>
         <p:nvPicPr>
-          <p:cNvPr id="177" name="Image" descr="Image"/>
+          <p:cNvPr id="174" name="object composition with interfaces.jpg" descr="object composition with interfaces.jpg"/>
           <p:cNvPicPr>
             <a:picLocks noChangeAspect="1"/>
           </p:cNvPicPr>
           <p:nvPr/>
         </p:nvPicPr>
         <p:blipFill>
-          <a:blip r:embed="rId3">
+          <a:blip r:embed="rId2">
             <a:extLst/>
           </a:blip>
           <a:stretch>
@@ -9704,8 +9794,8 @@
         </p:blipFill>
         <p:spPr>
           <a:xfrm>
-            <a:off x="7128726" y="1669305"/>
-            <a:ext cx="16603823" cy="10377390"/>
+            <a:off x="4285437" y="3708829"/>
+            <a:ext cx="15813127" cy="8820162"/>
           </a:xfrm>
           <a:prstGeom prst="rect">
             <a:avLst/>
@@ -9715,6 +9805,34 @@
           </a:ln>
         </p:spPr>
       </p:pic>
+      <p:sp>
+        <p:nvSpPr>
+          <p:cNvPr id="175" name="Object Composition &amp; Dependency Inversion"/>
+          <p:cNvSpPr txBox="1"/>
+          <p:nvPr>
+            <p:ph type="title" idx="4294967295"/>
+          </p:nvPr>
+        </p:nvSpPr>
+        <p:spPr>
+          <a:prstGeom prst="rect">
+            <a:avLst/>
+          </a:prstGeom>
+        </p:spPr>
+        <p:txBody>
+          <a:bodyPr/>
+          <a:lstStyle>
+            <a:lvl1pPr defTabSz="2389572">
+              <a:defRPr spc="-166" sz="8330"/>
+            </a:lvl1pPr>
+          </a:lstStyle>
+          <a:p>
+            <a:pPr/>
+            <a:r>
+              <a:t>Object Composition &amp; Dependency Inversion</a:t>
+            </a:r>
+          </a:p>
+        </p:txBody>
+      </p:sp>
     </p:spTree>
   </p:cSld>
   <p:clrMapOvr>
@@ -9743,10 +9861,10 @@
       </p:grpSpPr>
       <p:sp>
         <p:nvSpPr>
-          <p:cNvPr id="179" name="Demo"/>
+          <p:cNvPr id="177" name="Singleton"/>
           <p:cNvSpPr txBox="1"/>
           <p:nvPr>
-            <p:ph type="body" sz="half" idx="1"/>
+            <p:ph type="title"/>
           </p:nvPr>
         </p:nvSpPr>
         <p:spPr>
@@ -9760,11 +9878,106 @@
           <a:p>
             <a:pPr/>
             <a:r>
-              <a:t>Demo</a:t>
-            </a:r>
-          </a:p>
-        </p:txBody>
-      </p:sp>
+              <a:t>Singleton</a:t>
+            </a:r>
+          </a:p>
+        </p:txBody>
+      </p:sp>
+      <p:sp>
+        <p:nvSpPr>
+          <p:cNvPr id="178" name="Singleton"/>
+          <p:cNvSpPr txBox="1"/>
+          <p:nvPr>
+            <p:ph type="body" sz="quarter" idx="1"/>
+          </p:nvPr>
+        </p:nvSpPr>
+        <p:spPr>
+          <a:prstGeom prst="rect">
+            <a:avLst/>
+          </a:prstGeom>
+        </p:spPr>
+        <p:txBody>
+          <a:bodyPr/>
+          <a:lstStyle/>
+          <a:p>
+            <a:pPr/>
+            <a:r>
+              <a:t>Singleton</a:t>
+            </a:r>
+          </a:p>
+        </p:txBody>
+      </p:sp>
+      <p:sp>
+        <p:nvSpPr>
+          <p:cNvPr id="179" name="Quelle: https://refactoring.guru/design-patterns/singleton"/>
+          <p:cNvSpPr txBox="1"/>
+          <p:nvPr/>
+        </p:nvSpPr>
+        <p:spPr>
+          <a:xfrm>
+            <a:off x="11486830" y="12323138"/>
+            <a:ext cx="7887616" cy="461367"/>
+          </a:xfrm>
+          <a:prstGeom prst="rect">
+            <a:avLst/>
+          </a:prstGeom>
+          <a:ln w="12700">
+            <a:miter lim="400000"/>
+          </a:ln>
+          <a:extLst>
+            <a:ext uri="{C572A759-6A51-4108-AA02-DFA0A04FC94B}">
+              <ma14:wrappingTextBoxFlag xmlns:ma14="http://schemas.microsoft.com/office/mac/drawingml/2011/main" val="1"/>
+            </a:ext>
+          </a:extLst>
+        </p:spPr>
+        <p:txBody>
+          <a:bodyPr wrap="none" lIns="50800" tIns="50800" rIns="50800" bIns="50800" anchor="ctr">
+            <a:spAutoFit/>
+          </a:bodyPr>
+          <a:lstStyle/>
+          <a:p>
+            <a:pPr/>
+            <a:r>
+              <a:t>Quelle: </a:t>
+            </a:r>
+            <a:r>
+              <a:rPr u="sng">
+                <a:hlinkClick r:id="rId2" invalidUrl="" action="" tgtFrame="" tooltip="" history="1" highlightClick="0" endSnd="0"/>
+              </a:rPr>
+              <a:t>https://refactoring.guru/design-patterns/singleton</a:t>
+            </a:r>
+          </a:p>
+        </p:txBody>
+      </p:sp>
+      <p:pic>
+        <p:nvPicPr>
+          <p:cNvPr id="180" name="Image" descr="Image"/>
+          <p:cNvPicPr>
+            <a:picLocks noChangeAspect="1"/>
+          </p:cNvPicPr>
+          <p:nvPr/>
+        </p:nvPicPr>
+        <p:blipFill>
+          <a:blip r:embed="rId3">
+            <a:extLst/>
+          </a:blip>
+          <a:stretch>
+            <a:fillRect/>
+          </a:stretch>
+        </p:blipFill>
+        <p:spPr>
+          <a:xfrm>
+            <a:off x="7128726" y="1669305"/>
+            <a:ext cx="16603823" cy="10377390"/>
+          </a:xfrm>
+          <a:prstGeom prst="rect">
+            <a:avLst/>
+          </a:prstGeom>
+          <a:ln w="12700">
+            <a:miter lim="400000"/>
+          </a:ln>
+        </p:spPr>
+      </p:pic>
     </p:spTree>
   </p:cSld>
   <p:clrMapOvr>
@@ -9791,35 +10004,30 @@
           <a:chExt cx="0" cy="0"/>
         </a:xfrm>
       </p:grpSpPr>
-      <p:pic>
-        <p:nvPicPr>
-          <p:cNvPr id="181" name="02. Singleton example.jpg" descr="02. Singleton example.jpg"/>
-          <p:cNvPicPr>
-            <a:picLocks noChangeAspect="1"/>
-          </p:cNvPicPr>
-          <p:nvPr/>
-        </p:nvPicPr>
-        <p:blipFill>
-          <a:blip r:embed="rId2">
-            <a:extLst/>
-          </a:blip>
-          <a:stretch>
-            <a:fillRect/>
-          </a:stretch>
-        </p:blipFill>
-        <p:spPr>
-          <a:xfrm>
-            <a:off x="8640143" y="2537343"/>
-            <a:ext cx="7103714" cy="8641314"/>
-          </a:xfrm>
-          <a:prstGeom prst="rect">
-            <a:avLst/>
-          </a:prstGeom>
-          <a:ln w="12700">
-            <a:miter lim="400000"/>
-          </a:ln>
-        </p:spPr>
-      </p:pic>
+      <p:sp>
+        <p:nvSpPr>
+          <p:cNvPr id="182" name="Demo"/>
+          <p:cNvSpPr txBox="1"/>
+          <p:nvPr>
+            <p:ph type="body" sz="half" idx="1"/>
+          </p:nvPr>
+        </p:nvSpPr>
+        <p:spPr>
+          <a:prstGeom prst="rect">
+            <a:avLst/>
+          </a:prstGeom>
+        </p:spPr>
+        <p:txBody>
+          <a:bodyPr/>
+          <a:lstStyle/>
+          <a:p>
+            <a:pPr/>
+            <a:r>
+              <a:t>Demo</a:t>
+            </a:r>
+          </a:p>
+        </p:txBody>
+      </p:sp>
     </p:spTree>
   </p:cSld>
   <p:clrMapOvr>
